--- a/06_PresentationUpdates/Radar_ResearchProject.pptx
+++ b/06_PresentationUpdates/Radar_ResearchProject.pptx
@@ -5,7 +5,7 @@
     <p:sldMasterId id="2147483648" r:id="rId1"/>
   </p:sldMasterIdLst>
   <p:notesMasterIdLst>
-    <p:notesMasterId r:id="rId16"/>
+    <p:notesMasterId r:id="rId18"/>
   </p:notesMasterIdLst>
   <p:sldIdLst>
     <p:sldId id="380" r:id="rId2"/>
@@ -21,7 +21,9 @@
     <p:sldId id="390" r:id="rId12"/>
     <p:sldId id="392" r:id="rId13"/>
     <p:sldId id="384" r:id="rId14"/>
-    <p:sldId id="385" r:id="rId15"/>
+    <p:sldId id="394" r:id="rId15"/>
+    <p:sldId id="395" r:id="rId16"/>
+    <p:sldId id="385" r:id="rId17"/>
   </p:sldIdLst>
   <p:sldSz cx="9144000" cy="6858000" type="screen4x3"/>
   <p:notesSz cx="6858000" cy="9144000"/>
@@ -152,7 +154,7 @@
 <file path=ppt/revisionInfo.xml><?xml version="1.0" encoding="utf-8"?>
 <p1510:revInfo xmlns:a="http://schemas.openxmlformats.org/drawingml/2006/main" xmlns:r="http://schemas.openxmlformats.org/officeDocument/2006/relationships" xmlns:p1510="http://schemas.microsoft.com/office/powerpoint/2015/10/main">
   <p1510:revLst>
-    <p1510:client id="{3EEDBE9C-CDEC-4FEA-847B-FED80D2BA3BB}" v="24" dt="2025-05-05T10:18:31.243"/>
+    <p1510:client id="{3EEDBE9C-CDEC-4FEA-847B-FED80D2BA3BB}" v="118" dt="2025-05-23T10:43:39.094"/>
   </p1510:revLst>
 </p1510:revInfo>
 </file>
@@ -162,7 +164,7 @@
   <pc:docChgLst>
     <pc:chgData name="Luis Fernando Rodriguez Gutierrez" userId="47d13518-703e-4604-b449-ba54b8feb907" providerId="ADAL" clId="{3EEDBE9C-CDEC-4FEA-847B-FED80D2BA3BB}"/>
     <pc:docChg chg="undo custSel addSld modSld">
-      <pc:chgData name="Luis Fernando Rodriguez Gutierrez" userId="47d13518-703e-4604-b449-ba54b8feb907" providerId="ADAL" clId="{3EEDBE9C-CDEC-4FEA-847B-FED80D2BA3BB}" dt="2025-05-05T10:18:36.288" v="618" actId="20577"/>
+      <pc:chgData name="Luis Fernando Rodriguez Gutierrez" userId="47d13518-703e-4604-b449-ba54b8feb907" providerId="ADAL" clId="{3EEDBE9C-CDEC-4FEA-847B-FED80D2BA3BB}" dt="2025-05-23T10:47:40.785" v="797" actId="1076"/>
       <pc:docMkLst>
         <pc:docMk/>
       </pc:docMkLst>
@@ -178,14 +180,6 @@
             <pc:docMk/>
             <pc:sldMk cId="613601681" sldId="383"/>
             <ac:spMk id="2" creationId="{5D8C022B-4AA6-9F3F-D512-F3D151813D9A}"/>
-          </ac:spMkLst>
-        </pc:spChg>
-        <pc:spChg chg="del">
-          <ac:chgData name="Luis Fernando Rodriguez Gutierrez" userId="47d13518-703e-4604-b449-ba54b8feb907" providerId="ADAL" clId="{3EEDBE9C-CDEC-4FEA-847B-FED80D2BA3BB}" dt="2025-05-05T10:00:23.171" v="7" actId="478"/>
-          <ac:spMkLst>
-            <pc:docMk/>
-            <pc:sldMk cId="613601681" sldId="383"/>
-            <ac:spMk id="3" creationId="{9CD35DD5-6460-F475-48FB-2DDA6BBD9DBD}"/>
           </ac:spMkLst>
         </pc:spChg>
         <pc:spChg chg="add mod">
@@ -205,6 +199,93 @@
           </ac:spMkLst>
         </pc:spChg>
       </pc:sldChg>
+      <pc:sldChg chg="addSp delSp modSp mod">
+        <pc:chgData name="Luis Fernando Rodriguez Gutierrez" userId="47d13518-703e-4604-b449-ba54b8feb907" providerId="ADAL" clId="{3EEDBE9C-CDEC-4FEA-847B-FED80D2BA3BB}" dt="2025-05-23T10:36:46.418" v="759" actId="1076"/>
+        <pc:sldMkLst>
+          <pc:docMk/>
+          <pc:sldMk cId="2017968030" sldId="384"/>
+        </pc:sldMkLst>
+        <pc:spChg chg="mod">
+          <ac:chgData name="Luis Fernando Rodriguez Gutierrez" userId="47d13518-703e-4604-b449-ba54b8feb907" providerId="ADAL" clId="{3EEDBE9C-CDEC-4FEA-847B-FED80D2BA3BB}" dt="2025-05-23T10:32:48.203" v="634" actId="20577"/>
+          <ac:spMkLst>
+            <pc:docMk/>
+            <pc:sldMk cId="2017968030" sldId="384"/>
+            <ac:spMk id="2" creationId="{0C434159-6366-9D7E-ADFA-E97C81AF1C59}"/>
+          </ac:spMkLst>
+        </pc:spChg>
+        <pc:spChg chg="del">
+          <ac:chgData name="Luis Fernando Rodriguez Gutierrez" userId="47d13518-703e-4604-b449-ba54b8feb907" providerId="ADAL" clId="{3EEDBE9C-CDEC-4FEA-847B-FED80D2BA3BB}" dt="2025-05-23T10:33:47.227" v="636" actId="478"/>
+          <ac:spMkLst>
+            <pc:docMk/>
+            <pc:sldMk cId="2017968030" sldId="384"/>
+            <ac:spMk id="3" creationId="{A83137DA-642A-37AF-D880-4B70BC913D4B}"/>
+          </ac:spMkLst>
+        </pc:spChg>
+        <pc:spChg chg="add">
+          <ac:chgData name="Luis Fernando Rodriguez Gutierrez" userId="47d13518-703e-4604-b449-ba54b8feb907" providerId="ADAL" clId="{3EEDBE9C-CDEC-4FEA-847B-FED80D2BA3BB}" dt="2025-05-23T10:33:43.466" v="635"/>
+          <ac:spMkLst>
+            <pc:docMk/>
+            <pc:sldMk cId="2017968030" sldId="384"/>
+            <ac:spMk id="6" creationId="{F01347D1-8905-D2C2-DA4B-A55A2D5DD1E2}"/>
+          </ac:spMkLst>
+        </pc:spChg>
+        <pc:spChg chg="add mod">
+          <ac:chgData name="Luis Fernando Rodriguez Gutierrez" userId="47d13518-703e-4604-b449-ba54b8feb907" providerId="ADAL" clId="{3EEDBE9C-CDEC-4FEA-847B-FED80D2BA3BB}" dt="2025-05-23T10:33:49.526" v="638" actId="14100"/>
+          <ac:spMkLst>
+            <pc:docMk/>
+            <pc:sldMk cId="2017968030" sldId="384"/>
+            <ac:spMk id="7" creationId="{FE844756-19DC-58C1-0B0A-F00288235E58}"/>
+          </ac:spMkLst>
+        </pc:spChg>
+        <pc:spChg chg="add mod">
+          <ac:chgData name="Luis Fernando Rodriguez Gutierrez" userId="47d13518-703e-4604-b449-ba54b8feb907" providerId="ADAL" clId="{3EEDBE9C-CDEC-4FEA-847B-FED80D2BA3BB}" dt="2025-05-23T10:33:56.164" v="640"/>
+          <ac:spMkLst>
+            <pc:docMk/>
+            <pc:sldMk cId="2017968030" sldId="384"/>
+            <ac:spMk id="8" creationId="{50A5D15A-B2B9-910C-73A1-608161C6CD97}"/>
+          </ac:spMkLst>
+        </pc:spChg>
+        <pc:spChg chg="add mod">
+          <ac:chgData name="Luis Fernando Rodriguez Gutierrez" userId="47d13518-703e-4604-b449-ba54b8feb907" providerId="ADAL" clId="{3EEDBE9C-CDEC-4FEA-847B-FED80D2BA3BB}" dt="2025-05-23T10:36:02.397" v="724" actId="255"/>
+          <ac:spMkLst>
+            <pc:docMk/>
+            <pc:sldMk cId="2017968030" sldId="384"/>
+            <ac:spMk id="9" creationId="{E5A2E8EC-9ABB-27ED-80A5-D4C41B5C78A6}"/>
+          </ac:spMkLst>
+        </pc:spChg>
+        <pc:spChg chg="add mod">
+          <ac:chgData name="Luis Fernando Rodriguez Gutierrez" userId="47d13518-703e-4604-b449-ba54b8feb907" providerId="ADAL" clId="{3EEDBE9C-CDEC-4FEA-847B-FED80D2BA3BB}" dt="2025-05-23T10:36:46.418" v="759" actId="1076"/>
+          <ac:spMkLst>
+            <pc:docMk/>
+            <pc:sldMk cId="2017968030" sldId="384"/>
+            <ac:spMk id="12" creationId="{5887DBB6-B120-3F27-F2CB-4016CCCE4A12}"/>
+          </ac:spMkLst>
+        </pc:spChg>
+        <pc:picChg chg="add mod">
+          <ac:chgData name="Luis Fernando Rodriguez Gutierrez" userId="47d13518-703e-4604-b449-ba54b8feb907" providerId="ADAL" clId="{3EEDBE9C-CDEC-4FEA-847B-FED80D2BA3BB}" dt="2025-05-23T10:34:09.670" v="643" actId="14100"/>
+          <ac:picMkLst>
+            <pc:docMk/>
+            <pc:sldMk cId="2017968030" sldId="384"/>
+            <ac:picMk id="1032" creationId="{8E851703-BB73-6BCF-C8E9-2019BD273E92}"/>
+          </ac:picMkLst>
+        </pc:picChg>
+        <pc:picChg chg="add mod">
+          <ac:chgData name="Luis Fernando Rodriguez Gutierrez" userId="47d13518-703e-4604-b449-ba54b8feb907" providerId="ADAL" clId="{3EEDBE9C-CDEC-4FEA-847B-FED80D2BA3BB}" dt="2025-05-23T10:35:25.666" v="720" actId="962"/>
+          <ac:picMkLst>
+            <pc:docMk/>
+            <pc:sldMk cId="2017968030" sldId="384"/>
+            <ac:picMk id="1034" creationId="{266D4DA0-9BB9-6A26-558E-1BA69549D76A}"/>
+          </ac:picMkLst>
+        </pc:picChg>
+        <pc:cxnChg chg="add">
+          <ac:chgData name="Luis Fernando Rodriguez Gutierrez" userId="47d13518-703e-4604-b449-ba54b8feb907" providerId="ADAL" clId="{3EEDBE9C-CDEC-4FEA-847B-FED80D2BA3BB}" dt="2025-05-23T10:36:13.493" v="725" actId="11529"/>
+          <ac:cxnSpMkLst>
+            <pc:docMk/>
+            <pc:sldMk cId="2017968030" sldId="384"/>
+            <ac:cxnSpMk id="11" creationId="{C8AF9F42-3C9C-D255-7881-9D99C71F7A5A}"/>
+          </ac:cxnSpMkLst>
+        </pc:cxnChg>
+      </pc:sldChg>
       <pc:sldChg chg="addSp delSp modSp new mod">
         <pc:chgData name="Luis Fernando Rodriguez Gutierrez" userId="47d13518-703e-4604-b449-ba54b8feb907" providerId="ADAL" clId="{3EEDBE9C-CDEC-4FEA-847B-FED80D2BA3BB}" dt="2025-05-05T10:12:53.824" v="607" actId="255"/>
         <pc:sldMkLst>
@@ -217,14 +298,6 @@
             <pc:docMk/>
             <pc:sldMk cId="2195414611" sldId="390"/>
             <ac:spMk id="2" creationId="{981FB64C-A448-CB25-01E6-CFE12B0E537D}"/>
-          </ac:spMkLst>
-        </pc:spChg>
-        <pc:spChg chg="del">
-          <ac:chgData name="Luis Fernando Rodriguez Gutierrez" userId="47d13518-703e-4604-b449-ba54b8feb907" providerId="ADAL" clId="{3EEDBE9C-CDEC-4FEA-847B-FED80D2BA3BB}" dt="2025-05-05T10:05:08.445" v="363" actId="478"/>
-          <ac:spMkLst>
-            <pc:docMk/>
-            <pc:sldMk cId="2195414611" sldId="390"/>
-            <ac:spMk id="3" creationId="{4FAE66C4-95B8-CB1C-76DC-E591ECFDE1B2}"/>
           </ac:spMkLst>
         </pc:spChg>
         <pc:picChg chg="add mod">
@@ -241,22 +314,6 @@
             <pc:docMk/>
             <pc:sldMk cId="2195414611" sldId="390"/>
             <ac:picMk id="9" creationId="{2853C5EF-D070-8D84-E07A-9A35592CE1B8}"/>
-          </ac:picMkLst>
-        </pc:picChg>
-        <pc:picChg chg="add del mod">
-          <ac:chgData name="Luis Fernando Rodriguez Gutierrez" userId="47d13518-703e-4604-b449-ba54b8feb907" providerId="ADAL" clId="{3EEDBE9C-CDEC-4FEA-847B-FED80D2BA3BB}" dt="2025-05-05T10:12:08.927" v="591" actId="21"/>
-          <ac:picMkLst>
-            <pc:docMk/>
-            <pc:sldMk cId="2195414611" sldId="390"/>
-            <ac:picMk id="1026" creationId="{AAE02505-870F-E198-8CFC-4D39CB88D226}"/>
-          </ac:picMkLst>
-        </pc:picChg>
-        <pc:picChg chg="add del mod">
-          <ac:chgData name="Luis Fernando Rodriguez Gutierrez" userId="47d13518-703e-4604-b449-ba54b8feb907" providerId="ADAL" clId="{3EEDBE9C-CDEC-4FEA-847B-FED80D2BA3BB}" dt="2025-05-05T10:12:08.927" v="591" actId="21"/>
-          <ac:picMkLst>
-            <pc:docMk/>
-            <pc:sldMk cId="2195414611" sldId="390"/>
-            <ac:picMk id="1028" creationId="{F7C111A6-F244-6EE6-0DFE-5DF80BC82725}"/>
           </ac:picMkLst>
         </pc:picChg>
       </pc:sldChg>
@@ -305,14 +362,6 @@
             <ac:spMk id="2" creationId="{A8EBAA40-D5EB-B48C-98EF-8680860B647F}"/>
           </ac:spMkLst>
         </pc:spChg>
-        <pc:spChg chg="del">
-          <ac:chgData name="Luis Fernando Rodriguez Gutierrez" userId="47d13518-703e-4604-b449-ba54b8feb907" providerId="ADAL" clId="{3EEDBE9C-CDEC-4FEA-847B-FED80D2BA3BB}" dt="2025-05-05T10:12:22.197" v="598" actId="478"/>
-          <ac:spMkLst>
-            <pc:docMk/>
-            <pc:sldMk cId="2384668097" sldId="392"/>
-            <ac:spMk id="3" creationId="{A52B32EB-7BB3-D7DC-2ACE-072FE8D10362}"/>
-          </ac:spMkLst>
-        </pc:spChg>
         <pc:picChg chg="add mod">
           <ac:chgData name="Luis Fernando Rodriguez Gutierrez" userId="47d13518-703e-4604-b449-ba54b8feb907" providerId="ADAL" clId="{3EEDBE9C-CDEC-4FEA-847B-FED80D2BA3BB}" dt="2025-05-05T10:12:29.589" v="600" actId="14100"/>
           <ac:picMkLst>
@@ -344,20 +393,154 @@
             <ac:spMk id="2" creationId="{7B9A4DF1-FFE0-80A9-40B0-E66387B8E5D1}"/>
           </ac:spMkLst>
         </pc:spChg>
-        <pc:picChg chg="del">
-          <ac:chgData name="Luis Fernando Rodriguez Gutierrez" userId="47d13518-703e-4604-b449-ba54b8feb907" providerId="ADAL" clId="{3EEDBE9C-CDEC-4FEA-847B-FED80D2BA3BB}" dt="2025-05-05T10:18:28.673" v="613" actId="478"/>
-          <ac:picMkLst>
-            <pc:docMk/>
-            <pc:sldMk cId="164949636" sldId="393"/>
-            <ac:picMk id="6" creationId="{C35443E2-86BF-B599-56D7-77A277F9346C}"/>
-          </ac:picMkLst>
-        </pc:picChg>
         <pc:picChg chg="add mod">
           <ac:chgData name="Luis Fernando Rodriguez Gutierrez" userId="47d13518-703e-4604-b449-ba54b8feb907" providerId="ADAL" clId="{3EEDBE9C-CDEC-4FEA-847B-FED80D2BA3BB}" dt="2025-05-05T10:18:32.444" v="616" actId="962"/>
           <ac:picMkLst>
             <pc:docMk/>
             <pc:sldMk cId="164949636" sldId="393"/>
             <ac:picMk id="7" creationId="{CE20B763-6854-9A61-A5BD-4F36C3B01DBF}"/>
+          </ac:picMkLst>
+        </pc:picChg>
+      </pc:sldChg>
+      <pc:sldChg chg="addSp delSp modSp add mod">
+        <pc:chgData name="Luis Fernando Rodriguez Gutierrez" userId="47d13518-703e-4604-b449-ba54b8feb907" providerId="ADAL" clId="{3EEDBE9C-CDEC-4FEA-847B-FED80D2BA3BB}" dt="2025-05-23T10:39:25.600" v="785" actId="478"/>
+        <pc:sldMkLst>
+          <pc:docMk/>
+          <pc:sldMk cId="783043861" sldId="394"/>
+        </pc:sldMkLst>
+        <pc:spChg chg="add mod">
+          <ac:chgData name="Luis Fernando Rodriguez Gutierrez" userId="47d13518-703e-4604-b449-ba54b8feb907" providerId="ADAL" clId="{3EEDBE9C-CDEC-4FEA-847B-FED80D2BA3BB}" dt="2025-05-23T10:38:02.057" v="768" actId="1076"/>
+          <ac:spMkLst>
+            <pc:docMk/>
+            <pc:sldMk cId="783043861" sldId="394"/>
+            <ac:spMk id="8" creationId="{8A1E52DF-A6E3-A1EB-A9A9-E057BD95DA90}"/>
+          </ac:spMkLst>
+        </pc:spChg>
+        <pc:spChg chg="del">
+          <ac:chgData name="Luis Fernando Rodriguez Gutierrez" userId="47d13518-703e-4604-b449-ba54b8feb907" providerId="ADAL" clId="{3EEDBE9C-CDEC-4FEA-847B-FED80D2BA3BB}" dt="2025-05-23T10:37:02.379" v="761" actId="478"/>
+          <ac:spMkLst>
+            <pc:docMk/>
+            <pc:sldMk cId="783043861" sldId="394"/>
+            <ac:spMk id="9" creationId="{713610A7-2239-A180-5535-D4C0293D3C9D}"/>
+          </ac:spMkLst>
+        </pc:spChg>
+        <pc:spChg chg="add mod">
+          <ac:chgData name="Luis Fernando Rodriguez Gutierrez" userId="47d13518-703e-4604-b449-ba54b8feb907" providerId="ADAL" clId="{3EEDBE9C-CDEC-4FEA-847B-FED80D2BA3BB}" dt="2025-05-23T10:38:06.689" v="770" actId="1076"/>
+          <ac:spMkLst>
+            <pc:docMk/>
+            <pc:sldMk cId="783043861" sldId="394"/>
+            <ac:spMk id="10" creationId="{A29F2DCA-035D-F7DC-548B-0B64630CDD55}"/>
+          </ac:spMkLst>
+        </pc:spChg>
+        <pc:spChg chg="del">
+          <ac:chgData name="Luis Fernando Rodriguez Gutierrez" userId="47d13518-703e-4604-b449-ba54b8feb907" providerId="ADAL" clId="{3EEDBE9C-CDEC-4FEA-847B-FED80D2BA3BB}" dt="2025-05-23T10:37:02.379" v="761" actId="478"/>
+          <ac:spMkLst>
+            <pc:docMk/>
+            <pc:sldMk cId="783043861" sldId="394"/>
+            <ac:spMk id="12" creationId="{C0E6ACDB-B2EB-4F73-A044-662BE8083130}"/>
+          </ac:spMkLst>
+        </pc:spChg>
+        <pc:spChg chg="add mod">
+          <ac:chgData name="Luis Fernando Rodriguez Gutierrez" userId="47d13518-703e-4604-b449-ba54b8feb907" providerId="ADAL" clId="{3EEDBE9C-CDEC-4FEA-847B-FED80D2BA3BB}" dt="2025-05-23T10:38:12.521" v="772" actId="1076"/>
+          <ac:spMkLst>
+            <pc:docMk/>
+            <pc:sldMk cId="783043861" sldId="394"/>
+            <ac:spMk id="13" creationId="{55A9AB5C-6CFA-6DFE-4946-CF9E933037C7}"/>
+          </ac:spMkLst>
+        </pc:spChg>
+        <pc:spChg chg="add del mod">
+          <ac:chgData name="Luis Fernando Rodriguez Gutierrez" userId="47d13518-703e-4604-b449-ba54b8feb907" providerId="ADAL" clId="{3EEDBE9C-CDEC-4FEA-847B-FED80D2BA3BB}" dt="2025-05-23T10:39:25.600" v="785" actId="478"/>
+          <ac:spMkLst>
+            <pc:docMk/>
+            <pc:sldMk cId="783043861" sldId="394"/>
+            <ac:spMk id="14" creationId="{88CE8961-8AB2-042F-A276-AECF6E07D076}"/>
+          </ac:spMkLst>
+        </pc:spChg>
+        <pc:spChg chg="add del">
+          <ac:chgData name="Luis Fernando Rodriguez Gutierrez" userId="47d13518-703e-4604-b449-ba54b8feb907" providerId="ADAL" clId="{3EEDBE9C-CDEC-4FEA-847B-FED80D2BA3BB}" dt="2025-05-23T10:39:24.907" v="784" actId="478"/>
+          <ac:spMkLst>
+            <pc:docMk/>
+            <pc:sldMk cId="783043861" sldId="394"/>
+            <ac:spMk id="15" creationId="{C71AD8FC-0660-02E0-17A3-153D30A9DF87}"/>
+          </ac:spMkLst>
+        </pc:spChg>
+        <pc:picChg chg="add mod">
+          <ac:chgData name="Luis Fernando Rodriguez Gutierrez" userId="47d13518-703e-4604-b449-ba54b8feb907" providerId="ADAL" clId="{3EEDBE9C-CDEC-4FEA-847B-FED80D2BA3BB}" dt="2025-05-23T10:37:15.460" v="763" actId="1076"/>
+          <ac:picMkLst>
+            <pc:docMk/>
+            <pc:sldMk cId="783043861" sldId="394"/>
+            <ac:picMk id="3" creationId="{0F06296D-F17B-295F-FFCD-C0DB9C1C0D4E}"/>
+          </ac:picMkLst>
+        </pc:picChg>
+        <pc:picChg chg="del">
+          <ac:chgData name="Luis Fernando Rodriguez Gutierrez" userId="47d13518-703e-4604-b449-ba54b8feb907" providerId="ADAL" clId="{3EEDBE9C-CDEC-4FEA-847B-FED80D2BA3BB}" dt="2025-05-23T10:37:02.379" v="761" actId="478"/>
+          <ac:picMkLst>
+            <pc:docMk/>
+            <pc:sldMk cId="783043861" sldId="394"/>
+            <ac:picMk id="1032" creationId="{D32D1703-7400-639A-7BAE-53D1C23492CE}"/>
+          </ac:picMkLst>
+        </pc:picChg>
+        <pc:picChg chg="del">
+          <ac:chgData name="Luis Fernando Rodriguez Gutierrez" userId="47d13518-703e-4604-b449-ba54b8feb907" providerId="ADAL" clId="{3EEDBE9C-CDEC-4FEA-847B-FED80D2BA3BB}" dt="2025-05-23T10:37:02.379" v="761" actId="478"/>
+          <ac:picMkLst>
+            <pc:docMk/>
+            <pc:sldMk cId="783043861" sldId="394"/>
+            <ac:picMk id="1034" creationId="{790870FF-1676-1C11-AD2F-1805BF27B6C3}"/>
+          </ac:picMkLst>
+        </pc:picChg>
+        <pc:cxnChg chg="del">
+          <ac:chgData name="Luis Fernando Rodriguez Gutierrez" userId="47d13518-703e-4604-b449-ba54b8feb907" providerId="ADAL" clId="{3EEDBE9C-CDEC-4FEA-847B-FED80D2BA3BB}" dt="2025-05-23T10:37:02.379" v="761" actId="478"/>
+          <ac:cxnSpMkLst>
+            <pc:docMk/>
+            <pc:sldMk cId="783043861" sldId="394"/>
+            <ac:cxnSpMk id="11" creationId="{007FD5D0-D9DF-9A2F-E7BD-370F00C2640E}"/>
+          </ac:cxnSpMkLst>
+        </pc:cxnChg>
+      </pc:sldChg>
+      <pc:sldChg chg="addSp delSp modSp add mod">
+        <pc:chgData name="Luis Fernando Rodriguez Gutierrez" userId="47d13518-703e-4604-b449-ba54b8feb907" providerId="ADAL" clId="{3EEDBE9C-CDEC-4FEA-847B-FED80D2BA3BB}" dt="2025-05-23T10:47:40.785" v="797" actId="1076"/>
+        <pc:sldMkLst>
+          <pc:docMk/>
+          <pc:sldMk cId="4083828507" sldId="395"/>
+        </pc:sldMkLst>
+        <pc:spChg chg="mod">
+          <ac:chgData name="Luis Fernando Rodriguez Gutierrez" userId="47d13518-703e-4604-b449-ba54b8feb907" providerId="ADAL" clId="{3EEDBE9C-CDEC-4FEA-847B-FED80D2BA3BB}" dt="2025-05-23T10:43:41.081" v="789" actId="20577"/>
+          <ac:spMkLst>
+            <pc:docMk/>
+            <pc:sldMk cId="4083828507" sldId="395"/>
+            <ac:spMk id="2" creationId="{B37974BB-C1C0-8CF7-20D1-08543999D0C0}"/>
+          </ac:spMkLst>
+        </pc:spChg>
+        <pc:picChg chg="add mod">
+          <ac:chgData name="Luis Fernando Rodriguez Gutierrez" userId="47d13518-703e-4604-b449-ba54b8feb907" providerId="ADAL" clId="{3EEDBE9C-CDEC-4FEA-847B-FED80D2BA3BB}" dt="2025-05-23T10:44:04.957" v="792" actId="1076"/>
+          <ac:picMkLst>
+            <pc:docMk/>
+            <pc:sldMk cId="4083828507" sldId="395"/>
+            <ac:picMk id="6" creationId="{023BEE7E-EB5F-FE9D-48E0-95322B169E37}"/>
+          </ac:picMkLst>
+        </pc:picChg>
+        <pc:picChg chg="add mod">
+          <ac:chgData name="Luis Fernando Rodriguez Gutierrez" userId="47d13518-703e-4604-b449-ba54b8feb907" providerId="ADAL" clId="{3EEDBE9C-CDEC-4FEA-847B-FED80D2BA3BB}" dt="2025-05-23T10:47:40.785" v="797" actId="1076"/>
+          <ac:picMkLst>
+            <pc:docMk/>
+            <pc:sldMk cId="4083828507" sldId="395"/>
+            <ac:picMk id="8" creationId="{C8E3DA8E-E4AF-809D-EB1A-42A1892B1E74}"/>
+          </ac:picMkLst>
+        </pc:picChg>
+        <pc:picChg chg="del">
+          <ac:chgData name="Luis Fernando Rodriguez Gutierrez" userId="47d13518-703e-4604-b449-ba54b8feb907" providerId="ADAL" clId="{3EEDBE9C-CDEC-4FEA-847B-FED80D2BA3BB}" dt="2025-05-23T10:43:39.094" v="787" actId="478"/>
+          <ac:picMkLst>
+            <pc:docMk/>
+            <pc:sldMk cId="4083828507" sldId="395"/>
+            <ac:picMk id="1026" creationId="{A748958C-7D47-4AE0-5607-7B3A0B5DB0B4}"/>
+          </ac:picMkLst>
+        </pc:picChg>
+        <pc:picChg chg="del">
+          <ac:chgData name="Luis Fernando Rodriguez Gutierrez" userId="47d13518-703e-4604-b449-ba54b8feb907" providerId="ADAL" clId="{3EEDBE9C-CDEC-4FEA-847B-FED80D2BA3BB}" dt="2025-05-23T10:43:39.094" v="787" actId="478"/>
+          <ac:picMkLst>
+            <pc:docMk/>
+            <pc:sldMk cId="4083828507" sldId="395"/>
+            <ac:picMk id="1028" creationId="{81EC2340-89DD-9957-6B3F-2E7E4A3ADC08}"/>
           </ac:picMkLst>
         </pc:picChg>
       </pc:sldChg>
@@ -1273,7 +1456,7 @@
           <a:p>
             <a:fld id="{914561EA-877F-40EB-BD03-9F9D93CF8F08}" type="datetimeFigureOut">
               <a:rPr lang="en-US" smtClean="0"/>
-              <a:t>5/5/2025</a:t>
+              <a:t>5/23/2025</a:t>
             </a:fld>
             <a:endParaRPr lang="en-US"/>
           </a:p>
@@ -1803,7 +1986,7 @@
           <a:p>
             <a:fld id="{AFA779F1-D9BB-4E74-86A2-2DC123167359}" type="datetime1">
               <a:rPr lang="en-US" smtClean="0"/>
-              <a:t>5/5/2025</a:t>
+              <a:t>5/23/2025</a:t>
             </a:fld>
             <a:endParaRPr lang="en-US" dirty="0"/>
           </a:p>
@@ -1979,7 +2162,7 @@
           <a:p>
             <a:fld id="{BD548D2B-CE3E-4EDD-9649-B6EE9E3C2340}" type="datetime1">
               <a:rPr lang="en-US" smtClean="0"/>
-              <a:t>5/5/2025</a:t>
+              <a:t>5/23/2025</a:t>
             </a:fld>
             <a:endParaRPr lang="en-US"/>
           </a:p>
@@ -2165,7 +2348,7 @@
           <a:p>
             <a:fld id="{ACEBBA4F-0F17-4FF1-AA6C-E0193917BC1E}" type="datetime1">
               <a:rPr lang="en-US" smtClean="0"/>
-              <a:t>5/5/2025</a:t>
+              <a:t>5/23/2025</a:t>
             </a:fld>
             <a:endParaRPr lang="en-US"/>
           </a:p>
@@ -2341,7 +2524,7 @@
           <a:p>
             <a:fld id="{0EFBEC3F-4208-4590-BA97-4119A385DFD9}" type="datetime1">
               <a:rPr lang="en-US" smtClean="0"/>
-              <a:t>5/5/2025</a:t>
+              <a:t>5/23/2025</a:t>
             </a:fld>
             <a:endParaRPr lang="en-US"/>
           </a:p>
@@ -2594,7 +2777,7 @@
           <a:p>
             <a:fld id="{B2D760EB-C9A5-467F-AA36-B176C44BCBF1}" type="datetime1">
               <a:rPr lang="en-US" smtClean="0"/>
-              <a:t>5/5/2025</a:t>
+              <a:t>5/23/2025</a:t>
             </a:fld>
             <a:endParaRPr lang="en-US"/>
           </a:p>
@@ -2887,7 +3070,7 @@
           <a:p>
             <a:fld id="{1C9B5E61-6324-405D-8AF5-05323E47D966}" type="datetime1">
               <a:rPr lang="en-US" smtClean="0"/>
-              <a:t>5/5/2025</a:t>
+              <a:t>5/23/2025</a:t>
             </a:fld>
             <a:endParaRPr lang="en-US"/>
           </a:p>
@@ -3314,7 +3497,7 @@
           <a:p>
             <a:fld id="{4A37807E-A869-4435-A051-311AEF96909D}" type="datetime1">
               <a:rPr lang="en-US" smtClean="0"/>
-              <a:t>5/5/2025</a:t>
+              <a:t>5/23/2025</a:t>
             </a:fld>
             <a:endParaRPr lang="en-US"/>
           </a:p>
@@ -3439,7 +3622,7 @@
           <a:p>
             <a:fld id="{1BC8686A-CD31-4B11-9B8F-A51012174BB0}" type="datetime1">
               <a:rPr lang="en-US" smtClean="0"/>
-              <a:t>5/5/2025</a:t>
+              <a:t>5/23/2025</a:t>
             </a:fld>
             <a:endParaRPr lang="en-US"/>
           </a:p>
@@ -3542,7 +3725,7 @@
           <a:p>
             <a:fld id="{4F4B4EA3-50E0-4631-85EF-BDA8608D293F}" type="datetime1">
               <a:rPr lang="en-US" smtClean="0"/>
-              <a:t>5/5/2025</a:t>
+              <a:t>5/23/2025</a:t>
             </a:fld>
             <a:endParaRPr lang="en-US"/>
           </a:p>
@@ -3825,7 +4008,7 @@
           <a:p>
             <a:fld id="{4BA8B4E6-89B0-4D9D-AC8C-3B8ECDAACC34}" type="datetime1">
               <a:rPr lang="en-US" smtClean="0"/>
-              <a:t>5/5/2025</a:t>
+              <a:t>5/23/2025</a:t>
             </a:fld>
             <a:endParaRPr lang="en-US"/>
           </a:p>
@@ -4085,7 +4268,7 @@
           <a:p>
             <a:fld id="{0A1BBC16-5931-43C3-BDFF-9B248A400D54}" type="datetime1">
               <a:rPr lang="en-US" smtClean="0"/>
-              <a:t>5/5/2025</a:t>
+              <a:t>5/23/2025</a:t>
             </a:fld>
             <a:endParaRPr lang="en-US"/>
           </a:p>
@@ -4396,7 +4579,7 @@
           <a:p>
             <a:fld id="{A7143E5B-78DF-476F-8A09-9FD612E00067}" type="datetime1">
               <a:rPr lang="en-US" smtClean="0"/>
-              <a:t>5/5/2025</a:t>
+              <a:t>5/23/2025</a:t>
             </a:fld>
             <a:endParaRPr lang="en-US" dirty="0"/>
           </a:p>
@@ -4931,7 +5114,7 @@
           <a:p>
             <a:fld id="{1FF5D759-AFA5-4CA4-8536-68E39A72291A}" type="datetime1">
               <a:rPr lang="en-US" smtClean="0"/>
-              <a:t>5/5/2025</a:t>
+              <a:t>5/23/2025</a:t>
             </a:fld>
             <a:endParaRPr lang="en-US" dirty="0"/>
           </a:p>
@@ -5033,7 +5216,7 @@
           <a:p>
             <a:fld id="{0EFBEC3F-4208-4590-BA97-4119A385DFD9}" type="datetime1">
               <a:rPr lang="en-US" smtClean="0"/>
-              <a:t>5/5/2025</a:t>
+              <a:t>5/23/2025</a:t>
             </a:fld>
             <a:endParaRPr lang="en-US"/>
           </a:p>
@@ -5188,7 +5371,7 @@
           <a:p>
             <a:fld id="{0EFBEC3F-4208-4590-BA97-4119A385DFD9}" type="datetime1">
               <a:rPr lang="en-US" smtClean="0"/>
-              <a:t>5/5/2025</a:t>
+              <a:t>5/23/2025</a:t>
             </a:fld>
             <a:endParaRPr lang="en-US"/>
           </a:p>
@@ -5373,7 +5556,7 @@
           <a:p>
             <a:fld id="{0EFBEC3F-4208-4590-BA97-4119A385DFD9}" type="datetime1">
               <a:rPr lang="en-US" smtClean="0"/>
-              <a:t>5/5/2025</a:t>
+              <a:t>5/23/2025</a:t>
             </a:fld>
             <a:endParaRPr lang="en-US"/>
           </a:p>
@@ -5553,39 +5736,26 @@
         <p:spPr/>
         <p:txBody>
           <a:bodyPr>
-            <a:normAutofit/>
+            <a:normAutofit fontScale="90000"/>
           </a:bodyPr>
           <a:lstStyle/>
           <a:p>
             <a:r>
               <a:rPr lang="en-US" dirty="0"/>
-              <a:t>Period Highlight - #</a:t>
-            </a:r>
-          </a:p>
-        </p:txBody>
-      </p:sp>
-      <p:sp>
-        <p:nvSpPr>
-          <p:cNvPr id="3" name="Content Placeholder 2">
-            <a:extLst>
-              <a:ext uri="{FF2B5EF4-FFF2-40B4-BE49-F238E27FC236}">
-                <a16:creationId xmlns:a16="http://schemas.microsoft.com/office/drawing/2014/main" id="{A83137DA-642A-37AF-D880-4B70BC913D4B}"/>
-              </a:ext>
-            </a:extLst>
-          </p:cNvPr>
-          <p:cNvSpPr>
-            <a:spLocks noGrp="1"/>
-          </p:cNvSpPr>
-          <p:nvPr>
-            <p:ph idx="1"/>
-          </p:nvPr>
-        </p:nvSpPr>
-        <p:spPr/>
-        <p:txBody>
-          <a:bodyPr/>
-          <a:lstStyle/>
-          <a:p>
-            <a:endParaRPr lang="en-US"/>
+              <a:t>Period Highlight – 8</a:t>
+            </a:r>
+            <a:br>
+              <a:rPr lang="en-US" dirty="0"/>
+            </a:br>
+            <a:r>
+              <a:rPr lang="en-US" dirty="0"/>
+              <a:t>Software</a:t>
+            </a:r>
+            <a:r>
+              <a:rPr lang="en-US" sz="4400" dirty="0"/>
+              <a:t> Implementations</a:t>
+            </a:r>
+            <a:endParaRPr lang="en-US" dirty="0"/>
           </a:p>
         </p:txBody>
       </p:sp>
@@ -5612,9 +5782,9 @@
           <a:p>
             <a:fld id="{0EFBEC3F-4208-4590-BA97-4119A385DFD9}" type="datetime1">
               <a:rPr lang="en-US" smtClean="0"/>
-              <a:t>5/5/2025</a:t>
+              <a:t>5/23/2025</a:t>
             </a:fld>
-            <a:endParaRPr lang="en-US"/>
+            <a:endParaRPr lang="en-US" dirty="0"/>
           </a:p>
         </p:txBody>
       </p:sp>
@@ -5644,6 +5814,313 @@
               <a:t>13</a:t>
             </a:fld>
             <a:endParaRPr lang="en-US"/>
+          </a:p>
+        </p:txBody>
+      </p:sp>
+      <p:sp>
+        <p:nvSpPr>
+          <p:cNvPr id="6" name="AutoShape 2" descr="Visual Studio: IDE y Editor de código para desarrolladores de software y  Teams">
+            <a:extLst>
+              <a:ext uri="{FF2B5EF4-FFF2-40B4-BE49-F238E27FC236}">
+                <a16:creationId xmlns:a16="http://schemas.microsoft.com/office/drawing/2014/main" id="{F01347D1-8905-D2C2-DA4B-A55A2D5DD1E2}"/>
+              </a:ext>
+            </a:extLst>
+          </p:cNvPr>
+          <p:cNvSpPr>
+            <a:spLocks noChangeAspect="1" noChangeArrowheads="1"/>
+          </p:cNvSpPr>
+          <p:nvPr/>
+        </p:nvSpPr>
+        <p:spPr bwMode="auto">
+          <a:xfrm>
+            <a:off x="4419600" y="3276600"/>
+            <a:ext cx="304800" cy="304800"/>
+          </a:xfrm>
+          <a:prstGeom prst="rect">
+            <a:avLst/>
+          </a:prstGeom>
+          <a:noFill/>
+          <a:extLst>
+            <a:ext uri="{909E8E84-426E-40DD-AFC4-6F175D3DCCD1}">
+              <a14:hiddenFill xmlns:a14="http://schemas.microsoft.com/office/drawing/2010/main">
+                <a:solidFill>
+                  <a:srgbClr val="FFFFFF"/>
+                </a:solidFill>
+              </a14:hiddenFill>
+            </a:ext>
+          </a:extLst>
+        </p:spPr>
+        <p:txBody>
+          <a:bodyPr vert="horz" wrap="square" lIns="91440" tIns="45720" rIns="91440" bIns="45720" numCol="1" anchor="t" anchorCtr="0" compatLnSpc="1">
+            <a:prstTxWarp prst="textNoShape">
+              <a:avLst/>
+            </a:prstTxWarp>
+          </a:bodyPr>
+          <a:lstStyle/>
+          <a:p>
+            <a:endParaRPr lang="en-US"/>
+          </a:p>
+        </p:txBody>
+      </p:sp>
+      <p:sp>
+        <p:nvSpPr>
+          <p:cNvPr id="7" name="AutoShape 4" descr="Visual Studio: IDE y Editor de código para desarrolladores de software y  Teams">
+            <a:extLst>
+              <a:ext uri="{FF2B5EF4-FFF2-40B4-BE49-F238E27FC236}">
+                <a16:creationId xmlns:a16="http://schemas.microsoft.com/office/drawing/2014/main" id="{FE844756-19DC-58C1-0B0A-F00288235E58}"/>
+              </a:ext>
+            </a:extLst>
+          </p:cNvPr>
+          <p:cNvSpPr>
+            <a:spLocks noChangeAspect="1" noChangeArrowheads="1"/>
+          </p:cNvSpPr>
+          <p:nvPr/>
+        </p:nvSpPr>
+        <p:spPr bwMode="auto">
+          <a:xfrm>
+            <a:off x="2907792" y="1764792"/>
+            <a:ext cx="1969008" cy="1969008"/>
+          </a:xfrm>
+          <a:prstGeom prst="rect">
+            <a:avLst/>
+          </a:prstGeom>
+          <a:noFill/>
+          <a:extLst>
+            <a:ext uri="{909E8E84-426E-40DD-AFC4-6F175D3DCCD1}">
+              <a14:hiddenFill xmlns:a14="http://schemas.microsoft.com/office/drawing/2010/main">
+                <a:solidFill>
+                  <a:srgbClr val="FFFFFF"/>
+                </a:solidFill>
+              </a14:hiddenFill>
+            </a:ext>
+          </a:extLst>
+        </p:spPr>
+        <p:txBody>
+          <a:bodyPr vert="horz" wrap="square" lIns="91440" tIns="45720" rIns="91440" bIns="45720" numCol="1" anchor="t" anchorCtr="0" compatLnSpc="1">
+            <a:prstTxWarp prst="textNoShape">
+              <a:avLst/>
+            </a:prstTxWarp>
+          </a:bodyPr>
+          <a:lstStyle/>
+          <a:p>
+            <a:endParaRPr lang="en-US"/>
+          </a:p>
+        </p:txBody>
+      </p:sp>
+      <p:pic>
+        <p:nvPicPr>
+          <p:cNvPr id="1032" name="Picture 8" descr="Visual Studio 2022」v17.6が公開 ～大規模プロジェクトで劇的な性能向上 - 窓の杜">
+            <a:extLst>
+              <a:ext uri="{FF2B5EF4-FFF2-40B4-BE49-F238E27FC236}">
+                <a16:creationId xmlns:a16="http://schemas.microsoft.com/office/drawing/2014/main" id="{8E851703-BB73-6BCF-C8E9-2019BD273E92}"/>
+              </a:ext>
+            </a:extLst>
+          </p:cNvPr>
+          <p:cNvPicPr>
+            <a:picLocks noChangeAspect="1" noChangeArrowheads="1"/>
+          </p:cNvPicPr>
+          <p:nvPr/>
+        </p:nvPicPr>
+        <p:blipFill>
+          <a:blip r:embed="rId2">
+            <a:extLst>
+              <a:ext uri="{28A0092B-C50C-407E-A947-70E740481C1C}">
+                <a14:useLocalDpi xmlns:a14="http://schemas.microsoft.com/office/drawing/2010/main" val="0"/>
+              </a:ext>
+            </a:extLst>
+          </a:blip>
+          <a:srcRect/>
+          <a:stretch>
+            <a:fillRect/>
+          </a:stretch>
+        </p:blipFill>
+        <p:spPr bwMode="auto">
+          <a:xfrm>
+            <a:off x="-15240" y="1764793"/>
+            <a:ext cx="4450080" cy="3337560"/>
+          </a:xfrm>
+          <a:prstGeom prst="rect">
+            <a:avLst/>
+          </a:prstGeom>
+          <a:noFill/>
+          <a:extLst>
+            <a:ext uri="{909E8E84-426E-40DD-AFC4-6F175D3DCCD1}">
+              <a14:hiddenFill xmlns:a14="http://schemas.microsoft.com/office/drawing/2010/main">
+                <a:solidFill>
+                  <a:srgbClr val="FFFFFF"/>
+                </a:solidFill>
+              </a14:hiddenFill>
+            </a:ext>
+          </a:extLst>
+        </p:spPr>
+      </p:pic>
+      <p:pic>
+        <p:nvPicPr>
+          <p:cNvPr id="1034" name="Picture 10" descr="Fig, WSL Linux.&#10;https://cdn.shortpixel.ai/spai/q_lossy+ret_img+to_auto/linuxiac.com/wp-content/uploads/2022/11/wsl-1024x768.jpg">
+            <a:extLst>
+              <a:ext uri="{FF2B5EF4-FFF2-40B4-BE49-F238E27FC236}">
+                <a16:creationId xmlns:a16="http://schemas.microsoft.com/office/drawing/2014/main" id="{266D4DA0-9BB9-6A26-558E-1BA69549D76A}"/>
+              </a:ext>
+            </a:extLst>
+          </p:cNvPr>
+          <p:cNvPicPr>
+            <a:picLocks noChangeAspect="1" noChangeArrowheads="1"/>
+          </p:cNvPicPr>
+          <p:nvPr/>
+        </p:nvPicPr>
+        <p:blipFill>
+          <a:blip r:embed="rId3">
+            <a:extLst>
+              <a:ext uri="{28A0092B-C50C-407E-A947-70E740481C1C}">
+                <a14:useLocalDpi xmlns:a14="http://schemas.microsoft.com/office/drawing/2010/main" val="0"/>
+              </a:ext>
+            </a:extLst>
+          </a:blip>
+          <a:srcRect/>
+          <a:stretch>
+            <a:fillRect/>
+          </a:stretch>
+        </p:blipFill>
+        <p:spPr bwMode="auto">
+          <a:xfrm>
+            <a:off x="5696712" y="2546604"/>
+            <a:ext cx="2353056" cy="1764792"/>
+          </a:xfrm>
+          <a:prstGeom prst="rect">
+            <a:avLst/>
+          </a:prstGeom>
+          <a:noFill/>
+          <a:extLst>
+            <a:ext uri="{909E8E84-426E-40DD-AFC4-6F175D3DCCD1}">
+              <a14:hiddenFill xmlns:a14="http://schemas.microsoft.com/office/drawing/2010/main">
+                <a:solidFill>
+                  <a:srgbClr val="FFFFFF"/>
+                </a:solidFill>
+              </a14:hiddenFill>
+            </a:ext>
+          </a:extLst>
+        </p:spPr>
+      </p:pic>
+      <p:sp>
+        <p:nvSpPr>
+          <p:cNvPr id="9" name="TextBox 8">
+            <a:extLst>
+              <a:ext uri="{FF2B5EF4-FFF2-40B4-BE49-F238E27FC236}">
+                <a16:creationId xmlns:a16="http://schemas.microsoft.com/office/drawing/2014/main" id="{E5A2E8EC-9ABB-27ED-80A5-D4C41B5C78A6}"/>
+              </a:ext>
+            </a:extLst>
+          </p:cNvPr>
+          <p:cNvSpPr txBox="1"/>
+          <p:nvPr/>
+        </p:nvSpPr>
+        <p:spPr>
+          <a:xfrm>
+            <a:off x="5678424" y="4370832"/>
+            <a:ext cx="2432304" cy="584775"/>
+          </a:xfrm>
+          <a:prstGeom prst="rect">
+            <a:avLst/>
+          </a:prstGeom>
+          <a:noFill/>
+        </p:spPr>
+        <p:txBody>
+          <a:bodyPr wrap="square" rtlCol="0">
+            <a:spAutoFit/>
+          </a:bodyPr>
+          <a:lstStyle/>
+          <a:p>
+            <a:r>
+              <a:rPr lang="nl-NL" sz="800" dirty="0"/>
+              <a:t>Fig, WSL Linux.</a:t>
+            </a:r>
+          </a:p>
+          <a:p>
+            <a:r>
+              <a:rPr lang="nl-NL" sz="800" dirty="0"/>
+              <a:t>https://cdn.shortpixel.ai/spai/q_lossy+ret_img+to_auto/linuxiac.com/wp-content/uploads/2022/11/wsl-1024x768.jpg</a:t>
+            </a:r>
+            <a:endParaRPr lang="en-US" sz="800" dirty="0"/>
+          </a:p>
+        </p:txBody>
+      </p:sp>
+      <p:cxnSp>
+        <p:nvCxnSpPr>
+          <p:cNvPr id="11" name="Straight Arrow Connector 10">
+            <a:extLst>
+              <a:ext uri="{FF2B5EF4-FFF2-40B4-BE49-F238E27FC236}">
+                <a16:creationId xmlns:a16="http://schemas.microsoft.com/office/drawing/2014/main" id="{C8AF9F42-3C9C-D255-7881-9D99C71F7A5A}"/>
+              </a:ext>
+            </a:extLst>
+          </p:cNvPr>
+          <p:cNvCxnSpPr/>
+          <p:nvPr/>
+        </p:nvCxnSpPr>
+        <p:spPr>
+          <a:xfrm>
+            <a:off x="3456432" y="3581400"/>
+            <a:ext cx="2057400" cy="0"/>
+          </a:xfrm>
+          <a:prstGeom prst="straightConnector1">
+            <a:avLst/>
+          </a:prstGeom>
+          <a:ln>
+            <a:tailEnd type="triangle"/>
+          </a:ln>
+        </p:spPr>
+        <p:style>
+          <a:lnRef idx="2">
+            <a:schemeClr val="accent1"/>
+          </a:lnRef>
+          <a:fillRef idx="0">
+            <a:schemeClr val="accent1"/>
+          </a:fillRef>
+          <a:effectRef idx="1">
+            <a:schemeClr val="accent1"/>
+          </a:effectRef>
+          <a:fontRef idx="minor">
+            <a:schemeClr val="tx1"/>
+          </a:fontRef>
+        </p:style>
+      </p:cxnSp>
+      <p:sp>
+        <p:nvSpPr>
+          <p:cNvPr id="12" name="TextBox 11">
+            <a:extLst>
+              <a:ext uri="{FF2B5EF4-FFF2-40B4-BE49-F238E27FC236}">
+                <a16:creationId xmlns:a16="http://schemas.microsoft.com/office/drawing/2014/main" id="{5887DBB6-B120-3F27-F2CB-4016CCCE4A12}"/>
+              </a:ext>
+            </a:extLst>
+          </p:cNvPr>
+          <p:cNvSpPr txBox="1"/>
+          <p:nvPr/>
+        </p:nvSpPr>
+        <p:spPr>
+          <a:xfrm>
+            <a:off x="1033272" y="4631545"/>
+            <a:ext cx="2133600" cy="461665"/>
+          </a:xfrm>
+          <a:prstGeom prst="rect">
+            <a:avLst/>
+          </a:prstGeom>
+          <a:noFill/>
+        </p:spPr>
+        <p:txBody>
+          <a:bodyPr wrap="square" rtlCol="0">
+            <a:spAutoFit/>
+          </a:bodyPr>
+          <a:lstStyle/>
+          <a:p>
+            <a:r>
+              <a:rPr lang="en-US" sz="800" dirty="0"/>
+              <a:t>Fig, Visual Studio Community.</a:t>
+            </a:r>
+            <a:br>
+              <a:rPr lang="en-US" sz="800" dirty="0"/>
+            </a:br>
+            <a:r>
+              <a:rPr lang="en-US" sz="800" dirty="0"/>
+              <a:t>https://forest.watch.impress.co.jp/img/wf/list/1501/256/visual_studio.jpg</a:t>
+            </a:r>
           </a:p>
         </p:txBody>
       </p:sp>
@@ -5661,6 +6138,603 @@
 </file>
 
 <file path=ppt/slides/slide14.xml><?xml version="1.0" encoding="utf-8"?>
+<p:sld xmlns:a="http://schemas.openxmlformats.org/drawingml/2006/main" xmlns:r="http://schemas.openxmlformats.org/officeDocument/2006/relationships" xmlns:p="http://schemas.openxmlformats.org/presentationml/2006/main">
+  <p:cSld>
+    <p:spTree>
+      <p:nvGrpSpPr>
+        <p:cNvPr id="1" name="">
+          <a:extLst>
+            <a:ext uri="{FF2B5EF4-FFF2-40B4-BE49-F238E27FC236}">
+              <a16:creationId xmlns:a16="http://schemas.microsoft.com/office/drawing/2014/main" id="{645793D2-ABB0-4643-A937-08D042DC9EAC}"/>
+            </a:ext>
+          </a:extLst>
+        </p:cNvPr>
+        <p:cNvGrpSpPr/>
+        <p:nvPr/>
+      </p:nvGrpSpPr>
+      <p:grpSpPr>
+        <a:xfrm>
+          <a:off x="0" y="0"/>
+          <a:ext cx="0" cy="0"/>
+          <a:chOff x="0" y="0"/>
+          <a:chExt cx="0" cy="0"/>
+        </a:xfrm>
+      </p:grpSpPr>
+      <p:sp>
+        <p:nvSpPr>
+          <p:cNvPr id="2" name="Title 1">
+            <a:extLst>
+              <a:ext uri="{FF2B5EF4-FFF2-40B4-BE49-F238E27FC236}">
+                <a16:creationId xmlns:a16="http://schemas.microsoft.com/office/drawing/2014/main" id="{6BE0A6DC-BD17-00D9-BC59-C6F7C19C035E}"/>
+              </a:ext>
+            </a:extLst>
+          </p:cNvPr>
+          <p:cNvSpPr>
+            <a:spLocks noGrp="1"/>
+          </p:cNvSpPr>
+          <p:nvPr>
+            <p:ph type="title"/>
+          </p:nvPr>
+        </p:nvSpPr>
+        <p:spPr/>
+        <p:txBody>
+          <a:bodyPr>
+            <a:normAutofit fontScale="90000"/>
+          </a:bodyPr>
+          <a:lstStyle/>
+          <a:p>
+            <a:r>
+              <a:rPr lang="en-US" dirty="0"/>
+              <a:t>Period Highlight – 8</a:t>
+            </a:r>
+            <a:br>
+              <a:rPr lang="en-US" dirty="0"/>
+            </a:br>
+            <a:r>
+              <a:rPr lang="en-US" dirty="0"/>
+              <a:t>Software</a:t>
+            </a:r>
+            <a:r>
+              <a:rPr lang="en-US" sz="4400" dirty="0"/>
+              <a:t> Implementations</a:t>
+            </a:r>
+            <a:endParaRPr lang="en-US" dirty="0"/>
+          </a:p>
+        </p:txBody>
+      </p:sp>
+      <p:sp>
+        <p:nvSpPr>
+          <p:cNvPr id="4" name="Date Placeholder 3">
+            <a:extLst>
+              <a:ext uri="{FF2B5EF4-FFF2-40B4-BE49-F238E27FC236}">
+                <a16:creationId xmlns:a16="http://schemas.microsoft.com/office/drawing/2014/main" id="{718D2394-2AEC-2C61-8528-5AB7AFAAA169}"/>
+              </a:ext>
+            </a:extLst>
+          </p:cNvPr>
+          <p:cNvSpPr>
+            <a:spLocks noGrp="1"/>
+          </p:cNvSpPr>
+          <p:nvPr>
+            <p:ph type="dt" sz="half" idx="10"/>
+          </p:nvPr>
+        </p:nvSpPr>
+        <p:spPr/>
+        <p:txBody>
+          <a:bodyPr/>
+          <a:lstStyle/>
+          <a:p>
+            <a:fld id="{0EFBEC3F-4208-4590-BA97-4119A385DFD9}" type="datetime1">
+              <a:rPr lang="en-US" smtClean="0"/>
+              <a:t>5/23/2025</a:t>
+            </a:fld>
+            <a:endParaRPr lang="en-US" dirty="0"/>
+          </a:p>
+        </p:txBody>
+      </p:sp>
+      <p:sp>
+        <p:nvSpPr>
+          <p:cNvPr id="5" name="Slide Number Placeholder 4">
+            <a:extLst>
+              <a:ext uri="{FF2B5EF4-FFF2-40B4-BE49-F238E27FC236}">
+                <a16:creationId xmlns:a16="http://schemas.microsoft.com/office/drawing/2014/main" id="{09B8575A-B5ED-3533-D1DC-2548AAB36003}"/>
+              </a:ext>
+            </a:extLst>
+          </p:cNvPr>
+          <p:cNvSpPr>
+            <a:spLocks noGrp="1"/>
+          </p:cNvSpPr>
+          <p:nvPr>
+            <p:ph type="sldNum" sz="quarter" idx="12"/>
+          </p:nvPr>
+        </p:nvSpPr>
+        <p:spPr/>
+        <p:txBody>
+          <a:bodyPr/>
+          <a:lstStyle/>
+          <a:p>
+            <a:fld id="{C1FF6DA9-008F-8B48-92A6-B652298478BF}" type="slidenum">
+              <a:rPr lang="en-US" smtClean="0"/>
+              <a:t>14</a:t>
+            </a:fld>
+            <a:endParaRPr lang="en-US"/>
+          </a:p>
+        </p:txBody>
+      </p:sp>
+      <p:sp>
+        <p:nvSpPr>
+          <p:cNvPr id="6" name="AutoShape 2" descr="Visual Studio: IDE y Editor de código para desarrolladores de software y  Teams">
+            <a:extLst>
+              <a:ext uri="{FF2B5EF4-FFF2-40B4-BE49-F238E27FC236}">
+                <a16:creationId xmlns:a16="http://schemas.microsoft.com/office/drawing/2014/main" id="{3DF7CFD3-5327-7E1D-FC77-EF7A326D051F}"/>
+              </a:ext>
+            </a:extLst>
+          </p:cNvPr>
+          <p:cNvSpPr>
+            <a:spLocks noChangeAspect="1" noChangeArrowheads="1"/>
+          </p:cNvSpPr>
+          <p:nvPr/>
+        </p:nvSpPr>
+        <p:spPr bwMode="auto">
+          <a:xfrm>
+            <a:off x="4419600" y="3276600"/>
+            <a:ext cx="304800" cy="304800"/>
+          </a:xfrm>
+          <a:prstGeom prst="rect">
+            <a:avLst/>
+          </a:prstGeom>
+          <a:noFill/>
+          <a:extLst>
+            <a:ext uri="{909E8E84-426E-40DD-AFC4-6F175D3DCCD1}">
+              <a14:hiddenFill xmlns:a14="http://schemas.microsoft.com/office/drawing/2010/main">
+                <a:solidFill>
+                  <a:srgbClr val="FFFFFF"/>
+                </a:solidFill>
+              </a14:hiddenFill>
+            </a:ext>
+          </a:extLst>
+        </p:spPr>
+        <p:txBody>
+          <a:bodyPr vert="horz" wrap="square" lIns="91440" tIns="45720" rIns="91440" bIns="45720" numCol="1" anchor="t" anchorCtr="0" compatLnSpc="1">
+            <a:prstTxWarp prst="textNoShape">
+              <a:avLst/>
+            </a:prstTxWarp>
+          </a:bodyPr>
+          <a:lstStyle/>
+          <a:p>
+            <a:endParaRPr lang="en-US"/>
+          </a:p>
+        </p:txBody>
+      </p:sp>
+      <p:sp>
+        <p:nvSpPr>
+          <p:cNvPr id="7" name="AutoShape 4" descr="Visual Studio: IDE y Editor de código para desarrolladores de software y  Teams">
+            <a:extLst>
+              <a:ext uri="{FF2B5EF4-FFF2-40B4-BE49-F238E27FC236}">
+                <a16:creationId xmlns:a16="http://schemas.microsoft.com/office/drawing/2014/main" id="{0CAF10B2-B3D5-D055-02BE-1782A5A5D61D}"/>
+              </a:ext>
+            </a:extLst>
+          </p:cNvPr>
+          <p:cNvSpPr>
+            <a:spLocks noChangeAspect="1" noChangeArrowheads="1"/>
+          </p:cNvSpPr>
+          <p:nvPr/>
+        </p:nvSpPr>
+        <p:spPr bwMode="auto">
+          <a:xfrm>
+            <a:off x="2907792" y="1764792"/>
+            <a:ext cx="1969008" cy="1969008"/>
+          </a:xfrm>
+          <a:prstGeom prst="rect">
+            <a:avLst/>
+          </a:prstGeom>
+          <a:noFill/>
+          <a:extLst>
+            <a:ext uri="{909E8E84-426E-40DD-AFC4-6F175D3DCCD1}">
+              <a14:hiddenFill xmlns:a14="http://schemas.microsoft.com/office/drawing/2010/main">
+                <a:solidFill>
+                  <a:srgbClr val="FFFFFF"/>
+                </a:solidFill>
+              </a14:hiddenFill>
+            </a:ext>
+          </a:extLst>
+        </p:spPr>
+        <p:txBody>
+          <a:bodyPr vert="horz" wrap="square" lIns="91440" tIns="45720" rIns="91440" bIns="45720" numCol="1" anchor="t" anchorCtr="0" compatLnSpc="1">
+            <a:prstTxWarp prst="textNoShape">
+              <a:avLst/>
+            </a:prstTxWarp>
+          </a:bodyPr>
+          <a:lstStyle/>
+          <a:p>
+            <a:endParaRPr lang="en-US"/>
+          </a:p>
+        </p:txBody>
+      </p:sp>
+      <p:pic>
+        <p:nvPicPr>
+          <p:cNvPr id="3" name="Picture 2" descr="A diagram of a computer program&#10;&#10;AI-generated content may be incorrect.">
+            <a:extLst>
+              <a:ext uri="{FF2B5EF4-FFF2-40B4-BE49-F238E27FC236}">
+                <a16:creationId xmlns:a16="http://schemas.microsoft.com/office/drawing/2014/main" id="{0F06296D-F17B-295F-FFCD-C0DB9C1C0D4E}"/>
+              </a:ext>
+            </a:extLst>
+          </p:cNvPr>
+          <p:cNvPicPr>
+            <a:picLocks noChangeAspect="1"/>
+          </p:cNvPicPr>
+          <p:nvPr/>
+        </p:nvPicPr>
+        <p:blipFill>
+          <a:blip r:embed="rId2"/>
+          <a:stretch>
+            <a:fillRect/>
+          </a:stretch>
+        </p:blipFill>
+        <p:spPr>
+          <a:xfrm>
+            <a:off x="2376487" y="1814512"/>
+            <a:ext cx="4391025" cy="3533775"/>
+          </a:xfrm>
+          <a:prstGeom prst="rect">
+            <a:avLst/>
+          </a:prstGeom>
+        </p:spPr>
+      </p:pic>
+      <p:sp>
+        <p:nvSpPr>
+          <p:cNvPr id="8" name="Oval 7">
+            <a:extLst>
+              <a:ext uri="{FF2B5EF4-FFF2-40B4-BE49-F238E27FC236}">
+                <a16:creationId xmlns:a16="http://schemas.microsoft.com/office/drawing/2014/main" id="{8A1E52DF-A6E3-A1EB-A9A9-E057BD95DA90}"/>
+              </a:ext>
+            </a:extLst>
+          </p:cNvPr>
+          <p:cNvSpPr/>
+          <p:nvPr/>
+        </p:nvSpPr>
+        <p:spPr>
+          <a:xfrm>
+            <a:off x="2185416" y="2816352"/>
+            <a:ext cx="1572768" cy="917448"/>
+          </a:xfrm>
+          <a:prstGeom prst="ellipse">
+            <a:avLst/>
+          </a:prstGeom>
+          <a:noFill/>
+          <a:ln w="57150">
+            <a:solidFill>
+              <a:schemeClr val="accent6"/>
+            </a:solidFill>
+          </a:ln>
+        </p:spPr>
+        <p:style>
+          <a:lnRef idx="1">
+            <a:schemeClr val="accent1"/>
+          </a:lnRef>
+          <a:fillRef idx="3">
+            <a:schemeClr val="accent1"/>
+          </a:fillRef>
+          <a:effectRef idx="2">
+            <a:schemeClr val="accent1"/>
+          </a:effectRef>
+          <a:fontRef idx="minor">
+            <a:schemeClr val="lt1"/>
+          </a:fontRef>
+        </p:style>
+        <p:txBody>
+          <a:bodyPr rtlCol="0" anchor="ctr"/>
+          <a:lstStyle/>
+          <a:p>
+            <a:pPr algn="ctr"/>
+            <a:endParaRPr lang="en-US"/>
+          </a:p>
+        </p:txBody>
+      </p:sp>
+      <p:sp>
+        <p:nvSpPr>
+          <p:cNvPr id="10" name="Oval 9">
+            <a:extLst>
+              <a:ext uri="{FF2B5EF4-FFF2-40B4-BE49-F238E27FC236}">
+                <a16:creationId xmlns:a16="http://schemas.microsoft.com/office/drawing/2014/main" id="{A29F2DCA-035D-F7DC-548B-0B64630CDD55}"/>
+              </a:ext>
+            </a:extLst>
+          </p:cNvPr>
+          <p:cNvSpPr/>
+          <p:nvPr/>
+        </p:nvSpPr>
+        <p:spPr>
+          <a:xfrm>
+            <a:off x="4419600" y="2755392"/>
+            <a:ext cx="1572768" cy="917448"/>
+          </a:xfrm>
+          <a:prstGeom prst="ellipse">
+            <a:avLst/>
+          </a:prstGeom>
+          <a:noFill/>
+          <a:ln w="57150">
+            <a:solidFill>
+              <a:schemeClr val="accent6"/>
+            </a:solidFill>
+          </a:ln>
+        </p:spPr>
+        <p:style>
+          <a:lnRef idx="1">
+            <a:schemeClr val="accent1"/>
+          </a:lnRef>
+          <a:fillRef idx="3">
+            <a:schemeClr val="accent1"/>
+          </a:fillRef>
+          <a:effectRef idx="2">
+            <a:schemeClr val="accent1"/>
+          </a:effectRef>
+          <a:fontRef idx="minor">
+            <a:schemeClr val="lt1"/>
+          </a:fontRef>
+        </p:style>
+        <p:txBody>
+          <a:bodyPr rtlCol="0" anchor="ctr"/>
+          <a:lstStyle/>
+          <a:p>
+            <a:pPr algn="ctr"/>
+            <a:endParaRPr lang="en-US"/>
+          </a:p>
+        </p:txBody>
+      </p:sp>
+      <p:sp>
+        <p:nvSpPr>
+          <p:cNvPr id="13" name="Oval 12">
+            <a:extLst>
+              <a:ext uri="{FF2B5EF4-FFF2-40B4-BE49-F238E27FC236}">
+                <a16:creationId xmlns:a16="http://schemas.microsoft.com/office/drawing/2014/main" id="{55A9AB5C-6CFA-6DFE-4946-CF9E933037C7}"/>
+              </a:ext>
+            </a:extLst>
+          </p:cNvPr>
+          <p:cNvSpPr/>
+          <p:nvPr/>
+        </p:nvSpPr>
+        <p:spPr>
+          <a:xfrm>
+            <a:off x="5385815" y="4476146"/>
+            <a:ext cx="1572768" cy="917448"/>
+          </a:xfrm>
+          <a:prstGeom prst="ellipse">
+            <a:avLst/>
+          </a:prstGeom>
+          <a:noFill/>
+          <a:ln w="57150">
+            <a:solidFill>
+              <a:schemeClr val="accent6"/>
+            </a:solidFill>
+          </a:ln>
+        </p:spPr>
+        <p:style>
+          <a:lnRef idx="1">
+            <a:schemeClr val="accent1"/>
+          </a:lnRef>
+          <a:fillRef idx="3">
+            <a:schemeClr val="accent1"/>
+          </a:fillRef>
+          <a:effectRef idx="2">
+            <a:schemeClr val="accent1"/>
+          </a:effectRef>
+          <a:fontRef idx="minor">
+            <a:schemeClr val="lt1"/>
+          </a:fontRef>
+        </p:style>
+        <p:txBody>
+          <a:bodyPr rtlCol="0" anchor="ctr"/>
+          <a:lstStyle/>
+          <a:p>
+            <a:pPr algn="ctr"/>
+            <a:endParaRPr lang="en-US"/>
+          </a:p>
+        </p:txBody>
+      </p:sp>
+    </p:spTree>
+    <p:extLst>
+      <p:ext uri="{BB962C8B-B14F-4D97-AF65-F5344CB8AC3E}">
+        <p14:creationId xmlns:p14="http://schemas.microsoft.com/office/powerpoint/2010/main" val="783043861"/>
+      </p:ext>
+    </p:extLst>
+  </p:cSld>
+  <p:clrMapOvr>
+    <a:masterClrMapping/>
+  </p:clrMapOvr>
+</p:sld>
+</file>
+
+<file path=ppt/slides/slide15.xml><?xml version="1.0" encoding="utf-8"?>
+<p:sld xmlns:a="http://schemas.openxmlformats.org/drawingml/2006/main" xmlns:r="http://schemas.openxmlformats.org/officeDocument/2006/relationships" xmlns:p="http://schemas.openxmlformats.org/presentationml/2006/main">
+  <p:cSld>
+    <p:spTree>
+      <p:nvGrpSpPr>
+        <p:cNvPr id="1" name="">
+          <a:extLst>
+            <a:ext uri="{FF2B5EF4-FFF2-40B4-BE49-F238E27FC236}">
+              <a16:creationId xmlns:a16="http://schemas.microsoft.com/office/drawing/2014/main" id="{E98FB0B3-2B5D-EF6E-8763-A424ADEDF41B}"/>
+            </a:ext>
+          </a:extLst>
+        </p:cNvPr>
+        <p:cNvGrpSpPr/>
+        <p:nvPr/>
+      </p:nvGrpSpPr>
+      <p:grpSpPr>
+        <a:xfrm>
+          <a:off x="0" y="0"/>
+          <a:ext cx="0" cy="0"/>
+          <a:chOff x="0" y="0"/>
+          <a:chExt cx="0" cy="0"/>
+        </a:xfrm>
+      </p:grpSpPr>
+      <p:sp>
+        <p:nvSpPr>
+          <p:cNvPr id="2" name="Title 1">
+            <a:extLst>
+              <a:ext uri="{FF2B5EF4-FFF2-40B4-BE49-F238E27FC236}">
+                <a16:creationId xmlns:a16="http://schemas.microsoft.com/office/drawing/2014/main" id="{B37974BB-C1C0-8CF7-20D1-08543999D0C0}"/>
+              </a:ext>
+            </a:extLst>
+          </p:cNvPr>
+          <p:cNvSpPr>
+            <a:spLocks noGrp="1"/>
+          </p:cNvSpPr>
+          <p:nvPr>
+            <p:ph type="title"/>
+          </p:nvPr>
+        </p:nvSpPr>
+        <p:spPr/>
+        <p:txBody>
+          <a:bodyPr>
+            <a:normAutofit fontScale="90000"/>
+          </a:bodyPr>
+          <a:lstStyle/>
+          <a:p>
+            <a:r>
+              <a:rPr lang="en-US" dirty="0"/>
+              <a:t>Period Highlight – 8</a:t>
+            </a:r>
+            <a:br>
+              <a:rPr lang="en-US" dirty="0"/>
+            </a:br>
+            <a:r>
+              <a:rPr lang="en-US" sz="3200" dirty="0"/>
+              <a:t>Hardware Implementations</a:t>
+            </a:r>
+          </a:p>
+        </p:txBody>
+      </p:sp>
+      <p:sp>
+        <p:nvSpPr>
+          <p:cNvPr id="4" name="Date Placeholder 3">
+            <a:extLst>
+              <a:ext uri="{FF2B5EF4-FFF2-40B4-BE49-F238E27FC236}">
+                <a16:creationId xmlns:a16="http://schemas.microsoft.com/office/drawing/2014/main" id="{B6B99A8C-2D23-6400-134D-54784674C916}"/>
+              </a:ext>
+            </a:extLst>
+          </p:cNvPr>
+          <p:cNvSpPr>
+            <a:spLocks noGrp="1"/>
+          </p:cNvSpPr>
+          <p:nvPr>
+            <p:ph type="dt" sz="half" idx="10"/>
+          </p:nvPr>
+        </p:nvSpPr>
+        <p:spPr/>
+        <p:txBody>
+          <a:bodyPr/>
+          <a:lstStyle/>
+          <a:p>
+            <a:fld id="{0EFBEC3F-4208-4590-BA97-4119A385DFD9}" type="datetime1">
+              <a:rPr lang="en-US" smtClean="0"/>
+              <a:t>5/23/2025</a:t>
+            </a:fld>
+            <a:endParaRPr lang="en-US"/>
+          </a:p>
+        </p:txBody>
+      </p:sp>
+      <p:sp>
+        <p:nvSpPr>
+          <p:cNvPr id="5" name="Slide Number Placeholder 4">
+            <a:extLst>
+              <a:ext uri="{FF2B5EF4-FFF2-40B4-BE49-F238E27FC236}">
+                <a16:creationId xmlns:a16="http://schemas.microsoft.com/office/drawing/2014/main" id="{A711FB4A-E770-C086-B2AE-A4936DC62CAF}"/>
+              </a:ext>
+            </a:extLst>
+          </p:cNvPr>
+          <p:cNvSpPr>
+            <a:spLocks noGrp="1"/>
+          </p:cNvSpPr>
+          <p:nvPr>
+            <p:ph type="sldNum" sz="quarter" idx="12"/>
+          </p:nvPr>
+        </p:nvSpPr>
+        <p:spPr/>
+        <p:txBody>
+          <a:bodyPr/>
+          <a:lstStyle/>
+          <a:p>
+            <a:fld id="{C1FF6DA9-008F-8B48-92A6-B652298478BF}" type="slidenum">
+              <a:rPr lang="en-US" smtClean="0"/>
+              <a:t>15</a:t>
+            </a:fld>
+            <a:endParaRPr lang="en-US"/>
+          </a:p>
+        </p:txBody>
+      </p:sp>
+      <p:pic>
+        <p:nvPicPr>
+          <p:cNvPr id="6" name="Picture 5">
+            <a:extLst>
+              <a:ext uri="{FF2B5EF4-FFF2-40B4-BE49-F238E27FC236}">
+                <a16:creationId xmlns:a16="http://schemas.microsoft.com/office/drawing/2014/main" id="{023BEE7E-EB5F-FE9D-48E0-95322B169E37}"/>
+              </a:ext>
+            </a:extLst>
+          </p:cNvPr>
+          <p:cNvPicPr>
+            <a:picLocks noChangeAspect="1"/>
+          </p:cNvPicPr>
+          <p:nvPr/>
+        </p:nvPicPr>
+        <p:blipFill>
+          <a:blip r:embed="rId2"/>
+          <a:stretch>
+            <a:fillRect/>
+          </a:stretch>
+        </p:blipFill>
+        <p:spPr>
+          <a:xfrm>
+            <a:off x="450850" y="1576264"/>
+            <a:ext cx="4179230" cy="3705471"/>
+          </a:xfrm>
+          <a:prstGeom prst="rect">
+            <a:avLst/>
+          </a:prstGeom>
+        </p:spPr>
+      </p:pic>
+      <p:pic>
+        <p:nvPicPr>
+          <p:cNvPr id="8" name="Picture 7">
+            <a:extLst>
+              <a:ext uri="{FF2B5EF4-FFF2-40B4-BE49-F238E27FC236}">
+                <a16:creationId xmlns:a16="http://schemas.microsoft.com/office/drawing/2014/main" id="{C8E3DA8E-E4AF-809D-EB1A-42A1892B1E74}"/>
+              </a:ext>
+            </a:extLst>
+          </p:cNvPr>
+          <p:cNvPicPr>
+            <a:picLocks noChangeAspect="1"/>
+          </p:cNvPicPr>
+          <p:nvPr/>
+        </p:nvPicPr>
+        <p:blipFill>
+          <a:blip r:embed="rId3"/>
+          <a:stretch>
+            <a:fillRect/>
+          </a:stretch>
+        </p:blipFill>
+        <p:spPr>
+          <a:xfrm>
+            <a:off x="4630080" y="1876954"/>
+            <a:ext cx="4441172" cy="3104091"/>
+          </a:xfrm>
+          <a:prstGeom prst="rect">
+            <a:avLst/>
+          </a:prstGeom>
+        </p:spPr>
+      </p:pic>
+    </p:spTree>
+    <p:extLst>
+      <p:ext uri="{BB962C8B-B14F-4D97-AF65-F5344CB8AC3E}">
+        <p14:creationId xmlns:p14="http://schemas.microsoft.com/office/powerpoint/2010/main" val="4083828507"/>
+      </p:ext>
+    </p:extLst>
+  </p:cSld>
+  <p:clrMapOvr>
+    <a:masterClrMapping/>
+  </p:clrMapOvr>
+</p:sld>
+</file>
+
+<file path=ppt/slides/slide16.xml><?xml version="1.0" encoding="utf-8"?>
 <p:sld xmlns:a="http://schemas.openxmlformats.org/drawingml/2006/main" xmlns:r="http://schemas.openxmlformats.org/officeDocument/2006/relationships" xmlns:p="http://schemas.openxmlformats.org/presentationml/2006/main">
   <p:cSld>
     <p:spTree>
@@ -5761,7 +6835,7 @@
           <a:p>
             <a:fld id="{0EFBEC3F-4208-4590-BA97-4119A385DFD9}" type="datetime1">
               <a:rPr lang="en-US" smtClean="0"/>
-              <a:t>5/5/2025</a:t>
+              <a:t>5/23/2025</a:t>
             </a:fld>
             <a:endParaRPr lang="en-US"/>
           </a:p>
@@ -5790,7 +6864,7 @@
           <a:p>
             <a:fld id="{C1FF6DA9-008F-8B48-92A6-B652298478BF}" type="slidenum">
               <a:rPr lang="en-US" smtClean="0"/>
-              <a:t>14</a:t>
+              <a:t>16</a:t>
             </a:fld>
             <a:endParaRPr lang="en-US"/>
           </a:p>
@@ -5906,7 +6980,7 @@
           <a:p>
             <a:fld id="{1AA46178-B97E-4817-9029-290586FA77E9}" type="datetime1">
               <a:rPr lang="en-US" smtClean="0"/>
-              <a:t>5/5/2025</a:t>
+              <a:t>5/23/2025</a:t>
             </a:fld>
             <a:endParaRPr lang="en-US"/>
           </a:p>
@@ -6063,7 +7137,7 @@
           <a:p>
             <a:fld id="{0EFBEC3F-4208-4590-BA97-4119A385DFD9}" type="datetime1">
               <a:rPr lang="en-US" smtClean="0"/>
-              <a:t>5/5/2025</a:t>
+              <a:t>5/23/2025</a:t>
             </a:fld>
             <a:endParaRPr lang="en-US"/>
           </a:p>
@@ -6264,7 +7338,7 @@
           <a:p>
             <a:fld id="{0EFBEC3F-4208-4590-BA97-4119A385DFD9}" type="datetime1">
               <a:rPr lang="en-US" smtClean="0"/>
-              <a:t>5/5/2025</a:t>
+              <a:t>5/23/2025</a:t>
             </a:fld>
             <a:endParaRPr lang="en-US"/>
           </a:p>
@@ -6606,7 +7680,7 @@
           <a:p>
             <a:fld id="{0EFBEC3F-4208-4590-BA97-4119A385DFD9}" type="datetime1">
               <a:rPr lang="en-US" smtClean="0"/>
-              <a:t>5/5/2025</a:t>
+              <a:t>5/23/2025</a:t>
             </a:fld>
             <a:endParaRPr lang="en-US"/>
           </a:p>
@@ -6857,7 +7931,7 @@
           <a:p>
             <a:fld id="{0EFBEC3F-4208-4590-BA97-4119A385DFD9}" type="datetime1">
               <a:rPr lang="en-US" smtClean="0"/>
-              <a:t>5/5/2025</a:t>
+              <a:t>5/23/2025</a:t>
             </a:fld>
             <a:endParaRPr lang="en-US"/>
           </a:p>
@@ -7013,7 +8087,7 @@
           <a:p>
             <a:fld id="{0EFBEC3F-4208-4590-BA97-4119A385DFD9}" type="datetime1">
               <a:rPr lang="en-US" smtClean="0"/>
-              <a:t>5/5/2025</a:t>
+              <a:t>5/23/2025</a:t>
             </a:fld>
             <a:endParaRPr lang="en-US"/>
           </a:p>
@@ -7332,7 +8406,7 @@
           <a:p>
             <a:fld id="{0EFBEC3F-4208-4590-BA97-4119A385DFD9}" type="datetime1">
               <a:rPr lang="en-US" smtClean="0"/>
-              <a:t>5/5/2025</a:t>
+              <a:t>5/23/2025</a:t>
             </a:fld>
             <a:endParaRPr lang="en-US"/>
           </a:p>
@@ -7645,7 +8719,7 @@
           <a:p>
             <a:fld id="{0EFBEC3F-4208-4590-BA97-4119A385DFD9}" type="datetime1">
               <a:rPr lang="en-US" smtClean="0"/>
-              <a:t>5/5/2025</a:t>
+              <a:t>5/23/2025</a:t>
             </a:fld>
             <a:endParaRPr lang="en-US"/>
           </a:p>

--- a/06_PresentationUpdates/Radar_ResearchProject.pptx
+++ b/06_PresentationUpdates/Radar_ResearchProject.pptx
@@ -5,7 +5,7 @@
     <p:sldMasterId id="2147483648" r:id="rId1"/>
   </p:sldMasterIdLst>
   <p:notesMasterIdLst>
-    <p:notesMasterId r:id="rId16"/>
+    <p:notesMasterId r:id="rId21"/>
   </p:notesMasterIdLst>
   <p:sldIdLst>
     <p:sldId id="380" r:id="rId2"/>
@@ -21,7 +21,12 @@
     <p:sldId id="390" r:id="rId12"/>
     <p:sldId id="392" r:id="rId13"/>
     <p:sldId id="384" r:id="rId14"/>
-    <p:sldId id="385" r:id="rId15"/>
+    <p:sldId id="394" r:id="rId15"/>
+    <p:sldId id="395" r:id="rId16"/>
+    <p:sldId id="396" r:id="rId17"/>
+    <p:sldId id="397" r:id="rId18"/>
+    <p:sldId id="398" r:id="rId19"/>
+    <p:sldId id="385" r:id="rId20"/>
   </p:sldIdLst>
   <p:sldSz cx="9144000" cy="6858000" type="screen4x3"/>
   <p:notesSz cx="6858000" cy="9144000"/>
@@ -152,7 +157,7 @@
 <file path=ppt/revisionInfo.xml><?xml version="1.0" encoding="utf-8"?>
 <p1510:revInfo xmlns:a="http://schemas.openxmlformats.org/drawingml/2006/main" xmlns:r="http://schemas.openxmlformats.org/officeDocument/2006/relationships" xmlns:p1510="http://schemas.microsoft.com/office/powerpoint/2015/10/main">
   <p1510:revLst>
-    <p1510:client id="{3EEDBE9C-CDEC-4FEA-847B-FED80D2BA3BB}" v="24" dt="2025-05-05T10:18:31.243"/>
+    <p1510:client id="{5F14B33B-8AEE-402B-A228-31CE4B879B17}" v="17" dt="2025-07-30T07:38:17.314"/>
   </p1510:revLst>
 </p1510:revInfo>
 </file>
@@ -178,14 +183,6 @@
             <pc:docMk/>
             <pc:sldMk cId="613601681" sldId="383"/>
             <ac:spMk id="2" creationId="{5D8C022B-4AA6-9F3F-D512-F3D151813D9A}"/>
-          </ac:spMkLst>
-        </pc:spChg>
-        <pc:spChg chg="del">
-          <ac:chgData name="Luis Fernando Rodriguez Gutierrez" userId="47d13518-703e-4604-b449-ba54b8feb907" providerId="ADAL" clId="{3EEDBE9C-CDEC-4FEA-847B-FED80D2BA3BB}" dt="2025-05-05T10:00:23.171" v="7" actId="478"/>
-          <ac:spMkLst>
-            <pc:docMk/>
-            <pc:sldMk cId="613601681" sldId="383"/>
-            <ac:spMk id="3" creationId="{9CD35DD5-6460-F475-48FB-2DDA6BBD9DBD}"/>
           </ac:spMkLst>
         </pc:spChg>
         <pc:spChg chg="add mod">
@@ -219,14 +216,6 @@
             <ac:spMk id="2" creationId="{981FB64C-A448-CB25-01E6-CFE12B0E537D}"/>
           </ac:spMkLst>
         </pc:spChg>
-        <pc:spChg chg="del">
-          <ac:chgData name="Luis Fernando Rodriguez Gutierrez" userId="47d13518-703e-4604-b449-ba54b8feb907" providerId="ADAL" clId="{3EEDBE9C-CDEC-4FEA-847B-FED80D2BA3BB}" dt="2025-05-05T10:05:08.445" v="363" actId="478"/>
-          <ac:spMkLst>
-            <pc:docMk/>
-            <pc:sldMk cId="2195414611" sldId="390"/>
-            <ac:spMk id="3" creationId="{4FAE66C4-95B8-CB1C-76DC-E591ECFDE1B2}"/>
-          </ac:spMkLst>
-        </pc:spChg>
         <pc:picChg chg="add mod">
           <ac:chgData name="Luis Fernando Rodriguez Gutierrez" userId="47d13518-703e-4604-b449-ba54b8feb907" providerId="ADAL" clId="{3EEDBE9C-CDEC-4FEA-847B-FED80D2BA3BB}" dt="2025-05-05T10:08:29.675" v="423" actId="1076"/>
           <ac:picMkLst>
@@ -241,22 +230,6 @@
             <pc:docMk/>
             <pc:sldMk cId="2195414611" sldId="390"/>
             <ac:picMk id="9" creationId="{2853C5EF-D070-8D84-E07A-9A35592CE1B8}"/>
-          </ac:picMkLst>
-        </pc:picChg>
-        <pc:picChg chg="add del mod">
-          <ac:chgData name="Luis Fernando Rodriguez Gutierrez" userId="47d13518-703e-4604-b449-ba54b8feb907" providerId="ADAL" clId="{3EEDBE9C-CDEC-4FEA-847B-FED80D2BA3BB}" dt="2025-05-05T10:12:08.927" v="591" actId="21"/>
-          <ac:picMkLst>
-            <pc:docMk/>
-            <pc:sldMk cId="2195414611" sldId="390"/>
-            <ac:picMk id="1026" creationId="{AAE02505-870F-E198-8CFC-4D39CB88D226}"/>
-          </ac:picMkLst>
-        </pc:picChg>
-        <pc:picChg chg="add del mod">
-          <ac:chgData name="Luis Fernando Rodriguez Gutierrez" userId="47d13518-703e-4604-b449-ba54b8feb907" providerId="ADAL" clId="{3EEDBE9C-CDEC-4FEA-847B-FED80D2BA3BB}" dt="2025-05-05T10:12:08.927" v="591" actId="21"/>
-          <ac:picMkLst>
-            <pc:docMk/>
-            <pc:sldMk cId="2195414611" sldId="390"/>
-            <ac:picMk id="1028" creationId="{F7C111A6-F244-6EE6-0DFE-5DF80BC82725}"/>
           </ac:picMkLst>
         </pc:picChg>
       </pc:sldChg>
@@ -305,14 +278,6 @@
             <ac:spMk id="2" creationId="{A8EBAA40-D5EB-B48C-98EF-8680860B647F}"/>
           </ac:spMkLst>
         </pc:spChg>
-        <pc:spChg chg="del">
-          <ac:chgData name="Luis Fernando Rodriguez Gutierrez" userId="47d13518-703e-4604-b449-ba54b8feb907" providerId="ADAL" clId="{3EEDBE9C-CDEC-4FEA-847B-FED80D2BA3BB}" dt="2025-05-05T10:12:22.197" v="598" actId="478"/>
-          <ac:spMkLst>
-            <pc:docMk/>
-            <pc:sldMk cId="2384668097" sldId="392"/>
-            <ac:spMk id="3" creationId="{A52B32EB-7BB3-D7DC-2ACE-072FE8D10362}"/>
-          </ac:spMkLst>
-        </pc:spChg>
         <pc:picChg chg="add mod">
           <ac:chgData name="Luis Fernando Rodriguez Gutierrez" userId="47d13518-703e-4604-b449-ba54b8feb907" providerId="ADAL" clId="{3EEDBE9C-CDEC-4FEA-847B-FED80D2BA3BB}" dt="2025-05-05T10:12:29.589" v="600" actId="14100"/>
           <ac:picMkLst>
@@ -344,14 +309,6 @@
             <ac:spMk id="2" creationId="{7B9A4DF1-FFE0-80A9-40B0-E66387B8E5D1}"/>
           </ac:spMkLst>
         </pc:spChg>
-        <pc:picChg chg="del">
-          <ac:chgData name="Luis Fernando Rodriguez Gutierrez" userId="47d13518-703e-4604-b449-ba54b8feb907" providerId="ADAL" clId="{3EEDBE9C-CDEC-4FEA-847B-FED80D2BA3BB}" dt="2025-05-05T10:18:28.673" v="613" actId="478"/>
-          <ac:picMkLst>
-            <pc:docMk/>
-            <pc:sldMk cId="164949636" sldId="393"/>
-            <ac:picMk id="6" creationId="{C35443E2-86BF-B599-56D7-77A277F9346C}"/>
-          </ac:picMkLst>
-        </pc:picChg>
         <pc:picChg chg="add mod">
           <ac:chgData name="Luis Fernando Rodriguez Gutierrez" userId="47d13518-703e-4604-b449-ba54b8feb907" providerId="ADAL" clId="{3EEDBE9C-CDEC-4FEA-847B-FED80D2BA3BB}" dt="2025-05-05T10:18:32.444" v="616" actId="962"/>
           <ac:picMkLst>
@@ -719,14 +676,6 @@
           <pc:docMk/>
           <pc:sldMk cId="1742724825" sldId="356"/>
         </pc:sldMkLst>
-        <pc:spChg chg="add mod">
-          <ac:chgData name="Luis Fernando Rodriguez Gutierrez" userId="47d13518-703e-4604-b449-ba54b8feb907" providerId="ADAL" clId="{43B3EDA9-0EEE-4EA4-841F-0926849D4277}" dt="2025-04-14T14:29:47.578" v="72" actId="14100"/>
-          <ac:spMkLst>
-            <pc:docMk/>
-            <pc:sldMk cId="1742724825" sldId="356"/>
-            <ac:spMk id="5" creationId="{91B83917-42CB-6C06-A4F1-CD68DB8BD4AB}"/>
-          </ac:spMkLst>
-        </pc:spChg>
       </pc:sldChg>
       <pc:sldChg chg="del">
         <pc:chgData name="Luis Fernando Rodriguez Gutierrez" userId="47d13518-703e-4604-b449-ba54b8feb907" providerId="ADAL" clId="{43B3EDA9-0EEE-4EA4-841F-0926849D4277}" dt="2025-04-14T14:30:23.258" v="77" actId="47"/>
@@ -818,22 +767,6 @@
           <pc:docMk/>
           <pc:sldMk cId="2975782584" sldId="380"/>
         </pc:sldMkLst>
-        <pc:spChg chg="mod">
-          <ac:chgData name="Luis Fernando Rodriguez Gutierrez" userId="47d13518-703e-4604-b449-ba54b8feb907" providerId="ADAL" clId="{43B3EDA9-0EEE-4EA4-841F-0926849D4277}" dt="2025-04-14T14:29:02.753" v="17" actId="20577"/>
-          <ac:spMkLst>
-            <pc:docMk/>
-            <pc:sldMk cId="2975782584" sldId="380"/>
-            <ac:spMk id="2" creationId="{B5732573-D20A-CBD0-5A4C-6C0DFE64C5A9}"/>
-          </ac:spMkLst>
-        </pc:spChg>
-        <pc:spChg chg="mod">
-          <ac:chgData name="Luis Fernando Rodriguez Gutierrez" userId="47d13518-703e-4604-b449-ba54b8feb907" providerId="ADAL" clId="{43B3EDA9-0EEE-4EA4-841F-0926849D4277}" dt="2025-04-14T14:29:18.372" v="66" actId="20577"/>
-          <ac:spMkLst>
-            <pc:docMk/>
-            <pc:sldMk cId="2975782584" sldId="380"/>
-            <ac:spMk id="3" creationId="{701A7D7D-031F-4FE8-F782-690872D7AD7B}"/>
-          </ac:spMkLst>
-        </pc:spChg>
       </pc:sldChg>
       <pc:sldChg chg="modSp new mod">
         <pc:chgData name="Luis Fernando Rodriguez Gutierrez" userId="47d13518-703e-4604-b449-ba54b8feb907" providerId="ADAL" clId="{43B3EDA9-0EEE-4EA4-841F-0926849D4277}" dt="2025-04-14T14:32:25.960" v="183" actId="20577"/>
@@ -841,22 +774,6 @@
           <pc:docMk/>
           <pc:sldMk cId="4022417390" sldId="381"/>
         </pc:sldMkLst>
-        <pc:spChg chg="mod">
-          <ac:chgData name="Luis Fernando Rodriguez Gutierrez" userId="47d13518-703e-4604-b449-ba54b8feb907" providerId="ADAL" clId="{43B3EDA9-0EEE-4EA4-841F-0926849D4277}" dt="2025-04-14T14:31:12.841" v="99" actId="20577"/>
-          <ac:spMkLst>
-            <pc:docMk/>
-            <pc:sldMk cId="4022417390" sldId="381"/>
-            <ac:spMk id="2" creationId="{B9C0613F-E1A8-00E8-56D9-54D08CE43BF9}"/>
-          </ac:spMkLst>
-        </pc:spChg>
-        <pc:spChg chg="mod">
-          <ac:chgData name="Luis Fernando Rodriguez Gutierrez" userId="47d13518-703e-4604-b449-ba54b8feb907" providerId="ADAL" clId="{43B3EDA9-0EEE-4EA4-841F-0926849D4277}" dt="2025-04-14T14:32:25.960" v="183" actId="20577"/>
-          <ac:spMkLst>
-            <pc:docMk/>
-            <pc:sldMk cId="4022417390" sldId="381"/>
-            <ac:spMk id="3" creationId="{08A4606F-6E0B-C26C-E39E-2025FA207242}"/>
-          </ac:spMkLst>
-        </pc:spChg>
       </pc:sldChg>
       <pc:sldChg chg="del">
         <pc:chgData name="Luis Fernando Rodriguez Gutierrez" userId="47d13518-703e-4604-b449-ba54b8feb907" providerId="ADAL" clId="{43B3EDA9-0EEE-4EA4-841F-0926849D4277}" dt="2025-04-14T14:30:23.258" v="77" actId="47"/>
@@ -871,14 +788,6 @@
           <pc:docMk/>
           <pc:sldMk cId="1371233986" sldId="382"/>
         </pc:sldMkLst>
-        <pc:spChg chg="mod">
-          <ac:chgData name="Luis Fernando Rodriguez Gutierrez" userId="47d13518-703e-4604-b449-ba54b8feb907" providerId="ADAL" clId="{43B3EDA9-0EEE-4EA4-841F-0926849D4277}" dt="2025-04-14T14:31:20.938" v="106" actId="27636"/>
-          <ac:spMkLst>
-            <pc:docMk/>
-            <pc:sldMk cId="1371233986" sldId="382"/>
-            <ac:spMk id="2" creationId="{46CF15AF-C673-57E5-6154-4A442E9E08B8}"/>
-          </ac:spMkLst>
-        </pc:spChg>
       </pc:sldChg>
       <pc:sldChg chg="add">
         <pc:chgData name="Luis Fernando Rodriguez Gutierrez" userId="47d13518-703e-4604-b449-ba54b8feb907" providerId="ADAL" clId="{43B3EDA9-0EEE-4EA4-841F-0926849D4277}" dt="2025-04-14T14:31:23.467" v="107"/>
@@ -1011,6 +920,232 @@
     </pc:docChg>
   </pc:docChgLst>
   <pc:docChgLst>
+    <pc:chgData name="Luis Fernando Rodriguez Gutierrez" userId="47d13518-703e-4604-b449-ba54b8feb907" providerId="ADAL" clId="{5F14B33B-8AEE-402B-A228-31CE4B879B17}"/>
+    <pc:docChg chg="custSel addSld delSld modSld">
+      <pc:chgData name="Luis Fernando Rodriguez Gutierrez" userId="47d13518-703e-4604-b449-ba54b8feb907" providerId="ADAL" clId="{5F14B33B-8AEE-402B-A228-31CE4B879B17}" dt="2025-07-30T07:40:01.975" v="889" actId="20577"/>
+      <pc:docMkLst>
+        <pc:docMk/>
+      </pc:docMkLst>
+      <pc:sldChg chg="modSp mod">
+        <pc:chgData name="Luis Fernando Rodriguez Gutierrez" userId="47d13518-703e-4604-b449-ba54b8feb907" providerId="ADAL" clId="{5F14B33B-8AEE-402B-A228-31CE4B879B17}" dt="2025-07-30T07:40:01.975" v="889" actId="20577"/>
+        <pc:sldMkLst>
+          <pc:docMk/>
+          <pc:sldMk cId="2017968030" sldId="384"/>
+        </pc:sldMkLst>
+        <pc:spChg chg="mod">
+          <ac:chgData name="Luis Fernando Rodriguez Gutierrez" userId="47d13518-703e-4604-b449-ba54b8feb907" providerId="ADAL" clId="{5F14B33B-8AEE-402B-A228-31CE4B879B17}" dt="2025-07-30T07:40:01.975" v="889" actId="20577"/>
+          <ac:spMkLst>
+            <pc:docMk/>
+            <pc:sldMk cId="2017968030" sldId="384"/>
+            <ac:spMk id="2" creationId="{0C434159-6366-9D7E-ADFA-E97C81AF1C59}"/>
+          </ac:spMkLst>
+        </pc:spChg>
+        <pc:spChg chg="mod">
+          <ac:chgData name="Luis Fernando Rodriguez Gutierrez" userId="47d13518-703e-4604-b449-ba54b8feb907" providerId="ADAL" clId="{5F14B33B-8AEE-402B-A228-31CE4B879B17}" dt="2025-07-30T07:35:20.446" v="763" actId="27636"/>
+          <ac:spMkLst>
+            <pc:docMk/>
+            <pc:sldMk cId="2017968030" sldId="384"/>
+            <ac:spMk id="3" creationId="{A83137DA-642A-37AF-D880-4B70BC913D4B}"/>
+          </ac:spMkLst>
+        </pc:spChg>
+      </pc:sldChg>
+      <pc:sldChg chg="addSp modSp add mod">
+        <pc:chgData name="Luis Fernando Rodriguez Gutierrez" userId="47d13518-703e-4604-b449-ba54b8feb907" providerId="ADAL" clId="{5F14B33B-8AEE-402B-A228-31CE4B879B17}" dt="2025-07-30T07:37:24.287" v="766" actId="20577"/>
+        <pc:sldMkLst>
+          <pc:docMk/>
+          <pc:sldMk cId="2737885104" sldId="394"/>
+        </pc:sldMkLst>
+        <pc:spChg chg="mod">
+          <ac:chgData name="Luis Fernando Rodriguez Gutierrez" userId="47d13518-703e-4604-b449-ba54b8feb907" providerId="ADAL" clId="{5F14B33B-8AEE-402B-A228-31CE4B879B17}" dt="2025-07-30T07:37:24.287" v="766" actId="20577"/>
+          <ac:spMkLst>
+            <pc:docMk/>
+            <pc:sldMk cId="2737885104" sldId="394"/>
+            <ac:spMk id="2" creationId="{132006DD-F459-E41D-9D42-99A720465D01}"/>
+          </ac:spMkLst>
+        </pc:spChg>
+        <pc:spChg chg="mod">
+          <ac:chgData name="Luis Fernando Rodriguez Gutierrez" userId="47d13518-703e-4604-b449-ba54b8feb907" providerId="ADAL" clId="{5F14B33B-8AEE-402B-A228-31CE4B879B17}" dt="2025-07-30T07:29:40.449" v="152" actId="20577"/>
+          <ac:spMkLst>
+            <pc:docMk/>
+            <pc:sldMk cId="2737885104" sldId="394"/>
+            <ac:spMk id="3" creationId="{44331294-BB96-EE6B-09E9-EF64C65DA179}"/>
+          </ac:spMkLst>
+        </pc:spChg>
+        <pc:spChg chg="add">
+          <ac:chgData name="Luis Fernando Rodriguez Gutierrez" userId="47d13518-703e-4604-b449-ba54b8feb907" providerId="ADAL" clId="{5F14B33B-8AEE-402B-A228-31CE4B879B17}" dt="2025-07-30T07:30:14.459" v="153"/>
+          <ac:spMkLst>
+            <pc:docMk/>
+            <pc:sldMk cId="2737885104" sldId="394"/>
+            <ac:spMk id="6" creationId="{9BF1E706-96F5-437E-559A-548D1CAF5516}"/>
+          </ac:spMkLst>
+        </pc:spChg>
+        <pc:picChg chg="add mod modCrop">
+          <ac:chgData name="Luis Fernando Rodriguez Gutierrez" userId="47d13518-703e-4604-b449-ba54b8feb907" providerId="ADAL" clId="{5F14B33B-8AEE-402B-A228-31CE4B879B17}" dt="2025-07-30T07:31:18.427" v="166" actId="1076"/>
+          <ac:picMkLst>
+            <pc:docMk/>
+            <pc:sldMk cId="2737885104" sldId="394"/>
+            <ac:picMk id="8" creationId="{2C9ED825-BA40-3EF7-C2E4-B6DADD23265E}"/>
+          </ac:picMkLst>
+        </pc:picChg>
+      </pc:sldChg>
+      <pc:sldChg chg="new del">
+        <pc:chgData name="Luis Fernando Rodriguez Gutierrez" userId="47d13518-703e-4604-b449-ba54b8feb907" providerId="ADAL" clId="{5F14B33B-8AEE-402B-A228-31CE4B879B17}" dt="2025-07-30T07:31:22.443" v="168" actId="47"/>
+        <pc:sldMkLst>
+          <pc:docMk/>
+          <pc:sldMk cId="1385299490" sldId="395"/>
+        </pc:sldMkLst>
+      </pc:sldChg>
+      <pc:sldChg chg="addSp delSp modSp add mod">
+        <pc:chgData name="Luis Fernando Rodriguez Gutierrez" userId="47d13518-703e-4604-b449-ba54b8feb907" providerId="ADAL" clId="{5F14B33B-8AEE-402B-A228-31CE4B879B17}" dt="2025-07-30T07:37:28.293" v="768" actId="20577"/>
+        <pc:sldMkLst>
+          <pc:docMk/>
+          <pc:sldMk cId="2263782253" sldId="395"/>
+        </pc:sldMkLst>
+        <pc:spChg chg="mod">
+          <ac:chgData name="Luis Fernando Rodriguez Gutierrez" userId="47d13518-703e-4604-b449-ba54b8feb907" providerId="ADAL" clId="{5F14B33B-8AEE-402B-A228-31CE4B879B17}" dt="2025-07-30T07:37:28.293" v="768" actId="20577"/>
+          <ac:spMkLst>
+            <pc:docMk/>
+            <pc:sldMk cId="2263782253" sldId="395"/>
+            <ac:spMk id="2" creationId="{8F09D382-C6AC-8A25-822F-A3F4273D3AB8}"/>
+          </ac:spMkLst>
+        </pc:spChg>
+        <pc:spChg chg="mod">
+          <ac:chgData name="Luis Fernando Rodriguez Gutierrez" userId="47d13518-703e-4604-b449-ba54b8feb907" providerId="ADAL" clId="{5F14B33B-8AEE-402B-A228-31CE4B879B17}" dt="2025-07-30T07:31:34.650" v="201" actId="20577"/>
+          <ac:spMkLst>
+            <pc:docMk/>
+            <pc:sldMk cId="2263782253" sldId="395"/>
+            <ac:spMk id="3" creationId="{09631628-5A00-CC45-88C5-A222A0887BFF}"/>
+          </ac:spMkLst>
+        </pc:spChg>
+        <pc:spChg chg="add del mod">
+          <ac:chgData name="Luis Fernando Rodriguez Gutierrez" userId="47d13518-703e-4604-b449-ba54b8feb907" providerId="ADAL" clId="{5F14B33B-8AEE-402B-A228-31CE4B879B17}" dt="2025-07-30T07:32:03.009" v="204" actId="478"/>
+          <ac:spMkLst>
+            <pc:docMk/>
+            <pc:sldMk cId="2263782253" sldId="395"/>
+            <ac:spMk id="7" creationId="{23756550-E6C1-A6E0-6699-B906C26B7988}"/>
+          </ac:spMkLst>
+        </pc:spChg>
+        <pc:picChg chg="del">
+          <ac:chgData name="Luis Fernando Rodriguez Gutierrez" userId="47d13518-703e-4604-b449-ba54b8feb907" providerId="ADAL" clId="{5F14B33B-8AEE-402B-A228-31CE4B879B17}" dt="2025-07-30T07:31:36.345" v="202" actId="478"/>
+          <ac:picMkLst>
+            <pc:docMk/>
+            <pc:sldMk cId="2263782253" sldId="395"/>
+            <ac:picMk id="8" creationId="{A29444D9-66D8-7832-BC36-E6852B6E69B1}"/>
+          </ac:picMkLst>
+        </pc:picChg>
+        <pc:picChg chg="add mod modCrop">
+          <ac:chgData name="Luis Fernando Rodriguez Gutierrez" userId="47d13518-703e-4604-b449-ba54b8feb907" providerId="ADAL" clId="{5F14B33B-8AEE-402B-A228-31CE4B879B17}" dt="2025-07-30T07:32:23.601" v="208" actId="14100"/>
+          <ac:picMkLst>
+            <pc:docMk/>
+            <pc:sldMk cId="2263782253" sldId="395"/>
+            <ac:picMk id="10" creationId="{03FC2286-6758-79F6-9AA8-713410357037}"/>
+          </ac:picMkLst>
+        </pc:picChg>
+        <pc:picChg chg="add mod">
+          <ac:chgData name="Luis Fernando Rodriguez Gutierrez" userId="47d13518-703e-4604-b449-ba54b8feb907" providerId="ADAL" clId="{5F14B33B-8AEE-402B-A228-31CE4B879B17}" dt="2025-07-30T07:32:42.849" v="211" actId="14100"/>
+          <ac:picMkLst>
+            <pc:docMk/>
+            <pc:sldMk cId="2263782253" sldId="395"/>
+            <ac:picMk id="12" creationId="{69BF1730-5DF7-8E53-38D3-42EE9F7BD2E9}"/>
+          </ac:picMkLst>
+        </pc:picChg>
+      </pc:sldChg>
+      <pc:sldChg chg="addSp delSp modSp add mod">
+        <pc:chgData name="Luis Fernando Rodriguez Gutierrez" userId="47d13518-703e-4604-b449-ba54b8feb907" providerId="ADAL" clId="{5F14B33B-8AEE-402B-A228-31CE4B879B17}" dt="2025-07-30T07:37:31.116" v="770" actId="20577"/>
+        <pc:sldMkLst>
+          <pc:docMk/>
+          <pc:sldMk cId="1843093206" sldId="396"/>
+        </pc:sldMkLst>
+        <pc:spChg chg="mod">
+          <ac:chgData name="Luis Fernando Rodriguez Gutierrez" userId="47d13518-703e-4604-b449-ba54b8feb907" providerId="ADAL" clId="{5F14B33B-8AEE-402B-A228-31CE4B879B17}" dt="2025-07-30T07:37:31.116" v="770" actId="20577"/>
+          <ac:spMkLst>
+            <pc:docMk/>
+            <pc:sldMk cId="1843093206" sldId="396"/>
+            <ac:spMk id="2" creationId="{8BAA535C-4839-CB21-4D71-79FD3DA72646}"/>
+          </ac:spMkLst>
+        </pc:spChg>
+        <pc:spChg chg="mod">
+          <ac:chgData name="Luis Fernando Rodriguez Gutierrez" userId="47d13518-703e-4604-b449-ba54b8feb907" providerId="ADAL" clId="{5F14B33B-8AEE-402B-A228-31CE4B879B17}" dt="2025-07-30T07:33:18.632" v="282" actId="20577"/>
+          <ac:spMkLst>
+            <pc:docMk/>
+            <pc:sldMk cId="1843093206" sldId="396"/>
+            <ac:spMk id="3" creationId="{287526B8-02D0-1CEC-1747-135F911F8EEB}"/>
+          </ac:spMkLst>
+        </pc:spChg>
+        <pc:picChg chg="del">
+          <ac:chgData name="Luis Fernando Rodriguez Gutierrez" userId="47d13518-703e-4604-b449-ba54b8feb907" providerId="ADAL" clId="{5F14B33B-8AEE-402B-A228-31CE4B879B17}" dt="2025-07-30T07:32:48.755" v="213" actId="478"/>
+          <ac:picMkLst>
+            <pc:docMk/>
+            <pc:sldMk cId="1843093206" sldId="396"/>
+            <ac:picMk id="10" creationId="{A9C4D606-861E-B2BB-27A5-57629D249650}"/>
+          </ac:picMkLst>
+        </pc:picChg>
+        <pc:picChg chg="del">
+          <ac:chgData name="Luis Fernando Rodriguez Gutierrez" userId="47d13518-703e-4604-b449-ba54b8feb907" providerId="ADAL" clId="{5F14B33B-8AEE-402B-A228-31CE4B879B17}" dt="2025-07-30T07:32:48.755" v="213" actId="478"/>
+          <ac:picMkLst>
+            <pc:docMk/>
+            <pc:sldMk cId="1843093206" sldId="396"/>
+            <ac:picMk id="12" creationId="{843DDB04-EF4C-A5F3-C6F5-196CABF46C34}"/>
+          </ac:picMkLst>
+        </pc:picChg>
+        <pc:picChg chg="add mod">
+          <ac:chgData name="Luis Fernando Rodriguez Gutierrez" userId="47d13518-703e-4604-b449-ba54b8feb907" providerId="ADAL" clId="{5F14B33B-8AEE-402B-A228-31CE4B879B17}" dt="2025-07-30T07:32:59.536" v="217" actId="14100"/>
+          <ac:picMkLst>
+            <pc:docMk/>
+            <pc:sldMk cId="1843093206" sldId="396"/>
+            <ac:picMk id="3074" creationId="{849221DC-C064-14B4-33FA-5CB7D007943F}"/>
+          </ac:picMkLst>
+        </pc:picChg>
+      </pc:sldChg>
+      <pc:sldChg chg="modSp add mod">
+        <pc:chgData name="Luis Fernando Rodriguez Gutierrez" userId="47d13518-703e-4604-b449-ba54b8feb907" providerId="ADAL" clId="{5F14B33B-8AEE-402B-A228-31CE4B879B17}" dt="2025-07-30T07:37:34.695" v="772" actId="20577"/>
+        <pc:sldMkLst>
+          <pc:docMk/>
+          <pc:sldMk cId="1725387343" sldId="397"/>
+        </pc:sldMkLst>
+        <pc:spChg chg="mod">
+          <ac:chgData name="Luis Fernando Rodriguez Gutierrez" userId="47d13518-703e-4604-b449-ba54b8feb907" providerId="ADAL" clId="{5F14B33B-8AEE-402B-A228-31CE4B879B17}" dt="2025-07-30T07:37:34.695" v="772" actId="20577"/>
+          <ac:spMkLst>
+            <pc:docMk/>
+            <pc:sldMk cId="1725387343" sldId="397"/>
+            <ac:spMk id="2" creationId="{72B6D791-1351-9CB3-491E-FC8322A0B399}"/>
+          </ac:spMkLst>
+        </pc:spChg>
+      </pc:sldChg>
+      <pc:sldChg chg="addSp delSp modSp add mod">
+        <pc:chgData name="Luis Fernando Rodriguez Gutierrez" userId="47d13518-703e-4604-b449-ba54b8feb907" providerId="ADAL" clId="{5F14B33B-8AEE-402B-A228-31CE4B879B17}" dt="2025-07-30T07:38:27.191" v="887" actId="14100"/>
+        <pc:sldMkLst>
+          <pc:docMk/>
+          <pc:sldMk cId="3796642028" sldId="398"/>
+        </pc:sldMkLst>
+        <pc:spChg chg="mod">
+          <ac:chgData name="Luis Fernando Rodriguez Gutierrez" userId="47d13518-703e-4604-b449-ba54b8feb907" providerId="ADAL" clId="{5F14B33B-8AEE-402B-A228-31CE4B879B17}" dt="2025-07-30T07:38:15.691" v="882" actId="20577"/>
+          <ac:spMkLst>
+            <pc:docMk/>
+            <pc:sldMk cId="3796642028" sldId="398"/>
+            <ac:spMk id="3" creationId="{11A40A67-883F-3195-C763-79DB18502CF0}"/>
+          </ac:spMkLst>
+        </pc:spChg>
+        <pc:picChg chg="add mod">
+          <ac:chgData name="Luis Fernando Rodriguez Gutierrez" userId="47d13518-703e-4604-b449-ba54b8feb907" providerId="ADAL" clId="{5F14B33B-8AEE-402B-A228-31CE4B879B17}" dt="2025-07-30T07:38:27.191" v="887" actId="14100"/>
+          <ac:picMkLst>
+            <pc:docMk/>
+            <pc:sldMk cId="3796642028" sldId="398"/>
+            <ac:picMk id="8" creationId="{0FC9CA68-91A5-3781-8752-80900F5E252F}"/>
+          </ac:picMkLst>
+        </pc:picChg>
+        <pc:picChg chg="del">
+          <ac:chgData name="Luis Fernando Rodriguez Gutierrez" userId="47d13518-703e-4604-b449-ba54b8feb907" providerId="ADAL" clId="{5F14B33B-8AEE-402B-A228-31CE4B879B17}" dt="2025-07-30T07:38:17.314" v="883" actId="478"/>
+          <ac:picMkLst>
+            <pc:docMk/>
+            <pc:sldMk cId="3796642028" sldId="398"/>
+            <ac:picMk id="3074" creationId="{E7D9B7CB-BFED-2807-2489-00D596F98E11}"/>
+          </ac:picMkLst>
+        </pc:picChg>
+      </pc:sldChg>
+    </pc:docChg>
+  </pc:docChgLst>
+  <pc:docChgLst>
     <pc:chgData name="Luis Fernando Rodriguez Gutierrez" userId="47d13518-703e-4604-b449-ba54b8feb907" providerId="ADAL" clId="{3092E590-2950-4AEC-9D42-F023B2ED0D8C}"/>
     <pc:docChg chg="undo custSel addSld delSld modSld sldOrd modMainMaster">
       <pc:chgData name="Luis Fernando Rodriguez Gutierrez" userId="47d13518-703e-4604-b449-ba54b8feb907" providerId="ADAL" clId="{3092E590-2950-4AEC-9D42-F023B2ED0D8C}" dt="2025-04-23T12:12:27.019" v="547" actId="20577"/>
@@ -1023,30 +1158,6 @@
           <pc:docMk/>
           <pc:sldMk cId="1371233986" sldId="382"/>
         </pc:sldMkLst>
-        <pc:spChg chg="mod">
-          <ac:chgData name="Luis Fernando Rodriguez Gutierrez" userId="47d13518-703e-4604-b449-ba54b8feb907" providerId="ADAL" clId="{3092E590-2950-4AEC-9D42-F023B2ED0D8C}" dt="2025-04-19T13:45:52.120" v="1" actId="20577"/>
-          <ac:spMkLst>
-            <pc:docMk/>
-            <pc:sldMk cId="1371233986" sldId="382"/>
-            <ac:spMk id="2" creationId="{46CF15AF-C673-57E5-6154-4A442E9E08B8}"/>
-          </ac:spMkLst>
-        </pc:spChg>
-        <pc:spChg chg="mod">
-          <ac:chgData name="Luis Fernando Rodriguez Gutierrez" userId="47d13518-703e-4604-b449-ba54b8feb907" providerId="ADAL" clId="{3092E590-2950-4AEC-9D42-F023B2ED0D8C}" dt="2025-04-23T10:27:48.058" v="335" actId="20577"/>
-          <ac:spMkLst>
-            <pc:docMk/>
-            <pc:sldMk cId="1371233986" sldId="382"/>
-            <ac:spMk id="3" creationId="{2C14A8D3-6948-67A4-5774-80CB804B4E2D}"/>
-          </ac:spMkLst>
-        </pc:spChg>
-        <pc:spChg chg="add mod">
-          <ac:chgData name="Luis Fernando Rodriguez Gutierrez" userId="47d13518-703e-4604-b449-ba54b8feb907" providerId="ADAL" clId="{3092E590-2950-4AEC-9D42-F023B2ED0D8C}" dt="2025-04-23T10:28:44.994" v="421" actId="20577"/>
-          <ac:spMkLst>
-            <pc:docMk/>
-            <pc:sldMk cId="1371233986" sldId="382"/>
-            <ac:spMk id="6" creationId="{194329D0-0E13-9729-28BE-76D13330ECE1}"/>
-          </ac:spMkLst>
-        </pc:spChg>
       </pc:sldChg>
       <pc:sldChg chg="add del">
         <pc:chgData name="Luis Fernando Rodriguez Gutierrez" userId="47d13518-703e-4604-b449-ba54b8feb907" providerId="ADAL" clId="{3092E590-2950-4AEC-9D42-F023B2ED0D8C}" dt="2025-04-19T13:46:10.691" v="11" actId="47"/>
@@ -1061,46 +1172,6 @@
           <pc:docMk/>
           <pc:sldMk cId="2209207768" sldId="386"/>
         </pc:sldMkLst>
-        <pc:spChg chg="mod">
-          <ac:chgData name="Luis Fernando Rodriguez Gutierrez" userId="47d13518-703e-4604-b449-ba54b8feb907" providerId="ADAL" clId="{3092E590-2950-4AEC-9D42-F023B2ED0D8C}" dt="2025-04-23T12:12:27.019" v="547" actId="20577"/>
-          <ac:spMkLst>
-            <pc:docMk/>
-            <pc:sldMk cId="2209207768" sldId="386"/>
-            <ac:spMk id="2" creationId="{CA9F5939-5CEF-D6E6-E260-5BA6D9B58146}"/>
-          </ac:spMkLst>
-        </pc:spChg>
-        <pc:picChg chg="add mod">
-          <ac:chgData name="Luis Fernando Rodriguez Gutierrez" userId="47d13518-703e-4604-b449-ba54b8feb907" providerId="ADAL" clId="{3092E590-2950-4AEC-9D42-F023B2ED0D8C}" dt="2025-04-19T13:49:45.528" v="151" actId="1076"/>
-          <ac:picMkLst>
-            <pc:docMk/>
-            <pc:sldMk cId="2209207768" sldId="386"/>
-            <ac:picMk id="7" creationId="{1DAED036-5F08-6348-9516-633E84588C1B}"/>
-          </ac:picMkLst>
-        </pc:picChg>
-        <pc:picChg chg="add mod">
-          <ac:chgData name="Luis Fernando Rodriguez Gutierrez" userId="47d13518-703e-4604-b449-ba54b8feb907" providerId="ADAL" clId="{3092E590-2950-4AEC-9D42-F023B2ED0D8C}" dt="2025-04-19T14:01:40.443" v="243" actId="1076"/>
-          <ac:picMkLst>
-            <pc:docMk/>
-            <pc:sldMk cId="2209207768" sldId="386"/>
-            <ac:picMk id="9" creationId="{FE70F34C-7F25-8FAE-1FEE-055A19919BE0}"/>
-          </ac:picMkLst>
-        </pc:picChg>
-        <pc:picChg chg="add mod">
-          <ac:chgData name="Luis Fernando Rodriguez Gutierrez" userId="47d13518-703e-4604-b449-ba54b8feb907" providerId="ADAL" clId="{3092E590-2950-4AEC-9D42-F023B2ED0D8C}" dt="2025-04-19T14:02:21.613" v="247" actId="14100"/>
-          <ac:picMkLst>
-            <pc:docMk/>
-            <pc:sldMk cId="2209207768" sldId="386"/>
-            <ac:picMk id="11" creationId="{F579686C-0046-8AF4-919D-D11DFFFBB5BA}"/>
-          </ac:picMkLst>
-        </pc:picChg>
-        <pc:picChg chg="add mod">
-          <ac:chgData name="Luis Fernando Rodriguez Gutierrez" userId="47d13518-703e-4604-b449-ba54b8feb907" providerId="ADAL" clId="{3092E590-2950-4AEC-9D42-F023B2ED0D8C}" dt="2025-04-19T14:25:08.655" v="313" actId="1076"/>
-          <ac:picMkLst>
-            <pc:docMk/>
-            <pc:sldMk cId="2209207768" sldId="386"/>
-            <ac:picMk id="1026" creationId="{DBA318C6-B232-C859-BDA5-1E1DACA26953}"/>
-          </ac:picMkLst>
-        </pc:picChg>
       </pc:sldChg>
       <pc:sldChg chg="new del">
         <pc:chgData name="Luis Fernando Rodriguez Gutierrez" userId="47d13518-703e-4604-b449-ba54b8feb907" providerId="ADAL" clId="{3092E590-2950-4AEC-9D42-F023B2ED0D8C}" dt="2025-04-23T12:07:27.728" v="426" actId="47"/>
@@ -1115,14 +1186,6 @@
           <pc:docMk/>
           <pc:sldMk cId="929138620" sldId="388"/>
         </pc:sldMkLst>
-        <pc:spChg chg="mod">
-          <ac:chgData name="Luis Fernando Rodriguez Gutierrez" userId="47d13518-703e-4604-b449-ba54b8feb907" providerId="ADAL" clId="{3092E590-2950-4AEC-9D42-F023B2ED0D8C}" dt="2025-04-23T12:11:46.713" v="488" actId="255"/>
-          <ac:spMkLst>
-            <pc:docMk/>
-            <pc:sldMk cId="929138620" sldId="388"/>
-            <ac:spMk id="2" creationId="{43AAD9D2-7195-6341-431F-03ADC19A08A6}"/>
-          </ac:spMkLst>
-        </pc:spChg>
       </pc:sldChg>
       <pc:sldChg chg="addSp delSp modSp add mod">
         <pc:chgData name="Luis Fernando Rodriguez Gutierrez" userId="47d13518-703e-4604-b449-ba54b8feb907" providerId="ADAL" clId="{3092E590-2950-4AEC-9D42-F023B2ED0D8C}" dt="2025-04-23T12:12:13.623" v="520" actId="1076"/>
@@ -1130,46 +1193,6 @@
           <pc:docMk/>
           <pc:sldMk cId="1514054633" sldId="389"/>
         </pc:sldMkLst>
-        <pc:spChg chg="mod">
-          <ac:chgData name="Luis Fernando Rodriguez Gutierrez" userId="47d13518-703e-4604-b449-ba54b8feb907" providerId="ADAL" clId="{3092E590-2950-4AEC-9D42-F023B2ED0D8C}" dt="2025-04-23T12:12:02.917" v="516" actId="255"/>
-          <ac:spMkLst>
-            <pc:docMk/>
-            <pc:sldMk cId="1514054633" sldId="389"/>
-            <ac:spMk id="2" creationId="{35FDF0E7-D8BC-85D7-1123-C7E3D5776626}"/>
-          </ac:spMkLst>
-        </pc:spChg>
-        <pc:picChg chg="add mod">
-          <ac:chgData name="Luis Fernando Rodriguez Gutierrez" userId="47d13518-703e-4604-b449-ba54b8feb907" providerId="ADAL" clId="{3092E590-2950-4AEC-9D42-F023B2ED0D8C}" dt="2025-04-23T12:12:13.623" v="520" actId="1076"/>
-          <ac:picMkLst>
-            <pc:docMk/>
-            <pc:sldMk cId="1514054633" sldId="389"/>
-            <ac:picMk id="7" creationId="{F99B2DA4-6175-81A1-AE4C-F587DC7B6DE1}"/>
-          </ac:picMkLst>
-        </pc:picChg>
-        <pc:picChg chg="mod">
-          <ac:chgData name="Luis Fernando Rodriguez Gutierrez" userId="47d13518-703e-4604-b449-ba54b8feb907" providerId="ADAL" clId="{3092E590-2950-4AEC-9D42-F023B2ED0D8C}" dt="2025-04-23T12:12:10.738" v="518" actId="1076"/>
-          <ac:picMkLst>
-            <pc:docMk/>
-            <pc:sldMk cId="1514054633" sldId="389"/>
-            <ac:picMk id="8" creationId="{2BDEC897-8485-A978-9247-0936409E7B9B}"/>
-          </ac:picMkLst>
-        </pc:picChg>
-        <pc:picChg chg="add mod">
-          <ac:chgData name="Luis Fernando Rodriguez Gutierrez" userId="47d13518-703e-4604-b449-ba54b8feb907" providerId="ADAL" clId="{3092E590-2950-4AEC-9D42-F023B2ED0D8C}" dt="2025-04-23T12:12:12.050" v="519" actId="1076"/>
-          <ac:picMkLst>
-            <pc:docMk/>
-            <pc:sldMk cId="1514054633" sldId="389"/>
-            <ac:picMk id="10" creationId="{B89C68D7-BD55-CDFC-8033-23E1ED388590}"/>
-          </ac:picMkLst>
-        </pc:picChg>
-        <pc:picChg chg="add mod">
-          <ac:chgData name="Luis Fernando Rodriguez Gutierrez" userId="47d13518-703e-4604-b449-ba54b8feb907" providerId="ADAL" clId="{3092E590-2950-4AEC-9D42-F023B2ED0D8C}" dt="2025-04-23T12:12:08.937" v="517" actId="1076"/>
-          <ac:picMkLst>
-            <pc:docMk/>
-            <pc:sldMk cId="1514054633" sldId="389"/>
-            <ac:picMk id="12" creationId="{0585829A-D580-5B91-83D2-F1E9E666DB2F}"/>
-          </ac:picMkLst>
-        </pc:picChg>
       </pc:sldChg>
       <pc:sldMasterChg chg="modSp mod">
         <pc:chgData name="Luis Fernando Rodriguez Gutierrez" userId="47d13518-703e-4604-b449-ba54b8feb907" providerId="ADAL" clId="{3092E590-2950-4AEC-9D42-F023B2ED0D8C}" dt="2025-04-19T14:25:51.835" v="319" actId="20577"/>
@@ -1177,14 +1200,6 @@
           <pc:docMk/>
           <pc:sldMasterMk cId="2209977519" sldId="2147483648"/>
         </pc:sldMasterMkLst>
-        <pc:spChg chg="mod">
-          <ac:chgData name="Luis Fernando Rodriguez Gutierrez" userId="47d13518-703e-4604-b449-ba54b8feb907" providerId="ADAL" clId="{3092E590-2950-4AEC-9D42-F023B2ED0D8C}" dt="2025-04-19T14:25:51.835" v="319" actId="20577"/>
-          <ac:spMkLst>
-            <pc:docMk/>
-            <pc:sldMasterMk cId="2209977519" sldId="2147483648"/>
-            <ac:spMk id="9" creationId="{7CA9A25C-C535-0599-C8A4-D29B5CE4C20B}"/>
-          </ac:spMkLst>
-        </pc:spChg>
       </pc:sldMasterChg>
     </pc:docChg>
   </pc:docChgLst>
@@ -1273,7 +1288,7 @@
           <a:p>
             <a:fld id="{914561EA-877F-40EB-BD03-9F9D93CF8F08}" type="datetimeFigureOut">
               <a:rPr lang="en-US" smtClean="0"/>
-              <a:t>5/5/2025</a:t>
+              <a:t>7/30/2025</a:t>
             </a:fld>
             <a:endParaRPr lang="en-US"/>
           </a:p>
@@ -1803,7 +1818,7 @@
           <a:p>
             <a:fld id="{AFA779F1-D9BB-4E74-86A2-2DC123167359}" type="datetime1">
               <a:rPr lang="en-US" smtClean="0"/>
-              <a:t>5/5/2025</a:t>
+              <a:t>7/30/2025</a:t>
             </a:fld>
             <a:endParaRPr lang="en-US" dirty="0"/>
           </a:p>
@@ -1979,7 +1994,7 @@
           <a:p>
             <a:fld id="{BD548D2B-CE3E-4EDD-9649-B6EE9E3C2340}" type="datetime1">
               <a:rPr lang="en-US" smtClean="0"/>
-              <a:t>5/5/2025</a:t>
+              <a:t>7/30/2025</a:t>
             </a:fld>
             <a:endParaRPr lang="en-US"/>
           </a:p>
@@ -2165,7 +2180,7 @@
           <a:p>
             <a:fld id="{ACEBBA4F-0F17-4FF1-AA6C-E0193917BC1E}" type="datetime1">
               <a:rPr lang="en-US" smtClean="0"/>
-              <a:t>5/5/2025</a:t>
+              <a:t>7/30/2025</a:t>
             </a:fld>
             <a:endParaRPr lang="en-US"/>
           </a:p>
@@ -2341,7 +2356,7 @@
           <a:p>
             <a:fld id="{0EFBEC3F-4208-4590-BA97-4119A385DFD9}" type="datetime1">
               <a:rPr lang="en-US" smtClean="0"/>
-              <a:t>5/5/2025</a:t>
+              <a:t>7/30/2025</a:t>
             </a:fld>
             <a:endParaRPr lang="en-US"/>
           </a:p>
@@ -2594,7 +2609,7 @@
           <a:p>
             <a:fld id="{B2D760EB-C9A5-467F-AA36-B176C44BCBF1}" type="datetime1">
               <a:rPr lang="en-US" smtClean="0"/>
-              <a:t>5/5/2025</a:t>
+              <a:t>7/30/2025</a:t>
             </a:fld>
             <a:endParaRPr lang="en-US"/>
           </a:p>
@@ -2887,7 +2902,7 @@
           <a:p>
             <a:fld id="{1C9B5E61-6324-405D-8AF5-05323E47D966}" type="datetime1">
               <a:rPr lang="en-US" smtClean="0"/>
-              <a:t>5/5/2025</a:t>
+              <a:t>7/30/2025</a:t>
             </a:fld>
             <a:endParaRPr lang="en-US"/>
           </a:p>
@@ -3314,7 +3329,7 @@
           <a:p>
             <a:fld id="{4A37807E-A869-4435-A051-311AEF96909D}" type="datetime1">
               <a:rPr lang="en-US" smtClean="0"/>
-              <a:t>5/5/2025</a:t>
+              <a:t>7/30/2025</a:t>
             </a:fld>
             <a:endParaRPr lang="en-US"/>
           </a:p>
@@ -3439,7 +3454,7 @@
           <a:p>
             <a:fld id="{1BC8686A-CD31-4B11-9B8F-A51012174BB0}" type="datetime1">
               <a:rPr lang="en-US" smtClean="0"/>
-              <a:t>5/5/2025</a:t>
+              <a:t>7/30/2025</a:t>
             </a:fld>
             <a:endParaRPr lang="en-US"/>
           </a:p>
@@ -3542,7 +3557,7 @@
           <a:p>
             <a:fld id="{4F4B4EA3-50E0-4631-85EF-BDA8608D293F}" type="datetime1">
               <a:rPr lang="en-US" smtClean="0"/>
-              <a:t>5/5/2025</a:t>
+              <a:t>7/30/2025</a:t>
             </a:fld>
             <a:endParaRPr lang="en-US"/>
           </a:p>
@@ -3825,7 +3840,7 @@
           <a:p>
             <a:fld id="{4BA8B4E6-89B0-4D9D-AC8C-3B8ECDAACC34}" type="datetime1">
               <a:rPr lang="en-US" smtClean="0"/>
-              <a:t>5/5/2025</a:t>
+              <a:t>7/30/2025</a:t>
             </a:fld>
             <a:endParaRPr lang="en-US"/>
           </a:p>
@@ -4085,7 +4100,7 @@
           <a:p>
             <a:fld id="{0A1BBC16-5931-43C3-BDFF-9B248A400D54}" type="datetime1">
               <a:rPr lang="en-US" smtClean="0"/>
-              <a:t>5/5/2025</a:t>
+              <a:t>7/30/2025</a:t>
             </a:fld>
             <a:endParaRPr lang="en-US"/>
           </a:p>
@@ -4396,7 +4411,7 @@
           <a:p>
             <a:fld id="{A7143E5B-78DF-476F-8A09-9FD612E00067}" type="datetime1">
               <a:rPr lang="en-US" smtClean="0"/>
-              <a:t>5/5/2025</a:t>
+              <a:t>7/30/2025</a:t>
             </a:fld>
             <a:endParaRPr lang="en-US" dirty="0"/>
           </a:p>
@@ -4931,7 +4946,7 @@
           <a:p>
             <a:fld id="{1FF5D759-AFA5-4CA4-8536-68E39A72291A}" type="datetime1">
               <a:rPr lang="en-US" smtClean="0"/>
-              <a:t>5/5/2025</a:t>
+              <a:t>7/30/2025</a:t>
             </a:fld>
             <a:endParaRPr lang="en-US" dirty="0"/>
           </a:p>
@@ -5033,7 +5048,7 @@
           <a:p>
             <a:fld id="{0EFBEC3F-4208-4590-BA97-4119A385DFD9}" type="datetime1">
               <a:rPr lang="en-US" smtClean="0"/>
-              <a:t>5/5/2025</a:t>
+              <a:t>7/30/2025</a:t>
             </a:fld>
             <a:endParaRPr lang="en-US"/>
           </a:p>
@@ -5188,7 +5203,7 @@
           <a:p>
             <a:fld id="{0EFBEC3F-4208-4590-BA97-4119A385DFD9}" type="datetime1">
               <a:rPr lang="en-US" smtClean="0"/>
-              <a:t>5/5/2025</a:t>
+              <a:t>7/30/2025</a:t>
             </a:fld>
             <a:endParaRPr lang="en-US"/>
           </a:p>
@@ -5373,7 +5388,7 @@
           <a:p>
             <a:fld id="{0EFBEC3F-4208-4590-BA97-4119A385DFD9}" type="datetime1">
               <a:rPr lang="en-US" smtClean="0"/>
-              <a:t>5/5/2025</a:t>
+              <a:t>7/30/2025</a:t>
             </a:fld>
             <a:endParaRPr lang="en-US"/>
           </a:p>
@@ -5553,13 +5568,24 @@
         <p:spPr/>
         <p:txBody>
           <a:bodyPr>
-            <a:normAutofit/>
+            <a:normAutofit fontScale="90000"/>
           </a:bodyPr>
           <a:lstStyle/>
           <a:p>
             <a:r>
               <a:rPr lang="en-US" dirty="0"/>
-              <a:t>Period Highlight - #</a:t>
+              <a:t>Period Highlight </a:t>
+            </a:r>
+            <a:r>
+              <a:rPr lang="en-US"/>
+              <a:t>– 8</a:t>
+            </a:r>
+            <a:br>
+              <a:rPr lang="en-US" dirty="0"/>
+            </a:br>
+            <a:r>
+              <a:rPr lang="en-US" sz="3200" dirty="0"/>
+              <a:t>Software Implementations</a:t>
             </a:r>
           </a:p>
         </p:txBody>
@@ -5582,10 +5608,57 @@
         </p:nvSpPr>
         <p:spPr/>
         <p:txBody>
-          <a:bodyPr/>
-          <a:lstStyle/>
-          <a:p>
-            <a:endParaRPr lang="en-US"/>
+          <a:bodyPr>
+            <a:normAutofit fontScale="92500" lnSpcReduction="10000"/>
+          </a:bodyPr>
+          <a:lstStyle/>
+          <a:p>
+            <a:r>
+              <a:rPr lang="en-US" dirty="0"/>
+              <a:t>Cluster tracking</a:t>
+            </a:r>
+          </a:p>
+          <a:p>
+            <a:pPr lvl="1"/>
+            <a:r>
+              <a:rPr lang="en-US" dirty="0"/>
+              <a:t>Still under refinement.</a:t>
+            </a:r>
+          </a:p>
+          <a:p>
+            <a:pPr lvl="1"/>
+            <a:r>
+              <a:rPr lang="en-US" dirty="0"/>
+              <a:t>Tracking clusters using Euclidean distance to determine a unique ID.</a:t>
+            </a:r>
+          </a:p>
+          <a:p>
+            <a:pPr lvl="1"/>
+            <a:r>
+              <a:rPr lang="en-US" dirty="0"/>
+              <a:t>Possible future implementation, using linear regression or polynomial regression accepting error.</a:t>
+            </a:r>
+          </a:p>
+          <a:p>
+            <a:pPr lvl="2"/>
+            <a:r>
+              <a:rPr lang="en-US" dirty="0"/>
+              <a:t>Following a straight line a cluster that has been detected at least 2 times by Euclidean distance tracking.</a:t>
+            </a:r>
+          </a:p>
+          <a:p>
+            <a:pPr lvl="2"/>
+            <a:r>
+              <a:rPr lang="en-US" dirty="0"/>
+              <a:t>Use that line to track future Clusters to assign the unique ID.</a:t>
+            </a:r>
+          </a:p>
+          <a:p>
+            <a:pPr lvl="3"/>
+            <a:r>
+              <a:rPr lang="en-US" dirty="0"/>
+              <a:t>Avoid tracking once the cluster is in a certain distance from target.</a:t>
+            </a:r>
           </a:p>
         </p:txBody>
       </p:sp>
@@ -5612,7 +5685,7 @@
           <a:p>
             <a:fld id="{0EFBEC3F-4208-4590-BA97-4119A385DFD9}" type="datetime1">
               <a:rPr lang="en-US" smtClean="0"/>
-              <a:t>5/5/2025</a:t>
+              <a:t>7/30/2025</a:t>
             </a:fld>
             <a:endParaRPr lang="en-US"/>
           </a:p>
@@ -5661,6 +5734,1288 @@
 </file>
 
 <file path=ppt/slides/slide14.xml><?xml version="1.0" encoding="utf-8"?>
+<p:sld xmlns:a="http://schemas.openxmlformats.org/drawingml/2006/main" xmlns:r="http://schemas.openxmlformats.org/officeDocument/2006/relationships" xmlns:p="http://schemas.openxmlformats.org/presentationml/2006/main">
+  <p:cSld>
+    <p:spTree>
+      <p:nvGrpSpPr>
+        <p:cNvPr id="1" name="">
+          <a:extLst>
+            <a:ext uri="{FF2B5EF4-FFF2-40B4-BE49-F238E27FC236}">
+              <a16:creationId xmlns:a16="http://schemas.microsoft.com/office/drawing/2014/main" id="{35ECBF7A-74F9-D60B-7E2E-AE629A3262CC}"/>
+            </a:ext>
+          </a:extLst>
+        </p:cNvPr>
+        <p:cNvGrpSpPr/>
+        <p:nvPr/>
+      </p:nvGrpSpPr>
+      <p:grpSpPr>
+        <a:xfrm>
+          <a:off x="0" y="0"/>
+          <a:ext cx="0" cy="0"/>
+          <a:chOff x="0" y="0"/>
+          <a:chExt cx="0" cy="0"/>
+        </a:xfrm>
+      </p:grpSpPr>
+      <p:sp>
+        <p:nvSpPr>
+          <p:cNvPr id="2" name="Title 1">
+            <a:extLst>
+              <a:ext uri="{FF2B5EF4-FFF2-40B4-BE49-F238E27FC236}">
+                <a16:creationId xmlns:a16="http://schemas.microsoft.com/office/drawing/2014/main" id="{132006DD-F459-E41D-9D42-99A720465D01}"/>
+              </a:ext>
+            </a:extLst>
+          </p:cNvPr>
+          <p:cNvSpPr>
+            <a:spLocks noGrp="1"/>
+          </p:cNvSpPr>
+          <p:nvPr>
+            <p:ph type="title"/>
+          </p:nvPr>
+        </p:nvSpPr>
+        <p:spPr/>
+        <p:txBody>
+          <a:bodyPr>
+            <a:normAutofit fontScale="90000"/>
+          </a:bodyPr>
+          <a:lstStyle/>
+          <a:p>
+            <a:r>
+              <a:rPr lang="en-US" dirty="0"/>
+              <a:t>Period Highlight – 8</a:t>
+            </a:r>
+            <a:br>
+              <a:rPr lang="en-US" dirty="0"/>
+            </a:br>
+            <a:r>
+              <a:rPr lang="en-US" sz="3200" dirty="0"/>
+              <a:t>Software Implementations</a:t>
+            </a:r>
+          </a:p>
+        </p:txBody>
+      </p:sp>
+      <p:sp>
+        <p:nvSpPr>
+          <p:cNvPr id="3" name="Content Placeholder 2">
+            <a:extLst>
+              <a:ext uri="{FF2B5EF4-FFF2-40B4-BE49-F238E27FC236}">
+                <a16:creationId xmlns:a16="http://schemas.microsoft.com/office/drawing/2014/main" id="{44331294-BB96-EE6B-09E9-EF64C65DA179}"/>
+              </a:ext>
+            </a:extLst>
+          </p:cNvPr>
+          <p:cNvSpPr>
+            <a:spLocks noGrp="1"/>
+          </p:cNvSpPr>
+          <p:nvPr>
+            <p:ph idx="1"/>
+          </p:nvPr>
+        </p:nvSpPr>
+        <p:spPr/>
+        <p:txBody>
+          <a:bodyPr/>
+          <a:lstStyle/>
+          <a:p>
+            <a:r>
+              <a:rPr lang="en-US" dirty="0"/>
+              <a:t>Cluster per Cluster ICP</a:t>
+            </a:r>
+          </a:p>
+          <a:p>
+            <a:pPr lvl="1"/>
+            <a:r>
+              <a:rPr lang="en-US" dirty="0"/>
+              <a:t>Whole scan vs </a:t>
+            </a:r>
+            <a:r>
+              <a:rPr lang="en-US" dirty="0" err="1"/>
+              <a:t>CpC</a:t>
+            </a:r>
+            <a:r>
+              <a:rPr lang="en-US" dirty="0"/>
+              <a:t> (Cluster per Cluster).</a:t>
+            </a:r>
+          </a:p>
+          <a:p>
+            <a:pPr lvl="1"/>
+            <a:endParaRPr lang="en-US" dirty="0"/>
+          </a:p>
+        </p:txBody>
+      </p:sp>
+      <p:sp>
+        <p:nvSpPr>
+          <p:cNvPr id="4" name="Date Placeholder 3">
+            <a:extLst>
+              <a:ext uri="{FF2B5EF4-FFF2-40B4-BE49-F238E27FC236}">
+                <a16:creationId xmlns:a16="http://schemas.microsoft.com/office/drawing/2014/main" id="{3784AC1A-BD6A-75F5-A404-DFC45510CE74}"/>
+              </a:ext>
+            </a:extLst>
+          </p:cNvPr>
+          <p:cNvSpPr>
+            <a:spLocks noGrp="1"/>
+          </p:cNvSpPr>
+          <p:nvPr>
+            <p:ph type="dt" sz="half" idx="10"/>
+          </p:nvPr>
+        </p:nvSpPr>
+        <p:spPr/>
+        <p:txBody>
+          <a:bodyPr/>
+          <a:lstStyle/>
+          <a:p>
+            <a:fld id="{0EFBEC3F-4208-4590-BA97-4119A385DFD9}" type="datetime1">
+              <a:rPr lang="en-US" smtClean="0"/>
+              <a:t>7/30/2025</a:t>
+            </a:fld>
+            <a:endParaRPr lang="en-US"/>
+          </a:p>
+        </p:txBody>
+      </p:sp>
+      <p:sp>
+        <p:nvSpPr>
+          <p:cNvPr id="5" name="Slide Number Placeholder 4">
+            <a:extLst>
+              <a:ext uri="{FF2B5EF4-FFF2-40B4-BE49-F238E27FC236}">
+                <a16:creationId xmlns:a16="http://schemas.microsoft.com/office/drawing/2014/main" id="{E8BA67D0-807A-EE5D-1472-A40343461727}"/>
+              </a:ext>
+            </a:extLst>
+          </p:cNvPr>
+          <p:cNvSpPr>
+            <a:spLocks noGrp="1"/>
+          </p:cNvSpPr>
+          <p:nvPr>
+            <p:ph type="sldNum" sz="quarter" idx="12"/>
+          </p:nvPr>
+        </p:nvSpPr>
+        <p:spPr/>
+        <p:txBody>
+          <a:bodyPr/>
+          <a:lstStyle/>
+          <a:p>
+            <a:fld id="{C1FF6DA9-008F-8B48-92A6-B652298478BF}" type="slidenum">
+              <a:rPr lang="en-US" smtClean="0"/>
+              <a:t>14</a:t>
+            </a:fld>
+            <a:endParaRPr lang="en-US"/>
+          </a:p>
+        </p:txBody>
+      </p:sp>
+      <p:sp>
+        <p:nvSpPr>
+          <p:cNvPr id="6" name="AutoShape 2">
+            <a:extLst>
+              <a:ext uri="{FF2B5EF4-FFF2-40B4-BE49-F238E27FC236}">
+                <a16:creationId xmlns:a16="http://schemas.microsoft.com/office/drawing/2014/main" id="{9BF1E706-96F5-437E-559A-548D1CAF5516}"/>
+              </a:ext>
+            </a:extLst>
+          </p:cNvPr>
+          <p:cNvSpPr>
+            <a:spLocks noChangeAspect="1" noChangeArrowheads="1"/>
+          </p:cNvSpPr>
+          <p:nvPr/>
+        </p:nvSpPr>
+        <p:spPr bwMode="auto">
+          <a:xfrm>
+            <a:off x="4419600" y="3276600"/>
+            <a:ext cx="304800" cy="304800"/>
+          </a:xfrm>
+          <a:prstGeom prst="rect">
+            <a:avLst/>
+          </a:prstGeom>
+          <a:noFill/>
+          <a:extLst>
+            <a:ext uri="{909E8E84-426E-40DD-AFC4-6F175D3DCCD1}">
+              <a14:hiddenFill xmlns:a14="http://schemas.microsoft.com/office/drawing/2010/main">
+                <a:solidFill>
+                  <a:srgbClr val="FFFFFF"/>
+                </a:solidFill>
+              </a14:hiddenFill>
+            </a:ext>
+          </a:extLst>
+        </p:spPr>
+        <p:txBody>
+          <a:bodyPr vert="horz" wrap="square" lIns="91440" tIns="45720" rIns="91440" bIns="45720" numCol="1" anchor="t" anchorCtr="0" compatLnSpc="1">
+            <a:prstTxWarp prst="textNoShape">
+              <a:avLst/>
+            </a:prstTxWarp>
+          </a:bodyPr>
+          <a:lstStyle/>
+          <a:p>
+            <a:endParaRPr lang="en-US"/>
+          </a:p>
+        </p:txBody>
+      </p:sp>
+      <p:pic>
+        <p:nvPicPr>
+          <p:cNvPr id="8" name="Picture 7" descr="A white paper with black text&#10;&#10;AI-generated content may be incorrect.">
+            <a:extLst>
+              <a:ext uri="{FF2B5EF4-FFF2-40B4-BE49-F238E27FC236}">
+                <a16:creationId xmlns:a16="http://schemas.microsoft.com/office/drawing/2014/main" id="{2C9ED825-BA40-3EF7-C2E4-B6DADD23265E}"/>
+              </a:ext>
+            </a:extLst>
+          </p:cNvPr>
+          <p:cNvPicPr>
+            <a:picLocks noChangeAspect="1"/>
+          </p:cNvPicPr>
+          <p:nvPr/>
+        </p:nvPicPr>
+        <p:blipFill>
+          <a:blip r:embed="rId2"/>
+          <a:srcRect t="19808" b="22176"/>
+          <a:stretch>
+            <a:fillRect/>
+          </a:stretch>
+        </p:blipFill>
+        <p:spPr>
+          <a:xfrm rot="16200000">
+            <a:off x="2338446" y="2595994"/>
+            <a:ext cx="3655372" cy="3770089"/>
+          </a:xfrm>
+          <a:prstGeom prst="rect">
+            <a:avLst/>
+          </a:prstGeom>
+        </p:spPr>
+      </p:pic>
+    </p:spTree>
+    <p:extLst>
+      <p:ext uri="{BB962C8B-B14F-4D97-AF65-F5344CB8AC3E}">
+        <p14:creationId xmlns:p14="http://schemas.microsoft.com/office/powerpoint/2010/main" val="2737885104"/>
+      </p:ext>
+    </p:extLst>
+  </p:cSld>
+  <p:clrMapOvr>
+    <a:masterClrMapping/>
+  </p:clrMapOvr>
+</p:sld>
+</file>
+
+<file path=ppt/slides/slide15.xml><?xml version="1.0" encoding="utf-8"?>
+<p:sld xmlns:a="http://schemas.openxmlformats.org/drawingml/2006/main" xmlns:r="http://schemas.openxmlformats.org/officeDocument/2006/relationships" xmlns:p="http://schemas.openxmlformats.org/presentationml/2006/main">
+  <p:cSld>
+    <p:spTree>
+      <p:nvGrpSpPr>
+        <p:cNvPr id="1" name="">
+          <a:extLst>
+            <a:ext uri="{FF2B5EF4-FFF2-40B4-BE49-F238E27FC236}">
+              <a16:creationId xmlns:a16="http://schemas.microsoft.com/office/drawing/2014/main" id="{A9701889-7642-6B27-7A60-64548DEA1B0B}"/>
+            </a:ext>
+          </a:extLst>
+        </p:cNvPr>
+        <p:cNvGrpSpPr/>
+        <p:nvPr/>
+      </p:nvGrpSpPr>
+      <p:grpSpPr>
+        <a:xfrm>
+          <a:off x="0" y="0"/>
+          <a:ext cx="0" cy="0"/>
+          <a:chOff x="0" y="0"/>
+          <a:chExt cx="0" cy="0"/>
+        </a:xfrm>
+      </p:grpSpPr>
+      <p:sp>
+        <p:nvSpPr>
+          <p:cNvPr id="2" name="Title 1">
+            <a:extLst>
+              <a:ext uri="{FF2B5EF4-FFF2-40B4-BE49-F238E27FC236}">
+                <a16:creationId xmlns:a16="http://schemas.microsoft.com/office/drawing/2014/main" id="{8F09D382-C6AC-8A25-822F-A3F4273D3AB8}"/>
+              </a:ext>
+            </a:extLst>
+          </p:cNvPr>
+          <p:cNvSpPr>
+            <a:spLocks noGrp="1"/>
+          </p:cNvSpPr>
+          <p:nvPr>
+            <p:ph type="title"/>
+          </p:nvPr>
+        </p:nvSpPr>
+        <p:spPr/>
+        <p:txBody>
+          <a:bodyPr>
+            <a:normAutofit fontScale="90000"/>
+          </a:bodyPr>
+          <a:lstStyle/>
+          <a:p>
+            <a:r>
+              <a:rPr lang="en-US" dirty="0"/>
+              <a:t>Period Highlight – 8</a:t>
+            </a:r>
+            <a:br>
+              <a:rPr lang="en-US" dirty="0"/>
+            </a:br>
+            <a:r>
+              <a:rPr lang="en-US" sz="3200" dirty="0"/>
+              <a:t>Software Implementations</a:t>
+            </a:r>
+          </a:p>
+        </p:txBody>
+      </p:sp>
+      <p:sp>
+        <p:nvSpPr>
+          <p:cNvPr id="3" name="Content Placeholder 2">
+            <a:extLst>
+              <a:ext uri="{FF2B5EF4-FFF2-40B4-BE49-F238E27FC236}">
+                <a16:creationId xmlns:a16="http://schemas.microsoft.com/office/drawing/2014/main" id="{09631628-5A00-CC45-88C5-A222A0887BFF}"/>
+              </a:ext>
+            </a:extLst>
+          </p:cNvPr>
+          <p:cNvSpPr>
+            <a:spLocks noGrp="1"/>
+          </p:cNvSpPr>
+          <p:nvPr>
+            <p:ph idx="1"/>
+          </p:nvPr>
+        </p:nvSpPr>
+        <p:spPr/>
+        <p:txBody>
+          <a:bodyPr/>
+          <a:lstStyle/>
+          <a:p>
+            <a:r>
+              <a:rPr lang="en-US" dirty="0"/>
+              <a:t>Cluster per Cluster Analysis</a:t>
+            </a:r>
+          </a:p>
+          <a:p>
+            <a:pPr lvl="1"/>
+            <a:endParaRPr lang="en-US" dirty="0"/>
+          </a:p>
+        </p:txBody>
+      </p:sp>
+      <p:sp>
+        <p:nvSpPr>
+          <p:cNvPr id="4" name="Date Placeholder 3">
+            <a:extLst>
+              <a:ext uri="{FF2B5EF4-FFF2-40B4-BE49-F238E27FC236}">
+                <a16:creationId xmlns:a16="http://schemas.microsoft.com/office/drawing/2014/main" id="{9D25538C-23B0-6588-3C11-5A9686C14180}"/>
+              </a:ext>
+            </a:extLst>
+          </p:cNvPr>
+          <p:cNvSpPr>
+            <a:spLocks noGrp="1"/>
+          </p:cNvSpPr>
+          <p:nvPr>
+            <p:ph type="dt" sz="half" idx="10"/>
+          </p:nvPr>
+        </p:nvSpPr>
+        <p:spPr/>
+        <p:txBody>
+          <a:bodyPr/>
+          <a:lstStyle/>
+          <a:p>
+            <a:fld id="{0EFBEC3F-4208-4590-BA97-4119A385DFD9}" type="datetime1">
+              <a:rPr lang="en-US" smtClean="0"/>
+              <a:t>7/30/2025</a:t>
+            </a:fld>
+            <a:endParaRPr lang="en-US"/>
+          </a:p>
+        </p:txBody>
+      </p:sp>
+      <p:sp>
+        <p:nvSpPr>
+          <p:cNvPr id="5" name="Slide Number Placeholder 4">
+            <a:extLst>
+              <a:ext uri="{FF2B5EF4-FFF2-40B4-BE49-F238E27FC236}">
+                <a16:creationId xmlns:a16="http://schemas.microsoft.com/office/drawing/2014/main" id="{650017A4-8C68-D162-7E59-67F6A2462D58}"/>
+              </a:ext>
+            </a:extLst>
+          </p:cNvPr>
+          <p:cNvSpPr>
+            <a:spLocks noGrp="1"/>
+          </p:cNvSpPr>
+          <p:nvPr>
+            <p:ph type="sldNum" sz="quarter" idx="12"/>
+          </p:nvPr>
+        </p:nvSpPr>
+        <p:spPr/>
+        <p:txBody>
+          <a:bodyPr/>
+          <a:lstStyle/>
+          <a:p>
+            <a:fld id="{C1FF6DA9-008F-8B48-92A6-B652298478BF}" type="slidenum">
+              <a:rPr lang="en-US" smtClean="0"/>
+              <a:t>15</a:t>
+            </a:fld>
+            <a:endParaRPr lang="en-US"/>
+          </a:p>
+        </p:txBody>
+      </p:sp>
+      <p:sp>
+        <p:nvSpPr>
+          <p:cNvPr id="6" name="AutoShape 2">
+            <a:extLst>
+              <a:ext uri="{FF2B5EF4-FFF2-40B4-BE49-F238E27FC236}">
+                <a16:creationId xmlns:a16="http://schemas.microsoft.com/office/drawing/2014/main" id="{3496717D-0068-9CA8-8102-C56A80005F8D}"/>
+              </a:ext>
+            </a:extLst>
+          </p:cNvPr>
+          <p:cNvSpPr>
+            <a:spLocks noChangeAspect="1" noChangeArrowheads="1"/>
+          </p:cNvSpPr>
+          <p:nvPr/>
+        </p:nvSpPr>
+        <p:spPr bwMode="auto">
+          <a:xfrm>
+            <a:off x="4419600" y="3276600"/>
+            <a:ext cx="304800" cy="304800"/>
+          </a:xfrm>
+          <a:prstGeom prst="rect">
+            <a:avLst/>
+          </a:prstGeom>
+          <a:noFill/>
+          <a:extLst>
+            <a:ext uri="{909E8E84-426E-40DD-AFC4-6F175D3DCCD1}">
+              <a14:hiddenFill xmlns:a14="http://schemas.microsoft.com/office/drawing/2010/main">
+                <a:solidFill>
+                  <a:srgbClr val="FFFFFF"/>
+                </a:solidFill>
+              </a14:hiddenFill>
+            </a:ext>
+          </a:extLst>
+        </p:spPr>
+        <p:txBody>
+          <a:bodyPr vert="horz" wrap="square" lIns="91440" tIns="45720" rIns="91440" bIns="45720" numCol="1" anchor="t" anchorCtr="0" compatLnSpc="1">
+            <a:prstTxWarp prst="textNoShape">
+              <a:avLst/>
+            </a:prstTxWarp>
+          </a:bodyPr>
+          <a:lstStyle/>
+          <a:p>
+            <a:endParaRPr lang="en-US"/>
+          </a:p>
+        </p:txBody>
+      </p:sp>
+      <p:pic>
+        <p:nvPicPr>
+          <p:cNvPr id="10" name="Picture 9">
+            <a:extLst>
+              <a:ext uri="{FF2B5EF4-FFF2-40B4-BE49-F238E27FC236}">
+                <a16:creationId xmlns:a16="http://schemas.microsoft.com/office/drawing/2014/main" id="{03FC2286-6758-79F6-9AA8-713410357037}"/>
+              </a:ext>
+            </a:extLst>
+          </p:cNvPr>
+          <p:cNvPicPr>
+            <a:picLocks noChangeAspect="1"/>
+          </p:cNvPicPr>
+          <p:nvPr/>
+        </p:nvPicPr>
+        <p:blipFill>
+          <a:blip r:embed="rId2"/>
+          <a:srcRect l="3687"/>
+          <a:stretch>
+            <a:fillRect/>
+          </a:stretch>
+        </p:blipFill>
+        <p:spPr>
+          <a:xfrm>
+            <a:off x="589935" y="2389238"/>
+            <a:ext cx="2774136" cy="3886149"/>
+          </a:xfrm>
+          <a:prstGeom prst="rect">
+            <a:avLst/>
+          </a:prstGeom>
+        </p:spPr>
+      </p:pic>
+      <p:pic>
+        <p:nvPicPr>
+          <p:cNvPr id="12" name="Picture 11">
+            <a:extLst>
+              <a:ext uri="{FF2B5EF4-FFF2-40B4-BE49-F238E27FC236}">
+                <a16:creationId xmlns:a16="http://schemas.microsoft.com/office/drawing/2014/main" id="{69BF1730-5DF7-8E53-38D3-42EE9F7BD2E9}"/>
+              </a:ext>
+            </a:extLst>
+          </p:cNvPr>
+          <p:cNvPicPr>
+            <a:picLocks noChangeAspect="1"/>
+          </p:cNvPicPr>
+          <p:nvPr/>
+        </p:nvPicPr>
+        <p:blipFill>
+          <a:blip r:embed="rId3"/>
+          <a:stretch>
+            <a:fillRect/>
+          </a:stretch>
+        </p:blipFill>
+        <p:spPr>
+          <a:xfrm>
+            <a:off x="4225210" y="2389238"/>
+            <a:ext cx="2880323" cy="3886150"/>
+          </a:xfrm>
+          <a:prstGeom prst="rect">
+            <a:avLst/>
+          </a:prstGeom>
+        </p:spPr>
+      </p:pic>
+    </p:spTree>
+    <p:extLst>
+      <p:ext uri="{BB962C8B-B14F-4D97-AF65-F5344CB8AC3E}">
+        <p14:creationId xmlns:p14="http://schemas.microsoft.com/office/powerpoint/2010/main" val="2263782253"/>
+      </p:ext>
+    </p:extLst>
+  </p:cSld>
+  <p:clrMapOvr>
+    <a:masterClrMapping/>
+  </p:clrMapOvr>
+</p:sld>
+</file>
+
+<file path=ppt/slides/slide16.xml><?xml version="1.0" encoding="utf-8"?>
+<p:sld xmlns:a="http://schemas.openxmlformats.org/drawingml/2006/main" xmlns:r="http://schemas.openxmlformats.org/officeDocument/2006/relationships" xmlns:p="http://schemas.openxmlformats.org/presentationml/2006/main">
+  <p:cSld>
+    <p:spTree>
+      <p:nvGrpSpPr>
+        <p:cNvPr id="1" name="">
+          <a:extLst>
+            <a:ext uri="{FF2B5EF4-FFF2-40B4-BE49-F238E27FC236}">
+              <a16:creationId xmlns:a16="http://schemas.microsoft.com/office/drawing/2014/main" id="{8A61F7D2-C203-ED8C-1594-33B30B9821F0}"/>
+            </a:ext>
+          </a:extLst>
+        </p:cNvPr>
+        <p:cNvGrpSpPr/>
+        <p:nvPr/>
+      </p:nvGrpSpPr>
+      <p:grpSpPr>
+        <a:xfrm>
+          <a:off x="0" y="0"/>
+          <a:ext cx="0" cy="0"/>
+          <a:chOff x="0" y="0"/>
+          <a:chExt cx="0" cy="0"/>
+        </a:xfrm>
+      </p:grpSpPr>
+      <p:sp>
+        <p:nvSpPr>
+          <p:cNvPr id="2" name="Title 1">
+            <a:extLst>
+              <a:ext uri="{FF2B5EF4-FFF2-40B4-BE49-F238E27FC236}">
+                <a16:creationId xmlns:a16="http://schemas.microsoft.com/office/drawing/2014/main" id="{8BAA535C-4839-CB21-4D71-79FD3DA72646}"/>
+              </a:ext>
+            </a:extLst>
+          </p:cNvPr>
+          <p:cNvSpPr>
+            <a:spLocks noGrp="1"/>
+          </p:cNvSpPr>
+          <p:nvPr>
+            <p:ph type="title"/>
+          </p:nvPr>
+        </p:nvSpPr>
+        <p:spPr/>
+        <p:txBody>
+          <a:bodyPr>
+            <a:normAutofit fontScale="90000"/>
+          </a:bodyPr>
+          <a:lstStyle/>
+          <a:p>
+            <a:r>
+              <a:rPr lang="en-US" dirty="0"/>
+              <a:t>Period Highlight – 8</a:t>
+            </a:r>
+            <a:br>
+              <a:rPr lang="en-US" dirty="0"/>
+            </a:br>
+            <a:r>
+              <a:rPr lang="en-US" sz="3200" dirty="0"/>
+              <a:t>Software Implementations</a:t>
+            </a:r>
+          </a:p>
+        </p:txBody>
+      </p:sp>
+      <p:sp>
+        <p:nvSpPr>
+          <p:cNvPr id="3" name="Content Placeholder 2">
+            <a:extLst>
+              <a:ext uri="{FF2B5EF4-FFF2-40B4-BE49-F238E27FC236}">
+                <a16:creationId xmlns:a16="http://schemas.microsoft.com/office/drawing/2014/main" id="{287526B8-02D0-1CEC-1747-135F911F8EEB}"/>
+              </a:ext>
+            </a:extLst>
+          </p:cNvPr>
+          <p:cNvSpPr>
+            <a:spLocks noGrp="1"/>
+          </p:cNvSpPr>
+          <p:nvPr>
+            <p:ph idx="1"/>
+          </p:nvPr>
+        </p:nvSpPr>
+        <p:spPr/>
+        <p:txBody>
+          <a:bodyPr/>
+          <a:lstStyle/>
+          <a:p>
+            <a:r>
+              <a:rPr lang="en-US" dirty="0"/>
+              <a:t>Demonstration of the previous analysis.</a:t>
+            </a:r>
+          </a:p>
+          <a:p>
+            <a:pPr lvl="1"/>
+            <a:endParaRPr lang="en-US" dirty="0"/>
+          </a:p>
+        </p:txBody>
+      </p:sp>
+      <p:sp>
+        <p:nvSpPr>
+          <p:cNvPr id="4" name="Date Placeholder 3">
+            <a:extLst>
+              <a:ext uri="{FF2B5EF4-FFF2-40B4-BE49-F238E27FC236}">
+                <a16:creationId xmlns:a16="http://schemas.microsoft.com/office/drawing/2014/main" id="{FBEA531B-918A-16C9-FDCC-FC495A571ADE}"/>
+              </a:ext>
+            </a:extLst>
+          </p:cNvPr>
+          <p:cNvSpPr>
+            <a:spLocks noGrp="1"/>
+          </p:cNvSpPr>
+          <p:nvPr>
+            <p:ph type="dt" sz="half" idx="10"/>
+          </p:nvPr>
+        </p:nvSpPr>
+        <p:spPr/>
+        <p:txBody>
+          <a:bodyPr/>
+          <a:lstStyle/>
+          <a:p>
+            <a:fld id="{0EFBEC3F-4208-4590-BA97-4119A385DFD9}" type="datetime1">
+              <a:rPr lang="en-US" smtClean="0"/>
+              <a:t>7/30/2025</a:t>
+            </a:fld>
+            <a:endParaRPr lang="en-US"/>
+          </a:p>
+        </p:txBody>
+      </p:sp>
+      <p:sp>
+        <p:nvSpPr>
+          <p:cNvPr id="5" name="Slide Number Placeholder 4">
+            <a:extLst>
+              <a:ext uri="{FF2B5EF4-FFF2-40B4-BE49-F238E27FC236}">
+                <a16:creationId xmlns:a16="http://schemas.microsoft.com/office/drawing/2014/main" id="{175159BD-B0D9-0077-F03C-80C400E5870F}"/>
+              </a:ext>
+            </a:extLst>
+          </p:cNvPr>
+          <p:cNvSpPr>
+            <a:spLocks noGrp="1"/>
+          </p:cNvSpPr>
+          <p:nvPr>
+            <p:ph type="sldNum" sz="quarter" idx="12"/>
+          </p:nvPr>
+        </p:nvSpPr>
+        <p:spPr/>
+        <p:txBody>
+          <a:bodyPr/>
+          <a:lstStyle/>
+          <a:p>
+            <a:fld id="{C1FF6DA9-008F-8B48-92A6-B652298478BF}" type="slidenum">
+              <a:rPr lang="en-US" smtClean="0"/>
+              <a:t>16</a:t>
+            </a:fld>
+            <a:endParaRPr lang="en-US"/>
+          </a:p>
+        </p:txBody>
+      </p:sp>
+      <p:sp>
+        <p:nvSpPr>
+          <p:cNvPr id="6" name="AutoShape 2">
+            <a:extLst>
+              <a:ext uri="{FF2B5EF4-FFF2-40B4-BE49-F238E27FC236}">
+                <a16:creationId xmlns:a16="http://schemas.microsoft.com/office/drawing/2014/main" id="{2F206E63-3C73-20F1-644F-0C0678201FCE}"/>
+              </a:ext>
+            </a:extLst>
+          </p:cNvPr>
+          <p:cNvSpPr>
+            <a:spLocks noChangeAspect="1" noChangeArrowheads="1"/>
+          </p:cNvSpPr>
+          <p:nvPr/>
+        </p:nvSpPr>
+        <p:spPr bwMode="auto">
+          <a:xfrm>
+            <a:off x="4419600" y="3276600"/>
+            <a:ext cx="304800" cy="304800"/>
+          </a:xfrm>
+          <a:prstGeom prst="rect">
+            <a:avLst/>
+          </a:prstGeom>
+          <a:noFill/>
+          <a:extLst>
+            <a:ext uri="{909E8E84-426E-40DD-AFC4-6F175D3DCCD1}">
+              <a14:hiddenFill xmlns:a14="http://schemas.microsoft.com/office/drawing/2010/main">
+                <a:solidFill>
+                  <a:srgbClr val="FFFFFF"/>
+                </a:solidFill>
+              </a14:hiddenFill>
+            </a:ext>
+          </a:extLst>
+        </p:spPr>
+        <p:txBody>
+          <a:bodyPr vert="horz" wrap="square" lIns="91440" tIns="45720" rIns="91440" bIns="45720" numCol="1" anchor="t" anchorCtr="0" compatLnSpc="1">
+            <a:prstTxWarp prst="textNoShape">
+              <a:avLst/>
+            </a:prstTxWarp>
+          </a:bodyPr>
+          <a:lstStyle/>
+          <a:p>
+            <a:endParaRPr lang="en-US"/>
+          </a:p>
+        </p:txBody>
+      </p:sp>
+      <p:pic>
+        <p:nvPicPr>
+          <p:cNvPr id="3074" name="Picture 2" descr="Output image">
+            <a:extLst>
+              <a:ext uri="{FF2B5EF4-FFF2-40B4-BE49-F238E27FC236}">
+                <a16:creationId xmlns:a16="http://schemas.microsoft.com/office/drawing/2014/main" id="{849221DC-C064-14B4-33FA-5CB7D007943F}"/>
+              </a:ext>
+            </a:extLst>
+          </p:cNvPr>
+          <p:cNvPicPr>
+            <a:picLocks noChangeAspect="1" noChangeArrowheads="1"/>
+          </p:cNvPicPr>
+          <p:nvPr/>
+        </p:nvPicPr>
+        <p:blipFill>
+          <a:blip r:embed="rId2">
+            <a:extLst>
+              <a:ext uri="{28A0092B-C50C-407E-A947-70E740481C1C}">
+                <a14:useLocalDpi xmlns:a14="http://schemas.microsoft.com/office/drawing/2010/main" val="0"/>
+              </a:ext>
+            </a:extLst>
+          </a:blip>
+          <a:srcRect/>
+          <a:stretch>
+            <a:fillRect/>
+          </a:stretch>
+        </p:blipFill>
+        <p:spPr bwMode="auto">
+          <a:xfrm>
+            <a:off x="2359819" y="2231923"/>
+            <a:ext cx="4213216" cy="4124427"/>
+          </a:xfrm>
+          <a:prstGeom prst="rect">
+            <a:avLst/>
+          </a:prstGeom>
+          <a:noFill/>
+          <a:extLst>
+            <a:ext uri="{909E8E84-426E-40DD-AFC4-6F175D3DCCD1}">
+              <a14:hiddenFill xmlns:a14="http://schemas.microsoft.com/office/drawing/2010/main">
+                <a:solidFill>
+                  <a:srgbClr val="FFFFFF"/>
+                </a:solidFill>
+              </a14:hiddenFill>
+            </a:ext>
+          </a:extLst>
+        </p:spPr>
+      </p:pic>
+    </p:spTree>
+    <p:extLst>
+      <p:ext uri="{BB962C8B-B14F-4D97-AF65-F5344CB8AC3E}">
+        <p14:creationId xmlns:p14="http://schemas.microsoft.com/office/powerpoint/2010/main" val="1843093206"/>
+      </p:ext>
+    </p:extLst>
+  </p:cSld>
+  <p:clrMapOvr>
+    <a:masterClrMapping/>
+  </p:clrMapOvr>
+</p:sld>
+</file>
+
+<file path=ppt/slides/slide17.xml><?xml version="1.0" encoding="utf-8"?>
+<p:sld xmlns:a="http://schemas.openxmlformats.org/drawingml/2006/main" xmlns:r="http://schemas.openxmlformats.org/officeDocument/2006/relationships" xmlns:p="http://schemas.openxmlformats.org/presentationml/2006/main">
+  <p:cSld>
+    <p:spTree>
+      <p:nvGrpSpPr>
+        <p:cNvPr id="1" name="">
+          <a:extLst>
+            <a:ext uri="{FF2B5EF4-FFF2-40B4-BE49-F238E27FC236}">
+              <a16:creationId xmlns:a16="http://schemas.microsoft.com/office/drawing/2014/main" id="{D58F2EF4-B822-3B58-1463-B38A92BCAC5C}"/>
+            </a:ext>
+          </a:extLst>
+        </p:cNvPr>
+        <p:cNvGrpSpPr/>
+        <p:nvPr/>
+      </p:nvGrpSpPr>
+      <p:grpSpPr>
+        <a:xfrm>
+          <a:off x="0" y="0"/>
+          <a:ext cx="0" cy="0"/>
+          <a:chOff x="0" y="0"/>
+          <a:chExt cx="0" cy="0"/>
+        </a:xfrm>
+      </p:grpSpPr>
+      <p:sp>
+        <p:nvSpPr>
+          <p:cNvPr id="2" name="Title 1">
+            <a:extLst>
+              <a:ext uri="{FF2B5EF4-FFF2-40B4-BE49-F238E27FC236}">
+                <a16:creationId xmlns:a16="http://schemas.microsoft.com/office/drawing/2014/main" id="{72B6D791-1351-9CB3-491E-FC8322A0B399}"/>
+              </a:ext>
+            </a:extLst>
+          </p:cNvPr>
+          <p:cNvSpPr>
+            <a:spLocks noGrp="1"/>
+          </p:cNvSpPr>
+          <p:nvPr>
+            <p:ph type="title"/>
+          </p:nvPr>
+        </p:nvSpPr>
+        <p:spPr/>
+        <p:txBody>
+          <a:bodyPr>
+            <a:normAutofit fontScale="90000"/>
+          </a:bodyPr>
+          <a:lstStyle/>
+          <a:p>
+            <a:r>
+              <a:rPr lang="en-US" dirty="0"/>
+              <a:t>Period Highlight – 8</a:t>
+            </a:r>
+            <a:br>
+              <a:rPr lang="en-US" dirty="0"/>
+            </a:br>
+            <a:r>
+              <a:rPr lang="en-US" sz="3200" dirty="0"/>
+              <a:t>Software Implementations</a:t>
+            </a:r>
+          </a:p>
+        </p:txBody>
+      </p:sp>
+      <p:sp>
+        <p:nvSpPr>
+          <p:cNvPr id="3" name="Content Placeholder 2">
+            <a:extLst>
+              <a:ext uri="{FF2B5EF4-FFF2-40B4-BE49-F238E27FC236}">
+                <a16:creationId xmlns:a16="http://schemas.microsoft.com/office/drawing/2014/main" id="{AAA5B113-DB6D-9981-08E1-359B4A31033D}"/>
+              </a:ext>
+            </a:extLst>
+          </p:cNvPr>
+          <p:cNvSpPr>
+            <a:spLocks noGrp="1"/>
+          </p:cNvSpPr>
+          <p:nvPr>
+            <p:ph idx="1"/>
+          </p:nvPr>
+        </p:nvSpPr>
+        <p:spPr/>
+        <p:txBody>
+          <a:bodyPr/>
+          <a:lstStyle/>
+          <a:p>
+            <a:r>
+              <a:rPr lang="en-US" dirty="0"/>
+              <a:t>Demonstration of the previous analysis.</a:t>
+            </a:r>
+          </a:p>
+          <a:p>
+            <a:pPr lvl="1"/>
+            <a:endParaRPr lang="en-US" dirty="0"/>
+          </a:p>
+        </p:txBody>
+      </p:sp>
+      <p:sp>
+        <p:nvSpPr>
+          <p:cNvPr id="4" name="Date Placeholder 3">
+            <a:extLst>
+              <a:ext uri="{FF2B5EF4-FFF2-40B4-BE49-F238E27FC236}">
+                <a16:creationId xmlns:a16="http://schemas.microsoft.com/office/drawing/2014/main" id="{AA86BCFF-C510-F986-B4B9-C8956246E715}"/>
+              </a:ext>
+            </a:extLst>
+          </p:cNvPr>
+          <p:cNvSpPr>
+            <a:spLocks noGrp="1"/>
+          </p:cNvSpPr>
+          <p:nvPr>
+            <p:ph type="dt" sz="half" idx="10"/>
+          </p:nvPr>
+        </p:nvSpPr>
+        <p:spPr/>
+        <p:txBody>
+          <a:bodyPr/>
+          <a:lstStyle/>
+          <a:p>
+            <a:fld id="{0EFBEC3F-4208-4590-BA97-4119A385DFD9}" type="datetime1">
+              <a:rPr lang="en-US" smtClean="0"/>
+              <a:t>7/30/2025</a:t>
+            </a:fld>
+            <a:endParaRPr lang="en-US"/>
+          </a:p>
+        </p:txBody>
+      </p:sp>
+      <p:sp>
+        <p:nvSpPr>
+          <p:cNvPr id="5" name="Slide Number Placeholder 4">
+            <a:extLst>
+              <a:ext uri="{FF2B5EF4-FFF2-40B4-BE49-F238E27FC236}">
+                <a16:creationId xmlns:a16="http://schemas.microsoft.com/office/drawing/2014/main" id="{EAF81237-0BA8-4790-B81C-13F8A266CEED}"/>
+              </a:ext>
+            </a:extLst>
+          </p:cNvPr>
+          <p:cNvSpPr>
+            <a:spLocks noGrp="1"/>
+          </p:cNvSpPr>
+          <p:nvPr>
+            <p:ph type="sldNum" sz="quarter" idx="12"/>
+          </p:nvPr>
+        </p:nvSpPr>
+        <p:spPr/>
+        <p:txBody>
+          <a:bodyPr/>
+          <a:lstStyle/>
+          <a:p>
+            <a:fld id="{C1FF6DA9-008F-8B48-92A6-B652298478BF}" type="slidenum">
+              <a:rPr lang="en-US" smtClean="0"/>
+              <a:t>17</a:t>
+            </a:fld>
+            <a:endParaRPr lang="en-US"/>
+          </a:p>
+        </p:txBody>
+      </p:sp>
+      <p:sp>
+        <p:nvSpPr>
+          <p:cNvPr id="6" name="AutoShape 2">
+            <a:extLst>
+              <a:ext uri="{FF2B5EF4-FFF2-40B4-BE49-F238E27FC236}">
+                <a16:creationId xmlns:a16="http://schemas.microsoft.com/office/drawing/2014/main" id="{2A17A4EE-6890-0577-252E-7E2942491D34}"/>
+              </a:ext>
+            </a:extLst>
+          </p:cNvPr>
+          <p:cNvSpPr>
+            <a:spLocks noChangeAspect="1" noChangeArrowheads="1"/>
+          </p:cNvSpPr>
+          <p:nvPr/>
+        </p:nvSpPr>
+        <p:spPr bwMode="auto">
+          <a:xfrm>
+            <a:off x="4419600" y="3276600"/>
+            <a:ext cx="304800" cy="304800"/>
+          </a:xfrm>
+          <a:prstGeom prst="rect">
+            <a:avLst/>
+          </a:prstGeom>
+          <a:noFill/>
+          <a:extLst>
+            <a:ext uri="{909E8E84-426E-40DD-AFC4-6F175D3DCCD1}">
+              <a14:hiddenFill xmlns:a14="http://schemas.microsoft.com/office/drawing/2010/main">
+                <a:solidFill>
+                  <a:srgbClr val="FFFFFF"/>
+                </a:solidFill>
+              </a14:hiddenFill>
+            </a:ext>
+          </a:extLst>
+        </p:spPr>
+        <p:txBody>
+          <a:bodyPr vert="horz" wrap="square" lIns="91440" tIns="45720" rIns="91440" bIns="45720" numCol="1" anchor="t" anchorCtr="0" compatLnSpc="1">
+            <a:prstTxWarp prst="textNoShape">
+              <a:avLst/>
+            </a:prstTxWarp>
+          </a:bodyPr>
+          <a:lstStyle/>
+          <a:p>
+            <a:endParaRPr lang="en-US"/>
+          </a:p>
+        </p:txBody>
+      </p:sp>
+      <p:pic>
+        <p:nvPicPr>
+          <p:cNvPr id="3074" name="Picture 2" descr="Output image">
+            <a:extLst>
+              <a:ext uri="{FF2B5EF4-FFF2-40B4-BE49-F238E27FC236}">
+                <a16:creationId xmlns:a16="http://schemas.microsoft.com/office/drawing/2014/main" id="{0867B836-5264-44C5-BB10-61F0B5C2849B}"/>
+              </a:ext>
+            </a:extLst>
+          </p:cNvPr>
+          <p:cNvPicPr>
+            <a:picLocks noChangeAspect="1" noChangeArrowheads="1"/>
+          </p:cNvPicPr>
+          <p:nvPr/>
+        </p:nvPicPr>
+        <p:blipFill>
+          <a:blip r:embed="rId2">
+            <a:extLst>
+              <a:ext uri="{28A0092B-C50C-407E-A947-70E740481C1C}">
+                <a14:useLocalDpi xmlns:a14="http://schemas.microsoft.com/office/drawing/2010/main" val="0"/>
+              </a:ext>
+            </a:extLst>
+          </a:blip>
+          <a:srcRect/>
+          <a:stretch>
+            <a:fillRect/>
+          </a:stretch>
+        </p:blipFill>
+        <p:spPr bwMode="auto">
+          <a:xfrm>
+            <a:off x="2359819" y="2231923"/>
+            <a:ext cx="4213216" cy="4124427"/>
+          </a:xfrm>
+          <a:prstGeom prst="rect">
+            <a:avLst/>
+          </a:prstGeom>
+          <a:noFill/>
+          <a:extLst>
+            <a:ext uri="{909E8E84-426E-40DD-AFC4-6F175D3DCCD1}">
+              <a14:hiddenFill xmlns:a14="http://schemas.microsoft.com/office/drawing/2010/main">
+                <a:solidFill>
+                  <a:srgbClr val="FFFFFF"/>
+                </a:solidFill>
+              </a14:hiddenFill>
+            </a:ext>
+          </a:extLst>
+        </p:spPr>
+      </p:pic>
+    </p:spTree>
+    <p:extLst>
+      <p:ext uri="{BB962C8B-B14F-4D97-AF65-F5344CB8AC3E}">
+        <p14:creationId xmlns:p14="http://schemas.microsoft.com/office/powerpoint/2010/main" val="1725387343"/>
+      </p:ext>
+    </p:extLst>
+  </p:cSld>
+  <p:clrMapOvr>
+    <a:masterClrMapping/>
+  </p:clrMapOvr>
+</p:sld>
+</file>
+
+<file path=ppt/slides/slide18.xml><?xml version="1.0" encoding="utf-8"?>
+<p:sld xmlns:a="http://schemas.openxmlformats.org/drawingml/2006/main" xmlns:r="http://schemas.openxmlformats.org/officeDocument/2006/relationships" xmlns:p="http://schemas.openxmlformats.org/presentationml/2006/main">
+  <p:cSld>
+    <p:spTree>
+      <p:nvGrpSpPr>
+        <p:cNvPr id="1" name="">
+          <a:extLst>
+            <a:ext uri="{FF2B5EF4-FFF2-40B4-BE49-F238E27FC236}">
+              <a16:creationId xmlns:a16="http://schemas.microsoft.com/office/drawing/2014/main" id="{028AE6DE-3D8A-A0A9-726F-6ABA21EDA589}"/>
+            </a:ext>
+          </a:extLst>
+        </p:cNvPr>
+        <p:cNvGrpSpPr/>
+        <p:nvPr/>
+      </p:nvGrpSpPr>
+      <p:grpSpPr>
+        <a:xfrm>
+          <a:off x="0" y="0"/>
+          <a:ext cx="0" cy="0"/>
+          <a:chOff x="0" y="0"/>
+          <a:chExt cx="0" cy="0"/>
+        </a:xfrm>
+      </p:grpSpPr>
+      <p:sp>
+        <p:nvSpPr>
+          <p:cNvPr id="2" name="Title 1">
+            <a:extLst>
+              <a:ext uri="{FF2B5EF4-FFF2-40B4-BE49-F238E27FC236}">
+                <a16:creationId xmlns:a16="http://schemas.microsoft.com/office/drawing/2014/main" id="{608D5911-95AA-9CA3-890C-38D8563B05BA}"/>
+              </a:ext>
+            </a:extLst>
+          </p:cNvPr>
+          <p:cNvSpPr>
+            <a:spLocks noGrp="1"/>
+          </p:cNvSpPr>
+          <p:nvPr>
+            <p:ph type="title"/>
+          </p:nvPr>
+        </p:nvSpPr>
+        <p:spPr/>
+        <p:txBody>
+          <a:bodyPr>
+            <a:normAutofit fontScale="90000"/>
+          </a:bodyPr>
+          <a:lstStyle/>
+          <a:p>
+            <a:r>
+              <a:rPr lang="en-US" dirty="0"/>
+              <a:t>Period Highlight – 8</a:t>
+            </a:r>
+            <a:br>
+              <a:rPr lang="en-US" dirty="0"/>
+            </a:br>
+            <a:r>
+              <a:rPr lang="en-US" sz="3200" dirty="0"/>
+              <a:t>Software Implementations</a:t>
+            </a:r>
+          </a:p>
+        </p:txBody>
+      </p:sp>
+      <p:sp>
+        <p:nvSpPr>
+          <p:cNvPr id="3" name="Content Placeholder 2">
+            <a:extLst>
+              <a:ext uri="{FF2B5EF4-FFF2-40B4-BE49-F238E27FC236}">
+                <a16:creationId xmlns:a16="http://schemas.microsoft.com/office/drawing/2014/main" id="{11A40A67-883F-3195-C763-79DB18502CF0}"/>
+              </a:ext>
+            </a:extLst>
+          </p:cNvPr>
+          <p:cNvSpPr>
+            <a:spLocks noGrp="1"/>
+          </p:cNvSpPr>
+          <p:nvPr>
+            <p:ph idx="1"/>
+          </p:nvPr>
+        </p:nvSpPr>
+        <p:spPr/>
+        <p:txBody>
+          <a:bodyPr/>
+          <a:lstStyle/>
+          <a:p>
+            <a:r>
+              <a:rPr lang="en-US" dirty="0"/>
+              <a:t>Visualization moved to </a:t>
+            </a:r>
+            <a:r>
+              <a:rPr lang="en-US" dirty="0" err="1"/>
+              <a:t>pyqtgraph</a:t>
+            </a:r>
+            <a:r>
+              <a:rPr lang="en-US" dirty="0"/>
+              <a:t> for improvement since live visualization is now available.</a:t>
+            </a:r>
+          </a:p>
+          <a:p>
+            <a:endParaRPr lang="en-US" dirty="0"/>
+          </a:p>
+          <a:p>
+            <a:pPr lvl="1"/>
+            <a:endParaRPr lang="en-US" dirty="0"/>
+          </a:p>
+        </p:txBody>
+      </p:sp>
+      <p:sp>
+        <p:nvSpPr>
+          <p:cNvPr id="4" name="Date Placeholder 3">
+            <a:extLst>
+              <a:ext uri="{FF2B5EF4-FFF2-40B4-BE49-F238E27FC236}">
+                <a16:creationId xmlns:a16="http://schemas.microsoft.com/office/drawing/2014/main" id="{E5658BE8-5561-0B3D-C767-D369B19FE525}"/>
+              </a:ext>
+            </a:extLst>
+          </p:cNvPr>
+          <p:cNvSpPr>
+            <a:spLocks noGrp="1"/>
+          </p:cNvSpPr>
+          <p:nvPr>
+            <p:ph type="dt" sz="half" idx="10"/>
+          </p:nvPr>
+        </p:nvSpPr>
+        <p:spPr/>
+        <p:txBody>
+          <a:bodyPr/>
+          <a:lstStyle/>
+          <a:p>
+            <a:fld id="{0EFBEC3F-4208-4590-BA97-4119A385DFD9}" type="datetime1">
+              <a:rPr lang="en-US" smtClean="0"/>
+              <a:t>7/30/2025</a:t>
+            </a:fld>
+            <a:endParaRPr lang="en-US"/>
+          </a:p>
+        </p:txBody>
+      </p:sp>
+      <p:sp>
+        <p:nvSpPr>
+          <p:cNvPr id="5" name="Slide Number Placeholder 4">
+            <a:extLst>
+              <a:ext uri="{FF2B5EF4-FFF2-40B4-BE49-F238E27FC236}">
+                <a16:creationId xmlns:a16="http://schemas.microsoft.com/office/drawing/2014/main" id="{DEEB22D1-8473-30C4-152E-A7D87019522A}"/>
+              </a:ext>
+            </a:extLst>
+          </p:cNvPr>
+          <p:cNvSpPr>
+            <a:spLocks noGrp="1"/>
+          </p:cNvSpPr>
+          <p:nvPr>
+            <p:ph type="sldNum" sz="quarter" idx="12"/>
+          </p:nvPr>
+        </p:nvSpPr>
+        <p:spPr/>
+        <p:txBody>
+          <a:bodyPr/>
+          <a:lstStyle/>
+          <a:p>
+            <a:fld id="{C1FF6DA9-008F-8B48-92A6-B652298478BF}" type="slidenum">
+              <a:rPr lang="en-US" smtClean="0"/>
+              <a:t>18</a:t>
+            </a:fld>
+            <a:endParaRPr lang="en-US"/>
+          </a:p>
+        </p:txBody>
+      </p:sp>
+      <p:sp>
+        <p:nvSpPr>
+          <p:cNvPr id="6" name="AutoShape 2">
+            <a:extLst>
+              <a:ext uri="{FF2B5EF4-FFF2-40B4-BE49-F238E27FC236}">
+                <a16:creationId xmlns:a16="http://schemas.microsoft.com/office/drawing/2014/main" id="{313758C6-E3F6-05BD-6483-43C140841CAE}"/>
+              </a:ext>
+            </a:extLst>
+          </p:cNvPr>
+          <p:cNvSpPr>
+            <a:spLocks noChangeAspect="1" noChangeArrowheads="1"/>
+          </p:cNvSpPr>
+          <p:nvPr/>
+        </p:nvSpPr>
+        <p:spPr bwMode="auto">
+          <a:xfrm>
+            <a:off x="4419600" y="3276600"/>
+            <a:ext cx="304800" cy="304800"/>
+          </a:xfrm>
+          <a:prstGeom prst="rect">
+            <a:avLst/>
+          </a:prstGeom>
+          <a:noFill/>
+          <a:extLst>
+            <a:ext uri="{909E8E84-426E-40DD-AFC4-6F175D3DCCD1}">
+              <a14:hiddenFill xmlns:a14="http://schemas.microsoft.com/office/drawing/2010/main">
+                <a:solidFill>
+                  <a:srgbClr val="FFFFFF"/>
+                </a:solidFill>
+              </a14:hiddenFill>
+            </a:ext>
+          </a:extLst>
+        </p:spPr>
+        <p:txBody>
+          <a:bodyPr vert="horz" wrap="square" lIns="91440" tIns="45720" rIns="91440" bIns="45720" numCol="1" anchor="t" anchorCtr="0" compatLnSpc="1">
+            <a:prstTxWarp prst="textNoShape">
+              <a:avLst/>
+            </a:prstTxWarp>
+          </a:bodyPr>
+          <a:lstStyle/>
+          <a:p>
+            <a:endParaRPr lang="en-US"/>
+          </a:p>
+        </p:txBody>
+      </p:sp>
+      <p:pic>
+        <p:nvPicPr>
+          <p:cNvPr id="8" name="Picture 7">
+            <a:extLst>
+              <a:ext uri="{FF2B5EF4-FFF2-40B4-BE49-F238E27FC236}">
+                <a16:creationId xmlns:a16="http://schemas.microsoft.com/office/drawing/2014/main" id="{0FC9CA68-91A5-3781-8752-80900F5E252F}"/>
+              </a:ext>
+            </a:extLst>
+          </p:cNvPr>
+          <p:cNvPicPr>
+            <a:picLocks noChangeAspect="1"/>
+          </p:cNvPicPr>
+          <p:nvPr/>
+        </p:nvPicPr>
+        <p:blipFill>
+          <a:blip r:embed="rId2"/>
+          <a:stretch>
+            <a:fillRect/>
+          </a:stretch>
+        </p:blipFill>
+        <p:spPr>
+          <a:xfrm>
+            <a:off x="3283974" y="2616989"/>
+            <a:ext cx="5132632" cy="3691736"/>
+          </a:xfrm>
+          <a:prstGeom prst="rect">
+            <a:avLst/>
+          </a:prstGeom>
+        </p:spPr>
+      </p:pic>
+    </p:spTree>
+    <p:extLst>
+      <p:ext uri="{BB962C8B-B14F-4D97-AF65-F5344CB8AC3E}">
+        <p14:creationId xmlns:p14="http://schemas.microsoft.com/office/powerpoint/2010/main" val="3796642028"/>
+      </p:ext>
+    </p:extLst>
+  </p:cSld>
+  <p:clrMapOvr>
+    <a:masterClrMapping/>
+  </p:clrMapOvr>
+</p:sld>
+</file>
+
+<file path=ppt/slides/slide19.xml><?xml version="1.0" encoding="utf-8"?>
 <p:sld xmlns:a="http://schemas.openxmlformats.org/drawingml/2006/main" xmlns:r="http://schemas.openxmlformats.org/officeDocument/2006/relationships" xmlns:p="http://schemas.openxmlformats.org/presentationml/2006/main">
   <p:cSld>
     <p:spTree>
@@ -5761,7 +7116,7 @@
           <a:p>
             <a:fld id="{0EFBEC3F-4208-4590-BA97-4119A385DFD9}" type="datetime1">
               <a:rPr lang="en-US" smtClean="0"/>
-              <a:t>5/5/2025</a:t>
+              <a:t>7/30/2025</a:t>
             </a:fld>
             <a:endParaRPr lang="en-US"/>
           </a:p>
@@ -5790,7 +7145,7 @@
           <a:p>
             <a:fld id="{C1FF6DA9-008F-8B48-92A6-B652298478BF}" type="slidenum">
               <a:rPr lang="en-US" smtClean="0"/>
-              <a:t>14</a:t>
+              <a:t>19</a:t>
             </a:fld>
             <a:endParaRPr lang="en-US"/>
           </a:p>
@@ -5906,7 +7261,7 @@
           <a:p>
             <a:fld id="{1AA46178-B97E-4817-9029-290586FA77E9}" type="datetime1">
               <a:rPr lang="en-US" smtClean="0"/>
-              <a:t>5/5/2025</a:t>
+              <a:t>7/30/2025</a:t>
             </a:fld>
             <a:endParaRPr lang="en-US"/>
           </a:p>
@@ -6063,7 +7418,7 @@
           <a:p>
             <a:fld id="{0EFBEC3F-4208-4590-BA97-4119A385DFD9}" type="datetime1">
               <a:rPr lang="en-US" smtClean="0"/>
-              <a:t>5/5/2025</a:t>
+              <a:t>7/30/2025</a:t>
             </a:fld>
             <a:endParaRPr lang="en-US"/>
           </a:p>
@@ -6264,7 +7619,7 @@
           <a:p>
             <a:fld id="{0EFBEC3F-4208-4590-BA97-4119A385DFD9}" type="datetime1">
               <a:rPr lang="en-US" smtClean="0"/>
-              <a:t>5/5/2025</a:t>
+              <a:t>7/30/2025</a:t>
             </a:fld>
             <a:endParaRPr lang="en-US"/>
           </a:p>
@@ -6606,7 +7961,7 @@
           <a:p>
             <a:fld id="{0EFBEC3F-4208-4590-BA97-4119A385DFD9}" type="datetime1">
               <a:rPr lang="en-US" smtClean="0"/>
-              <a:t>5/5/2025</a:t>
+              <a:t>7/30/2025</a:t>
             </a:fld>
             <a:endParaRPr lang="en-US"/>
           </a:p>
@@ -6857,7 +8212,7 @@
           <a:p>
             <a:fld id="{0EFBEC3F-4208-4590-BA97-4119A385DFD9}" type="datetime1">
               <a:rPr lang="en-US" smtClean="0"/>
-              <a:t>5/5/2025</a:t>
+              <a:t>7/30/2025</a:t>
             </a:fld>
             <a:endParaRPr lang="en-US"/>
           </a:p>
@@ -7013,7 +8368,7 @@
           <a:p>
             <a:fld id="{0EFBEC3F-4208-4590-BA97-4119A385DFD9}" type="datetime1">
               <a:rPr lang="en-US" smtClean="0"/>
-              <a:t>5/5/2025</a:t>
+              <a:t>7/30/2025</a:t>
             </a:fld>
             <a:endParaRPr lang="en-US"/>
           </a:p>
@@ -7332,7 +8687,7 @@
           <a:p>
             <a:fld id="{0EFBEC3F-4208-4590-BA97-4119A385DFD9}" type="datetime1">
               <a:rPr lang="en-US" smtClean="0"/>
-              <a:t>5/5/2025</a:t>
+              <a:t>7/30/2025</a:t>
             </a:fld>
             <a:endParaRPr lang="en-US"/>
           </a:p>
@@ -7645,7 +9000,7 @@
           <a:p>
             <a:fld id="{0EFBEC3F-4208-4590-BA97-4119A385DFD9}" type="datetime1">
               <a:rPr lang="en-US" smtClean="0"/>
-              <a:t>5/5/2025</a:t>
+              <a:t>7/30/2025</a:t>
             </a:fld>
             <a:endParaRPr lang="en-US"/>
           </a:p>

--- a/06_PresentationUpdates/Radar_ResearchProject.pptx
+++ b/06_PresentationUpdates/Radar_ResearchProject.pptx
@@ -5,7 +5,7 @@
     <p:sldMasterId id="2147483648" r:id="rId1"/>
   </p:sldMasterIdLst>
   <p:notesMasterIdLst>
-    <p:notesMasterId r:id="rId16"/>
+    <p:notesMasterId r:id="rId31"/>
   </p:notesMasterIdLst>
   <p:sldIdLst>
     <p:sldId id="380" r:id="rId2"/>
@@ -20,8 +20,23 @@
     <p:sldId id="393" r:id="rId11"/>
     <p:sldId id="390" r:id="rId12"/>
     <p:sldId id="392" r:id="rId13"/>
-    <p:sldId id="384" r:id="rId14"/>
-    <p:sldId id="385" r:id="rId15"/>
+    <p:sldId id="394" r:id="rId14"/>
+    <p:sldId id="395" r:id="rId15"/>
+    <p:sldId id="396" r:id="rId16"/>
+    <p:sldId id="397" r:id="rId17"/>
+    <p:sldId id="398" r:id="rId18"/>
+    <p:sldId id="399" r:id="rId19"/>
+    <p:sldId id="407" r:id="rId20"/>
+    <p:sldId id="408" r:id="rId21"/>
+    <p:sldId id="401" r:id="rId22"/>
+    <p:sldId id="402" r:id="rId23"/>
+    <p:sldId id="403" r:id="rId24"/>
+    <p:sldId id="400" r:id="rId25"/>
+    <p:sldId id="404" r:id="rId26"/>
+    <p:sldId id="405" r:id="rId27"/>
+    <p:sldId id="406" r:id="rId28"/>
+    <p:sldId id="384" r:id="rId29"/>
+    <p:sldId id="385" r:id="rId30"/>
   </p:sldIdLst>
   <p:sldSz cx="9144000" cy="6858000" type="screen4x3"/>
   <p:notesSz cx="6858000" cy="9144000"/>
@@ -361,6 +376,184 @@
           </ac:picMkLst>
         </pc:picChg>
       </pc:sldChg>
+    </pc:docChg>
+  </pc:docChgLst>
+  <pc:docChgLst>
+    <pc:chgData name="Luis Fernando Rodriguez Gutierrez" userId="47d13518-703e-4604-b449-ba54b8feb907" providerId="ADAL" clId="{3092E590-2950-4AEC-9D42-F023B2ED0D8C}"/>
+    <pc:docChg chg="undo custSel addSld delSld modSld sldOrd modMainMaster">
+      <pc:chgData name="Luis Fernando Rodriguez Gutierrez" userId="47d13518-703e-4604-b449-ba54b8feb907" providerId="ADAL" clId="{3092E590-2950-4AEC-9D42-F023B2ED0D8C}" dt="2025-04-23T12:12:27.019" v="547" actId="20577"/>
+      <pc:docMkLst>
+        <pc:docMk/>
+      </pc:docMkLst>
+      <pc:sldChg chg="addSp modSp mod">
+        <pc:chgData name="Luis Fernando Rodriguez Gutierrez" userId="47d13518-703e-4604-b449-ba54b8feb907" providerId="ADAL" clId="{3092E590-2950-4AEC-9D42-F023B2ED0D8C}" dt="2025-04-23T10:28:44.994" v="421" actId="20577"/>
+        <pc:sldMkLst>
+          <pc:docMk/>
+          <pc:sldMk cId="1371233986" sldId="382"/>
+        </pc:sldMkLst>
+        <pc:spChg chg="mod">
+          <ac:chgData name="Luis Fernando Rodriguez Gutierrez" userId="47d13518-703e-4604-b449-ba54b8feb907" providerId="ADAL" clId="{3092E590-2950-4AEC-9D42-F023B2ED0D8C}" dt="2025-04-19T13:45:52.120" v="1" actId="20577"/>
+          <ac:spMkLst>
+            <pc:docMk/>
+            <pc:sldMk cId="1371233986" sldId="382"/>
+            <ac:spMk id="2" creationId="{46CF15AF-C673-57E5-6154-4A442E9E08B8}"/>
+          </ac:spMkLst>
+        </pc:spChg>
+        <pc:spChg chg="mod">
+          <ac:chgData name="Luis Fernando Rodriguez Gutierrez" userId="47d13518-703e-4604-b449-ba54b8feb907" providerId="ADAL" clId="{3092E590-2950-4AEC-9D42-F023B2ED0D8C}" dt="2025-04-23T10:27:48.058" v="335" actId="20577"/>
+          <ac:spMkLst>
+            <pc:docMk/>
+            <pc:sldMk cId="1371233986" sldId="382"/>
+            <ac:spMk id="3" creationId="{2C14A8D3-6948-67A4-5774-80CB804B4E2D}"/>
+          </ac:spMkLst>
+        </pc:spChg>
+        <pc:spChg chg="add mod">
+          <ac:chgData name="Luis Fernando Rodriguez Gutierrez" userId="47d13518-703e-4604-b449-ba54b8feb907" providerId="ADAL" clId="{3092E590-2950-4AEC-9D42-F023B2ED0D8C}" dt="2025-04-23T10:28:44.994" v="421" actId="20577"/>
+          <ac:spMkLst>
+            <pc:docMk/>
+            <pc:sldMk cId="1371233986" sldId="382"/>
+            <ac:spMk id="6" creationId="{194329D0-0E13-9729-28BE-76D13330ECE1}"/>
+          </ac:spMkLst>
+        </pc:spChg>
+      </pc:sldChg>
+      <pc:sldChg chg="add del">
+        <pc:chgData name="Luis Fernando Rodriguez Gutierrez" userId="47d13518-703e-4604-b449-ba54b8feb907" providerId="ADAL" clId="{3092E590-2950-4AEC-9D42-F023B2ED0D8C}" dt="2025-04-19T13:46:10.691" v="11" actId="47"/>
+        <pc:sldMkLst>
+          <pc:docMk/>
+          <pc:sldMk cId="890837339" sldId="386"/>
+        </pc:sldMkLst>
+      </pc:sldChg>
+      <pc:sldChg chg="addSp delSp modSp new mod">
+        <pc:chgData name="Luis Fernando Rodriguez Gutierrez" userId="47d13518-703e-4604-b449-ba54b8feb907" providerId="ADAL" clId="{3092E590-2950-4AEC-9D42-F023B2ED0D8C}" dt="2025-04-23T12:12:27.019" v="547" actId="20577"/>
+        <pc:sldMkLst>
+          <pc:docMk/>
+          <pc:sldMk cId="2209207768" sldId="386"/>
+        </pc:sldMkLst>
+        <pc:spChg chg="mod">
+          <ac:chgData name="Luis Fernando Rodriguez Gutierrez" userId="47d13518-703e-4604-b449-ba54b8feb907" providerId="ADAL" clId="{3092E590-2950-4AEC-9D42-F023B2ED0D8C}" dt="2025-04-23T12:12:27.019" v="547" actId="20577"/>
+          <ac:spMkLst>
+            <pc:docMk/>
+            <pc:sldMk cId="2209207768" sldId="386"/>
+            <ac:spMk id="2" creationId="{CA9F5939-5CEF-D6E6-E260-5BA6D9B58146}"/>
+          </ac:spMkLst>
+        </pc:spChg>
+        <pc:picChg chg="add mod">
+          <ac:chgData name="Luis Fernando Rodriguez Gutierrez" userId="47d13518-703e-4604-b449-ba54b8feb907" providerId="ADAL" clId="{3092E590-2950-4AEC-9D42-F023B2ED0D8C}" dt="2025-04-19T13:49:45.528" v="151" actId="1076"/>
+          <ac:picMkLst>
+            <pc:docMk/>
+            <pc:sldMk cId="2209207768" sldId="386"/>
+            <ac:picMk id="7" creationId="{1DAED036-5F08-6348-9516-633E84588C1B}"/>
+          </ac:picMkLst>
+        </pc:picChg>
+        <pc:picChg chg="add mod">
+          <ac:chgData name="Luis Fernando Rodriguez Gutierrez" userId="47d13518-703e-4604-b449-ba54b8feb907" providerId="ADAL" clId="{3092E590-2950-4AEC-9D42-F023B2ED0D8C}" dt="2025-04-19T14:01:40.443" v="243" actId="1076"/>
+          <ac:picMkLst>
+            <pc:docMk/>
+            <pc:sldMk cId="2209207768" sldId="386"/>
+            <ac:picMk id="9" creationId="{FE70F34C-7F25-8FAE-1FEE-055A19919BE0}"/>
+          </ac:picMkLst>
+        </pc:picChg>
+        <pc:picChg chg="add mod">
+          <ac:chgData name="Luis Fernando Rodriguez Gutierrez" userId="47d13518-703e-4604-b449-ba54b8feb907" providerId="ADAL" clId="{3092E590-2950-4AEC-9D42-F023B2ED0D8C}" dt="2025-04-19T14:02:21.613" v="247" actId="14100"/>
+          <ac:picMkLst>
+            <pc:docMk/>
+            <pc:sldMk cId="2209207768" sldId="386"/>
+            <ac:picMk id="11" creationId="{F579686C-0046-8AF4-919D-D11DFFFBB5BA}"/>
+          </ac:picMkLst>
+        </pc:picChg>
+        <pc:picChg chg="add mod">
+          <ac:chgData name="Luis Fernando Rodriguez Gutierrez" userId="47d13518-703e-4604-b449-ba54b8feb907" providerId="ADAL" clId="{3092E590-2950-4AEC-9D42-F023B2ED0D8C}" dt="2025-04-19T14:25:08.655" v="313" actId="1076"/>
+          <ac:picMkLst>
+            <pc:docMk/>
+            <pc:sldMk cId="2209207768" sldId="386"/>
+            <ac:picMk id="1026" creationId="{DBA318C6-B232-C859-BDA5-1E1DACA26953}"/>
+          </ac:picMkLst>
+        </pc:picChg>
+      </pc:sldChg>
+      <pc:sldChg chg="new del">
+        <pc:chgData name="Luis Fernando Rodriguez Gutierrez" userId="47d13518-703e-4604-b449-ba54b8feb907" providerId="ADAL" clId="{3092E590-2950-4AEC-9D42-F023B2ED0D8C}" dt="2025-04-23T12:07:27.728" v="426" actId="47"/>
+        <pc:sldMkLst>
+          <pc:docMk/>
+          <pc:sldMk cId="3393414655" sldId="387"/>
+        </pc:sldMkLst>
+      </pc:sldChg>
+      <pc:sldChg chg="addSp delSp modSp add mod ord">
+        <pc:chgData name="Luis Fernando Rodriguez Gutierrez" userId="47d13518-703e-4604-b449-ba54b8feb907" providerId="ADAL" clId="{3092E590-2950-4AEC-9D42-F023B2ED0D8C}" dt="2025-04-23T12:11:46.713" v="488" actId="255"/>
+        <pc:sldMkLst>
+          <pc:docMk/>
+          <pc:sldMk cId="929138620" sldId="388"/>
+        </pc:sldMkLst>
+        <pc:spChg chg="mod">
+          <ac:chgData name="Luis Fernando Rodriguez Gutierrez" userId="47d13518-703e-4604-b449-ba54b8feb907" providerId="ADAL" clId="{3092E590-2950-4AEC-9D42-F023B2ED0D8C}" dt="2025-04-23T12:11:46.713" v="488" actId="255"/>
+          <ac:spMkLst>
+            <pc:docMk/>
+            <pc:sldMk cId="929138620" sldId="388"/>
+            <ac:spMk id="2" creationId="{43AAD9D2-7195-6341-431F-03ADC19A08A6}"/>
+          </ac:spMkLst>
+        </pc:spChg>
+      </pc:sldChg>
+      <pc:sldChg chg="addSp delSp modSp add mod">
+        <pc:chgData name="Luis Fernando Rodriguez Gutierrez" userId="47d13518-703e-4604-b449-ba54b8feb907" providerId="ADAL" clId="{3092E590-2950-4AEC-9D42-F023B2ED0D8C}" dt="2025-04-23T12:12:13.623" v="520" actId="1076"/>
+        <pc:sldMkLst>
+          <pc:docMk/>
+          <pc:sldMk cId="1514054633" sldId="389"/>
+        </pc:sldMkLst>
+        <pc:spChg chg="mod">
+          <ac:chgData name="Luis Fernando Rodriguez Gutierrez" userId="47d13518-703e-4604-b449-ba54b8feb907" providerId="ADAL" clId="{3092E590-2950-4AEC-9D42-F023B2ED0D8C}" dt="2025-04-23T12:12:02.917" v="516" actId="255"/>
+          <ac:spMkLst>
+            <pc:docMk/>
+            <pc:sldMk cId="1514054633" sldId="389"/>
+            <ac:spMk id="2" creationId="{35FDF0E7-D8BC-85D7-1123-C7E3D5776626}"/>
+          </ac:spMkLst>
+        </pc:spChg>
+        <pc:picChg chg="add mod">
+          <ac:chgData name="Luis Fernando Rodriguez Gutierrez" userId="47d13518-703e-4604-b449-ba54b8feb907" providerId="ADAL" clId="{3092E590-2950-4AEC-9D42-F023B2ED0D8C}" dt="2025-04-23T12:12:13.623" v="520" actId="1076"/>
+          <ac:picMkLst>
+            <pc:docMk/>
+            <pc:sldMk cId="1514054633" sldId="389"/>
+            <ac:picMk id="7" creationId="{F99B2DA4-6175-81A1-AE4C-F587DC7B6DE1}"/>
+          </ac:picMkLst>
+        </pc:picChg>
+        <pc:picChg chg="mod">
+          <ac:chgData name="Luis Fernando Rodriguez Gutierrez" userId="47d13518-703e-4604-b449-ba54b8feb907" providerId="ADAL" clId="{3092E590-2950-4AEC-9D42-F023B2ED0D8C}" dt="2025-04-23T12:12:10.738" v="518" actId="1076"/>
+          <ac:picMkLst>
+            <pc:docMk/>
+            <pc:sldMk cId="1514054633" sldId="389"/>
+            <ac:picMk id="8" creationId="{2BDEC897-8485-A978-9247-0936409E7B9B}"/>
+          </ac:picMkLst>
+        </pc:picChg>
+        <pc:picChg chg="add mod">
+          <ac:chgData name="Luis Fernando Rodriguez Gutierrez" userId="47d13518-703e-4604-b449-ba54b8feb907" providerId="ADAL" clId="{3092E590-2950-4AEC-9D42-F023B2ED0D8C}" dt="2025-04-23T12:12:12.050" v="519" actId="1076"/>
+          <ac:picMkLst>
+            <pc:docMk/>
+            <pc:sldMk cId="1514054633" sldId="389"/>
+            <ac:picMk id="10" creationId="{B89C68D7-BD55-CDFC-8033-23E1ED388590}"/>
+          </ac:picMkLst>
+        </pc:picChg>
+        <pc:picChg chg="add mod">
+          <ac:chgData name="Luis Fernando Rodriguez Gutierrez" userId="47d13518-703e-4604-b449-ba54b8feb907" providerId="ADAL" clId="{3092E590-2950-4AEC-9D42-F023B2ED0D8C}" dt="2025-04-23T12:12:08.937" v="517" actId="1076"/>
+          <ac:picMkLst>
+            <pc:docMk/>
+            <pc:sldMk cId="1514054633" sldId="389"/>
+            <ac:picMk id="12" creationId="{0585829A-D580-5B91-83D2-F1E9E666DB2F}"/>
+          </ac:picMkLst>
+        </pc:picChg>
+      </pc:sldChg>
+      <pc:sldMasterChg chg="modSp mod">
+        <pc:chgData name="Luis Fernando Rodriguez Gutierrez" userId="47d13518-703e-4604-b449-ba54b8feb907" providerId="ADAL" clId="{3092E590-2950-4AEC-9D42-F023B2ED0D8C}" dt="2025-04-19T14:25:51.835" v="319" actId="20577"/>
+        <pc:sldMasterMkLst>
+          <pc:docMk/>
+          <pc:sldMasterMk cId="2209977519" sldId="2147483648"/>
+        </pc:sldMasterMkLst>
+        <pc:spChg chg="mod">
+          <ac:chgData name="Luis Fernando Rodriguez Gutierrez" userId="47d13518-703e-4604-b449-ba54b8feb907" providerId="ADAL" clId="{3092E590-2950-4AEC-9D42-F023B2ED0D8C}" dt="2025-04-19T14:25:51.835" v="319" actId="20577"/>
+          <ac:spMkLst>
+            <pc:docMk/>
+            <pc:sldMasterMk cId="2209977519" sldId="2147483648"/>
+            <ac:spMk id="9" creationId="{7CA9A25C-C535-0599-C8A4-D29B5CE4C20B}"/>
+          </ac:spMkLst>
+        </pc:spChg>
+      </pc:sldMasterChg>
     </pc:docChg>
   </pc:docChgLst>
   <pc:docChgLst>
@@ -1010,184 +1203,6 @@
       </pc:sldChg>
     </pc:docChg>
   </pc:docChgLst>
-  <pc:docChgLst>
-    <pc:chgData name="Luis Fernando Rodriguez Gutierrez" userId="47d13518-703e-4604-b449-ba54b8feb907" providerId="ADAL" clId="{3092E590-2950-4AEC-9D42-F023B2ED0D8C}"/>
-    <pc:docChg chg="undo custSel addSld delSld modSld sldOrd modMainMaster">
-      <pc:chgData name="Luis Fernando Rodriguez Gutierrez" userId="47d13518-703e-4604-b449-ba54b8feb907" providerId="ADAL" clId="{3092E590-2950-4AEC-9D42-F023B2ED0D8C}" dt="2025-04-23T12:12:27.019" v="547" actId="20577"/>
-      <pc:docMkLst>
-        <pc:docMk/>
-      </pc:docMkLst>
-      <pc:sldChg chg="addSp modSp mod">
-        <pc:chgData name="Luis Fernando Rodriguez Gutierrez" userId="47d13518-703e-4604-b449-ba54b8feb907" providerId="ADAL" clId="{3092E590-2950-4AEC-9D42-F023B2ED0D8C}" dt="2025-04-23T10:28:44.994" v="421" actId="20577"/>
-        <pc:sldMkLst>
-          <pc:docMk/>
-          <pc:sldMk cId="1371233986" sldId="382"/>
-        </pc:sldMkLst>
-        <pc:spChg chg="mod">
-          <ac:chgData name="Luis Fernando Rodriguez Gutierrez" userId="47d13518-703e-4604-b449-ba54b8feb907" providerId="ADAL" clId="{3092E590-2950-4AEC-9D42-F023B2ED0D8C}" dt="2025-04-19T13:45:52.120" v="1" actId="20577"/>
-          <ac:spMkLst>
-            <pc:docMk/>
-            <pc:sldMk cId="1371233986" sldId="382"/>
-            <ac:spMk id="2" creationId="{46CF15AF-C673-57E5-6154-4A442E9E08B8}"/>
-          </ac:spMkLst>
-        </pc:spChg>
-        <pc:spChg chg="mod">
-          <ac:chgData name="Luis Fernando Rodriguez Gutierrez" userId="47d13518-703e-4604-b449-ba54b8feb907" providerId="ADAL" clId="{3092E590-2950-4AEC-9D42-F023B2ED0D8C}" dt="2025-04-23T10:27:48.058" v="335" actId="20577"/>
-          <ac:spMkLst>
-            <pc:docMk/>
-            <pc:sldMk cId="1371233986" sldId="382"/>
-            <ac:spMk id="3" creationId="{2C14A8D3-6948-67A4-5774-80CB804B4E2D}"/>
-          </ac:spMkLst>
-        </pc:spChg>
-        <pc:spChg chg="add mod">
-          <ac:chgData name="Luis Fernando Rodriguez Gutierrez" userId="47d13518-703e-4604-b449-ba54b8feb907" providerId="ADAL" clId="{3092E590-2950-4AEC-9D42-F023B2ED0D8C}" dt="2025-04-23T10:28:44.994" v="421" actId="20577"/>
-          <ac:spMkLst>
-            <pc:docMk/>
-            <pc:sldMk cId="1371233986" sldId="382"/>
-            <ac:spMk id="6" creationId="{194329D0-0E13-9729-28BE-76D13330ECE1}"/>
-          </ac:spMkLst>
-        </pc:spChg>
-      </pc:sldChg>
-      <pc:sldChg chg="add del">
-        <pc:chgData name="Luis Fernando Rodriguez Gutierrez" userId="47d13518-703e-4604-b449-ba54b8feb907" providerId="ADAL" clId="{3092E590-2950-4AEC-9D42-F023B2ED0D8C}" dt="2025-04-19T13:46:10.691" v="11" actId="47"/>
-        <pc:sldMkLst>
-          <pc:docMk/>
-          <pc:sldMk cId="890837339" sldId="386"/>
-        </pc:sldMkLst>
-      </pc:sldChg>
-      <pc:sldChg chg="addSp delSp modSp new mod">
-        <pc:chgData name="Luis Fernando Rodriguez Gutierrez" userId="47d13518-703e-4604-b449-ba54b8feb907" providerId="ADAL" clId="{3092E590-2950-4AEC-9D42-F023B2ED0D8C}" dt="2025-04-23T12:12:27.019" v="547" actId="20577"/>
-        <pc:sldMkLst>
-          <pc:docMk/>
-          <pc:sldMk cId="2209207768" sldId="386"/>
-        </pc:sldMkLst>
-        <pc:spChg chg="mod">
-          <ac:chgData name="Luis Fernando Rodriguez Gutierrez" userId="47d13518-703e-4604-b449-ba54b8feb907" providerId="ADAL" clId="{3092E590-2950-4AEC-9D42-F023B2ED0D8C}" dt="2025-04-23T12:12:27.019" v="547" actId="20577"/>
-          <ac:spMkLst>
-            <pc:docMk/>
-            <pc:sldMk cId="2209207768" sldId="386"/>
-            <ac:spMk id="2" creationId="{CA9F5939-5CEF-D6E6-E260-5BA6D9B58146}"/>
-          </ac:spMkLst>
-        </pc:spChg>
-        <pc:picChg chg="add mod">
-          <ac:chgData name="Luis Fernando Rodriguez Gutierrez" userId="47d13518-703e-4604-b449-ba54b8feb907" providerId="ADAL" clId="{3092E590-2950-4AEC-9D42-F023B2ED0D8C}" dt="2025-04-19T13:49:45.528" v="151" actId="1076"/>
-          <ac:picMkLst>
-            <pc:docMk/>
-            <pc:sldMk cId="2209207768" sldId="386"/>
-            <ac:picMk id="7" creationId="{1DAED036-5F08-6348-9516-633E84588C1B}"/>
-          </ac:picMkLst>
-        </pc:picChg>
-        <pc:picChg chg="add mod">
-          <ac:chgData name="Luis Fernando Rodriguez Gutierrez" userId="47d13518-703e-4604-b449-ba54b8feb907" providerId="ADAL" clId="{3092E590-2950-4AEC-9D42-F023B2ED0D8C}" dt="2025-04-19T14:01:40.443" v="243" actId="1076"/>
-          <ac:picMkLst>
-            <pc:docMk/>
-            <pc:sldMk cId="2209207768" sldId="386"/>
-            <ac:picMk id="9" creationId="{FE70F34C-7F25-8FAE-1FEE-055A19919BE0}"/>
-          </ac:picMkLst>
-        </pc:picChg>
-        <pc:picChg chg="add mod">
-          <ac:chgData name="Luis Fernando Rodriguez Gutierrez" userId="47d13518-703e-4604-b449-ba54b8feb907" providerId="ADAL" clId="{3092E590-2950-4AEC-9D42-F023B2ED0D8C}" dt="2025-04-19T14:02:21.613" v="247" actId="14100"/>
-          <ac:picMkLst>
-            <pc:docMk/>
-            <pc:sldMk cId="2209207768" sldId="386"/>
-            <ac:picMk id="11" creationId="{F579686C-0046-8AF4-919D-D11DFFFBB5BA}"/>
-          </ac:picMkLst>
-        </pc:picChg>
-        <pc:picChg chg="add mod">
-          <ac:chgData name="Luis Fernando Rodriguez Gutierrez" userId="47d13518-703e-4604-b449-ba54b8feb907" providerId="ADAL" clId="{3092E590-2950-4AEC-9D42-F023B2ED0D8C}" dt="2025-04-19T14:25:08.655" v="313" actId="1076"/>
-          <ac:picMkLst>
-            <pc:docMk/>
-            <pc:sldMk cId="2209207768" sldId="386"/>
-            <ac:picMk id="1026" creationId="{DBA318C6-B232-C859-BDA5-1E1DACA26953}"/>
-          </ac:picMkLst>
-        </pc:picChg>
-      </pc:sldChg>
-      <pc:sldChg chg="new del">
-        <pc:chgData name="Luis Fernando Rodriguez Gutierrez" userId="47d13518-703e-4604-b449-ba54b8feb907" providerId="ADAL" clId="{3092E590-2950-4AEC-9D42-F023B2ED0D8C}" dt="2025-04-23T12:07:27.728" v="426" actId="47"/>
-        <pc:sldMkLst>
-          <pc:docMk/>
-          <pc:sldMk cId="3393414655" sldId="387"/>
-        </pc:sldMkLst>
-      </pc:sldChg>
-      <pc:sldChg chg="addSp delSp modSp add mod ord">
-        <pc:chgData name="Luis Fernando Rodriguez Gutierrez" userId="47d13518-703e-4604-b449-ba54b8feb907" providerId="ADAL" clId="{3092E590-2950-4AEC-9D42-F023B2ED0D8C}" dt="2025-04-23T12:11:46.713" v="488" actId="255"/>
-        <pc:sldMkLst>
-          <pc:docMk/>
-          <pc:sldMk cId="929138620" sldId="388"/>
-        </pc:sldMkLst>
-        <pc:spChg chg="mod">
-          <ac:chgData name="Luis Fernando Rodriguez Gutierrez" userId="47d13518-703e-4604-b449-ba54b8feb907" providerId="ADAL" clId="{3092E590-2950-4AEC-9D42-F023B2ED0D8C}" dt="2025-04-23T12:11:46.713" v="488" actId="255"/>
-          <ac:spMkLst>
-            <pc:docMk/>
-            <pc:sldMk cId="929138620" sldId="388"/>
-            <ac:spMk id="2" creationId="{43AAD9D2-7195-6341-431F-03ADC19A08A6}"/>
-          </ac:spMkLst>
-        </pc:spChg>
-      </pc:sldChg>
-      <pc:sldChg chg="addSp delSp modSp add mod">
-        <pc:chgData name="Luis Fernando Rodriguez Gutierrez" userId="47d13518-703e-4604-b449-ba54b8feb907" providerId="ADAL" clId="{3092E590-2950-4AEC-9D42-F023B2ED0D8C}" dt="2025-04-23T12:12:13.623" v="520" actId="1076"/>
-        <pc:sldMkLst>
-          <pc:docMk/>
-          <pc:sldMk cId="1514054633" sldId="389"/>
-        </pc:sldMkLst>
-        <pc:spChg chg="mod">
-          <ac:chgData name="Luis Fernando Rodriguez Gutierrez" userId="47d13518-703e-4604-b449-ba54b8feb907" providerId="ADAL" clId="{3092E590-2950-4AEC-9D42-F023B2ED0D8C}" dt="2025-04-23T12:12:02.917" v="516" actId="255"/>
-          <ac:spMkLst>
-            <pc:docMk/>
-            <pc:sldMk cId="1514054633" sldId="389"/>
-            <ac:spMk id="2" creationId="{35FDF0E7-D8BC-85D7-1123-C7E3D5776626}"/>
-          </ac:spMkLst>
-        </pc:spChg>
-        <pc:picChg chg="add mod">
-          <ac:chgData name="Luis Fernando Rodriguez Gutierrez" userId="47d13518-703e-4604-b449-ba54b8feb907" providerId="ADAL" clId="{3092E590-2950-4AEC-9D42-F023B2ED0D8C}" dt="2025-04-23T12:12:13.623" v="520" actId="1076"/>
-          <ac:picMkLst>
-            <pc:docMk/>
-            <pc:sldMk cId="1514054633" sldId="389"/>
-            <ac:picMk id="7" creationId="{F99B2DA4-6175-81A1-AE4C-F587DC7B6DE1}"/>
-          </ac:picMkLst>
-        </pc:picChg>
-        <pc:picChg chg="mod">
-          <ac:chgData name="Luis Fernando Rodriguez Gutierrez" userId="47d13518-703e-4604-b449-ba54b8feb907" providerId="ADAL" clId="{3092E590-2950-4AEC-9D42-F023B2ED0D8C}" dt="2025-04-23T12:12:10.738" v="518" actId="1076"/>
-          <ac:picMkLst>
-            <pc:docMk/>
-            <pc:sldMk cId="1514054633" sldId="389"/>
-            <ac:picMk id="8" creationId="{2BDEC897-8485-A978-9247-0936409E7B9B}"/>
-          </ac:picMkLst>
-        </pc:picChg>
-        <pc:picChg chg="add mod">
-          <ac:chgData name="Luis Fernando Rodriguez Gutierrez" userId="47d13518-703e-4604-b449-ba54b8feb907" providerId="ADAL" clId="{3092E590-2950-4AEC-9D42-F023B2ED0D8C}" dt="2025-04-23T12:12:12.050" v="519" actId="1076"/>
-          <ac:picMkLst>
-            <pc:docMk/>
-            <pc:sldMk cId="1514054633" sldId="389"/>
-            <ac:picMk id="10" creationId="{B89C68D7-BD55-CDFC-8033-23E1ED388590}"/>
-          </ac:picMkLst>
-        </pc:picChg>
-        <pc:picChg chg="add mod">
-          <ac:chgData name="Luis Fernando Rodriguez Gutierrez" userId="47d13518-703e-4604-b449-ba54b8feb907" providerId="ADAL" clId="{3092E590-2950-4AEC-9D42-F023B2ED0D8C}" dt="2025-04-23T12:12:08.937" v="517" actId="1076"/>
-          <ac:picMkLst>
-            <pc:docMk/>
-            <pc:sldMk cId="1514054633" sldId="389"/>
-            <ac:picMk id="12" creationId="{0585829A-D580-5B91-83D2-F1E9E666DB2F}"/>
-          </ac:picMkLst>
-        </pc:picChg>
-      </pc:sldChg>
-      <pc:sldMasterChg chg="modSp mod">
-        <pc:chgData name="Luis Fernando Rodriguez Gutierrez" userId="47d13518-703e-4604-b449-ba54b8feb907" providerId="ADAL" clId="{3092E590-2950-4AEC-9D42-F023B2ED0D8C}" dt="2025-04-19T14:25:51.835" v="319" actId="20577"/>
-        <pc:sldMasterMkLst>
-          <pc:docMk/>
-          <pc:sldMasterMk cId="2209977519" sldId="2147483648"/>
-        </pc:sldMasterMkLst>
-        <pc:spChg chg="mod">
-          <ac:chgData name="Luis Fernando Rodriguez Gutierrez" userId="47d13518-703e-4604-b449-ba54b8feb907" providerId="ADAL" clId="{3092E590-2950-4AEC-9D42-F023B2ED0D8C}" dt="2025-04-19T14:25:51.835" v="319" actId="20577"/>
-          <ac:spMkLst>
-            <pc:docMk/>
-            <pc:sldMasterMk cId="2209977519" sldId="2147483648"/>
-            <ac:spMk id="9" creationId="{7CA9A25C-C535-0599-C8A4-D29B5CE4C20B}"/>
-          </ac:spMkLst>
-        </pc:spChg>
-      </pc:sldMasterChg>
-    </pc:docChg>
-  </pc:docChgLst>
 </pc:chgInfo>
 </file>
 
@@ -1273,7 +1288,7 @@
           <a:p>
             <a:fld id="{914561EA-877F-40EB-BD03-9F9D93CF8F08}" type="datetimeFigureOut">
               <a:rPr lang="en-US" smtClean="0"/>
-              <a:t>5/5/2025</a:t>
+              <a:t>8/11/2025</a:t>
             </a:fld>
             <a:endParaRPr lang="en-US"/>
           </a:p>
@@ -1803,7 +1818,7 @@
           <a:p>
             <a:fld id="{AFA779F1-D9BB-4E74-86A2-2DC123167359}" type="datetime1">
               <a:rPr lang="en-US" smtClean="0"/>
-              <a:t>5/5/2025</a:t>
+              <a:t>8/11/2025</a:t>
             </a:fld>
             <a:endParaRPr lang="en-US" dirty="0"/>
           </a:p>
@@ -1979,7 +1994,7 @@
           <a:p>
             <a:fld id="{BD548D2B-CE3E-4EDD-9649-B6EE9E3C2340}" type="datetime1">
               <a:rPr lang="en-US" smtClean="0"/>
-              <a:t>5/5/2025</a:t>
+              <a:t>8/11/2025</a:t>
             </a:fld>
             <a:endParaRPr lang="en-US"/>
           </a:p>
@@ -2165,7 +2180,7 @@
           <a:p>
             <a:fld id="{ACEBBA4F-0F17-4FF1-AA6C-E0193917BC1E}" type="datetime1">
               <a:rPr lang="en-US" smtClean="0"/>
-              <a:t>5/5/2025</a:t>
+              <a:t>8/11/2025</a:t>
             </a:fld>
             <a:endParaRPr lang="en-US"/>
           </a:p>
@@ -2341,7 +2356,7 @@
           <a:p>
             <a:fld id="{0EFBEC3F-4208-4590-BA97-4119A385DFD9}" type="datetime1">
               <a:rPr lang="en-US" smtClean="0"/>
-              <a:t>5/5/2025</a:t>
+              <a:t>8/11/2025</a:t>
             </a:fld>
             <a:endParaRPr lang="en-US"/>
           </a:p>
@@ -2594,7 +2609,7 @@
           <a:p>
             <a:fld id="{B2D760EB-C9A5-467F-AA36-B176C44BCBF1}" type="datetime1">
               <a:rPr lang="en-US" smtClean="0"/>
-              <a:t>5/5/2025</a:t>
+              <a:t>8/11/2025</a:t>
             </a:fld>
             <a:endParaRPr lang="en-US"/>
           </a:p>
@@ -2887,7 +2902,7 @@
           <a:p>
             <a:fld id="{1C9B5E61-6324-405D-8AF5-05323E47D966}" type="datetime1">
               <a:rPr lang="en-US" smtClean="0"/>
-              <a:t>5/5/2025</a:t>
+              <a:t>8/11/2025</a:t>
             </a:fld>
             <a:endParaRPr lang="en-US"/>
           </a:p>
@@ -3314,7 +3329,7 @@
           <a:p>
             <a:fld id="{4A37807E-A869-4435-A051-311AEF96909D}" type="datetime1">
               <a:rPr lang="en-US" smtClean="0"/>
-              <a:t>5/5/2025</a:t>
+              <a:t>8/11/2025</a:t>
             </a:fld>
             <a:endParaRPr lang="en-US"/>
           </a:p>
@@ -3439,7 +3454,7 @@
           <a:p>
             <a:fld id="{1BC8686A-CD31-4B11-9B8F-A51012174BB0}" type="datetime1">
               <a:rPr lang="en-US" smtClean="0"/>
-              <a:t>5/5/2025</a:t>
+              <a:t>8/11/2025</a:t>
             </a:fld>
             <a:endParaRPr lang="en-US"/>
           </a:p>
@@ -3542,7 +3557,7 @@
           <a:p>
             <a:fld id="{4F4B4EA3-50E0-4631-85EF-BDA8608D293F}" type="datetime1">
               <a:rPr lang="en-US" smtClean="0"/>
-              <a:t>5/5/2025</a:t>
+              <a:t>8/11/2025</a:t>
             </a:fld>
             <a:endParaRPr lang="en-US"/>
           </a:p>
@@ -3825,7 +3840,7 @@
           <a:p>
             <a:fld id="{4BA8B4E6-89B0-4D9D-AC8C-3B8ECDAACC34}" type="datetime1">
               <a:rPr lang="en-US" smtClean="0"/>
-              <a:t>5/5/2025</a:t>
+              <a:t>8/11/2025</a:t>
             </a:fld>
             <a:endParaRPr lang="en-US"/>
           </a:p>
@@ -4085,7 +4100,7 @@
           <a:p>
             <a:fld id="{0A1BBC16-5931-43C3-BDFF-9B248A400D54}" type="datetime1">
               <a:rPr lang="en-US" smtClean="0"/>
-              <a:t>5/5/2025</a:t>
+              <a:t>8/11/2025</a:t>
             </a:fld>
             <a:endParaRPr lang="en-US"/>
           </a:p>
@@ -4396,7 +4411,7 @@
           <a:p>
             <a:fld id="{A7143E5B-78DF-476F-8A09-9FD612E00067}" type="datetime1">
               <a:rPr lang="en-US" smtClean="0"/>
-              <a:t>5/5/2025</a:t>
+              <a:t>8/11/2025</a:t>
             </a:fld>
             <a:endParaRPr lang="en-US" dirty="0"/>
           </a:p>
@@ -4931,7 +4946,7 @@
           <a:p>
             <a:fld id="{1FF5D759-AFA5-4CA4-8536-68E39A72291A}" type="datetime1">
               <a:rPr lang="en-US" smtClean="0"/>
-              <a:t>5/5/2025</a:t>
+              <a:t>8/11/2025</a:t>
             </a:fld>
             <a:endParaRPr lang="en-US" dirty="0"/>
           </a:p>
@@ -5033,7 +5048,7 @@
           <a:p>
             <a:fld id="{0EFBEC3F-4208-4590-BA97-4119A385DFD9}" type="datetime1">
               <a:rPr lang="en-US" smtClean="0"/>
-              <a:t>5/5/2025</a:t>
+              <a:t>8/11/2025</a:t>
             </a:fld>
             <a:endParaRPr lang="en-US"/>
           </a:p>
@@ -5188,7 +5203,7 @@
           <a:p>
             <a:fld id="{0EFBEC3F-4208-4590-BA97-4119A385DFD9}" type="datetime1">
               <a:rPr lang="en-US" smtClean="0"/>
-              <a:t>5/5/2025</a:t>
+              <a:t>8/11/2025</a:t>
             </a:fld>
             <a:endParaRPr lang="en-US"/>
           </a:p>
@@ -5373,7 +5388,7 @@
           <a:p>
             <a:fld id="{0EFBEC3F-4208-4590-BA97-4119A385DFD9}" type="datetime1">
               <a:rPr lang="en-US" smtClean="0"/>
-              <a:t>5/5/2025</a:t>
+              <a:t>8/11/2025</a:t>
             </a:fld>
             <a:endParaRPr lang="en-US"/>
           </a:p>
@@ -5553,13 +5568,24 @@
         <p:spPr/>
         <p:txBody>
           <a:bodyPr>
-            <a:normAutofit/>
+            <a:normAutofit fontScale="90000"/>
           </a:bodyPr>
           <a:lstStyle/>
           <a:p>
             <a:r>
               <a:rPr lang="en-US" dirty="0"/>
-              <a:t>Period Highlight - #</a:t>
+              <a:t>Period Highlight </a:t>
+            </a:r>
+            <a:r>
+              <a:rPr lang="en-US"/>
+              <a:t>– 8</a:t>
+            </a:r>
+            <a:br>
+              <a:rPr lang="en-US" dirty="0"/>
+            </a:br>
+            <a:r>
+              <a:rPr lang="en-US" sz="3200" dirty="0"/>
+              <a:t>Software Implementations</a:t>
             </a:r>
           </a:p>
         </p:txBody>
@@ -5582,10 +5608,57 @@
         </p:nvSpPr>
         <p:spPr/>
         <p:txBody>
-          <a:bodyPr/>
-          <a:lstStyle/>
-          <a:p>
-            <a:endParaRPr lang="en-US"/>
+          <a:bodyPr>
+            <a:normAutofit fontScale="92500" lnSpcReduction="10000"/>
+          </a:bodyPr>
+          <a:lstStyle/>
+          <a:p>
+            <a:r>
+              <a:rPr lang="en-US" dirty="0"/>
+              <a:t>Cluster tracking</a:t>
+            </a:r>
+          </a:p>
+          <a:p>
+            <a:pPr lvl="1"/>
+            <a:r>
+              <a:rPr lang="en-US" dirty="0"/>
+              <a:t>Still under refinement.</a:t>
+            </a:r>
+          </a:p>
+          <a:p>
+            <a:pPr lvl="1"/>
+            <a:r>
+              <a:rPr lang="en-US" dirty="0"/>
+              <a:t>Tracking clusters using Euclidean distance to determine a unique ID.</a:t>
+            </a:r>
+          </a:p>
+          <a:p>
+            <a:pPr lvl="1"/>
+            <a:r>
+              <a:rPr lang="en-US" dirty="0"/>
+              <a:t>Possible future implementation, using linear regression or polynomial regression accepting error.</a:t>
+            </a:r>
+          </a:p>
+          <a:p>
+            <a:pPr lvl="2"/>
+            <a:r>
+              <a:rPr lang="en-US" dirty="0"/>
+              <a:t>Following a straight line a cluster that has been detected at least 2 times by Euclidean distance tracking.</a:t>
+            </a:r>
+          </a:p>
+          <a:p>
+            <a:pPr lvl="2"/>
+            <a:r>
+              <a:rPr lang="en-US" dirty="0"/>
+              <a:t>Use that line to track future Clusters to assign the unique ID.</a:t>
+            </a:r>
+          </a:p>
+          <a:p>
+            <a:pPr lvl="3"/>
+            <a:r>
+              <a:rPr lang="en-US" dirty="0"/>
+              <a:t>Avoid tracking once the cluster is in a certain distance from target.</a:t>
+            </a:r>
           </a:p>
         </p:txBody>
       </p:sp>
@@ -5612,7 +5685,7 @@
           <a:p>
             <a:fld id="{0EFBEC3F-4208-4590-BA97-4119A385DFD9}" type="datetime1">
               <a:rPr lang="en-US" smtClean="0"/>
-              <a:t>5/5/2025</a:t>
+              <a:t>8/11/2025</a:t>
             </a:fld>
             <a:endParaRPr lang="en-US"/>
           </a:p>
@@ -5650,7 +5723,7 @@
     </p:spTree>
     <p:extLst>
       <p:ext uri="{BB962C8B-B14F-4D97-AF65-F5344CB8AC3E}">
-        <p14:creationId xmlns:p14="http://schemas.microsoft.com/office/powerpoint/2010/main" val="2017968030"/>
+        <p14:creationId xmlns:p14="http://schemas.microsoft.com/office/powerpoint/2010/main" val="1640075327"/>
       </p:ext>
     </p:extLst>
   </p:cSld>
@@ -5668,7 +5741,7 @@
         <p:cNvPr id="1" name="">
           <a:extLst>
             <a:ext uri="{FF2B5EF4-FFF2-40B4-BE49-F238E27FC236}">
-              <a16:creationId xmlns:a16="http://schemas.microsoft.com/office/drawing/2014/main" id="{D9E21E86-C1EF-3DA2-77C9-D6FFF6003A6E}"/>
+              <a16:creationId xmlns:a16="http://schemas.microsoft.com/office/drawing/2014/main" id="{35ECBF7A-74F9-D60B-7E2E-AE629A3262CC}"/>
             </a:ext>
           </a:extLst>
         </p:cNvPr>
@@ -5688,7 +5761,7 @@
           <p:cNvPr id="2" name="Title 1">
             <a:extLst>
               <a:ext uri="{FF2B5EF4-FFF2-40B4-BE49-F238E27FC236}">
-                <a16:creationId xmlns:a16="http://schemas.microsoft.com/office/drawing/2014/main" id="{8B9CB0E3-168F-015C-2776-B3A4A494F546}"/>
+                <a16:creationId xmlns:a16="http://schemas.microsoft.com/office/drawing/2014/main" id="{132006DD-F459-E41D-9D42-99A720465D01}"/>
               </a:ext>
             </a:extLst>
           </p:cNvPr>
@@ -5702,13 +5775,20 @@
         <p:spPr/>
         <p:txBody>
           <a:bodyPr>
-            <a:normAutofit/>
+            <a:normAutofit fontScale="90000"/>
           </a:bodyPr>
           <a:lstStyle/>
           <a:p>
             <a:r>
               <a:rPr lang="en-US" dirty="0"/>
-              <a:t>Period Highlight - #</a:t>
+              <a:t>Period Highlight – 8</a:t>
+            </a:r>
+            <a:br>
+              <a:rPr lang="en-US" dirty="0"/>
+            </a:br>
+            <a:r>
+              <a:rPr lang="en-US" sz="3200" dirty="0"/>
+              <a:t>Software Implementations</a:t>
             </a:r>
           </a:p>
         </p:txBody>
@@ -5718,7 +5798,7 @@
           <p:cNvPr id="3" name="Content Placeholder 2">
             <a:extLst>
               <a:ext uri="{FF2B5EF4-FFF2-40B4-BE49-F238E27FC236}">
-                <a16:creationId xmlns:a16="http://schemas.microsoft.com/office/drawing/2014/main" id="{F4771035-D5C1-2F83-D3EE-6DA5A08633A3}"/>
+                <a16:creationId xmlns:a16="http://schemas.microsoft.com/office/drawing/2014/main" id="{44331294-BB96-EE6B-09E9-EF64C65DA179}"/>
               </a:ext>
             </a:extLst>
           </p:cNvPr>
@@ -5734,7 +5814,29 @@
           <a:bodyPr/>
           <a:lstStyle/>
           <a:p>
-            <a:endParaRPr lang="en-US"/>
+            <a:r>
+              <a:rPr lang="en-US" dirty="0"/>
+              <a:t>Cluster per Cluster ICP</a:t>
+            </a:r>
+          </a:p>
+          <a:p>
+            <a:pPr lvl="1"/>
+            <a:r>
+              <a:rPr lang="en-US" dirty="0"/>
+              <a:t>Whole scan vs </a:t>
+            </a:r>
+            <a:r>
+              <a:rPr lang="en-US" dirty="0" err="1"/>
+              <a:t>CpC</a:t>
+            </a:r>
+            <a:r>
+              <a:rPr lang="en-US" dirty="0"/>
+              <a:t> (Cluster per Cluster).</a:t>
+            </a:r>
+          </a:p>
+          <a:p>
+            <a:pPr lvl="1"/>
+            <a:endParaRPr lang="en-US" dirty="0"/>
           </a:p>
         </p:txBody>
       </p:sp>
@@ -5743,7 +5845,7 @@
           <p:cNvPr id="4" name="Date Placeholder 3">
             <a:extLst>
               <a:ext uri="{FF2B5EF4-FFF2-40B4-BE49-F238E27FC236}">
-                <a16:creationId xmlns:a16="http://schemas.microsoft.com/office/drawing/2014/main" id="{511CA94A-D74E-F4FB-E3C8-86963ACCA4F6}"/>
+                <a16:creationId xmlns:a16="http://schemas.microsoft.com/office/drawing/2014/main" id="{3784AC1A-BD6A-75F5-A404-DFC45510CE74}"/>
               </a:ext>
             </a:extLst>
           </p:cNvPr>
@@ -5761,7 +5863,7 @@
           <a:p>
             <a:fld id="{0EFBEC3F-4208-4590-BA97-4119A385DFD9}" type="datetime1">
               <a:rPr lang="en-US" smtClean="0"/>
-              <a:t>5/5/2025</a:t>
+              <a:t>8/11/2025</a:t>
             </a:fld>
             <a:endParaRPr lang="en-US"/>
           </a:p>
@@ -5772,7 +5874,7 @@
           <p:cNvPr id="5" name="Slide Number Placeholder 4">
             <a:extLst>
               <a:ext uri="{FF2B5EF4-FFF2-40B4-BE49-F238E27FC236}">
-                <a16:creationId xmlns:a16="http://schemas.microsoft.com/office/drawing/2014/main" id="{AD09FB45-B740-A0A6-5BA7-AC6C7249CC05}"/>
+                <a16:creationId xmlns:a16="http://schemas.microsoft.com/office/drawing/2014/main" id="{E8BA67D0-807A-EE5D-1472-A40343461727}"/>
               </a:ext>
             </a:extLst>
           </p:cNvPr>
@@ -5796,10 +5898,1378 @@
           </a:p>
         </p:txBody>
       </p:sp>
+      <p:sp>
+        <p:nvSpPr>
+          <p:cNvPr id="6" name="AutoShape 2">
+            <a:extLst>
+              <a:ext uri="{FF2B5EF4-FFF2-40B4-BE49-F238E27FC236}">
+                <a16:creationId xmlns:a16="http://schemas.microsoft.com/office/drawing/2014/main" id="{9BF1E706-96F5-437E-559A-548D1CAF5516}"/>
+              </a:ext>
+            </a:extLst>
+          </p:cNvPr>
+          <p:cNvSpPr>
+            <a:spLocks noChangeAspect="1" noChangeArrowheads="1"/>
+          </p:cNvSpPr>
+          <p:nvPr/>
+        </p:nvSpPr>
+        <p:spPr bwMode="auto">
+          <a:xfrm>
+            <a:off x="4419600" y="3276600"/>
+            <a:ext cx="304800" cy="304800"/>
+          </a:xfrm>
+          <a:prstGeom prst="rect">
+            <a:avLst/>
+          </a:prstGeom>
+          <a:noFill/>
+          <a:extLst>
+            <a:ext uri="{909E8E84-426E-40DD-AFC4-6F175D3DCCD1}">
+              <a14:hiddenFill xmlns:a14="http://schemas.microsoft.com/office/drawing/2010/main">
+                <a:solidFill>
+                  <a:srgbClr val="FFFFFF"/>
+                </a:solidFill>
+              </a14:hiddenFill>
+            </a:ext>
+          </a:extLst>
+        </p:spPr>
+        <p:txBody>
+          <a:bodyPr vert="horz" wrap="square" lIns="91440" tIns="45720" rIns="91440" bIns="45720" numCol="1" anchor="t" anchorCtr="0" compatLnSpc="1">
+            <a:prstTxWarp prst="textNoShape">
+              <a:avLst/>
+            </a:prstTxWarp>
+          </a:bodyPr>
+          <a:lstStyle/>
+          <a:p>
+            <a:endParaRPr lang="en-US"/>
+          </a:p>
+        </p:txBody>
+      </p:sp>
+      <p:pic>
+        <p:nvPicPr>
+          <p:cNvPr id="8" name="Picture 7" descr="A white paper with black text&#10;&#10;AI-generated content may be incorrect.">
+            <a:extLst>
+              <a:ext uri="{FF2B5EF4-FFF2-40B4-BE49-F238E27FC236}">
+                <a16:creationId xmlns:a16="http://schemas.microsoft.com/office/drawing/2014/main" id="{2C9ED825-BA40-3EF7-C2E4-B6DADD23265E}"/>
+              </a:ext>
+            </a:extLst>
+          </p:cNvPr>
+          <p:cNvPicPr>
+            <a:picLocks noChangeAspect="1"/>
+          </p:cNvPicPr>
+          <p:nvPr/>
+        </p:nvPicPr>
+        <p:blipFill>
+          <a:blip r:embed="rId2"/>
+          <a:srcRect t="19808" b="22176"/>
+          <a:stretch>
+            <a:fillRect/>
+          </a:stretch>
+        </p:blipFill>
+        <p:spPr>
+          <a:xfrm rot="16200000">
+            <a:off x="2338446" y="2595994"/>
+            <a:ext cx="3655372" cy="3770089"/>
+          </a:xfrm>
+          <a:prstGeom prst="rect">
+            <a:avLst/>
+          </a:prstGeom>
+        </p:spPr>
+      </p:pic>
     </p:spTree>
     <p:extLst>
       <p:ext uri="{BB962C8B-B14F-4D97-AF65-F5344CB8AC3E}">
-        <p14:creationId xmlns:p14="http://schemas.microsoft.com/office/powerpoint/2010/main" val="3506300580"/>
+        <p14:creationId xmlns:p14="http://schemas.microsoft.com/office/powerpoint/2010/main" val="2737885104"/>
+      </p:ext>
+    </p:extLst>
+  </p:cSld>
+  <p:clrMapOvr>
+    <a:masterClrMapping/>
+  </p:clrMapOvr>
+</p:sld>
+</file>
+
+<file path=ppt/slides/slide15.xml><?xml version="1.0" encoding="utf-8"?>
+<p:sld xmlns:a="http://schemas.openxmlformats.org/drawingml/2006/main" xmlns:r="http://schemas.openxmlformats.org/officeDocument/2006/relationships" xmlns:p="http://schemas.openxmlformats.org/presentationml/2006/main">
+  <p:cSld>
+    <p:spTree>
+      <p:nvGrpSpPr>
+        <p:cNvPr id="1" name="">
+          <a:extLst>
+            <a:ext uri="{FF2B5EF4-FFF2-40B4-BE49-F238E27FC236}">
+              <a16:creationId xmlns:a16="http://schemas.microsoft.com/office/drawing/2014/main" id="{A9701889-7642-6B27-7A60-64548DEA1B0B}"/>
+            </a:ext>
+          </a:extLst>
+        </p:cNvPr>
+        <p:cNvGrpSpPr/>
+        <p:nvPr/>
+      </p:nvGrpSpPr>
+      <p:grpSpPr>
+        <a:xfrm>
+          <a:off x="0" y="0"/>
+          <a:ext cx="0" cy="0"/>
+          <a:chOff x="0" y="0"/>
+          <a:chExt cx="0" cy="0"/>
+        </a:xfrm>
+      </p:grpSpPr>
+      <p:sp>
+        <p:nvSpPr>
+          <p:cNvPr id="2" name="Title 1">
+            <a:extLst>
+              <a:ext uri="{FF2B5EF4-FFF2-40B4-BE49-F238E27FC236}">
+                <a16:creationId xmlns:a16="http://schemas.microsoft.com/office/drawing/2014/main" id="{8F09D382-C6AC-8A25-822F-A3F4273D3AB8}"/>
+              </a:ext>
+            </a:extLst>
+          </p:cNvPr>
+          <p:cNvSpPr>
+            <a:spLocks noGrp="1"/>
+          </p:cNvSpPr>
+          <p:nvPr>
+            <p:ph type="title"/>
+          </p:nvPr>
+        </p:nvSpPr>
+        <p:spPr/>
+        <p:txBody>
+          <a:bodyPr>
+            <a:normAutofit fontScale="90000"/>
+          </a:bodyPr>
+          <a:lstStyle/>
+          <a:p>
+            <a:r>
+              <a:rPr lang="en-US" dirty="0"/>
+              <a:t>Period Highlight – 8</a:t>
+            </a:r>
+            <a:br>
+              <a:rPr lang="en-US" dirty="0"/>
+            </a:br>
+            <a:r>
+              <a:rPr lang="en-US" sz="3200" dirty="0"/>
+              <a:t>Software Implementations</a:t>
+            </a:r>
+          </a:p>
+        </p:txBody>
+      </p:sp>
+      <p:sp>
+        <p:nvSpPr>
+          <p:cNvPr id="3" name="Content Placeholder 2">
+            <a:extLst>
+              <a:ext uri="{FF2B5EF4-FFF2-40B4-BE49-F238E27FC236}">
+                <a16:creationId xmlns:a16="http://schemas.microsoft.com/office/drawing/2014/main" id="{09631628-5A00-CC45-88C5-A222A0887BFF}"/>
+              </a:ext>
+            </a:extLst>
+          </p:cNvPr>
+          <p:cNvSpPr>
+            <a:spLocks noGrp="1"/>
+          </p:cNvSpPr>
+          <p:nvPr>
+            <p:ph idx="1"/>
+          </p:nvPr>
+        </p:nvSpPr>
+        <p:spPr/>
+        <p:txBody>
+          <a:bodyPr/>
+          <a:lstStyle/>
+          <a:p>
+            <a:r>
+              <a:rPr lang="en-US" dirty="0"/>
+              <a:t>Cluster per Cluster Analysis</a:t>
+            </a:r>
+          </a:p>
+          <a:p>
+            <a:pPr lvl="1"/>
+            <a:endParaRPr lang="en-US" dirty="0"/>
+          </a:p>
+        </p:txBody>
+      </p:sp>
+      <p:sp>
+        <p:nvSpPr>
+          <p:cNvPr id="4" name="Date Placeholder 3">
+            <a:extLst>
+              <a:ext uri="{FF2B5EF4-FFF2-40B4-BE49-F238E27FC236}">
+                <a16:creationId xmlns:a16="http://schemas.microsoft.com/office/drawing/2014/main" id="{9D25538C-23B0-6588-3C11-5A9686C14180}"/>
+              </a:ext>
+            </a:extLst>
+          </p:cNvPr>
+          <p:cNvSpPr>
+            <a:spLocks noGrp="1"/>
+          </p:cNvSpPr>
+          <p:nvPr>
+            <p:ph type="dt" sz="half" idx="10"/>
+          </p:nvPr>
+        </p:nvSpPr>
+        <p:spPr/>
+        <p:txBody>
+          <a:bodyPr/>
+          <a:lstStyle/>
+          <a:p>
+            <a:fld id="{0EFBEC3F-4208-4590-BA97-4119A385DFD9}" type="datetime1">
+              <a:rPr lang="en-US" smtClean="0"/>
+              <a:t>8/11/2025</a:t>
+            </a:fld>
+            <a:endParaRPr lang="en-US"/>
+          </a:p>
+        </p:txBody>
+      </p:sp>
+      <p:sp>
+        <p:nvSpPr>
+          <p:cNvPr id="5" name="Slide Number Placeholder 4">
+            <a:extLst>
+              <a:ext uri="{FF2B5EF4-FFF2-40B4-BE49-F238E27FC236}">
+                <a16:creationId xmlns:a16="http://schemas.microsoft.com/office/drawing/2014/main" id="{650017A4-8C68-D162-7E59-67F6A2462D58}"/>
+              </a:ext>
+            </a:extLst>
+          </p:cNvPr>
+          <p:cNvSpPr>
+            <a:spLocks noGrp="1"/>
+          </p:cNvSpPr>
+          <p:nvPr>
+            <p:ph type="sldNum" sz="quarter" idx="12"/>
+          </p:nvPr>
+        </p:nvSpPr>
+        <p:spPr/>
+        <p:txBody>
+          <a:bodyPr/>
+          <a:lstStyle/>
+          <a:p>
+            <a:fld id="{C1FF6DA9-008F-8B48-92A6-B652298478BF}" type="slidenum">
+              <a:rPr lang="en-US" smtClean="0"/>
+              <a:t>15</a:t>
+            </a:fld>
+            <a:endParaRPr lang="en-US"/>
+          </a:p>
+        </p:txBody>
+      </p:sp>
+      <p:sp>
+        <p:nvSpPr>
+          <p:cNvPr id="6" name="AutoShape 2">
+            <a:extLst>
+              <a:ext uri="{FF2B5EF4-FFF2-40B4-BE49-F238E27FC236}">
+                <a16:creationId xmlns:a16="http://schemas.microsoft.com/office/drawing/2014/main" id="{3496717D-0068-9CA8-8102-C56A80005F8D}"/>
+              </a:ext>
+            </a:extLst>
+          </p:cNvPr>
+          <p:cNvSpPr>
+            <a:spLocks noChangeAspect="1" noChangeArrowheads="1"/>
+          </p:cNvSpPr>
+          <p:nvPr/>
+        </p:nvSpPr>
+        <p:spPr bwMode="auto">
+          <a:xfrm>
+            <a:off x="4419600" y="3276600"/>
+            <a:ext cx="304800" cy="304800"/>
+          </a:xfrm>
+          <a:prstGeom prst="rect">
+            <a:avLst/>
+          </a:prstGeom>
+          <a:noFill/>
+          <a:extLst>
+            <a:ext uri="{909E8E84-426E-40DD-AFC4-6F175D3DCCD1}">
+              <a14:hiddenFill xmlns:a14="http://schemas.microsoft.com/office/drawing/2010/main">
+                <a:solidFill>
+                  <a:srgbClr val="FFFFFF"/>
+                </a:solidFill>
+              </a14:hiddenFill>
+            </a:ext>
+          </a:extLst>
+        </p:spPr>
+        <p:txBody>
+          <a:bodyPr vert="horz" wrap="square" lIns="91440" tIns="45720" rIns="91440" bIns="45720" numCol="1" anchor="t" anchorCtr="0" compatLnSpc="1">
+            <a:prstTxWarp prst="textNoShape">
+              <a:avLst/>
+            </a:prstTxWarp>
+          </a:bodyPr>
+          <a:lstStyle/>
+          <a:p>
+            <a:endParaRPr lang="en-US"/>
+          </a:p>
+        </p:txBody>
+      </p:sp>
+      <p:pic>
+        <p:nvPicPr>
+          <p:cNvPr id="10" name="Picture 9">
+            <a:extLst>
+              <a:ext uri="{FF2B5EF4-FFF2-40B4-BE49-F238E27FC236}">
+                <a16:creationId xmlns:a16="http://schemas.microsoft.com/office/drawing/2014/main" id="{03FC2286-6758-79F6-9AA8-713410357037}"/>
+              </a:ext>
+            </a:extLst>
+          </p:cNvPr>
+          <p:cNvPicPr>
+            <a:picLocks noChangeAspect="1"/>
+          </p:cNvPicPr>
+          <p:nvPr/>
+        </p:nvPicPr>
+        <p:blipFill>
+          <a:blip r:embed="rId2"/>
+          <a:srcRect l="3687"/>
+          <a:stretch>
+            <a:fillRect/>
+          </a:stretch>
+        </p:blipFill>
+        <p:spPr>
+          <a:xfrm>
+            <a:off x="589935" y="2389238"/>
+            <a:ext cx="2774136" cy="3886149"/>
+          </a:xfrm>
+          <a:prstGeom prst="rect">
+            <a:avLst/>
+          </a:prstGeom>
+        </p:spPr>
+      </p:pic>
+      <p:pic>
+        <p:nvPicPr>
+          <p:cNvPr id="12" name="Picture 11">
+            <a:extLst>
+              <a:ext uri="{FF2B5EF4-FFF2-40B4-BE49-F238E27FC236}">
+                <a16:creationId xmlns:a16="http://schemas.microsoft.com/office/drawing/2014/main" id="{69BF1730-5DF7-8E53-38D3-42EE9F7BD2E9}"/>
+              </a:ext>
+            </a:extLst>
+          </p:cNvPr>
+          <p:cNvPicPr>
+            <a:picLocks noChangeAspect="1"/>
+          </p:cNvPicPr>
+          <p:nvPr/>
+        </p:nvPicPr>
+        <p:blipFill>
+          <a:blip r:embed="rId3"/>
+          <a:stretch>
+            <a:fillRect/>
+          </a:stretch>
+        </p:blipFill>
+        <p:spPr>
+          <a:xfrm>
+            <a:off x="4225210" y="2389238"/>
+            <a:ext cx="2880323" cy="3886150"/>
+          </a:xfrm>
+          <a:prstGeom prst="rect">
+            <a:avLst/>
+          </a:prstGeom>
+        </p:spPr>
+      </p:pic>
+    </p:spTree>
+    <p:extLst>
+      <p:ext uri="{BB962C8B-B14F-4D97-AF65-F5344CB8AC3E}">
+        <p14:creationId xmlns:p14="http://schemas.microsoft.com/office/powerpoint/2010/main" val="2263782253"/>
+      </p:ext>
+    </p:extLst>
+  </p:cSld>
+  <p:clrMapOvr>
+    <a:masterClrMapping/>
+  </p:clrMapOvr>
+</p:sld>
+</file>
+
+<file path=ppt/slides/slide16.xml><?xml version="1.0" encoding="utf-8"?>
+<p:sld xmlns:a="http://schemas.openxmlformats.org/drawingml/2006/main" xmlns:r="http://schemas.openxmlformats.org/officeDocument/2006/relationships" xmlns:p="http://schemas.openxmlformats.org/presentationml/2006/main">
+  <p:cSld>
+    <p:spTree>
+      <p:nvGrpSpPr>
+        <p:cNvPr id="1" name="">
+          <a:extLst>
+            <a:ext uri="{FF2B5EF4-FFF2-40B4-BE49-F238E27FC236}">
+              <a16:creationId xmlns:a16="http://schemas.microsoft.com/office/drawing/2014/main" id="{8A61F7D2-C203-ED8C-1594-33B30B9821F0}"/>
+            </a:ext>
+          </a:extLst>
+        </p:cNvPr>
+        <p:cNvGrpSpPr/>
+        <p:nvPr/>
+      </p:nvGrpSpPr>
+      <p:grpSpPr>
+        <a:xfrm>
+          <a:off x="0" y="0"/>
+          <a:ext cx="0" cy="0"/>
+          <a:chOff x="0" y="0"/>
+          <a:chExt cx="0" cy="0"/>
+        </a:xfrm>
+      </p:grpSpPr>
+      <p:sp>
+        <p:nvSpPr>
+          <p:cNvPr id="2" name="Title 1">
+            <a:extLst>
+              <a:ext uri="{FF2B5EF4-FFF2-40B4-BE49-F238E27FC236}">
+                <a16:creationId xmlns:a16="http://schemas.microsoft.com/office/drawing/2014/main" id="{8BAA535C-4839-CB21-4D71-79FD3DA72646}"/>
+              </a:ext>
+            </a:extLst>
+          </p:cNvPr>
+          <p:cNvSpPr>
+            <a:spLocks noGrp="1"/>
+          </p:cNvSpPr>
+          <p:nvPr>
+            <p:ph type="title"/>
+          </p:nvPr>
+        </p:nvSpPr>
+        <p:spPr/>
+        <p:txBody>
+          <a:bodyPr>
+            <a:normAutofit fontScale="90000"/>
+          </a:bodyPr>
+          <a:lstStyle/>
+          <a:p>
+            <a:r>
+              <a:rPr lang="en-US" dirty="0"/>
+              <a:t>Period Highlight – 8</a:t>
+            </a:r>
+            <a:br>
+              <a:rPr lang="en-US" dirty="0"/>
+            </a:br>
+            <a:r>
+              <a:rPr lang="en-US" sz="3200" dirty="0"/>
+              <a:t>Software Implementations</a:t>
+            </a:r>
+          </a:p>
+        </p:txBody>
+      </p:sp>
+      <p:sp>
+        <p:nvSpPr>
+          <p:cNvPr id="3" name="Content Placeholder 2">
+            <a:extLst>
+              <a:ext uri="{FF2B5EF4-FFF2-40B4-BE49-F238E27FC236}">
+                <a16:creationId xmlns:a16="http://schemas.microsoft.com/office/drawing/2014/main" id="{287526B8-02D0-1CEC-1747-135F911F8EEB}"/>
+              </a:ext>
+            </a:extLst>
+          </p:cNvPr>
+          <p:cNvSpPr>
+            <a:spLocks noGrp="1"/>
+          </p:cNvSpPr>
+          <p:nvPr>
+            <p:ph idx="1"/>
+          </p:nvPr>
+        </p:nvSpPr>
+        <p:spPr/>
+        <p:txBody>
+          <a:bodyPr/>
+          <a:lstStyle/>
+          <a:p>
+            <a:r>
+              <a:rPr lang="en-US" dirty="0"/>
+              <a:t>Demonstration of the previous analysis.</a:t>
+            </a:r>
+          </a:p>
+          <a:p>
+            <a:pPr lvl="1"/>
+            <a:endParaRPr lang="en-US" dirty="0"/>
+          </a:p>
+        </p:txBody>
+      </p:sp>
+      <p:sp>
+        <p:nvSpPr>
+          <p:cNvPr id="4" name="Date Placeholder 3">
+            <a:extLst>
+              <a:ext uri="{FF2B5EF4-FFF2-40B4-BE49-F238E27FC236}">
+                <a16:creationId xmlns:a16="http://schemas.microsoft.com/office/drawing/2014/main" id="{FBEA531B-918A-16C9-FDCC-FC495A571ADE}"/>
+              </a:ext>
+            </a:extLst>
+          </p:cNvPr>
+          <p:cNvSpPr>
+            <a:spLocks noGrp="1"/>
+          </p:cNvSpPr>
+          <p:nvPr>
+            <p:ph type="dt" sz="half" idx="10"/>
+          </p:nvPr>
+        </p:nvSpPr>
+        <p:spPr/>
+        <p:txBody>
+          <a:bodyPr/>
+          <a:lstStyle/>
+          <a:p>
+            <a:fld id="{0EFBEC3F-4208-4590-BA97-4119A385DFD9}" type="datetime1">
+              <a:rPr lang="en-US" smtClean="0"/>
+              <a:t>8/11/2025</a:t>
+            </a:fld>
+            <a:endParaRPr lang="en-US"/>
+          </a:p>
+        </p:txBody>
+      </p:sp>
+      <p:sp>
+        <p:nvSpPr>
+          <p:cNvPr id="5" name="Slide Number Placeholder 4">
+            <a:extLst>
+              <a:ext uri="{FF2B5EF4-FFF2-40B4-BE49-F238E27FC236}">
+                <a16:creationId xmlns:a16="http://schemas.microsoft.com/office/drawing/2014/main" id="{175159BD-B0D9-0077-F03C-80C400E5870F}"/>
+              </a:ext>
+            </a:extLst>
+          </p:cNvPr>
+          <p:cNvSpPr>
+            <a:spLocks noGrp="1"/>
+          </p:cNvSpPr>
+          <p:nvPr>
+            <p:ph type="sldNum" sz="quarter" idx="12"/>
+          </p:nvPr>
+        </p:nvSpPr>
+        <p:spPr/>
+        <p:txBody>
+          <a:bodyPr/>
+          <a:lstStyle/>
+          <a:p>
+            <a:fld id="{C1FF6DA9-008F-8B48-92A6-B652298478BF}" type="slidenum">
+              <a:rPr lang="en-US" smtClean="0"/>
+              <a:t>16</a:t>
+            </a:fld>
+            <a:endParaRPr lang="en-US"/>
+          </a:p>
+        </p:txBody>
+      </p:sp>
+      <p:sp>
+        <p:nvSpPr>
+          <p:cNvPr id="6" name="AutoShape 2">
+            <a:extLst>
+              <a:ext uri="{FF2B5EF4-FFF2-40B4-BE49-F238E27FC236}">
+                <a16:creationId xmlns:a16="http://schemas.microsoft.com/office/drawing/2014/main" id="{2F206E63-3C73-20F1-644F-0C0678201FCE}"/>
+              </a:ext>
+            </a:extLst>
+          </p:cNvPr>
+          <p:cNvSpPr>
+            <a:spLocks noChangeAspect="1" noChangeArrowheads="1"/>
+          </p:cNvSpPr>
+          <p:nvPr/>
+        </p:nvSpPr>
+        <p:spPr bwMode="auto">
+          <a:xfrm>
+            <a:off x="4419600" y="3276600"/>
+            <a:ext cx="304800" cy="304800"/>
+          </a:xfrm>
+          <a:prstGeom prst="rect">
+            <a:avLst/>
+          </a:prstGeom>
+          <a:noFill/>
+          <a:extLst>
+            <a:ext uri="{909E8E84-426E-40DD-AFC4-6F175D3DCCD1}">
+              <a14:hiddenFill xmlns:a14="http://schemas.microsoft.com/office/drawing/2010/main">
+                <a:solidFill>
+                  <a:srgbClr val="FFFFFF"/>
+                </a:solidFill>
+              </a14:hiddenFill>
+            </a:ext>
+          </a:extLst>
+        </p:spPr>
+        <p:txBody>
+          <a:bodyPr vert="horz" wrap="square" lIns="91440" tIns="45720" rIns="91440" bIns="45720" numCol="1" anchor="t" anchorCtr="0" compatLnSpc="1">
+            <a:prstTxWarp prst="textNoShape">
+              <a:avLst/>
+            </a:prstTxWarp>
+          </a:bodyPr>
+          <a:lstStyle/>
+          <a:p>
+            <a:endParaRPr lang="en-US"/>
+          </a:p>
+        </p:txBody>
+      </p:sp>
+      <p:pic>
+        <p:nvPicPr>
+          <p:cNvPr id="3074" name="Picture 2" descr="Output image">
+            <a:extLst>
+              <a:ext uri="{FF2B5EF4-FFF2-40B4-BE49-F238E27FC236}">
+                <a16:creationId xmlns:a16="http://schemas.microsoft.com/office/drawing/2014/main" id="{849221DC-C064-14B4-33FA-5CB7D007943F}"/>
+              </a:ext>
+            </a:extLst>
+          </p:cNvPr>
+          <p:cNvPicPr>
+            <a:picLocks noChangeAspect="1" noChangeArrowheads="1"/>
+          </p:cNvPicPr>
+          <p:nvPr/>
+        </p:nvPicPr>
+        <p:blipFill>
+          <a:blip r:embed="rId2">
+            <a:extLst>
+              <a:ext uri="{28A0092B-C50C-407E-A947-70E740481C1C}">
+                <a14:useLocalDpi xmlns:a14="http://schemas.microsoft.com/office/drawing/2010/main" val="0"/>
+              </a:ext>
+            </a:extLst>
+          </a:blip>
+          <a:srcRect/>
+          <a:stretch>
+            <a:fillRect/>
+          </a:stretch>
+        </p:blipFill>
+        <p:spPr bwMode="auto">
+          <a:xfrm>
+            <a:off x="2359819" y="2231923"/>
+            <a:ext cx="4213216" cy="4124427"/>
+          </a:xfrm>
+          <a:prstGeom prst="rect">
+            <a:avLst/>
+          </a:prstGeom>
+          <a:noFill/>
+          <a:extLst>
+            <a:ext uri="{909E8E84-426E-40DD-AFC4-6F175D3DCCD1}">
+              <a14:hiddenFill xmlns:a14="http://schemas.microsoft.com/office/drawing/2010/main">
+                <a:solidFill>
+                  <a:srgbClr val="FFFFFF"/>
+                </a:solidFill>
+              </a14:hiddenFill>
+            </a:ext>
+          </a:extLst>
+        </p:spPr>
+      </p:pic>
+    </p:spTree>
+    <p:extLst>
+      <p:ext uri="{BB962C8B-B14F-4D97-AF65-F5344CB8AC3E}">
+        <p14:creationId xmlns:p14="http://schemas.microsoft.com/office/powerpoint/2010/main" val="1843093206"/>
+      </p:ext>
+    </p:extLst>
+  </p:cSld>
+  <p:clrMapOvr>
+    <a:masterClrMapping/>
+  </p:clrMapOvr>
+</p:sld>
+</file>
+
+<file path=ppt/slides/slide17.xml><?xml version="1.0" encoding="utf-8"?>
+<p:sld xmlns:a="http://schemas.openxmlformats.org/drawingml/2006/main" xmlns:r="http://schemas.openxmlformats.org/officeDocument/2006/relationships" xmlns:p="http://schemas.openxmlformats.org/presentationml/2006/main">
+  <p:cSld>
+    <p:spTree>
+      <p:nvGrpSpPr>
+        <p:cNvPr id="1" name="">
+          <a:extLst>
+            <a:ext uri="{FF2B5EF4-FFF2-40B4-BE49-F238E27FC236}">
+              <a16:creationId xmlns:a16="http://schemas.microsoft.com/office/drawing/2014/main" id="{D58F2EF4-B822-3B58-1463-B38A92BCAC5C}"/>
+            </a:ext>
+          </a:extLst>
+        </p:cNvPr>
+        <p:cNvGrpSpPr/>
+        <p:nvPr/>
+      </p:nvGrpSpPr>
+      <p:grpSpPr>
+        <a:xfrm>
+          <a:off x="0" y="0"/>
+          <a:ext cx="0" cy="0"/>
+          <a:chOff x="0" y="0"/>
+          <a:chExt cx="0" cy="0"/>
+        </a:xfrm>
+      </p:grpSpPr>
+      <p:sp>
+        <p:nvSpPr>
+          <p:cNvPr id="2" name="Title 1">
+            <a:extLst>
+              <a:ext uri="{FF2B5EF4-FFF2-40B4-BE49-F238E27FC236}">
+                <a16:creationId xmlns:a16="http://schemas.microsoft.com/office/drawing/2014/main" id="{72B6D791-1351-9CB3-491E-FC8322A0B399}"/>
+              </a:ext>
+            </a:extLst>
+          </p:cNvPr>
+          <p:cNvSpPr>
+            <a:spLocks noGrp="1"/>
+          </p:cNvSpPr>
+          <p:nvPr>
+            <p:ph type="title"/>
+          </p:nvPr>
+        </p:nvSpPr>
+        <p:spPr/>
+        <p:txBody>
+          <a:bodyPr>
+            <a:normAutofit fontScale="90000"/>
+          </a:bodyPr>
+          <a:lstStyle/>
+          <a:p>
+            <a:r>
+              <a:rPr lang="en-US" dirty="0"/>
+              <a:t>Period Highlight – 8</a:t>
+            </a:r>
+            <a:br>
+              <a:rPr lang="en-US" dirty="0"/>
+            </a:br>
+            <a:r>
+              <a:rPr lang="en-US" sz="3200" dirty="0"/>
+              <a:t>Software Implementations</a:t>
+            </a:r>
+          </a:p>
+        </p:txBody>
+      </p:sp>
+      <p:sp>
+        <p:nvSpPr>
+          <p:cNvPr id="3" name="Content Placeholder 2">
+            <a:extLst>
+              <a:ext uri="{FF2B5EF4-FFF2-40B4-BE49-F238E27FC236}">
+                <a16:creationId xmlns:a16="http://schemas.microsoft.com/office/drawing/2014/main" id="{AAA5B113-DB6D-9981-08E1-359B4A31033D}"/>
+              </a:ext>
+            </a:extLst>
+          </p:cNvPr>
+          <p:cNvSpPr>
+            <a:spLocks noGrp="1"/>
+          </p:cNvSpPr>
+          <p:nvPr>
+            <p:ph idx="1"/>
+          </p:nvPr>
+        </p:nvSpPr>
+        <p:spPr/>
+        <p:txBody>
+          <a:bodyPr/>
+          <a:lstStyle/>
+          <a:p>
+            <a:r>
+              <a:rPr lang="en-US" dirty="0"/>
+              <a:t>Demonstration of the previous analysis.</a:t>
+            </a:r>
+          </a:p>
+          <a:p>
+            <a:pPr lvl="1"/>
+            <a:endParaRPr lang="en-US" dirty="0"/>
+          </a:p>
+        </p:txBody>
+      </p:sp>
+      <p:sp>
+        <p:nvSpPr>
+          <p:cNvPr id="4" name="Date Placeholder 3">
+            <a:extLst>
+              <a:ext uri="{FF2B5EF4-FFF2-40B4-BE49-F238E27FC236}">
+                <a16:creationId xmlns:a16="http://schemas.microsoft.com/office/drawing/2014/main" id="{AA86BCFF-C510-F986-B4B9-C8956246E715}"/>
+              </a:ext>
+            </a:extLst>
+          </p:cNvPr>
+          <p:cNvSpPr>
+            <a:spLocks noGrp="1"/>
+          </p:cNvSpPr>
+          <p:nvPr>
+            <p:ph type="dt" sz="half" idx="10"/>
+          </p:nvPr>
+        </p:nvSpPr>
+        <p:spPr/>
+        <p:txBody>
+          <a:bodyPr/>
+          <a:lstStyle/>
+          <a:p>
+            <a:fld id="{0EFBEC3F-4208-4590-BA97-4119A385DFD9}" type="datetime1">
+              <a:rPr lang="en-US" smtClean="0"/>
+              <a:t>8/11/2025</a:t>
+            </a:fld>
+            <a:endParaRPr lang="en-US"/>
+          </a:p>
+        </p:txBody>
+      </p:sp>
+      <p:sp>
+        <p:nvSpPr>
+          <p:cNvPr id="5" name="Slide Number Placeholder 4">
+            <a:extLst>
+              <a:ext uri="{FF2B5EF4-FFF2-40B4-BE49-F238E27FC236}">
+                <a16:creationId xmlns:a16="http://schemas.microsoft.com/office/drawing/2014/main" id="{EAF81237-0BA8-4790-B81C-13F8A266CEED}"/>
+              </a:ext>
+            </a:extLst>
+          </p:cNvPr>
+          <p:cNvSpPr>
+            <a:spLocks noGrp="1"/>
+          </p:cNvSpPr>
+          <p:nvPr>
+            <p:ph type="sldNum" sz="quarter" idx="12"/>
+          </p:nvPr>
+        </p:nvSpPr>
+        <p:spPr/>
+        <p:txBody>
+          <a:bodyPr/>
+          <a:lstStyle/>
+          <a:p>
+            <a:fld id="{C1FF6DA9-008F-8B48-92A6-B652298478BF}" type="slidenum">
+              <a:rPr lang="en-US" smtClean="0"/>
+              <a:t>17</a:t>
+            </a:fld>
+            <a:endParaRPr lang="en-US"/>
+          </a:p>
+        </p:txBody>
+      </p:sp>
+      <p:sp>
+        <p:nvSpPr>
+          <p:cNvPr id="6" name="AutoShape 2">
+            <a:extLst>
+              <a:ext uri="{FF2B5EF4-FFF2-40B4-BE49-F238E27FC236}">
+                <a16:creationId xmlns:a16="http://schemas.microsoft.com/office/drawing/2014/main" id="{2A17A4EE-6890-0577-252E-7E2942491D34}"/>
+              </a:ext>
+            </a:extLst>
+          </p:cNvPr>
+          <p:cNvSpPr>
+            <a:spLocks noChangeAspect="1" noChangeArrowheads="1"/>
+          </p:cNvSpPr>
+          <p:nvPr/>
+        </p:nvSpPr>
+        <p:spPr bwMode="auto">
+          <a:xfrm>
+            <a:off x="4419600" y="3276600"/>
+            <a:ext cx="304800" cy="304800"/>
+          </a:xfrm>
+          <a:prstGeom prst="rect">
+            <a:avLst/>
+          </a:prstGeom>
+          <a:noFill/>
+          <a:extLst>
+            <a:ext uri="{909E8E84-426E-40DD-AFC4-6F175D3DCCD1}">
+              <a14:hiddenFill xmlns:a14="http://schemas.microsoft.com/office/drawing/2010/main">
+                <a:solidFill>
+                  <a:srgbClr val="FFFFFF"/>
+                </a:solidFill>
+              </a14:hiddenFill>
+            </a:ext>
+          </a:extLst>
+        </p:spPr>
+        <p:txBody>
+          <a:bodyPr vert="horz" wrap="square" lIns="91440" tIns="45720" rIns="91440" bIns="45720" numCol="1" anchor="t" anchorCtr="0" compatLnSpc="1">
+            <a:prstTxWarp prst="textNoShape">
+              <a:avLst/>
+            </a:prstTxWarp>
+          </a:bodyPr>
+          <a:lstStyle/>
+          <a:p>
+            <a:endParaRPr lang="en-US"/>
+          </a:p>
+        </p:txBody>
+      </p:sp>
+      <p:pic>
+        <p:nvPicPr>
+          <p:cNvPr id="3074" name="Picture 2" descr="Output image">
+            <a:extLst>
+              <a:ext uri="{FF2B5EF4-FFF2-40B4-BE49-F238E27FC236}">
+                <a16:creationId xmlns:a16="http://schemas.microsoft.com/office/drawing/2014/main" id="{0867B836-5264-44C5-BB10-61F0B5C2849B}"/>
+              </a:ext>
+            </a:extLst>
+          </p:cNvPr>
+          <p:cNvPicPr>
+            <a:picLocks noChangeAspect="1" noChangeArrowheads="1"/>
+          </p:cNvPicPr>
+          <p:nvPr/>
+        </p:nvPicPr>
+        <p:blipFill>
+          <a:blip r:embed="rId2">
+            <a:extLst>
+              <a:ext uri="{28A0092B-C50C-407E-A947-70E740481C1C}">
+                <a14:useLocalDpi xmlns:a14="http://schemas.microsoft.com/office/drawing/2010/main" val="0"/>
+              </a:ext>
+            </a:extLst>
+          </a:blip>
+          <a:srcRect/>
+          <a:stretch>
+            <a:fillRect/>
+          </a:stretch>
+        </p:blipFill>
+        <p:spPr bwMode="auto">
+          <a:xfrm>
+            <a:off x="2359819" y="2231923"/>
+            <a:ext cx="4213216" cy="4124427"/>
+          </a:xfrm>
+          <a:prstGeom prst="rect">
+            <a:avLst/>
+          </a:prstGeom>
+          <a:noFill/>
+          <a:extLst>
+            <a:ext uri="{909E8E84-426E-40DD-AFC4-6F175D3DCCD1}">
+              <a14:hiddenFill xmlns:a14="http://schemas.microsoft.com/office/drawing/2010/main">
+                <a:solidFill>
+                  <a:srgbClr val="FFFFFF"/>
+                </a:solidFill>
+              </a14:hiddenFill>
+            </a:ext>
+          </a:extLst>
+        </p:spPr>
+      </p:pic>
+    </p:spTree>
+    <p:extLst>
+      <p:ext uri="{BB962C8B-B14F-4D97-AF65-F5344CB8AC3E}">
+        <p14:creationId xmlns:p14="http://schemas.microsoft.com/office/powerpoint/2010/main" val="1725387343"/>
+      </p:ext>
+    </p:extLst>
+  </p:cSld>
+  <p:clrMapOvr>
+    <a:masterClrMapping/>
+  </p:clrMapOvr>
+</p:sld>
+</file>
+
+<file path=ppt/slides/slide18.xml><?xml version="1.0" encoding="utf-8"?>
+<p:sld xmlns:a="http://schemas.openxmlformats.org/drawingml/2006/main" xmlns:r="http://schemas.openxmlformats.org/officeDocument/2006/relationships" xmlns:p="http://schemas.openxmlformats.org/presentationml/2006/main">
+  <p:cSld>
+    <p:spTree>
+      <p:nvGrpSpPr>
+        <p:cNvPr id="1" name="">
+          <a:extLst>
+            <a:ext uri="{FF2B5EF4-FFF2-40B4-BE49-F238E27FC236}">
+              <a16:creationId xmlns:a16="http://schemas.microsoft.com/office/drawing/2014/main" id="{028AE6DE-3D8A-A0A9-726F-6ABA21EDA589}"/>
+            </a:ext>
+          </a:extLst>
+        </p:cNvPr>
+        <p:cNvGrpSpPr/>
+        <p:nvPr/>
+      </p:nvGrpSpPr>
+      <p:grpSpPr>
+        <a:xfrm>
+          <a:off x="0" y="0"/>
+          <a:ext cx="0" cy="0"/>
+          <a:chOff x="0" y="0"/>
+          <a:chExt cx="0" cy="0"/>
+        </a:xfrm>
+      </p:grpSpPr>
+      <p:sp>
+        <p:nvSpPr>
+          <p:cNvPr id="2" name="Title 1">
+            <a:extLst>
+              <a:ext uri="{FF2B5EF4-FFF2-40B4-BE49-F238E27FC236}">
+                <a16:creationId xmlns:a16="http://schemas.microsoft.com/office/drawing/2014/main" id="{608D5911-95AA-9CA3-890C-38D8563B05BA}"/>
+              </a:ext>
+            </a:extLst>
+          </p:cNvPr>
+          <p:cNvSpPr>
+            <a:spLocks noGrp="1"/>
+          </p:cNvSpPr>
+          <p:nvPr>
+            <p:ph type="title"/>
+          </p:nvPr>
+        </p:nvSpPr>
+        <p:spPr/>
+        <p:txBody>
+          <a:bodyPr>
+            <a:normAutofit fontScale="90000"/>
+          </a:bodyPr>
+          <a:lstStyle/>
+          <a:p>
+            <a:r>
+              <a:rPr lang="en-US" dirty="0"/>
+              <a:t>Period Highlight – 8</a:t>
+            </a:r>
+            <a:br>
+              <a:rPr lang="en-US" dirty="0"/>
+            </a:br>
+            <a:r>
+              <a:rPr lang="en-US" sz="3200" dirty="0"/>
+              <a:t>Software Implementations</a:t>
+            </a:r>
+          </a:p>
+        </p:txBody>
+      </p:sp>
+      <p:sp>
+        <p:nvSpPr>
+          <p:cNvPr id="3" name="Content Placeholder 2">
+            <a:extLst>
+              <a:ext uri="{FF2B5EF4-FFF2-40B4-BE49-F238E27FC236}">
+                <a16:creationId xmlns:a16="http://schemas.microsoft.com/office/drawing/2014/main" id="{11A40A67-883F-3195-C763-79DB18502CF0}"/>
+              </a:ext>
+            </a:extLst>
+          </p:cNvPr>
+          <p:cNvSpPr>
+            <a:spLocks noGrp="1"/>
+          </p:cNvSpPr>
+          <p:nvPr>
+            <p:ph idx="1"/>
+          </p:nvPr>
+        </p:nvSpPr>
+        <p:spPr/>
+        <p:txBody>
+          <a:bodyPr/>
+          <a:lstStyle/>
+          <a:p>
+            <a:r>
+              <a:rPr lang="en-US" dirty="0"/>
+              <a:t>Visualization moved to </a:t>
+            </a:r>
+            <a:r>
+              <a:rPr lang="en-US" dirty="0" err="1"/>
+              <a:t>pyqtgraph</a:t>
+            </a:r>
+            <a:r>
+              <a:rPr lang="en-US" dirty="0"/>
+              <a:t> for improvement since live visualization is now available.</a:t>
+            </a:r>
+          </a:p>
+          <a:p>
+            <a:endParaRPr lang="en-US" dirty="0"/>
+          </a:p>
+          <a:p>
+            <a:pPr lvl="1"/>
+            <a:endParaRPr lang="en-US" dirty="0"/>
+          </a:p>
+        </p:txBody>
+      </p:sp>
+      <p:sp>
+        <p:nvSpPr>
+          <p:cNvPr id="4" name="Date Placeholder 3">
+            <a:extLst>
+              <a:ext uri="{FF2B5EF4-FFF2-40B4-BE49-F238E27FC236}">
+                <a16:creationId xmlns:a16="http://schemas.microsoft.com/office/drawing/2014/main" id="{E5658BE8-5561-0B3D-C767-D369B19FE525}"/>
+              </a:ext>
+            </a:extLst>
+          </p:cNvPr>
+          <p:cNvSpPr>
+            <a:spLocks noGrp="1"/>
+          </p:cNvSpPr>
+          <p:nvPr>
+            <p:ph type="dt" sz="half" idx="10"/>
+          </p:nvPr>
+        </p:nvSpPr>
+        <p:spPr/>
+        <p:txBody>
+          <a:bodyPr/>
+          <a:lstStyle/>
+          <a:p>
+            <a:fld id="{0EFBEC3F-4208-4590-BA97-4119A385DFD9}" type="datetime1">
+              <a:rPr lang="en-US" smtClean="0"/>
+              <a:t>8/11/2025</a:t>
+            </a:fld>
+            <a:endParaRPr lang="en-US"/>
+          </a:p>
+        </p:txBody>
+      </p:sp>
+      <p:sp>
+        <p:nvSpPr>
+          <p:cNvPr id="5" name="Slide Number Placeholder 4">
+            <a:extLst>
+              <a:ext uri="{FF2B5EF4-FFF2-40B4-BE49-F238E27FC236}">
+                <a16:creationId xmlns:a16="http://schemas.microsoft.com/office/drawing/2014/main" id="{DEEB22D1-8473-30C4-152E-A7D87019522A}"/>
+              </a:ext>
+            </a:extLst>
+          </p:cNvPr>
+          <p:cNvSpPr>
+            <a:spLocks noGrp="1"/>
+          </p:cNvSpPr>
+          <p:nvPr>
+            <p:ph type="sldNum" sz="quarter" idx="12"/>
+          </p:nvPr>
+        </p:nvSpPr>
+        <p:spPr/>
+        <p:txBody>
+          <a:bodyPr/>
+          <a:lstStyle/>
+          <a:p>
+            <a:fld id="{C1FF6DA9-008F-8B48-92A6-B652298478BF}" type="slidenum">
+              <a:rPr lang="en-US" smtClean="0"/>
+              <a:t>18</a:t>
+            </a:fld>
+            <a:endParaRPr lang="en-US"/>
+          </a:p>
+        </p:txBody>
+      </p:sp>
+      <p:sp>
+        <p:nvSpPr>
+          <p:cNvPr id="6" name="AutoShape 2">
+            <a:extLst>
+              <a:ext uri="{FF2B5EF4-FFF2-40B4-BE49-F238E27FC236}">
+                <a16:creationId xmlns:a16="http://schemas.microsoft.com/office/drawing/2014/main" id="{313758C6-E3F6-05BD-6483-43C140841CAE}"/>
+              </a:ext>
+            </a:extLst>
+          </p:cNvPr>
+          <p:cNvSpPr>
+            <a:spLocks noChangeAspect="1" noChangeArrowheads="1"/>
+          </p:cNvSpPr>
+          <p:nvPr/>
+        </p:nvSpPr>
+        <p:spPr bwMode="auto">
+          <a:xfrm>
+            <a:off x="4419600" y="3276600"/>
+            <a:ext cx="304800" cy="304800"/>
+          </a:xfrm>
+          <a:prstGeom prst="rect">
+            <a:avLst/>
+          </a:prstGeom>
+          <a:noFill/>
+          <a:extLst>
+            <a:ext uri="{909E8E84-426E-40DD-AFC4-6F175D3DCCD1}">
+              <a14:hiddenFill xmlns:a14="http://schemas.microsoft.com/office/drawing/2010/main">
+                <a:solidFill>
+                  <a:srgbClr val="FFFFFF"/>
+                </a:solidFill>
+              </a14:hiddenFill>
+            </a:ext>
+          </a:extLst>
+        </p:spPr>
+        <p:txBody>
+          <a:bodyPr vert="horz" wrap="square" lIns="91440" tIns="45720" rIns="91440" bIns="45720" numCol="1" anchor="t" anchorCtr="0" compatLnSpc="1">
+            <a:prstTxWarp prst="textNoShape">
+              <a:avLst/>
+            </a:prstTxWarp>
+          </a:bodyPr>
+          <a:lstStyle/>
+          <a:p>
+            <a:endParaRPr lang="en-US"/>
+          </a:p>
+        </p:txBody>
+      </p:sp>
+      <p:pic>
+        <p:nvPicPr>
+          <p:cNvPr id="8" name="Picture 7">
+            <a:extLst>
+              <a:ext uri="{FF2B5EF4-FFF2-40B4-BE49-F238E27FC236}">
+                <a16:creationId xmlns:a16="http://schemas.microsoft.com/office/drawing/2014/main" id="{0FC9CA68-91A5-3781-8752-80900F5E252F}"/>
+              </a:ext>
+            </a:extLst>
+          </p:cNvPr>
+          <p:cNvPicPr>
+            <a:picLocks noChangeAspect="1"/>
+          </p:cNvPicPr>
+          <p:nvPr/>
+        </p:nvPicPr>
+        <p:blipFill>
+          <a:blip r:embed="rId2"/>
+          <a:stretch>
+            <a:fillRect/>
+          </a:stretch>
+        </p:blipFill>
+        <p:spPr>
+          <a:xfrm>
+            <a:off x="3283974" y="2616989"/>
+            <a:ext cx="5132632" cy="3691736"/>
+          </a:xfrm>
+          <a:prstGeom prst="rect">
+            <a:avLst/>
+          </a:prstGeom>
+        </p:spPr>
+      </p:pic>
+    </p:spTree>
+    <p:extLst>
+      <p:ext uri="{BB962C8B-B14F-4D97-AF65-F5344CB8AC3E}">
+        <p14:creationId xmlns:p14="http://schemas.microsoft.com/office/powerpoint/2010/main" val="3796642028"/>
+      </p:ext>
+    </p:extLst>
+  </p:cSld>
+  <p:clrMapOvr>
+    <a:masterClrMapping/>
+  </p:clrMapOvr>
+</p:sld>
+</file>
+
+<file path=ppt/slides/slide19.xml><?xml version="1.0" encoding="utf-8"?>
+<p:sld xmlns:a="http://schemas.openxmlformats.org/drawingml/2006/main" xmlns:r="http://schemas.openxmlformats.org/officeDocument/2006/relationships" xmlns:p="http://schemas.openxmlformats.org/presentationml/2006/main">
+  <p:cSld>
+    <p:spTree>
+      <p:nvGrpSpPr>
+        <p:cNvPr id="1" name="">
+          <a:extLst>
+            <a:ext uri="{FF2B5EF4-FFF2-40B4-BE49-F238E27FC236}">
+              <a16:creationId xmlns:a16="http://schemas.microsoft.com/office/drawing/2014/main" id="{F01159C6-A844-0962-8335-8FBE1C2C5888}"/>
+            </a:ext>
+          </a:extLst>
+        </p:cNvPr>
+        <p:cNvGrpSpPr/>
+        <p:nvPr/>
+      </p:nvGrpSpPr>
+      <p:grpSpPr>
+        <a:xfrm>
+          <a:off x="0" y="0"/>
+          <a:ext cx="0" cy="0"/>
+          <a:chOff x="0" y="0"/>
+          <a:chExt cx="0" cy="0"/>
+        </a:xfrm>
+      </p:grpSpPr>
+      <p:sp>
+        <p:nvSpPr>
+          <p:cNvPr id="2" name="Title 1">
+            <a:extLst>
+              <a:ext uri="{FF2B5EF4-FFF2-40B4-BE49-F238E27FC236}">
+                <a16:creationId xmlns:a16="http://schemas.microsoft.com/office/drawing/2014/main" id="{DA18550B-7BEF-7806-3281-FAF7C45D472D}"/>
+              </a:ext>
+            </a:extLst>
+          </p:cNvPr>
+          <p:cNvSpPr>
+            <a:spLocks noGrp="1"/>
+          </p:cNvSpPr>
+          <p:nvPr>
+            <p:ph type="title"/>
+          </p:nvPr>
+        </p:nvSpPr>
+        <p:spPr/>
+        <p:txBody>
+          <a:bodyPr>
+            <a:normAutofit fontScale="90000"/>
+          </a:bodyPr>
+          <a:lstStyle/>
+          <a:p>
+            <a:r>
+              <a:rPr lang="en-US" dirty="0"/>
+              <a:t>Period Highlight – 10</a:t>
+            </a:r>
+            <a:br>
+              <a:rPr lang="en-US" dirty="0"/>
+            </a:br>
+            <a:r>
+              <a:rPr lang="en-US" sz="3200" dirty="0"/>
+              <a:t>Networking Preparations</a:t>
+            </a:r>
+          </a:p>
+        </p:txBody>
+      </p:sp>
+      <p:sp>
+        <p:nvSpPr>
+          <p:cNvPr id="3" name="Content Placeholder 2">
+            <a:extLst>
+              <a:ext uri="{FF2B5EF4-FFF2-40B4-BE49-F238E27FC236}">
+                <a16:creationId xmlns:a16="http://schemas.microsoft.com/office/drawing/2014/main" id="{A873E215-2F00-163D-D15B-8990AAC91003}"/>
+              </a:ext>
+            </a:extLst>
+          </p:cNvPr>
+          <p:cNvSpPr>
+            <a:spLocks noGrp="1"/>
+          </p:cNvSpPr>
+          <p:nvPr>
+            <p:ph idx="1"/>
+          </p:nvPr>
+        </p:nvSpPr>
+        <p:spPr/>
+        <p:txBody>
+          <a:bodyPr>
+            <a:normAutofit fontScale="85000" lnSpcReduction="20000"/>
+          </a:bodyPr>
+          <a:lstStyle/>
+          <a:p>
+            <a:r>
+              <a:rPr lang="en-US" dirty="0"/>
+              <a:t>Got in contact with Dr. Alexis Kostas from Norway.</a:t>
+            </a:r>
+          </a:p>
+          <a:p>
+            <a:pPr lvl="1"/>
+            <a:r>
+              <a:rPr lang="en-US" dirty="0">
+                <a:hlinkClick r:id="rId2"/>
+              </a:rPr>
+              <a:t>Radar-Inertial ICP-based Pose Graph SLAM</a:t>
+            </a:r>
+            <a:endParaRPr lang="en-US" dirty="0"/>
+          </a:p>
+          <a:p>
+            <a:pPr lvl="1"/>
+            <a:endParaRPr lang="en-US" dirty="0"/>
+          </a:p>
+          <a:p>
+            <a:r>
+              <a:rPr lang="en-US" dirty="0"/>
+              <a:t>Which later direct me to Morten Nissov, also from Norway.</a:t>
+            </a:r>
+          </a:p>
+          <a:p>
+            <a:pPr lvl="1"/>
+            <a:r>
+              <a:rPr lang="en-US" dirty="0"/>
+              <a:t>Explain about the project that was implemented before and current work.</a:t>
+            </a:r>
+          </a:p>
+          <a:p>
+            <a:r>
+              <a:rPr lang="en-US" dirty="0"/>
+              <a:t>New material provided by them:</a:t>
+            </a:r>
+          </a:p>
+          <a:p>
+            <a:pPr lvl="1"/>
+            <a:r>
+              <a:rPr lang="en-US" dirty="0"/>
+              <a:t>Instantaneous ego-motion estimation using Doppler radar</a:t>
+            </a:r>
+          </a:p>
+          <a:p>
+            <a:pPr lvl="2"/>
+            <a:r>
+              <a:rPr lang="en-US" dirty="0"/>
+              <a:t>According to the paper results, this was done in last semester project.</a:t>
+            </a:r>
+          </a:p>
+          <a:p>
+            <a:pPr lvl="2"/>
+            <a:r>
+              <a:rPr lang="en-US" dirty="0"/>
+              <a:t>Fusion of this work and current one is on the way.</a:t>
+            </a:r>
+          </a:p>
+          <a:p>
+            <a:pPr lvl="1"/>
+            <a:endParaRPr lang="en-US" dirty="0"/>
+          </a:p>
+        </p:txBody>
+      </p:sp>
+      <p:sp>
+        <p:nvSpPr>
+          <p:cNvPr id="4" name="Date Placeholder 3">
+            <a:extLst>
+              <a:ext uri="{FF2B5EF4-FFF2-40B4-BE49-F238E27FC236}">
+                <a16:creationId xmlns:a16="http://schemas.microsoft.com/office/drawing/2014/main" id="{B6306280-94DF-A4B1-1837-D11D0EBC955E}"/>
+              </a:ext>
+            </a:extLst>
+          </p:cNvPr>
+          <p:cNvSpPr>
+            <a:spLocks noGrp="1"/>
+          </p:cNvSpPr>
+          <p:nvPr>
+            <p:ph type="dt" sz="half" idx="10"/>
+          </p:nvPr>
+        </p:nvSpPr>
+        <p:spPr/>
+        <p:txBody>
+          <a:bodyPr/>
+          <a:lstStyle/>
+          <a:p>
+            <a:fld id="{0EFBEC3F-4208-4590-BA97-4119A385DFD9}" type="datetime1">
+              <a:rPr lang="en-US" smtClean="0"/>
+              <a:t>8/11/2025</a:t>
+            </a:fld>
+            <a:endParaRPr lang="en-US"/>
+          </a:p>
+        </p:txBody>
+      </p:sp>
+      <p:sp>
+        <p:nvSpPr>
+          <p:cNvPr id="5" name="Slide Number Placeholder 4">
+            <a:extLst>
+              <a:ext uri="{FF2B5EF4-FFF2-40B4-BE49-F238E27FC236}">
+                <a16:creationId xmlns:a16="http://schemas.microsoft.com/office/drawing/2014/main" id="{606CF556-F433-C4C6-FDF5-CCBF58BCFAAF}"/>
+              </a:ext>
+            </a:extLst>
+          </p:cNvPr>
+          <p:cNvSpPr>
+            <a:spLocks noGrp="1"/>
+          </p:cNvSpPr>
+          <p:nvPr>
+            <p:ph type="sldNum" sz="quarter" idx="12"/>
+          </p:nvPr>
+        </p:nvSpPr>
+        <p:spPr/>
+        <p:txBody>
+          <a:bodyPr/>
+          <a:lstStyle/>
+          <a:p>
+            <a:fld id="{C1FF6DA9-008F-8B48-92A6-B652298478BF}" type="slidenum">
+              <a:rPr lang="en-US" smtClean="0"/>
+              <a:t>19</a:t>
+            </a:fld>
+            <a:endParaRPr lang="en-US"/>
+          </a:p>
+        </p:txBody>
+      </p:sp>
+      <p:sp>
+        <p:nvSpPr>
+          <p:cNvPr id="6" name="AutoShape 2">
+            <a:extLst>
+              <a:ext uri="{FF2B5EF4-FFF2-40B4-BE49-F238E27FC236}">
+                <a16:creationId xmlns:a16="http://schemas.microsoft.com/office/drawing/2014/main" id="{3C658808-0ABF-1700-BF70-62A78709EBFC}"/>
+              </a:ext>
+            </a:extLst>
+          </p:cNvPr>
+          <p:cNvSpPr>
+            <a:spLocks noChangeAspect="1" noChangeArrowheads="1"/>
+          </p:cNvSpPr>
+          <p:nvPr/>
+        </p:nvSpPr>
+        <p:spPr bwMode="auto">
+          <a:xfrm>
+            <a:off x="4419600" y="3276600"/>
+            <a:ext cx="304800" cy="304800"/>
+          </a:xfrm>
+          <a:prstGeom prst="rect">
+            <a:avLst/>
+          </a:prstGeom>
+          <a:noFill/>
+          <a:extLst>
+            <a:ext uri="{909E8E84-426E-40DD-AFC4-6F175D3DCCD1}">
+              <a14:hiddenFill xmlns:a14="http://schemas.microsoft.com/office/drawing/2010/main">
+                <a:solidFill>
+                  <a:srgbClr val="FFFFFF"/>
+                </a:solidFill>
+              </a14:hiddenFill>
+            </a:ext>
+          </a:extLst>
+        </p:spPr>
+        <p:txBody>
+          <a:bodyPr vert="horz" wrap="square" lIns="91440" tIns="45720" rIns="91440" bIns="45720" numCol="1" anchor="t" anchorCtr="0" compatLnSpc="1">
+            <a:prstTxWarp prst="textNoShape">
+              <a:avLst/>
+            </a:prstTxWarp>
+          </a:bodyPr>
+          <a:lstStyle/>
+          <a:p>
+            <a:endParaRPr lang="en-US"/>
+          </a:p>
+        </p:txBody>
+      </p:sp>
+    </p:spTree>
+    <p:extLst>
+      <p:ext uri="{BB962C8B-B14F-4D97-AF65-F5344CB8AC3E}">
+        <p14:creationId xmlns:p14="http://schemas.microsoft.com/office/powerpoint/2010/main" val="3774724792"/>
       </p:ext>
     </p:extLst>
   </p:cSld>
@@ -5906,7 +7376,7 @@
           <a:p>
             <a:fld id="{1AA46178-B97E-4817-9029-290586FA77E9}" type="datetime1">
               <a:rPr lang="en-US" smtClean="0"/>
-              <a:t>5/5/2025</a:t>
+              <a:t>8/11/2025</a:t>
             </a:fld>
             <a:endParaRPr lang="en-US"/>
           </a:p>
@@ -5946,6 +7416,2394 @@
     <p:extLst>
       <p:ext uri="{BB962C8B-B14F-4D97-AF65-F5344CB8AC3E}">
         <p14:creationId xmlns:p14="http://schemas.microsoft.com/office/powerpoint/2010/main" val="1742724825"/>
+      </p:ext>
+    </p:extLst>
+  </p:cSld>
+  <p:clrMapOvr>
+    <a:masterClrMapping/>
+  </p:clrMapOvr>
+</p:sld>
+</file>
+
+<file path=ppt/slides/slide20.xml><?xml version="1.0" encoding="utf-8"?>
+<p:sld xmlns:a="http://schemas.openxmlformats.org/drawingml/2006/main" xmlns:r="http://schemas.openxmlformats.org/officeDocument/2006/relationships" xmlns:p="http://schemas.openxmlformats.org/presentationml/2006/main">
+  <p:cSld>
+    <p:spTree>
+      <p:nvGrpSpPr>
+        <p:cNvPr id="1" name="">
+          <a:extLst>
+            <a:ext uri="{FF2B5EF4-FFF2-40B4-BE49-F238E27FC236}">
+              <a16:creationId xmlns:a16="http://schemas.microsoft.com/office/drawing/2014/main" id="{4C9878AC-09FE-B4FA-3EA2-67935CA9B24A}"/>
+            </a:ext>
+          </a:extLst>
+        </p:cNvPr>
+        <p:cNvGrpSpPr/>
+        <p:nvPr/>
+      </p:nvGrpSpPr>
+      <p:grpSpPr>
+        <a:xfrm>
+          <a:off x="0" y="0"/>
+          <a:ext cx="0" cy="0"/>
+          <a:chOff x="0" y="0"/>
+          <a:chExt cx="0" cy="0"/>
+        </a:xfrm>
+      </p:grpSpPr>
+      <p:sp>
+        <p:nvSpPr>
+          <p:cNvPr id="2" name="Title 1">
+            <a:extLst>
+              <a:ext uri="{FF2B5EF4-FFF2-40B4-BE49-F238E27FC236}">
+                <a16:creationId xmlns:a16="http://schemas.microsoft.com/office/drawing/2014/main" id="{80E93C63-7E06-132E-9F8A-F1D3538CFC03}"/>
+              </a:ext>
+            </a:extLst>
+          </p:cNvPr>
+          <p:cNvSpPr>
+            <a:spLocks noGrp="1"/>
+          </p:cNvSpPr>
+          <p:nvPr>
+            <p:ph type="title"/>
+          </p:nvPr>
+        </p:nvSpPr>
+        <p:spPr/>
+        <p:txBody>
+          <a:bodyPr>
+            <a:normAutofit fontScale="90000"/>
+          </a:bodyPr>
+          <a:lstStyle/>
+          <a:p>
+            <a:r>
+              <a:rPr lang="en-US" dirty="0"/>
+              <a:t>Period Highlight – 10</a:t>
+            </a:r>
+            <a:br>
+              <a:rPr lang="en-US" dirty="0"/>
+            </a:br>
+            <a:r>
+              <a:rPr lang="en-US" sz="3200" dirty="0"/>
+              <a:t>Software Implementations</a:t>
+            </a:r>
+          </a:p>
+        </p:txBody>
+      </p:sp>
+      <p:sp>
+        <p:nvSpPr>
+          <p:cNvPr id="3" name="Content Placeholder 2">
+            <a:extLst>
+              <a:ext uri="{FF2B5EF4-FFF2-40B4-BE49-F238E27FC236}">
+                <a16:creationId xmlns:a16="http://schemas.microsoft.com/office/drawing/2014/main" id="{3DF8A899-935B-2196-79A8-E19464108578}"/>
+              </a:ext>
+            </a:extLst>
+          </p:cNvPr>
+          <p:cNvSpPr>
+            <a:spLocks noGrp="1"/>
+          </p:cNvSpPr>
+          <p:nvPr>
+            <p:ph idx="1"/>
+          </p:nvPr>
+        </p:nvSpPr>
+        <p:spPr/>
+        <p:txBody>
+          <a:bodyPr/>
+          <a:lstStyle/>
+          <a:p>
+            <a:r>
+              <a:rPr lang="en-US" dirty="0"/>
+              <a:t>Implemented filter using RANSAC</a:t>
+            </a:r>
+          </a:p>
+          <a:p>
+            <a:endParaRPr lang="en-US" dirty="0"/>
+          </a:p>
+          <a:p>
+            <a:pPr lvl="1"/>
+            <a:endParaRPr lang="en-US" dirty="0"/>
+          </a:p>
+        </p:txBody>
+      </p:sp>
+      <p:sp>
+        <p:nvSpPr>
+          <p:cNvPr id="4" name="Date Placeholder 3">
+            <a:extLst>
+              <a:ext uri="{FF2B5EF4-FFF2-40B4-BE49-F238E27FC236}">
+                <a16:creationId xmlns:a16="http://schemas.microsoft.com/office/drawing/2014/main" id="{A7CAED00-64F3-7219-B381-C659B8FC470A}"/>
+              </a:ext>
+            </a:extLst>
+          </p:cNvPr>
+          <p:cNvSpPr>
+            <a:spLocks noGrp="1"/>
+          </p:cNvSpPr>
+          <p:nvPr>
+            <p:ph type="dt" sz="half" idx="10"/>
+          </p:nvPr>
+        </p:nvSpPr>
+        <p:spPr/>
+        <p:txBody>
+          <a:bodyPr/>
+          <a:lstStyle/>
+          <a:p>
+            <a:fld id="{0EFBEC3F-4208-4590-BA97-4119A385DFD9}" type="datetime1">
+              <a:rPr lang="en-US" smtClean="0"/>
+              <a:t>8/11/2025</a:t>
+            </a:fld>
+            <a:endParaRPr lang="en-US"/>
+          </a:p>
+        </p:txBody>
+      </p:sp>
+      <p:sp>
+        <p:nvSpPr>
+          <p:cNvPr id="5" name="Slide Number Placeholder 4">
+            <a:extLst>
+              <a:ext uri="{FF2B5EF4-FFF2-40B4-BE49-F238E27FC236}">
+                <a16:creationId xmlns:a16="http://schemas.microsoft.com/office/drawing/2014/main" id="{2806C36C-3B03-4237-3DE7-5DF0D51D983A}"/>
+              </a:ext>
+            </a:extLst>
+          </p:cNvPr>
+          <p:cNvSpPr>
+            <a:spLocks noGrp="1"/>
+          </p:cNvSpPr>
+          <p:nvPr>
+            <p:ph type="sldNum" sz="quarter" idx="12"/>
+          </p:nvPr>
+        </p:nvSpPr>
+        <p:spPr/>
+        <p:txBody>
+          <a:bodyPr/>
+          <a:lstStyle/>
+          <a:p>
+            <a:fld id="{C1FF6DA9-008F-8B48-92A6-B652298478BF}" type="slidenum">
+              <a:rPr lang="en-US" smtClean="0"/>
+              <a:t>20</a:t>
+            </a:fld>
+            <a:endParaRPr lang="en-US"/>
+          </a:p>
+        </p:txBody>
+      </p:sp>
+      <p:sp>
+        <p:nvSpPr>
+          <p:cNvPr id="6" name="AutoShape 2">
+            <a:extLst>
+              <a:ext uri="{FF2B5EF4-FFF2-40B4-BE49-F238E27FC236}">
+                <a16:creationId xmlns:a16="http://schemas.microsoft.com/office/drawing/2014/main" id="{20531653-3137-6D2F-2D3E-0728C4423674}"/>
+              </a:ext>
+            </a:extLst>
+          </p:cNvPr>
+          <p:cNvSpPr>
+            <a:spLocks noChangeAspect="1" noChangeArrowheads="1"/>
+          </p:cNvSpPr>
+          <p:nvPr/>
+        </p:nvSpPr>
+        <p:spPr bwMode="auto">
+          <a:xfrm>
+            <a:off x="4419600" y="3276600"/>
+            <a:ext cx="304800" cy="304800"/>
+          </a:xfrm>
+          <a:prstGeom prst="rect">
+            <a:avLst/>
+          </a:prstGeom>
+          <a:noFill/>
+          <a:extLst>
+            <a:ext uri="{909E8E84-426E-40DD-AFC4-6F175D3DCCD1}">
+              <a14:hiddenFill xmlns:a14="http://schemas.microsoft.com/office/drawing/2010/main">
+                <a:solidFill>
+                  <a:srgbClr val="FFFFFF"/>
+                </a:solidFill>
+              </a14:hiddenFill>
+            </a:ext>
+          </a:extLst>
+        </p:spPr>
+        <p:txBody>
+          <a:bodyPr vert="horz" wrap="square" lIns="91440" tIns="45720" rIns="91440" bIns="45720" numCol="1" anchor="t" anchorCtr="0" compatLnSpc="1">
+            <a:prstTxWarp prst="textNoShape">
+              <a:avLst/>
+            </a:prstTxWarp>
+          </a:bodyPr>
+          <a:lstStyle/>
+          <a:p>
+            <a:endParaRPr lang="en-US"/>
+          </a:p>
+        </p:txBody>
+      </p:sp>
+      <p:pic>
+        <p:nvPicPr>
+          <p:cNvPr id="11" name="Picture 10">
+            <a:extLst>
+              <a:ext uri="{FF2B5EF4-FFF2-40B4-BE49-F238E27FC236}">
+                <a16:creationId xmlns:a16="http://schemas.microsoft.com/office/drawing/2014/main" id="{496FBD12-B97D-EE49-46AF-09D20B100B71}"/>
+              </a:ext>
+            </a:extLst>
+          </p:cNvPr>
+          <p:cNvPicPr>
+            <a:picLocks noChangeAspect="1"/>
+          </p:cNvPicPr>
+          <p:nvPr/>
+        </p:nvPicPr>
+        <p:blipFill>
+          <a:blip r:embed="rId2"/>
+          <a:stretch>
+            <a:fillRect/>
+          </a:stretch>
+        </p:blipFill>
+        <p:spPr>
+          <a:xfrm>
+            <a:off x="589973" y="2081024"/>
+            <a:ext cx="4134427" cy="2695951"/>
+          </a:xfrm>
+          <a:prstGeom prst="rect">
+            <a:avLst/>
+          </a:prstGeom>
+        </p:spPr>
+      </p:pic>
+      <p:pic>
+        <p:nvPicPr>
+          <p:cNvPr id="13" name="Picture 12">
+            <a:extLst>
+              <a:ext uri="{FF2B5EF4-FFF2-40B4-BE49-F238E27FC236}">
+                <a16:creationId xmlns:a16="http://schemas.microsoft.com/office/drawing/2014/main" id="{E31F4528-5A89-D9AB-97A3-2C825C6A5AB8}"/>
+              </a:ext>
+            </a:extLst>
+          </p:cNvPr>
+          <p:cNvPicPr>
+            <a:picLocks noChangeAspect="1"/>
+          </p:cNvPicPr>
+          <p:nvPr/>
+        </p:nvPicPr>
+        <p:blipFill>
+          <a:blip r:embed="rId3"/>
+          <a:stretch>
+            <a:fillRect/>
+          </a:stretch>
+        </p:blipFill>
+        <p:spPr>
+          <a:xfrm>
+            <a:off x="3895344" y="4313799"/>
+            <a:ext cx="5179806" cy="1994925"/>
+          </a:xfrm>
+          <a:prstGeom prst="rect">
+            <a:avLst/>
+          </a:prstGeom>
+        </p:spPr>
+      </p:pic>
+    </p:spTree>
+    <p:extLst>
+      <p:ext uri="{BB962C8B-B14F-4D97-AF65-F5344CB8AC3E}">
+        <p14:creationId xmlns:p14="http://schemas.microsoft.com/office/powerpoint/2010/main" val="1469111998"/>
+      </p:ext>
+    </p:extLst>
+  </p:cSld>
+  <p:clrMapOvr>
+    <a:masterClrMapping/>
+  </p:clrMapOvr>
+</p:sld>
+</file>
+
+<file path=ppt/slides/slide21.xml><?xml version="1.0" encoding="utf-8"?>
+<p:sld xmlns:a="http://schemas.openxmlformats.org/drawingml/2006/main" xmlns:r="http://schemas.openxmlformats.org/officeDocument/2006/relationships" xmlns:p="http://schemas.openxmlformats.org/presentationml/2006/main">
+  <p:cSld>
+    <p:spTree>
+      <p:nvGrpSpPr>
+        <p:cNvPr id="1" name="">
+          <a:extLst>
+            <a:ext uri="{FF2B5EF4-FFF2-40B4-BE49-F238E27FC236}">
+              <a16:creationId xmlns:a16="http://schemas.microsoft.com/office/drawing/2014/main" id="{000040C9-BF61-4FEF-7AC4-4C67C0FEB8A2}"/>
+            </a:ext>
+          </a:extLst>
+        </p:cNvPr>
+        <p:cNvGrpSpPr/>
+        <p:nvPr/>
+      </p:nvGrpSpPr>
+      <p:grpSpPr>
+        <a:xfrm>
+          <a:off x="0" y="0"/>
+          <a:ext cx="0" cy="0"/>
+          <a:chOff x="0" y="0"/>
+          <a:chExt cx="0" cy="0"/>
+        </a:xfrm>
+      </p:grpSpPr>
+      <p:sp>
+        <p:nvSpPr>
+          <p:cNvPr id="2" name="Title 1">
+            <a:extLst>
+              <a:ext uri="{FF2B5EF4-FFF2-40B4-BE49-F238E27FC236}">
+                <a16:creationId xmlns:a16="http://schemas.microsoft.com/office/drawing/2014/main" id="{3012DD3C-23D9-CFB4-908F-7530F65161FD}"/>
+              </a:ext>
+            </a:extLst>
+          </p:cNvPr>
+          <p:cNvSpPr>
+            <a:spLocks noGrp="1"/>
+          </p:cNvSpPr>
+          <p:nvPr>
+            <p:ph type="title"/>
+          </p:nvPr>
+        </p:nvSpPr>
+        <p:spPr/>
+        <p:txBody>
+          <a:bodyPr>
+            <a:normAutofit fontScale="90000"/>
+          </a:bodyPr>
+          <a:lstStyle/>
+          <a:p>
+            <a:r>
+              <a:rPr lang="en-US" dirty="0"/>
+              <a:t>Period Highlight – 10</a:t>
+            </a:r>
+            <a:br>
+              <a:rPr lang="en-US" dirty="0"/>
+            </a:br>
+            <a:r>
+              <a:rPr lang="en-US" sz="3200" dirty="0"/>
+              <a:t>Software Implementations</a:t>
+            </a:r>
+          </a:p>
+        </p:txBody>
+      </p:sp>
+      <p:sp>
+        <p:nvSpPr>
+          <p:cNvPr id="3" name="Content Placeholder 2">
+            <a:extLst>
+              <a:ext uri="{FF2B5EF4-FFF2-40B4-BE49-F238E27FC236}">
+                <a16:creationId xmlns:a16="http://schemas.microsoft.com/office/drawing/2014/main" id="{810B02AE-D148-F36D-2AFC-E164E67C6623}"/>
+              </a:ext>
+            </a:extLst>
+          </p:cNvPr>
+          <p:cNvSpPr>
+            <a:spLocks noGrp="1"/>
+          </p:cNvSpPr>
+          <p:nvPr>
+            <p:ph idx="1"/>
+          </p:nvPr>
+        </p:nvSpPr>
+        <p:spPr/>
+        <p:txBody>
+          <a:bodyPr/>
+          <a:lstStyle/>
+          <a:p>
+            <a:r>
+              <a:rPr lang="en-US" dirty="0"/>
+              <a:t>Trajectory Hallway test</a:t>
+            </a:r>
+          </a:p>
+          <a:p>
+            <a:endParaRPr lang="en-US" dirty="0"/>
+          </a:p>
+          <a:p>
+            <a:pPr lvl="1"/>
+            <a:endParaRPr lang="en-US" dirty="0"/>
+          </a:p>
+        </p:txBody>
+      </p:sp>
+      <p:sp>
+        <p:nvSpPr>
+          <p:cNvPr id="4" name="Date Placeholder 3">
+            <a:extLst>
+              <a:ext uri="{FF2B5EF4-FFF2-40B4-BE49-F238E27FC236}">
+                <a16:creationId xmlns:a16="http://schemas.microsoft.com/office/drawing/2014/main" id="{C2A30093-094E-E0CD-F2EC-6F25907C29DF}"/>
+              </a:ext>
+            </a:extLst>
+          </p:cNvPr>
+          <p:cNvSpPr>
+            <a:spLocks noGrp="1"/>
+          </p:cNvSpPr>
+          <p:nvPr>
+            <p:ph type="dt" sz="half" idx="10"/>
+          </p:nvPr>
+        </p:nvSpPr>
+        <p:spPr/>
+        <p:txBody>
+          <a:bodyPr/>
+          <a:lstStyle/>
+          <a:p>
+            <a:fld id="{0EFBEC3F-4208-4590-BA97-4119A385DFD9}" type="datetime1">
+              <a:rPr lang="en-US" smtClean="0"/>
+              <a:t>8/11/2025</a:t>
+            </a:fld>
+            <a:endParaRPr lang="en-US"/>
+          </a:p>
+        </p:txBody>
+      </p:sp>
+      <p:sp>
+        <p:nvSpPr>
+          <p:cNvPr id="5" name="Slide Number Placeholder 4">
+            <a:extLst>
+              <a:ext uri="{FF2B5EF4-FFF2-40B4-BE49-F238E27FC236}">
+                <a16:creationId xmlns:a16="http://schemas.microsoft.com/office/drawing/2014/main" id="{E413FE1E-5821-8940-F4F2-2FF245CCD36B}"/>
+              </a:ext>
+            </a:extLst>
+          </p:cNvPr>
+          <p:cNvSpPr>
+            <a:spLocks noGrp="1"/>
+          </p:cNvSpPr>
+          <p:nvPr>
+            <p:ph type="sldNum" sz="quarter" idx="12"/>
+          </p:nvPr>
+        </p:nvSpPr>
+        <p:spPr/>
+        <p:txBody>
+          <a:bodyPr/>
+          <a:lstStyle/>
+          <a:p>
+            <a:fld id="{C1FF6DA9-008F-8B48-92A6-B652298478BF}" type="slidenum">
+              <a:rPr lang="en-US" smtClean="0"/>
+              <a:t>21</a:t>
+            </a:fld>
+            <a:endParaRPr lang="en-US"/>
+          </a:p>
+        </p:txBody>
+      </p:sp>
+      <p:sp>
+        <p:nvSpPr>
+          <p:cNvPr id="6" name="AutoShape 2">
+            <a:extLst>
+              <a:ext uri="{FF2B5EF4-FFF2-40B4-BE49-F238E27FC236}">
+                <a16:creationId xmlns:a16="http://schemas.microsoft.com/office/drawing/2014/main" id="{22E9E133-E17D-B634-5DCC-B0229C68F59A}"/>
+              </a:ext>
+            </a:extLst>
+          </p:cNvPr>
+          <p:cNvSpPr>
+            <a:spLocks noChangeAspect="1" noChangeArrowheads="1"/>
+          </p:cNvSpPr>
+          <p:nvPr/>
+        </p:nvSpPr>
+        <p:spPr bwMode="auto">
+          <a:xfrm>
+            <a:off x="4419600" y="3276600"/>
+            <a:ext cx="304800" cy="304800"/>
+          </a:xfrm>
+          <a:prstGeom prst="rect">
+            <a:avLst/>
+          </a:prstGeom>
+          <a:noFill/>
+          <a:extLst>
+            <a:ext uri="{909E8E84-426E-40DD-AFC4-6F175D3DCCD1}">
+              <a14:hiddenFill xmlns:a14="http://schemas.microsoft.com/office/drawing/2010/main">
+                <a:solidFill>
+                  <a:srgbClr val="FFFFFF"/>
+                </a:solidFill>
+              </a14:hiddenFill>
+            </a:ext>
+          </a:extLst>
+        </p:spPr>
+        <p:txBody>
+          <a:bodyPr vert="horz" wrap="square" lIns="91440" tIns="45720" rIns="91440" bIns="45720" numCol="1" anchor="t" anchorCtr="0" compatLnSpc="1">
+            <a:prstTxWarp prst="textNoShape">
+              <a:avLst/>
+            </a:prstTxWarp>
+          </a:bodyPr>
+          <a:lstStyle/>
+          <a:p>
+            <a:endParaRPr lang="en-US"/>
+          </a:p>
+        </p:txBody>
+      </p:sp>
+      <p:pic>
+        <p:nvPicPr>
+          <p:cNvPr id="8" name="Picture 7" descr="A graph with orange lines&#10;&#10;AI-generated content may be incorrect.">
+            <a:extLst>
+              <a:ext uri="{FF2B5EF4-FFF2-40B4-BE49-F238E27FC236}">
+                <a16:creationId xmlns:a16="http://schemas.microsoft.com/office/drawing/2014/main" id="{C324F21B-484C-B854-DD67-D6CBA265479D}"/>
+              </a:ext>
+            </a:extLst>
+          </p:cNvPr>
+          <p:cNvPicPr>
+            <a:picLocks noChangeAspect="1"/>
+          </p:cNvPicPr>
+          <p:nvPr/>
+        </p:nvPicPr>
+        <p:blipFill>
+          <a:blip r:embed="rId2"/>
+          <a:stretch>
+            <a:fillRect/>
+          </a:stretch>
+        </p:blipFill>
+        <p:spPr>
+          <a:xfrm>
+            <a:off x="628642" y="2505455"/>
+            <a:ext cx="3724874" cy="2377441"/>
+          </a:xfrm>
+          <a:prstGeom prst="rect">
+            <a:avLst/>
+          </a:prstGeom>
+        </p:spPr>
+      </p:pic>
+      <p:pic>
+        <p:nvPicPr>
+          <p:cNvPr id="10" name="Picture 9" descr="A graph showing a line of orange and white&#10;&#10;AI-generated content may be incorrect.">
+            <a:extLst>
+              <a:ext uri="{FF2B5EF4-FFF2-40B4-BE49-F238E27FC236}">
+                <a16:creationId xmlns:a16="http://schemas.microsoft.com/office/drawing/2014/main" id="{FDD686E6-AF65-7985-FC9B-666C27842618}"/>
+              </a:ext>
+            </a:extLst>
+          </p:cNvPr>
+          <p:cNvPicPr>
+            <a:picLocks noChangeAspect="1"/>
+          </p:cNvPicPr>
+          <p:nvPr/>
+        </p:nvPicPr>
+        <p:blipFill>
+          <a:blip r:embed="rId3"/>
+          <a:stretch>
+            <a:fillRect/>
+          </a:stretch>
+        </p:blipFill>
+        <p:spPr>
+          <a:xfrm>
+            <a:off x="4419600" y="3968509"/>
+            <a:ext cx="4587240" cy="2272748"/>
+          </a:xfrm>
+          <a:prstGeom prst="rect">
+            <a:avLst/>
+          </a:prstGeom>
+        </p:spPr>
+      </p:pic>
+    </p:spTree>
+    <p:extLst>
+      <p:ext uri="{BB962C8B-B14F-4D97-AF65-F5344CB8AC3E}">
+        <p14:creationId xmlns:p14="http://schemas.microsoft.com/office/powerpoint/2010/main" val="2081635804"/>
+      </p:ext>
+    </p:extLst>
+  </p:cSld>
+  <p:clrMapOvr>
+    <a:masterClrMapping/>
+  </p:clrMapOvr>
+</p:sld>
+</file>
+
+<file path=ppt/slides/slide22.xml><?xml version="1.0" encoding="utf-8"?>
+<p:sld xmlns:a="http://schemas.openxmlformats.org/drawingml/2006/main" xmlns:r="http://schemas.openxmlformats.org/officeDocument/2006/relationships" xmlns:p="http://schemas.openxmlformats.org/presentationml/2006/main">
+  <p:cSld>
+    <p:spTree>
+      <p:nvGrpSpPr>
+        <p:cNvPr id="1" name="">
+          <a:extLst>
+            <a:ext uri="{FF2B5EF4-FFF2-40B4-BE49-F238E27FC236}">
+              <a16:creationId xmlns:a16="http://schemas.microsoft.com/office/drawing/2014/main" id="{253D8806-9188-7D31-8E24-01B2BF4BC75C}"/>
+            </a:ext>
+          </a:extLst>
+        </p:cNvPr>
+        <p:cNvGrpSpPr/>
+        <p:nvPr/>
+      </p:nvGrpSpPr>
+      <p:grpSpPr>
+        <a:xfrm>
+          <a:off x="0" y="0"/>
+          <a:ext cx="0" cy="0"/>
+          <a:chOff x="0" y="0"/>
+          <a:chExt cx="0" cy="0"/>
+        </a:xfrm>
+      </p:grpSpPr>
+      <p:sp>
+        <p:nvSpPr>
+          <p:cNvPr id="2" name="Title 1">
+            <a:extLst>
+              <a:ext uri="{FF2B5EF4-FFF2-40B4-BE49-F238E27FC236}">
+                <a16:creationId xmlns:a16="http://schemas.microsoft.com/office/drawing/2014/main" id="{6396245A-B552-1039-1218-87D8FA724011}"/>
+              </a:ext>
+            </a:extLst>
+          </p:cNvPr>
+          <p:cNvSpPr>
+            <a:spLocks noGrp="1"/>
+          </p:cNvSpPr>
+          <p:nvPr>
+            <p:ph type="title"/>
+          </p:nvPr>
+        </p:nvSpPr>
+        <p:spPr/>
+        <p:txBody>
+          <a:bodyPr>
+            <a:normAutofit fontScale="90000"/>
+          </a:bodyPr>
+          <a:lstStyle/>
+          <a:p>
+            <a:r>
+              <a:rPr lang="en-US" dirty="0"/>
+              <a:t>Period Highlight – 10</a:t>
+            </a:r>
+            <a:br>
+              <a:rPr lang="en-US" dirty="0"/>
+            </a:br>
+            <a:r>
+              <a:rPr lang="en-US" sz="3200" dirty="0"/>
+              <a:t>Software Implementations</a:t>
+            </a:r>
+          </a:p>
+        </p:txBody>
+      </p:sp>
+      <p:sp>
+        <p:nvSpPr>
+          <p:cNvPr id="3" name="Content Placeholder 2">
+            <a:extLst>
+              <a:ext uri="{FF2B5EF4-FFF2-40B4-BE49-F238E27FC236}">
+                <a16:creationId xmlns:a16="http://schemas.microsoft.com/office/drawing/2014/main" id="{78732569-5EA4-91D8-FB23-D72791D07A16}"/>
+              </a:ext>
+            </a:extLst>
+          </p:cNvPr>
+          <p:cNvSpPr>
+            <a:spLocks noGrp="1"/>
+          </p:cNvSpPr>
+          <p:nvPr>
+            <p:ph idx="1"/>
+          </p:nvPr>
+        </p:nvSpPr>
+        <p:spPr/>
+        <p:txBody>
+          <a:bodyPr/>
+          <a:lstStyle/>
+          <a:p>
+            <a:r>
+              <a:rPr lang="en-US" dirty="0"/>
+              <a:t>Trajectory Hallway test</a:t>
+            </a:r>
+          </a:p>
+          <a:p>
+            <a:endParaRPr lang="en-US" dirty="0"/>
+          </a:p>
+          <a:p>
+            <a:pPr lvl="1"/>
+            <a:endParaRPr lang="en-US" dirty="0"/>
+          </a:p>
+        </p:txBody>
+      </p:sp>
+      <p:sp>
+        <p:nvSpPr>
+          <p:cNvPr id="4" name="Date Placeholder 3">
+            <a:extLst>
+              <a:ext uri="{FF2B5EF4-FFF2-40B4-BE49-F238E27FC236}">
+                <a16:creationId xmlns:a16="http://schemas.microsoft.com/office/drawing/2014/main" id="{AED16583-D5DC-C430-8C90-C48E8047F5EF}"/>
+              </a:ext>
+            </a:extLst>
+          </p:cNvPr>
+          <p:cNvSpPr>
+            <a:spLocks noGrp="1"/>
+          </p:cNvSpPr>
+          <p:nvPr>
+            <p:ph type="dt" sz="half" idx="10"/>
+          </p:nvPr>
+        </p:nvSpPr>
+        <p:spPr/>
+        <p:txBody>
+          <a:bodyPr/>
+          <a:lstStyle/>
+          <a:p>
+            <a:fld id="{0EFBEC3F-4208-4590-BA97-4119A385DFD9}" type="datetime1">
+              <a:rPr lang="en-US" smtClean="0"/>
+              <a:t>8/11/2025</a:t>
+            </a:fld>
+            <a:endParaRPr lang="en-US"/>
+          </a:p>
+        </p:txBody>
+      </p:sp>
+      <p:sp>
+        <p:nvSpPr>
+          <p:cNvPr id="5" name="Slide Number Placeholder 4">
+            <a:extLst>
+              <a:ext uri="{FF2B5EF4-FFF2-40B4-BE49-F238E27FC236}">
+                <a16:creationId xmlns:a16="http://schemas.microsoft.com/office/drawing/2014/main" id="{6C4C937C-EBF8-3931-8764-B1303BA95712}"/>
+              </a:ext>
+            </a:extLst>
+          </p:cNvPr>
+          <p:cNvSpPr>
+            <a:spLocks noGrp="1"/>
+          </p:cNvSpPr>
+          <p:nvPr>
+            <p:ph type="sldNum" sz="quarter" idx="12"/>
+          </p:nvPr>
+        </p:nvSpPr>
+        <p:spPr/>
+        <p:txBody>
+          <a:bodyPr/>
+          <a:lstStyle/>
+          <a:p>
+            <a:fld id="{C1FF6DA9-008F-8B48-92A6-B652298478BF}" type="slidenum">
+              <a:rPr lang="en-US" smtClean="0"/>
+              <a:t>22</a:t>
+            </a:fld>
+            <a:endParaRPr lang="en-US"/>
+          </a:p>
+        </p:txBody>
+      </p:sp>
+      <p:sp>
+        <p:nvSpPr>
+          <p:cNvPr id="6" name="AutoShape 2">
+            <a:extLst>
+              <a:ext uri="{FF2B5EF4-FFF2-40B4-BE49-F238E27FC236}">
+                <a16:creationId xmlns:a16="http://schemas.microsoft.com/office/drawing/2014/main" id="{956CF89C-97FE-6AC3-9CDD-500DC6BCBFF8}"/>
+              </a:ext>
+            </a:extLst>
+          </p:cNvPr>
+          <p:cNvSpPr>
+            <a:spLocks noChangeAspect="1" noChangeArrowheads="1"/>
+          </p:cNvSpPr>
+          <p:nvPr/>
+        </p:nvSpPr>
+        <p:spPr bwMode="auto">
+          <a:xfrm>
+            <a:off x="4419600" y="3276600"/>
+            <a:ext cx="304800" cy="304800"/>
+          </a:xfrm>
+          <a:prstGeom prst="rect">
+            <a:avLst/>
+          </a:prstGeom>
+          <a:noFill/>
+          <a:extLst>
+            <a:ext uri="{909E8E84-426E-40DD-AFC4-6F175D3DCCD1}">
+              <a14:hiddenFill xmlns:a14="http://schemas.microsoft.com/office/drawing/2010/main">
+                <a:solidFill>
+                  <a:srgbClr val="FFFFFF"/>
+                </a:solidFill>
+              </a14:hiddenFill>
+            </a:ext>
+          </a:extLst>
+        </p:spPr>
+        <p:txBody>
+          <a:bodyPr vert="horz" wrap="square" lIns="91440" tIns="45720" rIns="91440" bIns="45720" numCol="1" anchor="t" anchorCtr="0" compatLnSpc="1">
+            <a:prstTxWarp prst="textNoShape">
+              <a:avLst/>
+            </a:prstTxWarp>
+          </a:bodyPr>
+          <a:lstStyle/>
+          <a:p>
+            <a:endParaRPr lang="en-US"/>
+          </a:p>
+        </p:txBody>
+      </p:sp>
+      <p:pic>
+        <p:nvPicPr>
+          <p:cNvPr id="9" name="Picture 8" descr="A graph with orange lines&#10;&#10;AI-generated content may be incorrect.">
+            <a:extLst>
+              <a:ext uri="{FF2B5EF4-FFF2-40B4-BE49-F238E27FC236}">
+                <a16:creationId xmlns:a16="http://schemas.microsoft.com/office/drawing/2014/main" id="{54B59DC8-E55C-9469-C67F-232080C5E7DB}"/>
+              </a:ext>
+            </a:extLst>
+          </p:cNvPr>
+          <p:cNvPicPr>
+            <a:picLocks noChangeAspect="1"/>
+          </p:cNvPicPr>
+          <p:nvPr/>
+        </p:nvPicPr>
+        <p:blipFill>
+          <a:blip r:embed="rId2"/>
+          <a:stretch>
+            <a:fillRect/>
+          </a:stretch>
+        </p:blipFill>
+        <p:spPr>
+          <a:xfrm>
+            <a:off x="450850" y="2308532"/>
+            <a:ext cx="5006348" cy="3156924"/>
+          </a:xfrm>
+          <a:prstGeom prst="rect">
+            <a:avLst/>
+          </a:prstGeom>
+        </p:spPr>
+      </p:pic>
+    </p:spTree>
+    <p:extLst>
+      <p:ext uri="{BB962C8B-B14F-4D97-AF65-F5344CB8AC3E}">
+        <p14:creationId xmlns:p14="http://schemas.microsoft.com/office/powerpoint/2010/main" val="486094350"/>
+      </p:ext>
+    </p:extLst>
+  </p:cSld>
+  <p:clrMapOvr>
+    <a:masterClrMapping/>
+  </p:clrMapOvr>
+</p:sld>
+</file>
+
+<file path=ppt/slides/slide23.xml><?xml version="1.0" encoding="utf-8"?>
+<p:sld xmlns:a="http://schemas.openxmlformats.org/drawingml/2006/main" xmlns:r="http://schemas.openxmlformats.org/officeDocument/2006/relationships" xmlns:p="http://schemas.openxmlformats.org/presentationml/2006/main">
+  <p:cSld>
+    <p:spTree>
+      <p:nvGrpSpPr>
+        <p:cNvPr id="1" name="">
+          <a:extLst>
+            <a:ext uri="{FF2B5EF4-FFF2-40B4-BE49-F238E27FC236}">
+              <a16:creationId xmlns:a16="http://schemas.microsoft.com/office/drawing/2014/main" id="{18ABA7DA-3C7F-B7BA-8110-67B6C78DFDEC}"/>
+            </a:ext>
+          </a:extLst>
+        </p:cNvPr>
+        <p:cNvGrpSpPr/>
+        <p:nvPr/>
+      </p:nvGrpSpPr>
+      <p:grpSpPr>
+        <a:xfrm>
+          <a:off x="0" y="0"/>
+          <a:ext cx="0" cy="0"/>
+          <a:chOff x="0" y="0"/>
+          <a:chExt cx="0" cy="0"/>
+        </a:xfrm>
+      </p:grpSpPr>
+      <p:sp>
+        <p:nvSpPr>
+          <p:cNvPr id="2" name="Title 1">
+            <a:extLst>
+              <a:ext uri="{FF2B5EF4-FFF2-40B4-BE49-F238E27FC236}">
+                <a16:creationId xmlns:a16="http://schemas.microsoft.com/office/drawing/2014/main" id="{F9B93DA7-7615-8795-3674-0FD666CB53CF}"/>
+              </a:ext>
+            </a:extLst>
+          </p:cNvPr>
+          <p:cNvSpPr>
+            <a:spLocks noGrp="1"/>
+          </p:cNvSpPr>
+          <p:nvPr>
+            <p:ph type="title"/>
+          </p:nvPr>
+        </p:nvSpPr>
+        <p:spPr/>
+        <p:txBody>
+          <a:bodyPr>
+            <a:normAutofit fontScale="90000"/>
+          </a:bodyPr>
+          <a:lstStyle/>
+          <a:p>
+            <a:r>
+              <a:rPr lang="en-US" dirty="0"/>
+              <a:t>Period Highlight – 10</a:t>
+            </a:r>
+            <a:br>
+              <a:rPr lang="en-US" dirty="0"/>
+            </a:br>
+            <a:r>
+              <a:rPr lang="en-US" sz="3200" dirty="0"/>
+              <a:t>Software Implementations</a:t>
+            </a:r>
+          </a:p>
+        </p:txBody>
+      </p:sp>
+      <p:sp>
+        <p:nvSpPr>
+          <p:cNvPr id="3" name="Content Placeholder 2">
+            <a:extLst>
+              <a:ext uri="{FF2B5EF4-FFF2-40B4-BE49-F238E27FC236}">
+                <a16:creationId xmlns:a16="http://schemas.microsoft.com/office/drawing/2014/main" id="{C675D0DD-533E-62CD-EF34-568364DF9BBB}"/>
+              </a:ext>
+            </a:extLst>
+          </p:cNvPr>
+          <p:cNvSpPr>
+            <a:spLocks noGrp="1"/>
+          </p:cNvSpPr>
+          <p:nvPr>
+            <p:ph idx="1"/>
+          </p:nvPr>
+        </p:nvSpPr>
+        <p:spPr/>
+        <p:txBody>
+          <a:bodyPr/>
+          <a:lstStyle/>
+          <a:p>
+            <a:r>
+              <a:rPr lang="en-US" dirty="0"/>
+              <a:t>Trajectory Hallway test</a:t>
+            </a:r>
+          </a:p>
+          <a:p>
+            <a:endParaRPr lang="en-US" dirty="0"/>
+          </a:p>
+          <a:p>
+            <a:pPr lvl="1"/>
+            <a:endParaRPr lang="en-US" dirty="0"/>
+          </a:p>
+        </p:txBody>
+      </p:sp>
+      <p:sp>
+        <p:nvSpPr>
+          <p:cNvPr id="4" name="Date Placeholder 3">
+            <a:extLst>
+              <a:ext uri="{FF2B5EF4-FFF2-40B4-BE49-F238E27FC236}">
+                <a16:creationId xmlns:a16="http://schemas.microsoft.com/office/drawing/2014/main" id="{E796364E-0165-5832-A28C-ED79863CD754}"/>
+              </a:ext>
+            </a:extLst>
+          </p:cNvPr>
+          <p:cNvSpPr>
+            <a:spLocks noGrp="1"/>
+          </p:cNvSpPr>
+          <p:nvPr>
+            <p:ph type="dt" sz="half" idx="10"/>
+          </p:nvPr>
+        </p:nvSpPr>
+        <p:spPr/>
+        <p:txBody>
+          <a:bodyPr/>
+          <a:lstStyle/>
+          <a:p>
+            <a:fld id="{0EFBEC3F-4208-4590-BA97-4119A385DFD9}" type="datetime1">
+              <a:rPr lang="en-US" smtClean="0"/>
+              <a:t>8/11/2025</a:t>
+            </a:fld>
+            <a:endParaRPr lang="en-US"/>
+          </a:p>
+        </p:txBody>
+      </p:sp>
+      <p:sp>
+        <p:nvSpPr>
+          <p:cNvPr id="5" name="Slide Number Placeholder 4">
+            <a:extLst>
+              <a:ext uri="{FF2B5EF4-FFF2-40B4-BE49-F238E27FC236}">
+                <a16:creationId xmlns:a16="http://schemas.microsoft.com/office/drawing/2014/main" id="{F2D60FE8-F602-3066-3978-ED8719FC947D}"/>
+              </a:ext>
+            </a:extLst>
+          </p:cNvPr>
+          <p:cNvSpPr>
+            <a:spLocks noGrp="1"/>
+          </p:cNvSpPr>
+          <p:nvPr>
+            <p:ph type="sldNum" sz="quarter" idx="12"/>
+          </p:nvPr>
+        </p:nvSpPr>
+        <p:spPr/>
+        <p:txBody>
+          <a:bodyPr/>
+          <a:lstStyle/>
+          <a:p>
+            <a:fld id="{C1FF6DA9-008F-8B48-92A6-B652298478BF}" type="slidenum">
+              <a:rPr lang="en-US" smtClean="0"/>
+              <a:t>23</a:t>
+            </a:fld>
+            <a:endParaRPr lang="en-US"/>
+          </a:p>
+        </p:txBody>
+      </p:sp>
+      <p:sp>
+        <p:nvSpPr>
+          <p:cNvPr id="6" name="AutoShape 2">
+            <a:extLst>
+              <a:ext uri="{FF2B5EF4-FFF2-40B4-BE49-F238E27FC236}">
+                <a16:creationId xmlns:a16="http://schemas.microsoft.com/office/drawing/2014/main" id="{94F69393-B117-50EA-E4BC-AA2FDCEA96E3}"/>
+              </a:ext>
+            </a:extLst>
+          </p:cNvPr>
+          <p:cNvSpPr>
+            <a:spLocks noChangeAspect="1" noChangeArrowheads="1"/>
+          </p:cNvSpPr>
+          <p:nvPr/>
+        </p:nvSpPr>
+        <p:spPr bwMode="auto">
+          <a:xfrm>
+            <a:off x="4419600" y="3276600"/>
+            <a:ext cx="304800" cy="304800"/>
+          </a:xfrm>
+          <a:prstGeom prst="rect">
+            <a:avLst/>
+          </a:prstGeom>
+          <a:noFill/>
+          <a:extLst>
+            <a:ext uri="{909E8E84-426E-40DD-AFC4-6F175D3DCCD1}">
+              <a14:hiddenFill xmlns:a14="http://schemas.microsoft.com/office/drawing/2010/main">
+                <a:solidFill>
+                  <a:srgbClr val="FFFFFF"/>
+                </a:solidFill>
+              </a14:hiddenFill>
+            </a:ext>
+          </a:extLst>
+        </p:spPr>
+        <p:txBody>
+          <a:bodyPr vert="horz" wrap="square" lIns="91440" tIns="45720" rIns="91440" bIns="45720" numCol="1" anchor="t" anchorCtr="0" compatLnSpc="1">
+            <a:prstTxWarp prst="textNoShape">
+              <a:avLst/>
+            </a:prstTxWarp>
+          </a:bodyPr>
+          <a:lstStyle/>
+          <a:p>
+            <a:endParaRPr lang="en-US"/>
+          </a:p>
+        </p:txBody>
+      </p:sp>
+      <p:pic>
+        <p:nvPicPr>
+          <p:cNvPr id="9" name="Picture 8" descr="A graph with a line&#10;&#10;AI-generated content may be incorrect.">
+            <a:extLst>
+              <a:ext uri="{FF2B5EF4-FFF2-40B4-BE49-F238E27FC236}">
+                <a16:creationId xmlns:a16="http://schemas.microsoft.com/office/drawing/2014/main" id="{BB2DE618-BAD2-F247-DADE-EEA3E2372ECE}"/>
+              </a:ext>
+            </a:extLst>
+          </p:cNvPr>
+          <p:cNvPicPr>
+            <a:picLocks noChangeAspect="1"/>
+          </p:cNvPicPr>
+          <p:nvPr/>
+        </p:nvPicPr>
+        <p:blipFill>
+          <a:blip r:embed="rId2"/>
+          <a:stretch>
+            <a:fillRect/>
+          </a:stretch>
+        </p:blipFill>
+        <p:spPr>
+          <a:xfrm>
+            <a:off x="1183790" y="2382483"/>
+            <a:ext cx="6471620" cy="3858773"/>
+          </a:xfrm>
+          <a:prstGeom prst="rect">
+            <a:avLst/>
+          </a:prstGeom>
+        </p:spPr>
+      </p:pic>
+    </p:spTree>
+    <p:extLst>
+      <p:ext uri="{BB962C8B-B14F-4D97-AF65-F5344CB8AC3E}">
+        <p14:creationId xmlns:p14="http://schemas.microsoft.com/office/powerpoint/2010/main" val="3972611399"/>
+      </p:ext>
+    </p:extLst>
+  </p:cSld>
+  <p:clrMapOvr>
+    <a:masterClrMapping/>
+  </p:clrMapOvr>
+</p:sld>
+</file>
+
+<file path=ppt/slides/slide24.xml><?xml version="1.0" encoding="utf-8"?>
+<p:sld xmlns:a="http://schemas.openxmlformats.org/drawingml/2006/main" xmlns:r="http://schemas.openxmlformats.org/officeDocument/2006/relationships" xmlns:p="http://schemas.openxmlformats.org/presentationml/2006/main">
+  <p:cSld>
+    <p:spTree>
+      <p:nvGrpSpPr>
+        <p:cNvPr id="1" name="">
+          <a:extLst>
+            <a:ext uri="{FF2B5EF4-FFF2-40B4-BE49-F238E27FC236}">
+              <a16:creationId xmlns:a16="http://schemas.microsoft.com/office/drawing/2014/main" id="{EA1B3481-2975-BB29-F536-E0BB8EC29AC2}"/>
+            </a:ext>
+          </a:extLst>
+        </p:cNvPr>
+        <p:cNvGrpSpPr/>
+        <p:nvPr/>
+      </p:nvGrpSpPr>
+      <p:grpSpPr>
+        <a:xfrm>
+          <a:off x="0" y="0"/>
+          <a:ext cx="0" cy="0"/>
+          <a:chOff x="0" y="0"/>
+          <a:chExt cx="0" cy="0"/>
+        </a:xfrm>
+      </p:grpSpPr>
+      <p:sp>
+        <p:nvSpPr>
+          <p:cNvPr id="2" name="Title 1">
+            <a:extLst>
+              <a:ext uri="{FF2B5EF4-FFF2-40B4-BE49-F238E27FC236}">
+                <a16:creationId xmlns:a16="http://schemas.microsoft.com/office/drawing/2014/main" id="{43508C52-E5EE-3BCD-EF86-AB4F41B4752D}"/>
+              </a:ext>
+            </a:extLst>
+          </p:cNvPr>
+          <p:cNvSpPr>
+            <a:spLocks noGrp="1"/>
+          </p:cNvSpPr>
+          <p:nvPr>
+            <p:ph type="title"/>
+          </p:nvPr>
+        </p:nvSpPr>
+        <p:spPr/>
+        <p:txBody>
+          <a:bodyPr>
+            <a:normAutofit fontScale="90000"/>
+          </a:bodyPr>
+          <a:lstStyle/>
+          <a:p>
+            <a:r>
+              <a:rPr lang="en-US" dirty="0"/>
+              <a:t>Period Highlight – 10</a:t>
+            </a:r>
+            <a:br>
+              <a:rPr lang="en-US" dirty="0"/>
+            </a:br>
+            <a:r>
+              <a:rPr lang="en-US" sz="3200" dirty="0"/>
+              <a:t>Software Preparations</a:t>
+            </a:r>
+          </a:p>
+        </p:txBody>
+      </p:sp>
+      <p:sp>
+        <p:nvSpPr>
+          <p:cNvPr id="3" name="Content Placeholder 2">
+            <a:extLst>
+              <a:ext uri="{FF2B5EF4-FFF2-40B4-BE49-F238E27FC236}">
+                <a16:creationId xmlns:a16="http://schemas.microsoft.com/office/drawing/2014/main" id="{B4C0236B-1528-AE9D-2671-B064BADE5ED8}"/>
+              </a:ext>
+            </a:extLst>
+          </p:cNvPr>
+          <p:cNvSpPr>
+            <a:spLocks noGrp="1"/>
+          </p:cNvSpPr>
+          <p:nvPr>
+            <p:ph idx="1"/>
+          </p:nvPr>
+        </p:nvSpPr>
+        <p:spPr/>
+        <p:txBody>
+          <a:bodyPr/>
+          <a:lstStyle/>
+          <a:p>
+            <a:r>
+              <a:rPr lang="en-US" dirty="0"/>
+              <a:t>Joining instant ego-motion using Doppler.</a:t>
+            </a:r>
+          </a:p>
+          <a:p>
+            <a:endParaRPr lang="en-US" dirty="0"/>
+          </a:p>
+          <a:p>
+            <a:pPr lvl="1"/>
+            <a:endParaRPr lang="en-US" dirty="0"/>
+          </a:p>
+        </p:txBody>
+      </p:sp>
+      <p:sp>
+        <p:nvSpPr>
+          <p:cNvPr id="4" name="Date Placeholder 3">
+            <a:extLst>
+              <a:ext uri="{FF2B5EF4-FFF2-40B4-BE49-F238E27FC236}">
+                <a16:creationId xmlns:a16="http://schemas.microsoft.com/office/drawing/2014/main" id="{BBBE7FEB-E3C7-4100-B8A5-7496E73537D8}"/>
+              </a:ext>
+            </a:extLst>
+          </p:cNvPr>
+          <p:cNvSpPr>
+            <a:spLocks noGrp="1"/>
+          </p:cNvSpPr>
+          <p:nvPr>
+            <p:ph type="dt" sz="half" idx="10"/>
+          </p:nvPr>
+        </p:nvSpPr>
+        <p:spPr/>
+        <p:txBody>
+          <a:bodyPr/>
+          <a:lstStyle/>
+          <a:p>
+            <a:fld id="{0EFBEC3F-4208-4590-BA97-4119A385DFD9}" type="datetime1">
+              <a:rPr lang="en-US" smtClean="0"/>
+              <a:t>8/11/2025</a:t>
+            </a:fld>
+            <a:endParaRPr lang="en-US"/>
+          </a:p>
+        </p:txBody>
+      </p:sp>
+      <p:sp>
+        <p:nvSpPr>
+          <p:cNvPr id="5" name="Slide Number Placeholder 4">
+            <a:extLst>
+              <a:ext uri="{FF2B5EF4-FFF2-40B4-BE49-F238E27FC236}">
+                <a16:creationId xmlns:a16="http://schemas.microsoft.com/office/drawing/2014/main" id="{5CEBA272-052B-300E-BF76-6BC7BE5755CE}"/>
+              </a:ext>
+            </a:extLst>
+          </p:cNvPr>
+          <p:cNvSpPr>
+            <a:spLocks noGrp="1"/>
+          </p:cNvSpPr>
+          <p:nvPr>
+            <p:ph type="sldNum" sz="quarter" idx="12"/>
+          </p:nvPr>
+        </p:nvSpPr>
+        <p:spPr/>
+        <p:txBody>
+          <a:bodyPr/>
+          <a:lstStyle/>
+          <a:p>
+            <a:fld id="{C1FF6DA9-008F-8B48-92A6-B652298478BF}" type="slidenum">
+              <a:rPr lang="en-US" smtClean="0"/>
+              <a:t>24</a:t>
+            </a:fld>
+            <a:endParaRPr lang="en-US"/>
+          </a:p>
+        </p:txBody>
+      </p:sp>
+      <p:sp>
+        <p:nvSpPr>
+          <p:cNvPr id="6" name="AutoShape 2">
+            <a:extLst>
+              <a:ext uri="{FF2B5EF4-FFF2-40B4-BE49-F238E27FC236}">
+                <a16:creationId xmlns:a16="http://schemas.microsoft.com/office/drawing/2014/main" id="{5C3F0749-3547-FBB5-343C-8317BCAF0E54}"/>
+              </a:ext>
+            </a:extLst>
+          </p:cNvPr>
+          <p:cNvSpPr>
+            <a:spLocks noChangeAspect="1" noChangeArrowheads="1"/>
+          </p:cNvSpPr>
+          <p:nvPr/>
+        </p:nvSpPr>
+        <p:spPr bwMode="auto">
+          <a:xfrm>
+            <a:off x="4419600" y="3276600"/>
+            <a:ext cx="304800" cy="304800"/>
+          </a:xfrm>
+          <a:prstGeom prst="rect">
+            <a:avLst/>
+          </a:prstGeom>
+          <a:noFill/>
+          <a:extLst>
+            <a:ext uri="{909E8E84-426E-40DD-AFC4-6F175D3DCCD1}">
+              <a14:hiddenFill xmlns:a14="http://schemas.microsoft.com/office/drawing/2010/main">
+                <a:solidFill>
+                  <a:srgbClr val="FFFFFF"/>
+                </a:solidFill>
+              </a14:hiddenFill>
+            </a:ext>
+          </a:extLst>
+        </p:spPr>
+        <p:txBody>
+          <a:bodyPr vert="horz" wrap="square" lIns="91440" tIns="45720" rIns="91440" bIns="45720" numCol="1" anchor="t" anchorCtr="0" compatLnSpc="1">
+            <a:prstTxWarp prst="textNoShape">
+              <a:avLst/>
+            </a:prstTxWarp>
+          </a:bodyPr>
+          <a:lstStyle/>
+          <a:p>
+            <a:endParaRPr lang="en-US"/>
+          </a:p>
+        </p:txBody>
+      </p:sp>
+      <p:pic>
+        <p:nvPicPr>
+          <p:cNvPr id="8" name="Picture 7">
+            <a:extLst>
+              <a:ext uri="{FF2B5EF4-FFF2-40B4-BE49-F238E27FC236}">
+                <a16:creationId xmlns:a16="http://schemas.microsoft.com/office/drawing/2014/main" id="{DE24F02A-602C-B9BE-AAD6-A0F9626F2BEE}"/>
+              </a:ext>
+            </a:extLst>
+          </p:cNvPr>
+          <p:cNvPicPr>
+            <a:picLocks noChangeAspect="1"/>
+          </p:cNvPicPr>
+          <p:nvPr/>
+        </p:nvPicPr>
+        <p:blipFill>
+          <a:blip r:embed="rId2"/>
+          <a:stretch>
+            <a:fillRect/>
+          </a:stretch>
+        </p:blipFill>
+        <p:spPr>
+          <a:xfrm>
+            <a:off x="450850" y="2171503"/>
+            <a:ext cx="7506748" cy="2819794"/>
+          </a:xfrm>
+          <a:prstGeom prst="rect">
+            <a:avLst/>
+          </a:prstGeom>
+        </p:spPr>
+      </p:pic>
+      <p:pic>
+        <p:nvPicPr>
+          <p:cNvPr id="10" name="Picture 9">
+            <a:extLst>
+              <a:ext uri="{FF2B5EF4-FFF2-40B4-BE49-F238E27FC236}">
+                <a16:creationId xmlns:a16="http://schemas.microsoft.com/office/drawing/2014/main" id="{D4E78A5C-EE94-B32D-FABF-D5810F03B560}"/>
+              </a:ext>
+            </a:extLst>
+          </p:cNvPr>
+          <p:cNvPicPr>
+            <a:picLocks noChangeAspect="1"/>
+          </p:cNvPicPr>
+          <p:nvPr/>
+        </p:nvPicPr>
+        <p:blipFill>
+          <a:blip r:embed="rId3"/>
+          <a:stretch>
+            <a:fillRect/>
+          </a:stretch>
+        </p:blipFill>
+        <p:spPr>
+          <a:xfrm>
+            <a:off x="5193684" y="4066069"/>
+            <a:ext cx="3950316" cy="2310829"/>
+          </a:xfrm>
+          <a:prstGeom prst="rect">
+            <a:avLst/>
+          </a:prstGeom>
+        </p:spPr>
+      </p:pic>
+    </p:spTree>
+    <p:extLst>
+      <p:ext uri="{BB962C8B-B14F-4D97-AF65-F5344CB8AC3E}">
+        <p14:creationId xmlns:p14="http://schemas.microsoft.com/office/powerpoint/2010/main" val="3277119280"/>
+      </p:ext>
+    </p:extLst>
+  </p:cSld>
+  <p:clrMapOvr>
+    <a:masterClrMapping/>
+  </p:clrMapOvr>
+</p:sld>
+</file>
+
+<file path=ppt/slides/slide25.xml><?xml version="1.0" encoding="utf-8"?>
+<p:sld xmlns:a="http://schemas.openxmlformats.org/drawingml/2006/main" xmlns:r="http://schemas.openxmlformats.org/officeDocument/2006/relationships" xmlns:p="http://schemas.openxmlformats.org/presentationml/2006/main">
+  <p:cSld>
+    <p:spTree>
+      <p:nvGrpSpPr>
+        <p:cNvPr id="1" name="">
+          <a:extLst>
+            <a:ext uri="{FF2B5EF4-FFF2-40B4-BE49-F238E27FC236}">
+              <a16:creationId xmlns:a16="http://schemas.microsoft.com/office/drawing/2014/main" id="{F64B8150-F7B2-E7D5-5734-E3B2638D30A5}"/>
+            </a:ext>
+          </a:extLst>
+        </p:cNvPr>
+        <p:cNvGrpSpPr/>
+        <p:nvPr/>
+      </p:nvGrpSpPr>
+      <p:grpSpPr>
+        <a:xfrm>
+          <a:off x="0" y="0"/>
+          <a:ext cx="0" cy="0"/>
+          <a:chOff x="0" y="0"/>
+          <a:chExt cx="0" cy="0"/>
+        </a:xfrm>
+      </p:grpSpPr>
+      <p:sp>
+        <p:nvSpPr>
+          <p:cNvPr id="2" name="Title 1">
+            <a:extLst>
+              <a:ext uri="{FF2B5EF4-FFF2-40B4-BE49-F238E27FC236}">
+                <a16:creationId xmlns:a16="http://schemas.microsoft.com/office/drawing/2014/main" id="{ED695BF7-E6FC-495B-BF66-ADEEC70B0ACB}"/>
+              </a:ext>
+            </a:extLst>
+          </p:cNvPr>
+          <p:cNvSpPr>
+            <a:spLocks noGrp="1"/>
+          </p:cNvSpPr>
+          <p:nvPr>
+            <p:ph type="title"/>
+          </p:nvPr>
+        </p:nvSpPr>
+        <p:spPr/>
+        <p:txBody>
+          <a:bodyPr>
+            <a:normAutofit fontScale="90000"/>
+          </a:bodyPr>
+          <a:lstStyle/>
+          <a:p>
+            <a:r>
+              <a:rPr lang="en-US" dirty="0"/>
+              <a:t>Period Highlight – 10</a:t>
+            </a:r>
+            <a:br>
+              <a:rPr lang="en-US" dirty="0"/>
+            </a:br>
+            <a:r>
+              <a:rPr lang="en-US" sz="3200" dirty="0"/>
+              <a:t>Hardware Preparations</a:t>
+            </a:r>
+          </a:p>
+        </p:txBody>
+      </p:sp>
+      <p:sp>
+        <p:nvSpPr>
+          <p:cNvPr id="3" name="Content Placeholder 2">
+            <a:extLst>
+              <a:ext uri="{FF2B5EF4-FFF2-40B4-BE49-F238E27FC236}">
+                <a16:creationId xmlns:a16="http://schemas.microsoft.com/office/drawing/2014/main" id="{FC9663D8-7A60-ABAB-116C-9149FBAA6C6E}"/>
+              </a:ext>
+            </a:extLst>
+          </p:cNvPr>
+          <p:cNvSpPr>
+            <a:spLocks noGrp="1"/>
+          </p:cNvSpPr>
+          <p:nvPr>
+            <p:ph idx="1"/>
+          </p:nvPr>
+        </p:nvSpPr>
+        <p:spPr/>
+        <p:txBody>
+          <a:bodyPr/>
+          <a:lstStyle/>
+          <a:p>
+            <a:r>
+              <a:rPr lang="en-US" dirty="0"/>
+              <a:t>Investigate and plan about inserting a second sensor.</a:t>
+            </a:r>
+          </a:p>
+          <a:p>
+            <a:r>
+              <a:rPr lang="en-US" dirty="0"/>
+              <a:t>Due to lack of continuous point clouds.</a:t>
+            </a:r>
+          </a:p>
+          <a:p>
+            <a:r>
+              <a:rPr lang="en-US" dirty="0"/>
+              <a:t>Positive results from merging Cartesian speed and ICP translation.</a:t>
+            </a:r>
+          </a:p>
+          <a:p>
+            <a:endParaRPr lang="en-US" dirty="0"/>
+          </a:p>
+          <a:p>
+            <a:pPr lvl="1"/>
+            <a:endParaRPr lang="en-US" dirty="0"/>
+          </a:p>
+        </p:txBody>
+      </p:sp>
+      <p:sp>
+        <p:nvSpPr>
+          <p:cNvPr id="4" name="Date Placeholder 3">
+            <a:extLst>
+              <a:ext uri="{FF2B5EF4-FFF2-40B4-BE49-F238E27FC236}">
+                <a16:creationId xmlns:a16="http://schemas.microsoft.com/office/drawing/2014/main" id="{6A0764AD-43CF-A9C2-3C9C-1DC7C0516CED}"/>
+              </a:ext>
+            </a:extLst>
+          </p:cNvPr>
+          <p:cNvSpPr>
+            <a:spLocks noGrp="1"/>
+          </p:cNvSpPr>
+          <p:nvPr>
+            <p:ph type="dt" sz="half" idx="10"/>
+          </p:nvPr>
+        </p:nvSpPr>
+        <p:spPr/>
+        <p:txBody>
+          <a:bodyPr/>
+          <a:lstStyle/>
+          <a:p>
+            <a:fld id="{0EFBEC3F-4208-4590-BA97-4119A385DFD9}" type="datetime1">
+              <a:rPr lang="en-US" smtClean="0"/>
+              <a:t>8/11/2025</a:t>
+            </a:fld>
+            <a:endParaRPr lang="en-US"/>
+          </a:p>
+        </p:txBody>
+      </p:sp>
+      <p:sp>
+        <p:nvSpPr>
+          <p:cNvPr id="5" name="Slide Number Placeholder 4">
+            <a:extLst>
+              <a:ext uri="{FF2B5EF4-FFF2-40B4-BE49-F238E27FC236}">
+                <a16:creationId xmlns:a16="http://schemas.microsoft.com/office/drawing/2014/main" id="{D3885117-2021-09E3-C6E3-F5A0C87AF6CA}"/>
+              </a:ext>
+            </a:extLst>
+          </p:cNvPr>
+          <p:cNvSpPr>
+            <a:spLocks noGrp="1"/>
+          </p:cNvSpPr>
+          <p:nvPr>
+            <p:ph type="sldNum" sz="quarter" idx="12"/>
+          </p:nvPr>
+        </p:nvSpPr>
+        <p:spPr/>
+        <p:txBody>
+          <a:bodyPr/>
+          <a:lstStyle/>
+          <a:p>
+            <a:fld id="{C1FF6DA9-008F-8B48-92A6-B652298478BF}" type="slidenum">
+              <a:rPr lang="en-US" smtClean="0"/>
+              <a:t>25</a:t>
+            </a:fld>
+            <a:endParaRPr lang="en-US"/>
+          </a:p>
+        </p:txBody>
+      </p:sp>
+      <p:sp>
+        <p:nvSpPr>
+          <p:cNvPr id="6" name="AutoShape 2">
+            <a:extLst>
+              <a:ext uri="{FF2B5EF4-FFF2-40B4-BE49-F238E27FC236}">
+                <a16:creationId xmlns:a16="http://schemas.microsoft.com/office/drawing/2014/main" id="{2446405B-7752-2030-7780-0EDF077D9282}"/>
+              </a:ext>
+            </a:extLst>
+          </p:cNvPr>
+          <p:cNvSpPr>
+            <a:spLocks noChangeAspect="1" noChangeArrowheads="1"/>
+          </p:cNvSpPr>
+          <p:nvPr/>
+        </p:nvSpPr>
+        <p:spPr bwMode="auto">
+          <a:xfrm>
+            <a:off x="4419600" y="3276600"/>
+            <a:ext cx="304800" cy="304800"/>
+          </a:xfrm>
+          <a:prstGeom prst="rect">
+            <a:avLst/>
+          </a:prstGeom>
+          <a:noFill/>
+          <a:extLst>
+            <a:ext uri="{909E8E84-426E-40DD-AFC4-6F175D3DCCD1}">
+              <a14:hiddenFill xmlns:a14="http://schemas.microsoft.com/office/drawing/2010/main">
+                <a:solidFill>
+                  <a:srgbClr val="FFFFFF"/>
+                </a:solidFill>
+              </a14:hiddenFill>
+            </a:ext>
+          </a:extLst>
+        </p:spPr>
+        <p:txBody>
+          <a:bodyPr vert="horz" wrap="square" lIns="91440" tIns="45720" rIns="91440" bIns="45720" numCol="1" anchor="t" anchorCtr="0" compatLnSpc="1">
+            <a:prstTxWarp prst="textNoShape">
+              <a:avLst/>
+            </a:prstTxWarp>
+          </a:bodyPr>
+          <a:lstStyle/>
+          <a:p>
+            <a:endParaRPr lang="en-US"/>
+          </a:p>
+        </p:txBody>
+      </p:sp>
+      <p:pic>
+        <p:nvPicPr>
+          <p:cNvPr id="9" name="Picture 8">
+            <a:extLst>
+              <a:ext uri="{FF2B5EF4-FFF2-40B4-BE49-F238E27FC236}">
+                <a16:creationId xmlns:a16="http://schemas.microsoft.com/office/drawing/2014/main" id="{D4A0E354-F930-DFAC-C99B-1FDBF2DB87A7}"/>
+              </a:ext>
+            </a:extLst>
+          </p:cNvPr>
+          <p:cNvPicPr>
+            <a:picLocks noChangeAspect="1"/>
+          </p:cNvPicPr>
+          <p:nvPr/>
+        </p:nvPicPr>
+        <p:blipFill>
+          <a:blip r:embed="rId2"/>
+          <a:stretch>
+            <a:fillRect/>
+          </a:stretch>
+        </p:blipFill>
+        <p:spPr>
+          <a:xfrm>
+            <a:off x="300037" y="4288631"/>
+            <a:ext cx="6603683" cy="1509203"/>
+          </a:xfrm>
+          <a:prstGeom prst="rect">
+            <a:avLst/>
+          </a:prstGeom>
+        </p:spPr>
+      </p:pic>
+      <p:sp>
+        <p:nvSpPr>
+          <p:cNvPr id="11" name="TextBox 10">
+            <a:extLst>
+              <a:ext uri="{FF2B5EF4-FFF2-40B4-BE49-F238E27FC236}">
+                <a16:creationId xmlns:a16="http://schemas.microsoft.com/office/drawing/2014/main" id="{2E740E63-86C4-8CAF-6117-3290A0EBFAEA}"/>
+              </a:ext>
+            </a:extLst>
+          </p:cNvPr>
+          <p:cNvSpPr txBox="1"/>
+          <p:nvPr/>
+        </p:nvSpPr>
+        <p:spPr>
+          <a:xfrm>
+            <a:off x="300037" y="5849164"/>
+            <a:ext cx="5628324" cy="276999"/>
+          </a:xfrm>
+          <a:prstGeom prst="rect">
+            <a:avLst/>
+          </a:prstGeom>
+          <a:noFill/>
+        </p:spPr>
+        <p:txBody>
+          <a:bodyPr wrap="square" rtlCol="0">
+            <a:spAutoFit/>
+          </a:bodyPr>
+          <a:lstStyle/>
+          <a:p>
+            <a:r>
+              <a:rPr lang="en-US" sz="1200" dirty="0"/>
+              <a:t>Image obtained from “Lecture_RadarSystem.pdf” by Andreas Becker.</a:t>
+            </a:r>
+            <a:endParaRPr lang="en-DE" sz="1200" dirty="0"/>
+          </a:p>
+        </p:txBody>
+      </p:sp>
+    </p:spTree>
+    <p:extLst>
+      <p:ext uri="{BB962C8B-B14F-4D97-AF65-F5344CB8AC3E}">
+        <p14:creationId xmlns:p14="http://schemas.microsoft.com/office/powerpoint/2010/main" val="61519381"/>
+      </p:ext>
+    </p:extLst>
+  </p:cSld>
+  <p:clrMapOvr>
+    <a:masterClrMapping/>
+  </p:clrMapOvr>
+</p:sld>
+</file>
+
+<file path=ppt/slides/slide26.xml><?xml version="1.0" encoding="utf-8"?>
+<p:sld xmlns:a="http://schemas.openxmlformats.org/drawingml/2006/main" xmlns:r="http://schemas.openxmlformats.org/officeDocument/2006/relationships" xmlns:p="http://schemas.openxmlformats.org/presentationml/2006/main">
+  <p:cSld>
+    <p:spTree>
+      <p:nvGrpSpPr>
+        <p:cNvPr id="1" name="">
+          <a:extLst>
+            <a:ext uri="{FF2B5EF4-FFF2-40B4-BE49-F238E27FC236}">
+              <a16:creationId xmlns:a16="http://schemas.microsoft.com/office/drawing/2014/main" id="{15BA665D-90EA-10F3-D565-0A4C771CE36B}"/>
+            </a:ext>
+          </a:extLst>
+        </p:cNvPr>
+        <p:cNvGrpSpPr/>
+        <p:nvPr/>
+      </p:nvGrpSpPr>
+      <p:grpSpPr>
+        <a:xfrm>
+          <a:off x="0" y="0"/>
+          <a:ext cx="0" cy="0"/>
+          <a:chOff x="0" y="0"/>
+          <a:chExt cx="0" cy="0"/>
+        </a:xfrm>
+      </p:grpSpPr>
+      <p:sp>
+        <p:nvSpPr>
+          <p:cNvPr id="2" name="Title 1">
+            <a:extLst>
+              <a:ext uri="{FF2B5EF4-FFF2-40B4-BE49-F238E27FC236}">
+                <a16:creationId xmlns:a16="http://schemas.microsoft.com/office/drawing/2014/main" id="{DEB510A2-B9A1-EB81-7A0D-9B183CB55209}"/>
+              </a:ext>
+            </a:extLst>
+          </p:cNvPr>
+          <p:cNvSpPr>
+            <a:spLocks noGrp="1"/>
+          </p:cNvSpPr>
+          <p:nvPr>
+            <p:ph type="title"/>
+          </p:nvPr>
+        </p:nvSpPr>
+        <p:spPr/>
+        <p:txBody>
+          <a:bodyPr>
+            <a:normAutofit fontScale="90000"/>
+          </a:bodyPr>
+          <a:lstStyle/>
+          <a:p>
+            <a:r>
+              <a:rPr lang="en-US" dirty="0"/>
+              <a:t>Period Highlight – 10</a:t>
+            </a:r>
+            <a:br>
+              <a:rPr lang="en-US" dirty="0"/>
+            </a:br>
+            <a:r>
+              <a:rPr lang="en-US" sz="3200" dirty="0"/>
+              <a:t>Hardware Preparations</a:t>
+            </a:r>
+          </a:p>
+        </p:txBody>
+      </p:sp>
+      <p:sp>
+        <p:nvSpPr>
+          <p:cNvPr id="3" name="Content Placeholder 2">
+            <a:extLst>
+              <a:ext uri="{FF2B5EF4-FFF2-40B4-BE49-F238E27FC236}">
+                <a16:creationId xmlns:a16="http://schemas.microsoft.com/office/drawing/2014/main" id="{D2AAAC33-8EBE-7920-1A2F-56C6C4149A7E}"/>
+              </a:ext>
+            </a:extLst>
+          </p:cNvPr>
+          <p:cNvSpPr>
+            <a:spLocks noGrp="1"/>
+          </p:cNvSpPr>
+          <p:nvPr>
+            <p:ph idx="1"/>
+          </p:nvPr>
+        </p:nvSpPr>
+        <p:spPr/>
+        <p:txBody>
+          <a:bodyPr/>
+          <a:lstStyle/>
+          <a:p>
+            <a:r>
+              <a:rPr lang="en-US" dirty="0"/>
+              <a:t>Inclination Angle</a:t>
+            </a:r>
+          </a:p>
+          <a:p>
+            <a:pPr lvl="1"/>
+            <a:endParaRPr lang="en-US" dirty="0"/>
+          </a:p>
+        </p:txBody>
+      </p:sp>
+      <p:sp>
+        <p:nvSpPr>
+          <p:cNvPr id="4" name="Date Placeholder 3">
+            <a:extLst>
+              <a:ext uri="{FF2B5EF4-FFF2-40B4-BE49-F238E27FC236}">
+                <a16:creationId xmlns:a16="http://schemas.microsoft.com/office/drawing/2014/main" id="{23F47F97-A3E5-F07A-C609-19739C98D023}"/>
+              </a:ext>
+            </a:extLst>
+          </p:cNvPr>
+          <p:cNvSpPr>
+            <a:spLocks noGrp="1"/>
+          </p:cNvSpPr>
+          <p:nvPr>
+            <p:ph type="dt" sz="half" idx="10"/>
+          </p:nvPr>
+        </p:nvSpPr>
+        <p:spPr/>
+        <p:txBody>
+          <a:bodyPr/>
+          <a:lstStyle/>
+          <a:p>
+            <a:fld id="{0EFBEC3F-4208-4590-BA97-4119A385DFD9}" type="datetime1">
+              <a:rPr lang="en-US" smtClean="0"/>
+              <a:t>8/11/2025</a:t>
+            </a:fld>
+            <a:endParaRPr lang="en-US"/>
+          </a:p>
+        </p:txBody>
+      </p:sp>
+      <p:sp>
+        <p:nvSpPr>
+          <p:cNvPr id="5" name="Slide Number Placeholder 4">
+            <a:extLst>
+              <a:ext uri="{FF2B5EF4-FFF2-40B4-BE49-F238E27FC236}">
+                <a16:creationId xmlns:a16="http://schemas.microsoft.com/office/drawing/2014/main" id="{2BDB0AD7-E306-681B-46F5-3E4E552D7304}"/>
+              </a:ext>
+            </a:extLst>
+          </p:cNvPr>
+          <p:cNvSpPr>
+            <a:spLocks noGrp="1"/>
+          </p:cNvSpPr>
+          <p:nvPr>
+            <p:ph type="sldNum" sz="quarter" idx="12"/>
+          </p:nvPr>
+        </p:nvSpPr>
+        <p:spPr/>
+        <p:txBody>
+          <a:bodyPr/>
+          <a:lstStyle/>
+          <a:p>
+            <a:fld id="{C1FF6DA9-008F-8B48-92A6-B652298478BF}" type="slidenum">
+              <a:rPr lang="en-US" smtClean="0"/>
+              <a:t>26</a:t>
+            </a:fld>
+            <a:endParaRPr lang="en-US"/>
+          </a:p>
+        </p:txBody>
+      </p:sp>
+      <p:sp>
+        <p:nvSpPr>
+          <p:cNvPr id="6" name="AutoShape 2">
+            <a:extLst>
+              <a:ext uri="{FF2B5EF4-FFF2-40B4-BE49-F238E27FC236}">
+                <a16:creationId xmlns:a16="http://schemas.microsoft.com/office/drawing/2014/main" id="{26824238-D68F-0AB0-C375-3DF8163B1794}"/>
+              </a:ext>
+            </a:extLst>
+          </p:cNvPr>
+          <p:cNvSpPr>
+            <a:spLocks noChangeAspect="1" noChangeArrowheads="1"/>
+          </p:cNvSpPr>
+          <p:nvPr/>
+        </p:nvSpPr>
+        <p:spPr bwMode="auto">
+          <a:xfrm>
+            <a:off x="4419600" y="3276600"/>
+            <a:ext cx="304800" cy="304800"/>
+          </a:xfrm>
+          <a:prstGeom prst="rect">
+            <a:avLst/>
+          </a:prstGeom>
+          <a:noFill/>
+          <a:extLst>
+            <a:ext uri="{909E8E84-426E-40DD-AFC4-6F175D3DCCD1}">
+              <a14:hiddenFill xmlns:a14="http://schemas.microsoft.com/office/drawing/2010/main">
+                <a:solidFill>
+                  <a:srgbClr val="FFFFFF"/>
+                </a:solidFill>
+              </a14:hiddenFill>
+            </a:ext>
+          </a:extLst>
+        </p:spPr>
+        <p:txBody>
+          <a:bodyPr vert="horz" wrap="square" lIns="91440" tIns="45720" rIns="91440" bIns="45720" numCol="1" anchor="t" anchorCtr="0" compatLnSpc="1">
+            <a:prstTxWarp prst="textNoShape">
+              <a:avLst/>
+            </a:prstTxWarp>
+          </a:bodyPr>
+          <a:lstStyle/>
+          <a:p>
+            <a:endParaRPr lang="en-US"/>
+          </a:p>
+        </p:txBody>
+      </p:sp>
+      <p:pic>
+        <p:nvPicPr>
+          <p:cNvPr id="14" name="Picture 13" descr="A graph of a graph showing a variety of colors&#10;&#10;AI-generated content may be incorrect.">
+            <a:extLst>
+              <a:ext uri="{FF2B5EF4-FFF2-40B4-BE49-F238E27FC236}">
+                <a16:creationId xmlns:a16="http://schemas.microsoft.com/office/drawing/2014/main" id="{D6A62ECE-5C32-7233-FF3E-5B896BB0B7E4}"/>
+              </a:ext>
+            </a:extLst>
+          </p:cNvPr>
+          <p:cNvPicPr>
+            <a:picLocks noChangeAspect="1"/>
+          </p:cNvPicPr>
+          <p:nvPr/>
+        </p:nvPicPr>
+        <p:blipFill>
+          <a:blip r:embed="rId2"/>
+          <a:stretch>
+            <a:fillRect/>
+          </a:stretch>
+        </p:blipFill>
+        <p:spPr>
+          <a:xfrm>
+            <a:off x="906311" y="2331393"/>
+            <a:ext cx="7331377" cy="3630495"/>
+          </a:xfrm>
+          <a:prstGeom prst="rect">
+            <a:avLst/>
+          </a:prstGeom>
+        </p:spPr>
+      </p:pic>
+    </p:spTree>
+    <p:extLst>
+      <p:ext uri="{BB962C8B-B14F-4D97-AF65-F5344CB8AC3E}">
+        <p14:creationId xmlns:p14="http://schemas.microsoft.com/office/powerpoint/2010/main" val="3941985749"/>
+      </p:ext>
+    </p:extLst>
+  </p:cSld>
+  <p:clrMapOvr>
+    <a:masterClrMapping/>
+  </p:clrMapOvr>
+</p:sld>
+</file>
+
+<file path=ppt/slides/slide27.xml><?xml version="1.0" encoding="utf-8"?>
+<p:sld xmlns:a="http://schemas.openxmlformats.org/drawingml/2006/main" xmlns:r="http://schemas.openxmlformats.org/officeDocument/2006/relationships" xmlns:p="http://schemas.openxmlformats.org/presentationml/2006/main">
+  <p:cSld>
+    <p:spTree>
+      <p:nvGrpSpPr>
+        <p:cNvPr id="1" name="">
+          <a:extLst>
+            <a:ext uri="{FF2B5EF4-FFF2-40B4-BE49-F238E27FC236}">
+              <a16:creationId xmlns:a16="http://schemas.microsoft.com/office/drawing/2014/main" id="{E0A7520F-E601-B743-D57F-DC964FAC5831}"/>
+            </a:ext>
+          </a:extLst>
+        </p:cNvPr>
+        <p:cNvGrpSpPr/>
+        <p:nvPr/>
+      </p:nvGrpSpPr>
+      <p:grpSpPr>
+        <a:xfrm>
+          <a:off x="0" y="0"/>
+          <a:ext cx="0" cy="0"/>
+          <a:chOff x="0" y="0"/>
+          <a:chExt cx="0" cy="0"/>
+        </a:xfrm>
+      </p:grpSpPr>
+      <p:sp>
+        <p:nvSpPr>
+          <p:cNvPr id="2" name="Title 1">
+            <a:extLst>
+              <a:ext uri="{FF2B5EF4-FFF2-40B4-BE49-F238E27FC236}">
+                <a16:creationId xmlns:a16="http://schemas.microsoft.com/office/drawing/2014/main" id="{3E642EC3-24AB-CE6A-5B07-88D14E85CE13}"/>
+              </a:ext>
+            </a:extLst>
+          </p:cNvPr>
+          <p:cNvSpPr>
+            <a:spLocks noGrp="1"/>
+          </p:cNvSpPr>
+          <p:nvPr>
+            <p:ph type="title"/>
+          </p:nvPr>
+        </p:nvSpPr>
+        <p:spPr/>
+        <p:txBody>
+          <a:bodyPr>
+            <a:normAutofit fontScale="90000"/>
+          </a:bodyPr>
+          <a:lstStyle/>
+          <a:p>
+            <a:r>
+              <a:rPr lang="en-US" dirty="0"/>
+              <a:t>Period Highlight – 10</a:t>
+            </a:r>
+            <a:br>
+              <a:rPr lang="en-US" dirty="0"/>
+            </a:br>
+            <a:r>
+              <a:rPr lang="en-US" sz="3200" dirty="0"/>
+              <a:t>Hardware Preparations</a:t>
+            </a:r>
+          </a:p>
+        </p:txBody>
+      </p:sp>
+      <p:sp>
+        <p:nvSpPr>
+          <p:cNvPr id="3" name="Content Placeholder 2">
+            <a:extLst>
+              <a:ext uri="{FF2B5EF4-FFF2-40B4-BE49-F238E27FC236}">
+                <a16:creationId xmlns:a16="http://schemas.microsoft.com/office/drawing/2014/main" id="{42213B8E-0BBC-AD97-BA5F-C38BAC1A1208}"/>
+              </a:ext>
+            </a:extLst>
+          </p:cNvPr>
+          <p:cNvSpPr>
+            <a:spLocks noGrp="1"/>
+          </p:cNvSpPr>
+          <p:nvPr>
+            <p:ph idx="1"/>
+          </p:nvPr>
+        </p:nvSpPr>
+        <p:spPr/>
+        <p:txBody>
+          <a:bodyPr/>
+          <a:lstStyle/>
+          <a:p>
+            <a:r>
+              <a:rPr lang="en-US" dirty="0"/>
+              <a:t>Rotation Angle</a:t>
+            </a:r>
+          </a:p>
+          <a:p>
+            <a:pPr lvl="1"/>
+            <a:endParaRPr lang="en-US" dirty="0"/>
+          </a:p>
+        </p:txBody>
+      </p:sp>
+      <p:sp>
+        <p:nvSpPr>
+          <p:cNvPr id="4" name="Date Placeholder 3">
+            <a:extLst>
+              <a:ext uri="{FF2B5EF4-FFF2-40B4-BE49-F238E27FC236}">
+                <a16:creationId xmlns:a16="http://schemas.microsoft.com/office/drawing/2014/main" id="{FDA12890-FEAD-61AE-C6FB-703873A463E1}"/>
+              </a:ext>
+            </a:extLst>
+          </p:cNvPr>
+          <p:cNvSpPr>
+            <a:spLocks noGrp="1"/>
+          </p:cNvSpPr>
+          <p:nvPr>
+            <p:ph type="dt" sz="half" idx="10"/>
+          </p:nvPr>
+        </p:nvSpPr>
+        <p:spPr/>
+        <p:txBody>
+          <a:bodyPr/>
+          <a:lstStyle/>
+          <a:p>
+            <a:fld id="{0EFBEC3F-4208-4590-BA97-4119A385DFD9}" type="datetime1">
+              <a:rPr lang="en-US" smtClean="0"/>
+              <a:t>8/11/2025</a:t>
+            </a:fld>
+            <a:endParaRPr lang="en-US"/>
+          </a:p>
+        </p:txBody>
+      </p:sp>
+      <p:sp>
+        <p:nvSpPr>
+          <p:cNvPr id="5" name="Slide Number Placeholder 4">
+            <a:extLst>
+              <a:ext uri="{FF2B5EF4-FFF2-40B4-BE49-F238E27FC236}">
+                <a16:creationId xmlns:a16="http://schemas.microsoft.com/office/drawing/2014/main" id="{C3AB6751-2568-C371-BAD5-C5CC2CB1B223}"/>
+              </a:ext>
+            </a:extLst>
+          </p:cNvPr>
+          <p:cNvSpPr>
+            <a:spLocks noGrp="1"/>
+          </p:cNvSpPr>
+          <p:nvPr>
+            <p:ph type="sldNum" sz="quarter" idx="12"/>
+          </p:nvPr>
+        </p:nvSpPr>
+        <p:spPr/>
+        <p:txBody>
+          <a:bodyPr/>
+          <a:lstStyle/>
+          <a:p>
+            <a:fld id="{C1FF6DA9-008F-8B48-92A6-B652298478BF}" type="slidenum">
+              <a:rPr lang="en-US" smtClean="0"/>
+              <a:t>27</a:t>
+            </a:fld>
+            <a:endParaRPr lang="en-US"/>
+          </a:p>
+        </p:txBody>
+      </p:sp>
+      <p:sp>
+        <p:nvSpPr>
+          <p:cNvPr id="6" name="AutoShape 2">
+            <a:extLst>
+              <a:ext uri="{FF2B5EF4-FFF2-40B4-BE49-F238E27FC236}">
+                <a16:creationId xmlns:a16="http://schemas.microsoft.com/office/drawing/2014/main" id="{A98A2734-C685-5DA4-FCD9-32D28A279898}"/>
+              </a:ext>
+            </a:extLst>
+          </p:cNvPr>
+          <p:cNvSpPr>
+            <a:spLocks noChangeAspect="1" noChangeArrowheads="1"/>
+          </p:cNvSpPr>
+          <p:nvPr/>
+        </p:nvSpPr>
+        <p:spPr bwMode="auto">
+          <a:xfrm>
+            <a:off x="4419600" y="3276600"/>
+            <a:ext cx="304800" cy="304800"/>
+          </a:xfrm>
+          <a:prstGeom prst="rect">
+            <a:avLst/>
+          </a:prstGeom>
+          <a:noFill/>
+          <a:extLst>
+            <a:ext uri="{909E8E84-426E-40DD-AFC4-6F175D3DCCD1}">
+              <a14:hiddenFill xmlns:a14="http://schemas.microsoft.com/office/drawing/2010/main">
+                <a:solidFill>
+                  <a:srgbClr val="FFFFFF"/>
+                </a:solidFill>
+              </a14:hiddenFill>
+            </a:ext>
+          </a:extLst>
+        </p:spPr>
+        <p:txBody>
+          <a:bodyPr vert="horz" wrap="square" lIns="91440" tIns="45720" rIns="91440" bIns="45720" numCol="1" anchor="t" anchorCtr="0" compatLnSpc="1">
+            <a:prstTxWarp prst="textNoShape">
+              <a:avLst/>
+            </a:prstTxWarp>
+          </a:bodyPr>
+          <a:lstStyle/>
+          <a:p>
+            <a:endParaRPr lang="en-US"/>
+          </a:p>
+        </p:txBody>
+      </p:sp>
+      <p:pic>
+        <p:nvPicPr>
+          <p:cNvPr id="8" name="Picture 7" descr="A graph of a car sensor&#10;&#10;AI-generated content may be incorrect.">
+            <a:extLst>
+              <a:ext uri="{FF2B5EF4-FFF2-40B4-BE49-F238E27FC236}">
+                <a16:creationId xmlns:a16="http://schemas.microsoft.com/office/drawing/2014/main" id="{282DF44E-0AC0-1FAA-B519-63E14B840AE0}"/>
+              </a:ext>
+            </a:extLst>
+          </p:cNvPr>
+          <p:cNvPicPr>
+            <a:picLocks noChangeAspect="1"/>
+          </p:cNvPicPr>
+          <p:nvPr/>
+        </p:nvPicPr>
+        <p:blipFill>
+          <a:blip r:embed="rId2"/>
+          <a:stretch>
+            <a:fillRect/>
+          </a:stretch>
+        </p:blipFill>
+        <p:spPr>
+          <a:xfrm>
+            <a:off x="370860" y="2614861"/>
+            <a:ext cx="4353540" cy="3511302"/>
+          </a:xfrm>
+          <a:prstGeom prst="rect">
+            <a:avLst/>
+          </a:prstGeom>
+        </p:spPr>
+      </p:pic>
+      <p:pic>
+        <p:nvPicPr>
+          <p:cNvPr id="10" name="Picture 9" descr="A diagram of a graph&#10;&#10;AI-generated content may be incorrect.">
+            <a:extLst>
+              <a:ext uri="{FF2B5EF4-FFF2-40B4-BE49-F238E27FC236}">
+                <a16:creationId xmlns:a16="http://schemas.microsoft.com/office/drawing/2014/main" id="{24AC8EDA-AB9C-8AD3-F9DE-14676C4AC40C}"/>
+              </a:ext>
+            </a:extLst>
+          </p:cNvPr>
+          <p:cNvPicPr>
+            <a:picLocks noChangeAspect="1"/>
+          </p:cNvPicPr>
+          <p:nvPr/>
+        </p:nvPicPr>
+        <p:blipFill>
+          <a:blip r:embed="rId3"/>
+          <a:stretch>
+            <a:fillRect/>
+          </a:stretch>
+        </p:blipFill>
+        <p:spPr>
+          <a:xfrm>
+            <a:off x="4572000" y="2975732"/>
+            <a:ext cx="4515440" cy="3150431"/>
+          </a:xfrm>
+          <a:prstGeom prst="rect">
+            <a:avLst/>
+          </a:prstGeom>
+        </p:spPr>
+      </p:pic>
+    </p:spTree>
+    <p:extLst>
+      <p:ext uri="{BB962C8B-B14F-4D97-AF65-F5344CB8AC3E}">
+        <p14:creationId xmlns:p14="http://schemas.microsoft.com/office/powerpoint/2010/main" val="548999540"/>
+      </p:ext>
+    </p:extLst>
+  </p:cSld>
+  <p:clrMapOvr>
+    <a:masterClrMapping/>
+  </p:clrMapOvr>
+</p:sld>
+</file>
+
+<file path=ppt/slides/slide28.xml><?xml version="1.0" encoding="utf-8"?>
+<p:sld xmlns:a="http://schemas.openxmlformats.org/drawingml/2006/main" xmlns:r="http://schemas.openxmlformats.org/officeDocument/2006/relationships" xmlns:p="http://schemas.openxmlformats.org/presentationml/2006/main">
+  <p:cSld>
+    <p:spTree>
+      <p:nvGrpSpPr>
+        <p:cNvPr id="1" name="">
+          <a:extLst>
+            <a:ext uri="{FF2B5EF4-FFF2-40B4-BE49-F238E27FC236}">
+              <a16:creationId xmlns:a16="http://schemas.microsoft.com/office/drawing/2014/main" id="{98842868-6218-A7A5-BBF8-D8FEF6752757}"/>
+            </a:ext>
+          </a:extLst>
+        </p:cNvPr>
+        <p:cNvGrpSpPr/>
+        <p:nvPr/>
+      </p:nvGrpSpPr>
+      <p:grpSpPr>
+        <a:xfrm>
+          <a:off x="0" y="0"/>
+          <a:ext cx="0" cy="0"/>
+          <a:chOff x="0" y="0"/>
+          <a:chExt cx="0" cy="0"/>
+        </a:xfrm>
+      </p:grpSpPr>
+      <p:sp>
+        <p:nvSpPr>
+          <p:cNvPr id="2" name="Title 1">
+            <a:extLst>
+              <a:ext uri="{FF2B5EF4-FFF2-40B4-BE49-F238E27FC236}">
+                <a16:creationId xmlns:a16="http://schemas.microsoft.com/office/drawing/2014/main" id="{0C434159-6366-9D7E-ADFA-E97C81AF1C59}"/>
+              </a:ext>
+            </a:extLst>
+          </p:cNvPr>
+          <p:cNvSpPr>
+            <a:spLocks noGrp="1"/>
+          </p:cNvSpPr>
+          <p:nvPr>
+            <p:ph type="title"/>
+          </p:nvPr>
+        </p:nvSpPr>
+        <p:spPr/>
+        <p:txBody>
+          <a:bodyPr>
+            <a:normAutofit/>
+          </a:bodyPr>
+          <a:lstStyle/>
+          <a:p>
+            <a:r>
+              <a:rPr lang="en-US" dirty="0"/>
+              <a:t>Period Highlight - #</a:t>
+            </a:r>
+          </a:p>
+        </p:txBody>
+      </p:sp>
+      <p:sp>
+        <p:nvSpPr>
+          <p:cNvPr id="3" name="Content Placeholder 2">
+            <a:extLst>
+              <a:ext uri="{FF2B5EF4-FFF2-40B4-BE49-F238E27FC236}">
+                <a16:creationId xmlns:a16="http://schemas.microsoft.com/office/drawing/2014/main" id="{A83137DA-642A-37AF-D880-4B70BC913D4B}"/>
+              </a:ext>
+            </a:extLst>
+          </p:cNvPr>
+          <p:cNvSpPr>
+            <a:spLocks noGrp="1"/>
+          </p:cNvSpPr>
+          <p:nvPr>
+            <p:ph idx="1"/>
+          </p:nvPr>
+        </p:nvSpPr>
+        <p:spPr/>
+        <p:txBody>
+          <a:bodyPr/>
+          <a:lstStyle/>
+          <a:p>
+            <a:endParaRPr lang="en-US"/>
+          </a:p>
+        </p:txBody>
+      </p:sp>
+      <p:sp>
+        <p:nvSpPr>
+          <p:cNvPr id="4" name="Date Placeholder 3">
+            <a:extLst>
+              <a:ext uri="{FF2B5EF4-FFF2-40B4-BE49-F238E27FC236}">
+                <a16:creationId xmlns:a16="http://schemas.microsoft.com/office/drawing/2014/main" id="{46E6048B-246A-9EDB-829E-D277E6BA5EEC}"/>
+              </a:ext>
+            </a:extLst>
+          </p:cNvPr>
+          <p:cNvSpPr>
+            <a:spLocks noGrp="1"/>
+          </p:cNvSpPr>
+          <p:nvPr>
+            <p:ph type="dt" sz="half" idx="10"/>
+          </p:nvPr>
+        </p:nvSpPr>
+        <p:spPr/>
+        <p:txBody>
+          <a:bodyPr/>
+          <a:lstStyle/>
+          <a:p>
+            <a:fld id="{0EFBEC3F-4208-4590-BA97-4119A385DFD9}" type="datetime1">
+              <a:rPr lang="en-US" smtClean="0"/>
+              <a:t>8/11/2025</a:t>
+            </a:fld>
+            <a:endParaRPr lang="en-US"/>
+          </a:p>
+        </p:txBody>
+      </p:sp>
+      <p:sp>
+        <p:nvSpPr>
+          <p:cNvPr id="5" name="Slide Number Placeholder 4">
+            <a:extLst>
+              <a:ext uri="{FF2B5EF4-FFF2-40B4-BE49-F238E27FC236}">
+                <a16:creationId xmlns:a16="http://schemas.microsoft.com/office/drawing/2014/main" id="{9630C75C-B7A3-A7FF-621C-E3A3B00B2D69}"/>
+              </a:ext>
+            </a:extLst>
+          </p:cNvPr>
+          <p:cNvSpPr>
+            <a:spLocks noGrp="1"/>
+          </p:cNvSpPr>
+          <p:nvPr>
+            <p:ph type="sldNum" sz="quarter" idx="12"/>
+          </p:nvPr>
+        </p:nvSpPr>
+        <p:spPr/>
+        <p:txBody>
+          <a:bodyPr/>
+          <a:lstStyle/>
+          <a:p>
+            <a:fld id="{C1FF6DA9-008F-8B48-92A6-B652298478BF}" type="slidenum">
+              <a:rPr lang="en-US" smtClean="0"/>
+              <a:t>28</a:t>
+            </a:fld>
+            <a:endParaRPr lang="en-US"/>
+          </a:p>
+        </p:txBody>
+      </p:sp>
+    </p:spTree>
+    <p:extLst>
+      <p:ext uri="{BB962C8B-B14F-4D97-AF65-F5344CB8AC3E}">
+        <p14:creationId xmlns:p14="http://schemas.microsoft.com/office/powerpoint/2010/main" val="2017968030"/>
+      </p:ext>
+    </p:extLst>
+  </p:cSld>
+  <p:clrMapOvr>
+    <a:masterClrMapping/>
+  </p:clrMapOvr>
+</p:sld>
+</file>
+
+<file path=ppt/slides/slide29.xml><?xml version="1.0" encoding="utf-8"?>
+<p:sld xmlns:a="http://schemas.openxmlformats.org/drawingml/2006/main" xmlns:r="http://schemas.openxmlformats.org/officeDocument/2006/relationships" xmlns:p="http://schemas.openxmlformats.org/presentationml/2006/main">
+  <p:cSld>
+    <p:spTree>
+      <p:nvGrpSpPr>
+        <p:cNvPr id="1" name="">
+          <a:extLst>
+            <a:ext uri="{FF2B5EF4-FFF2-40B4-BE49-F238E27FC236}">
+              <a16:creationId xmlns:a16="http://schemas.microsoft.com/office/drawing/2014/main" id="{D9E21E86-C1EF-3DA2-77C9-D6FFF6003A6E}"/>
+            </a:ext>
+          </a:extLst>
+        </p:cNvPr>
+        <p:cNvGrpSpPr/>
+        <p:nvPr/>
+      </p:nvGrpSpPr>
+      <p:grpSpPr>
+        <a:xfrm>
+          <a:off x="0" y="0"/>
+          <a:ext cx="0" cy="0"/>
+          <a:chOff x="0" y="0"/>
+          <a:chExt cx="0" cy="0"/>
+        </a:xfrm>
+      </p:grpSpPr>
+      <p:sp>
+        <p:nvSpPr>
+          <p:cNvPr id="2" name="Title 1">
+            <a:extLst>
+              <a:ext uri="{FF2B5EF4-FFF2-40B4-BE49-F238E27FC236}">
+                <a16:creationId xmlns:a16="http://schemas.microsoft.com/office/drawing/2014/main" id="{8B9CB0E3-168F-015C-2776-B3A4A494F546}"/>
+              </a:ext>
+            </a:extLst>
+          </p:cNvPr>
+          <p:cNvSpPr>
+            <a:spLocks noGrp="1"/>
+          </p:cNvSpPr>
+          <p:nvPr>
+            <p:ph type="title"/>
+          </p:nvPr>
+        </p:nvSpPr>
+        <p:spPr/>
+        <p:txBody>
+          <a:bodyPr>
+            <a:normAutofit/>
+          </a:bodyPr>
+          <a:lstStyle/>
+          <a:p>
+            <a:r>
+              <a:rPr lang="en-US" dirty="0"/>
+              <a:t>Period Highlight - #</a:t>
+            </a:r>
+          </a:p>
+        </p:txBody>
+      </p:sp>
+      <p:sp>
+        <p:nvSpPr>
+          <p:cNvPr id="3" name="Content Placeholder 2">
+            <a:extLst>
+              <a:ext uri="{FF2B5EF4-FFF2-40B4-BE49-F238E27FC236}">
+                <a16:creationId xmlns:a16="http://schemas.microsoft.com/office/drawing/2014/main" id="{F4771035-D5C1-2F83-D3EE-6DA5A08633A3}"/>
+              </a:ext>
+            </a:extLst>
+          </p:cNvPr>
+          <p:cNvSpPr>
+            <a:spLocks noGrp="1"/>
+          </p:cNvSpPr>
+          <p:nvPr>
+            <p:ph idx="1"/>
+          </p:nvPr>
+        </p:nvSpPr>
+        <p:spPr/>
+        <p:txBody>
+          <a:bodyPr/>
+          <a:lstStyle/>
+          <a:p>
+            <a:endParaRPr lang="en-US"/>
+          </a:p>
+        </p:txBody>
+      </p:sp>
+      <p:sp>
+        <p:nvSpPr>
+          <p:cNvPr id="4" name="Date Placeholder 3">
+            <a:extLst>
+              <a:ext uri="{FF2B5EF4-FFF2-40B4-BE49-F238E27FC236}">
+                <a16:creationId xmlns:a16="http://schemas.microsoft.com/office/drawing/2014/main" id="{511CA94A-D74E-F4FB-E3C8-86963ACCA4F6}"/>
+              </a:ext>
+            </a:extLst>
+          </p:cNvPr>
+          <p:cNvSpPr>
+            <a:spLocks noGrp="1"/>
+          </p:cNvSpPr>
+          <p:nvPr>
+            <p:ph type="dt" sz="half" idx="10"/>
+          </p:nvPr>
+        </p:nvSpPr>
+        <p:spPr/>
+        <p:txBody>
+          <a:bodyPr/>
+          <a:lstStyle/>
+          <a:p>
+            <a:fld id="{0EFBEC3F-4208-4590-BA97-4119A385DFD9}" type="datetime1">
+              <a:rPr lang="en-US" smtClean="0"/>
+              <a:t>8/11/2025</a:t>
+            </a:fld>
+            <a:endParaRPr lang="en-US"/>
+          </a:p>
+        </p:txBody>
+      </p:sp>
+      <p:sp>
+        <p:nvSpPr>
+          <p:cNvPr id="5" name="Slide Number Placeholder 4">
+            <a:extLst>
+              <a:ext uri="{FF2B5EF4-FFF2-40B4-BE49-F238E27FC236}">
+                <a16:creationId xmlns:a16="http://schemas.microsoft.com/office/drawing/2014/main" id="{AD09FB45-B740-A0A6-5BA7-AC6C7249CC05}"/>
+              </a:ext>
+            </a:extLst>
+          </p:cNvPr>
+          <p:cNvSpPr>
+            <a:spLocks noGrp="1"/>
+          </p:cNvSpPr>
+          <p:nvPr>
+            <p:ph type="sldNum" sz="quarter" idx="12"/>
+          </p:nvPr>
+        </p:nvSpPr>
+        <p:spPr/>
+        <p:txBody>
+          <a:bodyPr/>
+          <a:lstStyle/>
+          <a:p>
+            <a:fld id="{C1FF6DA9-008F-8B48-92A6-B652298478BF}" type="slidenum">
+              <a:rPr lang="en-US" smtClean="0"/>
+              <a:t>29</a:t>
+            </a:fld>
+            <a:endParaRPr lang="en-US"/>
+          </a:p>
+        </p:txBody>
+      </p:sp>
+    </p:spTree>
+    <p:extLst>
+      <p:ext uri="{BB962C8B-B14F-4D97-AF65-F5344CB8AC3E}">
+        <p14:creationId xmlns:p14="http://schemas.microsoft.com/office/powerpoint/2010/main" val="3506300580"/>
       </p:ext>
     </p:extLst>
   </p:cSld>
@@ -6063,7 +9921,7 @@
           <a:p>
             <a:fld id="{0EFBEC3F-4208-4590-BA97-4119A385DFD9}" type="datetime1">
               <a:rPr lang="en-US" smtClean="0"/>
-              <a:t>5/5/2025</a:t>
+              <a:t>8/11/2025</a:t>
             </a:fld>
             <a:endParaRPr lang="en-US"/>
           </a:p>
@@ -6264,7 +10122,7 @@
           <a:p>
             <a:fld id="{0EFBEC3F-4208-4590-BA97-4119A385DFD9}" type="datetime1">
               <a:rPr lang="en-US" smtClean="0"/>
-              <a:t>5/5/2025</a:t>
+              <a:t>8/11/2025</a:t>
             </a:fld>
             <a:endParaRPr lang="en-US"/>
           </a:p>
@@ -6606,7 +10464,7 @@
           <a:p>
             <a:fld id="{0EFBEC3F-4208-4590-BA97-4119A385DFD9}" type="datetime1">
               <a:rPr lang="en-US" smtClean="0"/>
-              <a:t>5/5/2025</a:t>
+              <a:t>8/11/2025</a:t>
             </a:fld>
             <a:endParaRPr lang="en-US"/>
           </a:p>
@@ -6857,7 +10715,7 @@
           <a:p>
             <a:fld id="{0EFBEC3F-4208-4590-BA97-4119A385DFD9}" type="datetime1">
               <a:rPr lang="en-US" smtClean="0"/>
-              <a:t>5/5/2025</a:t>
+              <a:t>8/11/2025</a:t>
             </a:fld>
             <a:endParaRPr lang="en-US"/>
           </a:p>
@@ -7013,7 +10871,7 @@
           <a:p>
             <a:fld id="{0EFBEC3F-4208-4590-BA97-4119A385DFD9}" type="datetime1">
               <a:rPr lang="en-US" smtClean="0"/>
-              <a:t>5/5/2025</a:t>
+              <a:t>8/11/2025</a:t>
             </a:fld>
             <a:endParaRPr lang="en-US"/>
           </a:p>
@@ -7332,7 +11190,7 @@
           <a:p>
             <a:fld id="{0EFBEC3F-4208-4590-BA97-4119A385DFD9}" type="datetime1">
               <a:rPr lang="en-US" smtClean="0"/>
-              <a:t>5/5/2025</a:t>
+              <a:t>8/11/2025</a:t>
             </a:fld>
             <a:endParaRPr lang="en-US"/>
           </a:p>
@@ -7645,7 +11503,7 @@
           <a:p>
             <a:fld id="{0EFBEC3F-4208-4590-BA97-4119A385DFD9}" type="datetime1">
               <a:rPr lang="en-US" smtClean="0"/>
-              <a:t>5/5/2025</a:t>
+              <a:t>8/11/2025</a:t>
             </a:fld>
             <a:endParaRPr lang="en-US"/>
           </a:p>

--- a/06_PresentationUpdates/Radar_ResearchProject.pptx
+++ b/06_PresentationUpdates/Radar_ResearchProject.pptx
@@ -1288,7 +1288,7 @@
           <a:p>
             <a:fld id="{914561EA-877F-40EB-BD03-9F9D93CF8F08}" type="datetimeFigureOut">
               <a:rPr lang="en-US" smtClean="0"/>
-              <a:t>8/11/2025</a:t>
+              <a:t>8/25/2025</a:t>
             </a:fld>
             <a:endParaRPr lang="en-US"/>
           </a:p>
@@ -1818,7 +1818,7 @@
           <a:p>
             <a:fld id="{AFA779F1-D9BB-4E74-86A2-2DC123167359}" type="datetime1">
               <a:rPr lang="en-US" smtClean="0"/>
-              <a:t>8/11/2025</a:t>
+              <a:t>8/25/2025</a:t>
             </a:fld>
             <a:endParaRPr lang="en-US" dirty="0"/>
           </a:p>
@@ -1994,7 +1994,7 @@
           <a:p>
             <a:fld id="{BD548D2B-CE3E-4EDD-9649-B6EE9E3C2340}" type="datetime1">
               <a:rPr lang="en-US" smtClean="0"/>
-              <a:t>8/11/2025</a:t>
+              <a:t>8/25/2025</a:t>
             </a:fld>
             <a:endParaRPr lang="en-US"/>
           </a:p>
@@ -2180,7 +2180,7 @@
           <a:p>
             <a:fld id="{ACEBBA4F-0F17-4FF1-AA6C-E0193917BC1E}" type="datetime1">
               <a:rPr lang="en-US" smtClean="0"/>
-              <a:t>8/11/2025</a:t>
+              <a:t>8/25/2025</a:t>
             </a:fld>
             <a:endParaRPr lang="en-US"/>
           </a:p>
@@ -2356,7 +2356,7 @@
           <a:p>
             <a:fld id="{0EFBEC3F-4208-4590-BA97-4119A385DFD9}" type="datetime1">
               <a:rPr lang="en-US" smtClean="0"/>
-              <a:t>8/11/2025</a:t>
+              <a:t>8/25/2025</a:t>
             </a:fld>
             <a:endParaRPr lang="en-US"/>
           </a:p>
@@ -2609,7 +2609,7 @@
           <a:p>
             <a:fld id="{B2D760EB-C9A5-467F-AA36-B176C44BCBF1}" type="datetime1">
               <a:rPr lang="en-US" smtClean="0"/>
-              <a:t>8/11/2025</a:t>
+              <a:t>8/25/2025</a:t>
             </a:fld>
             <a:endParaRPr lang="en-US"/>
           </a:p>
@@ -2902,7 +2902,7 @@
           <a:p>
             <a:fld id="{1C9B5E61-6324-405D-8AF5-05323E47D966}" type="datetime1">
               <a:rPr lang="en-US" smtClean="0"/>
-              <a:t>8/11/2025</a:t>
+              <a:t>8/25/2025</a:t>
             </a:fld>
             <a:endParaRPr lang="en-US"/>
           </a:p>
@@ -3329,7 +3329,7 @@
           <a:p>
             <a:fld id="{4A37807E-A869-4435-A051-311AEF96909D}" type="datetime1">
               <a:rPr lang="en-US" smtClean="0"/>
-              <a:t>8/11/2025</a:t>
+              <a:t>8/25/2025</a:t>
             </a:fld>
             <a:endParaRPr lang="en-US"/>
           </a:p>
@@ -3454,7 +3454,7 @@
           <a:p>
             <a:fld id="{1BC8686A-CD31-4B11-9B8F-A51012174BB0}" type="datetime1">
               <a:rPr lang="en-US" smtClean="0"/>
-              <a:t>8/11/2025</a:t>
+              <a:t>8/25/2025</a:t>
             </a:fld>
             <a:endParaRPr lang="en-US"/>
           </a:p>
@@ -3557,7 +3557,7 @@
           <a:p>
             <a:fld id="{4F4B4EA3-50E0-4631-85EF-BDA8608D293F}" type="datetime1">
               <a:rPr lang="en-US" smtClean="0"/>
-              <a:t>8/11/2025</a:t>
+              <a:t>8/25/2025</a:t>
             </a:fld>
             <a:endParaRPr lang="en-US"/>
           </a:p>
@@ -3840,7 +3840,7 @@
           <a:p>
             <a:fld id="{4BA8B4E6-89B0-4D9D-AC8C-3B8ECDAACC34}" type="datetime1">
               <a:rPr lang="en-US" smtClean="0"/>
-              <a:t>8/11/2025</a:t>
+              <a:t>8/25/2025</a:t>
             </a:fld>
             <a:endParaRPr lang="en-US"/>
           </a:p>
@@ -4100,7 +4100,7 @@
           <a:p>
             <a:fld id="{0A1BBC16-5931-43C3-BDFF-9B248A400D54}" type="datetime1">
               <a:rPr lang="en-US" smtClean="0"/>
-              <a:t>8/11/2025</a:t>
+              <a:t>8/25/2025</a:t>
             </a:fld>
             <a:endParaRPr lang="en-US"/>
           </a:p>
@@ -4411,7 +4411,7 @@
           <a:p>
             <a:fld id="{A7143E5B-78DF-476F-8A09-9FD612E00067}" type="datetime1">
               <a:rPr lang="en-US" smtClean="0"/>
-              <a:t>8/11/2025</a:t>
+              <a:t>8/25/2025</a:t>
             </a:fld>
             <a:endParaRPr lang="en-US" dirty="0"/>
           </a:p>
@@ -4946,7 +4946,7 @@
           <a:p>
             <a:fld id="{1FF5D759-AFA5-4CA4-8536-68E39A72291A}" type="datetime1">
               <a:rPr lang="en-US" smtClean="0"/>
-              <a:t>8/11/2025</a:t>
+              <a:t>8/25/2025</a:t>
             </a:fld>
             <a:endParaRPr lang="en-US" dirty="0"/>
           </a:p>
@@ -5048,7 +5048,7 @@
           <a:p>
             <a:fld id="{0EFBEC3F-4208-4590-BA97-4119A385DFD9}" type="datetime1">
               <a:rPr lang="en-US" smtClean="0"/>
-              <a:t>8/11/2025</a:t>
+              <a:t>8/25/2025</a:t>
             </a:fld>
             <a:endParaRPr lang="en-US"/>
           </a:p>
@@ -5203,7 +5203,7 @@
           <a:p>
             <a:fld id="{0EFBEC3F-4208-4590-BA97-4119A385DFD9}" type="datetime1">
               <a:rPr lang="en-US" smtClean="0"/>
-              <a:t>8/11/2025</a:t>
+              <a:t>8/25/2025</a:t>
             </a:fld>
             <a:endParaRPr lang="en-US"/>
           </a:p>
@@ -5388,7 +5388,7 @@
           <a:p>
             <a:fld id="{0EFBEC3F-4208-4590-BA97-4119A385DFD9}" type="datetime1">
               <a:rPr lang="en-US" smtClean="0"/>
-              <a:t>8/11/2025</a:t>
+              <a:t>8/25/2025</a:t>
             </a:fld>
             <a:endParaRPr lang="en-US"/>
           </a:p>
@@ -5685,7 +5685,7 @@
           <a:p>
             <a:fld id="{0EFBEC3F-4208-4590-BA97-4119A385DFD9}" type="datetime1">
               <a:rPr lang="en-US" smtClean="0"/>
-              <a:t>8/11/2025</a:t>
+              <a:t>8/25/2025</a:t>
             </a:fld>
             <a:endParaRPr lang="en-US"/>
           </a:p>
@@ -5863,7 +5863,7 @@
           <a:p>
             <a:fld id="{0EFBEC3F-4208-4590-BA97-4119A385DFD9}" type="datetime1">
               <a:rPr lang="en-US" smtClean="0"/>
-              <a:t>8/11/2025</a:t>
+              <a:t>8/25/2025</a:t>
             </a:fld>
             <a:endParaRPr lang="en-US"/>
           </a:p>
@@ -6102,7 +6102,7 @@
           <a:p>
             <a:fld id="{0EFBEC3F-4208-4590-BA97-4119A385DFD9}" type="datetime1">
               <a:rPr lang="en-US" smtClean="0"/>
-              <a:t>8/11/2025</a:t>
+              <a:t>8/25/2025</a:t>
             </a:fld>
             <a:endParaRPr lang="en-US"/>
           </a:p>
@@ -6371,7 +6371,7 @@
           <a:p>
             <a:fld id="{0EFBEC3F-4208-4590-BA97-4119A385DFD9}" type="datetime1">
               <a:rPr lang="en-US" smtClean="0"/>
-              <a:t>8/11/2025</a:t>
+              <a:t>8/25/2025</a:t>
             </a:fld>
             <a:endParaRPr lang="en-US"/>
           </a:p>
@@ -6626,7 +6626,7 @@
           <a:p>
             <a:fld id="{0EFBEC3F-4208-4590-BA97-4119A385DFD9}" type="datetime1">
               <a:rPr lang="en-US" smtClean="0"/>
-              <a:t>8/11/2025</a:t>
+              <a:t>8/25/2025</a:t>
             </a:fld>
             <a:endParaRPr lang="en-US"/>
           </a:p>
@@ -6892,7 +6892,7 @@
           <a:p>
             <a:fld id="{0EFBEC3F-4208-4590-BA97-4119A385DFD9}" type="datetime1">
               <a:rPr lang="en-US" smtClean="0"/>
-              <a:t>8/11/2025</a:t>
+              <a:t>8/25/2025</a:t>
             </a:fld>
             <a:endParaRPr lang="en-US"/>
           </a:p>
@@ -7186,7 +7186,7 @@
           <a:p>
             <a:fld id="{0EFBEC3F-4208-4590-BA97-4119A385DFD9}" type="datetime1">
               <a:rPr lang="en-US" smtClean="0"/>
-              <a:t>8/11/2025</a:t>
+              <a:t>8/25/2025</a:t>
             </a:fld>
             <a:endParaRPr lang="en-US"/>
           </a:p>
@@ -7376,7 +7376,7 @@
           <a:p>
             <a:fld id="{1AA46178-B97E-4817-9029-290586FA77E9}" type="datetime1">
               <a:rPr lang="en-US" smtClean="0"/>
-              <a:t>8/11/2025</a:t>
+              <a:t>8/25/2025</a:t>
             </a:fld>
             <a:endParaRPr lang="en-US"/>
           </a:p>
@@ -7543,7 +7543,7 @@
           <a:p>
             <a:fld id="{0EFBEC3F-4208-4590-BA97-4119A385DFD9}" type="datetime1">
               <a:rPr lang="en-US" smtClean="0"/>
-              <a:t>8/11/2025</a:t>
+              <a:t>8/25/2025</a:t>
             </a:fld>
             <a:endParaRPr lang="en-US"/>
           </a:p>
@@ -7814,7 +7814,7 @@
           <a:p>
             <a:fld id="{0EFBEC3F-4208-4590-BA97-4119A385DFD9}" type="datetime1">
               <a:rPr lang="en-US" smtClean="0"/>
-              <a:t>8/11/2025</a:t>
+              <a:t>8/25/2025</a:t>
             </a:fld>
             <a:endParaRPr lang="en-US"/>
           </a:p>
@@ -8085,7 +8085,7 @@
           <a:p>
             <a:fld id="{0EFBEC3F-4208-4590-BA97-4119A385DFD9}" type="datetime1">
               <a:rPr lang="en-US" smtClean="0"/>
-              <a:t>8/11/2025</a:t>
+              <a:t>8/25/2025</a:t>
             </a:fld>
             <a:endParaRPr lang="en-US"/>
           </a:p>
@@ -8326,7 +8326,7 @@
           <a:p>
             <a:fld id="{0EFBEC3F-4208-4590-BA97-4119A385DFD9}" type="datetime1">
               <a:rPr lang="en-US" smtClean="0"/>
-              <a:t>8/11/2025</a:t>
+              <a:t>8/25/2025</a:t>
             </a:fld>
             <a:endParaRPr lang="en-US"/>
           </a:p>
@@ -8567,7 +8567,7 @@
           <a:p>
             <a:fld id="{0EFBEC3F-4208-4590-BA97-4119A385DFD9}" type="datetime1">
               <a:rPr lang="en-US" smtClean="0"/>
-              <a:t>8/11/2025</a:t>
+              <a:t>8/25/2025</a:t>
             </a:fld>
             <a:endParaRPr lang="en-US"/>
           </a:p>
@@ -8850,7 +8850,7 @@
           <a:p>
             <a:fld id="{0EFBEC3F-4208-4590-BA97-4119A385DFD9}" type="datetime1">
               <a:rPr lang="en-US" smtClean="0"/>
-              <a:t>8/11/2025</a:t>
+              <a:t>8/25/2025</a:t>
             </a:fld>
             <a:endParaRPr lang="en-US"/>
           </a:p>
@@ -9124,7 +9124,7 @@
           <a:p>
             <a:fld id="{0EFBEC3F-4208-4590-BA97-4119A385DFD9}" type="datetime1">
               <a:rPr lang="en-US" smtClean="0"/>
-              <a:t>8/11/2025</a:t>
+              <a:t>8/25/2025</a:t>
             </a:fld>
             <a:endParaRPr lang="en-US"/>
           </a:p>
@@ -9362,7 +9362,7 @@
           <a:p>
             <a:fld id="{0EFBEC3F-4208-4590-BA97-4119A385DFD9}" type="datetime1">
               <a:rPr lang="en-US" smtClean="0"/>
-              <a:t>8/11/2025</a:t>
+              <a:t>8/25/2025</a:t>
             </a:fld>
             <a:endParaRPr lang="en-US"/>
           </a:p>
@@ -9557,39 +9557,89 @@
         <p:spPr/>
         <p:txBody>
           <a:bodyPr>
+            <a:normAutofit fontScale="90000"/>
+          </a:bodyPr>
+          <a:lstStyle/>
+          <a:p>
+            <a:r>
+              <a:rPr lang="en-US" dirty="0"/>
+              <a:t>Period Highlight – 11</a:t>
+            </a:r>
+            <a:br>
+              <a:rPr lang="en-US" dirty="0"/>
+            </a:br>
+            <a:r>
+              <a:rPr lang="en-US" sz="3200" dirty="0"/>
+              <a:t>Hardware Preparations</a:t>
+            </a:r>
+            <a:endParaRPr lang="en-US" dirty="0"/>
+          </a:p>
+        </p:txBody>
+      </p:sp>
+      <p:sp>
+        <p:nvSpPr>
+          <p:cNvPr id="3" name="Content Placeholder 2">
+            <a:extLst>
+              <a:ext uri="{FF2B5EF4-FFF2-40B4-BE49-F238E27FC236}">
+                <a16:creationId xmlns:a16="http://schemas.microsoft.com/office/drawing/2014/main" id="{A83137DA-642A-37AF-D880-4B70BC913D4B}"/>
+              </a:ext>
+            </a:extLst>
+          </p:cNvPr>
+          <p:cNvSpPr>
+            <a:spLocks noGrp="1"/>
+          </p:cNvSpPr>
+          <p:nvPr>
+            <p:ph idx="1"/>
+          </p:nvPr>
+        </p:nvSpPr>
+        <p:spPr>
+          <a:xfrm>
+            <a:off x="457200" y="1600201"/>
+            <a:ext cx="5202936" cy="3054096"/>
+          </a:xfrm>
+        </p:spPr>
+        <p:txBody>
+          <a:bodyPr>
             <a:normAutofit/>
           </a:bodyPr>
           <a:lstStyle/>
           <a:p>
             <a:r>
-              <a:rPr lang="en-US" dirty="0"/>
-              <a:t>Period Highlight - #</a:t>
-            </a:r>
-          </a:p>
-        </p:txBody>
-      </p:sp>
-      <p:sp>
-        <p:nvSpPr>
-          <p:cNvPr id="3" name="Content Placeholder 2">
-            <a:extLst>
-              <a:ext uri="{FF2B5EF4-FFF2-40B4-BE49-F238E27FC236}">
-                <a16:creationId xmlns:a16="http://schemas.microsoft.com/office/drawing/2014/main" id="{A83137DA-642A-37AF-D880-4B70BC913D4B}"/>
-              </a:ext>
-            </a:extLst>
-          </p:cNvPr>
-          <p:cNvSpPr>
-            <a:spLocks noGrp="1"/>
-          </p:cNvSpPr>
-          <p:nvPr>
-            <p:ph idx="1"/>
-          </p:nvPr>
-        </p:nvSpPr>
-        <p:spPr/>
-        <p:txBody>
-          <a:bodyPr/>
-          <a:lstStyle/>
-          <a:p>
-            <a:endParaRPr lang="en-US"/>
+              <a:rPr lang="en-US" sz="1800" dirty="0"/>
+              <a:t>Implementation of both sensors.</a:t>
+            </a:r>
+          </a:p>
+          <a:p>
+            <a:r>
+              <a:rPr lang="en-US" sz="1800" dirty="0"/>
+              <a:t>Frequency offset: 1,9GHz</a:t>
+            </a:r>
+          </a:p>
+          <a:p>
+            <a:r>
+              <a:rPr lang="en-US" sz="1800" dirty="0"/>
+              <a:t>Sensor A (Left)</a:t>
+            </a:r>
+          </a:p>
+          <a:p>
+            <a:pPr lvl="1"/>
+            <a:r>
+              <a:rPr lang="en-US" sz="1800" dirty="0"/>
+              <a:t>60 GHz to 61,98GHz</a:t>
+            </a:r>
+          </a:p>
+          <a:p>
+            <a:r>
+              <a:rPr lang="en-US" sz="1800" dirty="0"/>
+              <a:t>Sensor B (right)</a:t>
+            </a:r>
+          </a:p>
+          <a:p>
+            <a:pPr lvl="1"/>
+            <a:r>
+              <a:rPr lang="en-US" sz="1800" dirty="0"/>
+              <a:t>62 GHz to 63,98 GHz</a:t>
+            </a:r>
           </a:p>
         </p:txBody>
       </p:sp>
@@ -9616,7 +9666,7 @@
           <a:p>
             <a:fld id="{0EFBEC3F-4208-4590-BA97-4119A385DFD9}" type="datetime1">
               <a:rPr lang="en-US" smtClean="0"/>
-              <a:t>8/11/2025</a:t>
+              <a:t>8/25/2025</a:t>
             </a:fld>
             <a:endParaRPr lang="en-US"/>
           </a:p>
@@ -9651,6 +9701,66 @@
           </a:p>
         </p:txBody>
       </p:sp>
+      <p:pic>
+        <p:nvPicPr>
+          <p:cNvPr id="6" name="Picture 5" descr="A graph of a car sensor&#10;&#10;AI-generated content may be incorrect.">
+            <a:extLst>
+              <a:ext uri="{FF2B5EF4-FFF2-40B4-BE49-F238E27FC236}">
+                <a16:creationId xmlns:a16="http://schemas.microsoft.com/office/drawing/2014/main" id="{ABD74DD8-1577-915A-A168-CD9E0F0E4670}"/>
+              </a:ext>
+            </a:extLst>
+          </p:cNvPr>
+          <p:cNvPicPr>
+            <a:picLocks noChangeAspect="1"/>
+          </p:cNvPicPr>
+          <p:nvPr/>
+        </p:nvPicPr>
+        <p:blipFill>
+          <a:blip r:embed="rId2"/>
+          <a:stretch>
+            <a:fillRect/>
+          </a:stretch>
+        </p:blipFill>
+        <p:spPr>
+          <a:xfrm>
+            <a:off x="4376430" y="2614861"/>
+            <a:ext cx="4353540" cy="3511302"/>
+          </a:xfrm>
+          <a:prstGeom prst="rect">
+            <a:avLst/>
+          </a:prstGeom>
+        </p:spPr>
+      </p:pic>
+      <p:pic>
+        <p:nvPicPr>
+          <p:cNvPr id="7" name="Picture 6" descr="A graph of a graph showing a variety of colors&#10;&#10;AI-generated content may be incorrect.">
+            <a:extLst>
+              <a:ext uri="{FF2B5EF4-FFF2-40B4-BE49-F238E27FC236}">
+                <a16:creationId xmlns:a16="http://schemas.microsoft.com/office/drawing/2014/main" id="{3E73C73F-D347-4E6A-76C7-13330DEF52A3}"/>
+              </a:ext>
+            </a:extLst>
+          </p:cNvPr>
+          <p:cNvPicPr>
+            <a:picLocks noChangeAspect="1"/>
+          </p:cNvPicPr>
+          <p:nvPr/>
+        </p:nvPicPr>
+        <p:blipFill>
+          <a:blip r:embed="rId3"/>
+          <a:stretch>
+            <a:fillRect/>
+          </a:stretch>
+        </p:blipFill>
+        <p:spPr>
+          <a:xfrm>
+            <a:off x="380389" y="4279070"/>
+            <a:ext cx="3952871" cy="1957460"/>
+          </a:xfrm>
+          <a:prstGeom prst="rect">
+            <a:avLst/>
+          </a:prstGeom>
+        </p:spPr>
+      </p:pic>
     </p:spTree>
     <p:extLst>
       <p:ext uri="{BB962C8B-B14F-4D97-AF65-F5344CB8AC3E}">
@@ -9765,7 +9875,7 @@
           <a:p>
             <a:fld id="{0EFBEC3F-4208-4590-BA97-4119A385DFD9}" type="datetime1">
               <a:rPr lang="en-US" smtClean="0"/>
-              <a:t>8/11/2025</a:t>
+              <a:t>8/25/2025</a:t>
             </a:fld>
             <a:endParaRPr lang="en-US"/>
           </a:p>
@@ -9921,7 +10031,7 @@
           <a:p>
             <a:fld id="{0EFBEC3F-4208-4590-BA97-4119A385DFD9}" type="datetime1">
               <a:rPr lang="en-US" smtClean="0"/>
-              <a:t>8/11/2025</a:t>
+              <a:t>8/25/2025</a:t>
             </a:fld>
             <a:endParaRPr lang="en-US"/>
           </a:p>
@@ -10122,7 +10232,7 @@
           <a:p>
             <a:fld id="{0EFBEC3F-4208-4590-BA97-4119A385DFD9}" type="datetime1">
               <a:rPr lang="en-US" smtClean="0"/>
-              <a:t>8/11/2025</a:t>
+              <a:t>8/25/2025</a:t>
             </a:fld>
             <a:endParaRPr lang="en-US"/>
           </a:p>
@@ -10464,7 +10574,7 @@
           <a:p>
             <a:fld id="{0EFBEC3F-4208-4590-BA97-4119A385DFD9}" type="datetime1">
               <a:rPr lang="en-US" smtClean="0"/>
-              <a:t>8/11/2025</a:t>
+              <a:t>8/25/2025</a:t>
             </a:fld>
             <a:endParaRPr lang="en-US"/>
           </a:p>
@@ -10715,7 +10825,7 @@
           <a:p>
             <a:fld id="{0EFBEC3F-4208-4590-BA97-4119A385DFD9}" type="datetime1">
               <a:rPr lang="en-US" smtClean="0"/>
-              <a:t>8/11/2025</a:t>
+              <a:t>8/25/2025</a:t>
             </a:fld>
             <a:endParaRPr lang="en-US"/>
           </a:p>
@@ -10871,7 +10981,7 @@
           <a:p>
             <a:fld id="{0EFBEC3F-4208-4590-BA97-4119A385DFD9}" type="datetime1">
               <a:rPr lang="en-US" smtClean="0"/>
-              <a:t>8/11/2025</a:t>
+              <a:t>8/25/2025</a:t>
             </a:fld>
             <a:endParaRPr lang="en-US"/>
           </a:p>
@@ -11190,7 +11300,7 @@
           <a:p>
             <a:fld id="{0EFBEC3F-4208-4590-BA97-4119A385DFD9}" type="datetime1">
               <a:rPr lang="en-US" smtClean="0"/>
-              <a:t>8/11/2025</a:t>
+              <a:t>8/25/2025</a:t>
             </a:fld>
             <a:endParaRPr lang="en-US"/>
           </a:p>
@@ -11503,7 +11613,7 @@
           <a:p>
             <a:fld id="{0EFBEC3F-4208-4590-BA97-4119A385DFD9}" type="datetime1">
               <a:rPr lang="en-US" smtClean="0"/>
-              <a:t>8/11/2025</a:t>
+              <a:t>8/25/2025</a:t>
             </a:fld>
             <a:endParaRPr lang="en-US"/>
           </a:p>

--- a/06_PresentationUpdates/Radar_ResearchProject.pptx
+++ b/06_PresentationUpdates/Radar_ResearchProject.pptx
@@ -5,7 +5,7 @@
     <p:sldMasterId id="2147483648" r:id="rId1"/>
   </p:sldMasterIdLst>
   <p:notesMasterIdLst>
-    <p:notesMasterId r:id="rId31"/>
+    <p:notesMasterId r:id="rId33"/>
   </p:notesMasterIdLst>
   <p:sldIdLst>
     <p:sldId id="380" r:id="rId2"/>
@@ -36,7 +36,9 @@
     <p:sldId id="405" r:id="rId27"/>
     <p:sldId id="406" r:id="rId28"/>
     <p:sldId id="384" r:id="rId29"/>
-    <p:sldId id="385" r:id="rId30"/>
+    <p:sldId id="409" r:id="rId30"/>
+    <p:sldId id="410" r:id="rId31"/>
+    <p:sldId id="385" r:id="rId32"/>
   </p:sldIdLst>
   <p:sldSz cx="9144000" cy="6858000" type="screen4x3"/>
   <p:notesSz cx="6858000" cy="9144000"/>
@@ -9782,7 +9784,7 @@
         <p:cNvPr id="1" name="">
           <a:extLst>
             <a:ext uri="{FF2B5EF4-FFF2-40B4-BE49-F238E27FC236}">
-              <a16:creationId xmlns:a16="http://schemas.microsoft.com/office/drawing/2014/main" id="{D9E21E86-C1EF-3DA2-77C9-D6FFF6003A6E}"/>
+              <a16:creationId xmlns:a16="http://schemas.microsoft.com/office/drawing/2014/main" id="{F7810B8D-2678-F768-D236-E6DAAF1A4974}"/>
             </a:ext>
           </a:extLst>
         </p:cNvPr>
@@ -9802,7 +9804,7 @@
           <p:cNvPr id="2" name="Title 1">
             <a:extLst>
               <a:ext uri="{FF2B5EF4-FFF2-40B4-BE49-F238E27FC236}">
-                <a16:creationId xmlns:a16="http://schemas.microsoft.com/office/drawing/2014/main" id="{8B9CB0E3-168F-015C-2776-B3A4A494F546}"/>
+                <a16:creationId xmlns:a16="http://schemas.microsoft.com/office/drawing/2014/main" id="{0BFCA904-E668-F0F6-9C2B-BF03EB4F942B}"/>
               </a:ext>
             </a:extLst>
           </p:cNvPr>
@@ -9814,6 +9816,49 @@
           </p:nvPr>
         </p:nvSpPr>
         <p:spPr/>
+        <p:txBody>
+          <a:bodyPr>
+            <a:normAutofit fontScale="90000"/>
+          </a:bodyPr>
+          <a:lstStyle/>
+          <a:p>
+            <a:r>
+              <a:rPr lang="en-US" dirty="0"/>
+              <a:t>Period Highlight – 11</a:t>
+            </a:r>
+            <a:br>
+              <a:rPr lang="en-US" dirty="0"/>
+            </a:br>
+            <a:r>
+              <a:rPr lang="en-US" sz="3200" dirty="0"/>
+              <a:t>Software Progress</a:t>
+            </a:r>
+            <a:endParaRPr lang="en-US" dirty="0"/>
+          </a:p>
+        </p:txBody>
+      </p:sp>
+      <p:sp>
+        <p:nvSpPr>
+          <p:cNvPr id="3" name="Content Placeholder 2">
+            <a:extLst>
+              <a:ext uri="{FF2B5EF4-FFF2-40B4-BE49-F238E27FC236}">
+                <a16:creationId xmlns:a16="http://schemas.microsoft.com/office/drawing/2014/main" id="{A125A7FB-9A48-3607-9FAA-8482E802742D}"/>
+              </a:ext>
+            </a:extLst>
+          </p:cNvPr>
+          <p:cNvSpPr>
+            <a:spLocks noGrp="1"/>
+          </p:cNvSpPr>
+          <p:nvPr>
+            <p:ph idx="1"/>
+          </p:nvPr>
+        </p:nvSpPr>
+        <p:spPr>
+          <a:xfrm>
+            <a:off x="457200" y="1417638"/>
+            <a:ext cx="5202936" cy="3054096"/>
+          </a:xfrm>
+        </p:spPr>
         <p:txBody>
           <a:bodyPr>
             <a:normAutofit/>
@@ -9821,34 +9866,9 @@
           <a:lstStyle/>
           <a:p>
             <a:r>
-              <a:rPr lang="en-US" dirty="0"/>
-              <a:t>Period Highlight - #</a:t>
-            </a:r>
-          </a:p>
-        </p:txBody>
-      </p:sp>
-      <p:sp>
-        <p:nvSpPr>
-          <p:cNvPr id="3" name="Content Placeholder 2">
-            <a:extLst>
-              <a:ext uri="{FF2B5EF4-FFF2-40B4-BE49-F238E27FC236}">
-                <a16:creationId xmlns:a16="http://schemas.microsoft.com/office/drawing/2014/main" id="{F4771035-D5C1-2F83-D3EE-6DA5A08633A3}"/>
-              </a:ext>
-            </a:extLst>
-          </p:cNvPr>
-          <p:cNvSpPr>
-            <a:spLocks noGrp="1"/>
-          </p:cNvSpPr>
-          <p:nvPr>
-            <p:ph idx="1"/>
-          </p:nvPr>
-        </p:nvSpPr>
-        <p:spPr/>
-        <p:txBody>
-          <a:bodyPr/>
-          <a:lstStyle/>
-          <a:p>
-            <a:endParaRPr lang="en-US"/>
+              <a:rPr lang="en-US" sz="1800" dirty="0"/>
+              <a:t>Implementation with single sensor.</a:t>
+            </a:r>
           </a:p>
         </p:txBody>
       </p:sp>
@@ -9857,7 +9877,7 @@
           <p:cNvPr id="4" name="Date Placeholder 3">
             <a:extLst>
               <a:ext uri="{FF2B5EF4-FFF2-40B4-BE49-F238E27FC236}">
-                <a16:creationId xmlns:a16="http://schemas.microsoft.com/office/drawing/2014/main" id="{511CA94A-D74E-F4FB-E3C8-86963ACCA4F6}"/>
+                <a16:creationId xmlns:a16="http://schemas.microsoft.com/office/drawing/2014/main" id="{EB414EBC-1D2C-A3ED-5F74-EFA5C888D2C4}"/>
               </a:ext>
             </a:extLst>
           </p:cNvPr>
@@ -9886,7 +9906,7 @@
           <p:cNvPr id="5" name="Slide Number Placeholder 4">
             <a:extLst>
               <a:ext uri="{FF2B5EF4-FFF2-40B4-BE49-F238E27FC236}">
-                <a16:creationId xmlns:a16="http://schemas.microsoft.com/office/drawing/2014/main" id="{AD09FB45-B740-A0A6-5BA7-AC6C7249CC05}"/>
+                <a16:creationId xmlns:a16="http://schemas.microsoft.com/office/drawing/2014/main" id="{D47148B8-4D8C-188A-79C5-9BE529775075}"/>
               </a:ext>
             </a:extLst>
           </p:cNvPr>
@@ -9910,10 +9930,70 @@
           </a:p>
         </p:txBody>
       </p:sp>
+      <p:pic>
+        <p:nvPicPr>
+          <p:cNvPr id="8" name="Picture 7">
+            <a:extLst>
+              <a:ext uri="{FF2B5EF4-FFF2-40B4-BE49-F238E27FC236}">
+                <a16:creationId xmlns:a16="http://schemas.microsoft.com/office/drawing/2014/main" id="{7F741B7C-7F86-02B0-0598-F35662F347FF}"/>
+              </a:ext>
+            </a:extLst>
+          </p:cNvPr>
+          <p:cNvPicPr>
+            <a:picLocks noChangeAspect="1"/>
+          </p:cNvPicPr>
+          <p:nvPr/>
+        </p:nvPicPr>
+        <p:blipFill>
+          <a:blip r:embed="rId2"/>
+          <a:stretch>
+            <a:fillRect/>
+          </a:stretch>
+        </p:blipFill>
+        <p:spPr>
+          <a:xfrm>
+            <a:off x="0" y="1696247"/>
+            <a:ext cx="9144000" cy="2289670"/>
+          </a:xfrm>
+          <a:prstGeom prst="rect">
+            <a:avLst/>
+          </a:prstGeom>
+        </p:spPr>
+      </p:pic>
+      <p:pic>
+        <p:nvPicPr>
+          <p:cNvPr id="9" name="Picture 8">
+            <a:extLst>
+              <a:ext uri="{FF2B5EF4-FFF2-40B4-BE49-F238E27FC236}">
+                <a16:creationId xmlns:a16="http://schemas.microsoft.com/office/drawing/2014/main" id="{A96B1374-BAD8-85AD-29EF-60156411C945}"/>
+              </a:ext>
+            </a:extLst>
+          </p:cNvPr>
+          <p:cNvPicPr>
+            <a:picLocks noChangeAspect="1"/>
+          </p:cNvPicPr>
+          <p:nvPr/>
+        </p:nvPicPr>
+        <p:blipFill>
+          <a:blip r:embed="rId3"/>
+          <a:stretch>
+            <a:fillRect/>
+          </a:stretch>
+        </p:blipFill>
+        <p:spPr>
+          <a:xfrm>
+            <a:off x="0" y="3985917"/>
+            <a:ext cx="9144000" cy="2240244"/>
+          </a:xfrm>
+          <a:prstGeom prst="rect">
+            <a:avLst/>
+          </a:prstGeom>
+        </p:spPr>
+      </p:pic>
     </p:spTree>
     <p:extLst>
       <p:ext uri="{BB962C8B-B14F-4D97-AF65-F5344CB8AC3E}">
-        <p14:creationId xmlns:p14="http://schemas.microsoft.com/office/powerpoint/2010/main" val="3506300580"/>
+        <p14:creationId xmlns:p14="http://schemas.microsoft.com/office/powerpoint/2010/main" val="3079611108"/>
       </p:ext>
     </p:extLst>
   </p:cSld>
@@ -10070,6 +10150,322 @@
     <p:extLst>
       <p:ext uri="{BB962C8B-B14F-4D97-AF65-F5344CB8AC3E}">
         <p14:creationId xmlns:p14="http://schemas.microsoft.com/office/powerpoint/2010/main" val="4022417390"/>
+      </p:ext>
+    </p:extLst>
+  </p:cSld>
+  <p:clrMapOvr>
+    <a:masterClrMapping/>
+  </p:clrMapOvr>
+</p:sld>
+</file>
+
+<file path=ppt/slides/slide30.xml><?xml version="1.0" encoding="utf-8"?>
+<p:sld xmlns:a="http://schemas.openxmlformats.org/drawingml/2006/main" xmlns:r="http://schemas.openxmlformats.org/officeDocument/2006/relationships" xmlns:p="http://schemas.openxmlformats.org/presentationml/2006/main">
+  <p:cSld>
+    <p:spTree>
+      <p:nvGrpSpPr>
+        <p:cNvPr id="1" name="">
+          <a:extLst>
+            <a:ext uri="{FF2B5EF4-FFF2-40B4-BE49-F238E27FC236}">
+              <a16:creationId xmlns:a16="http://schemas.microsoft.com/office/drawing/2014/main" id="{C7E76805-6940-E5D9-7F60-7B6767121A21}"/>
+            </a:ext>
+          </a:extLst>
+        </p:cNvPr>
+        <p:cNvGrpSpPr/>
+        <p:nvPr/>
+      </p:nvGrpSpPr>
+      <p:grpSpPr>
+        <a:xfrm>
+          <a:off x="0" y="0"/>
+          <a:ext cx="0" cy="0"/>
+          <a:chOff x="0" y="0"/>
+          <a:chExt cx="0" cy="0"/>
+        </a:xfrm>
+      </p:grpSpPr>
+      <p:sp>
+        <p:nvSpPr>
+          <p:cNvPr id="2" name="Title 1">
+            <a:extLst>
+              <a:ext uri="{FF2B5EF4-FFF2-40B4-BE49-F238E27FC236}">
+                <a16:creationId xmlns:a16="http://schemas.microsoft.com/office/drawing/2014/main" id="{7F4FD00F-4637-06A1-2B28-8BC9FF091AD1}"/>
+              </a:ext>
+            </a:extLst>
+          </p:cNvPr>
+          <p:cNvSpPr>
+            <a:spLocks noGrp="1"/>
+          </p:cNvSpPr>
+          <p:nvPr>
+            <p:ph type="title"/>
+          </p:nvPr>
+        </p:nvSpPr>
+        <p:spPr/>
+        <p:txBody>
+          <a:bodyPr>
+            <a:normAutofit fontScale="90000"/>
+          </a:bodyPr>
+          <a:lstStyle/>
+          <a:p>
+            <a:r>
+              <a:rPr lang="en-US" dirty="0"/>
+              <a:t>Period Highlight – 11</a:t>
+            </a:r>
+            <a:br>
+              <a:rPr lang="en-US" dirty="0"/>
+            </a:br>
+            <a:r>
+              <a:rPr lang="en-US" sz="3200" dirty="0"/>
+              <a:t>Software Progress</a:t>
+            </a:r>
+            <a:endParaRPr lang="en-US" dirty="0"/>
+          </a:p>
+        </p:txBody>
+      </p:sp>
+      <p:sp>
+        <p:nvSpPr>
+          <p:cNvPr id="3" name="Content Placeholder 2">
+            <a:extLst>
+              <a:ext uri="{FF2B5EF4-FFF2-40B4-BE49-F238E27FC236}">
+                <a16:creationId xmlns:a16="http://schemas.microsoft.com/office/drawing/2014/main" id="{31B5BF06-E570-A7EF-36AA-416CA639FC8C}"/>
+              </a:ext>
+            </a:extLst>
+          </p:cNvPr>
+          <p:cNvSpPr>
+            <a:spLocks noGrp="1"/>
+          </p:cNvSpPr>
+          <p:nvPr>
+            <p:ph idx="1"/>
+          </p:nvPr>
+        </p:nvSpPr>
+        <p:spPr>
+          <a:xfrm>
+            <a:off x="457200" y="1417638"/>
+            <a:ext cx="5202936" cy="3054096"/>
+          </a:xfrm>
+        </p:spPr>
+        <p:txBody>
+          <a:bodyPr>
+            <a:normAutofit/>
+          </a:bodyPr>
+          <a:lstStyle/>
+          <a:p>
+            <a:r>
+              <a:rPr lang="en-US" sz="1800" dirty="0"/>
+              <a:t>Implementation with single sensor.</a:t>
+            </a:r>
+          </a:p>
+        </p:txBody>
+      </p:sp>
+      <p:sp>
+        <p:nvSpPr>
+          <p:cNvPr id="4" name="Date Placeholder 3">
+            <a:extLst>
+              <a:ext uri="{FF2B5EF4-FFF2-40B4-BE49-F238E27FC236}">
+                <a16:creationId xmlns:a16="http://schemas.microsoft.com/office/drawing/2014/main" id="{11853BB6-0F5B-10FE-1B68-64E4B86239E7}"/>
+              </a:ext>
+            </a:extLst>
+          </p:cNvPr>
+          <p:cNvSpPr>
+            <a:spLocks noGrp="1"/>
+          </p:cNvSpPr>
+          <p:nvPr>
+            <p:ph type="dt" sz="half" idx="10"/>
+          </p:nvPr>
+        </p:nvSpPr>
+        <p:spPr/>
+        <p:txBody>
+          <a:bodyPr/>
+          <a:lstStyle/>
+          <a:p>
+            <a:fld id="{0EFBEC3F-4208-4590-BA97-4119A385DFD9}" type="datetime1">
+              <a:rPr lang="en-US" smtClean="0"/>
+              <a:t>8/25/2025</a:t>
+            </a:fld>
+            <a:endParaRPr lang="en-US"/>
+          </a:p>
+        </p:txBody>
+      </p:sp>
+      <p:sp>
+        <p:nvSpPr>
+          <p:cNvPr id="5" name="Slide Number Placeholder 4">
+            <a:extLst>
+              <a:ext uri="{FF2B5EF4-FFF2-40B4-BE49-F238E27FC236}">
+                <a16:creationId xmlns:a16="http://schemas.microsoft.com/office/drawing/2014/main" id="{C59461A5-100A-6288-55EC-78AAD7083E18}"/>
+              </a:ext>
+            </a:extLst>
+          </p:cNvPr>
+          <p:cNvSpPr>
+            <a:spLocks noGrp="1"/>
+          </p:cNvSpPr>
+          <p:nvPr>
+            <p:ph type="sldNum" sz="quarter" idx="12"/>
+          </p:nvPr>
+        </p:nvSpPr>
+        <p:spPr/>
+        <p:txBody>
+          <a:bodyPr/>
+          <a:lstStyle/>
+          <a:p>
+            <a:fld id="{C1FF6DA9-008F-8B48-92A6-B652298478BF}" type="slidenum">
+              <a:rPr lang="en-US" smtClean="0"/>
+              <a:t>30</a:t>
+            </a:fld>
+            <a:endParaRPr lang="en-US"/>
+          </a:p>
+        </p:txBody>
+      </p:sp>
+    </p:spTree>
+    <p:extLst>
+      <p:ext uri="{BB962C8B-B14F-4D97-AF65-F5344CB8AC3E}">
+        <p14:creationId xmlns:p14="http://schemas.microsoft.com/office/powerpoint/2010/main" val="1199941006"/>
+      </p:ext>
+    </p:extLst>
+  </p:cSld>
+  <p:clrMapOvr>
+    <a:masterClrMapping/>
+  </p:clrMapOvr>
+</p:sld>
+</file>
+
+<file path=ppt/slides/slide31.xml><?xml version="1.0" encoding="utf-8"?>
+<p:sld xmlns:a="http://schemas.openxmlformats.org/drawingml/2006/main" xmlns:r="http://schemas.openxmlformats.org/officeDocument/2006/relationships" xmlns:p="http://schemas.openxmlformats.org/presentationml/2006/main">
+  <p:cSld>
+    <p:spTree>
+      <p:nvGrpSpPr>
+        <p:cNvPr id="1" name="">
+          <a:extLst>
+            <a:ext uri="{FF2B5EF4-FFF2-40B4-BE49-F238E27FC236}">
+              <a16:creationId xmlns:a16="http://schemas.microsoft.com/office/drawing/2014/main" id="{D9E21E86-C1EF-3DA2-77C9-D6FFF6003A6E}"/>
+            </a:ext>
+          </a:extLst>
+        </p:cNvPr>
+        <p:cNvGrpSpPr/>
+        <p:nvPr/>
+      </p:nvGrpSpPr>
+      <p:grpSpPr>
+        <a:xfrm>
+          <a:off x="0" y="0"/>
+          <a:ext cx="0" cy="0"/>
+          <a:chOff x="0" y="0"/>
+          <a:chExt cx="0" cy="0"/>
+        </a:xfrm>
+      </p:grpSpPr>
+      <p:sp>
+        <p:nvSpPr>
+          <p:cNvPr id="2" name="Title 1">
+            <a:extLst>
+              <a:ext uri="{FF2B5EF4-FFF2-40B4-BE49-F238E27FC236}">
+                <a16:creationId xmlns:a16="http://schemas.microsoft.com/office/drawing/2014/main" id="{8B9CB0E3-168F-015C-2776-B3A4A494F546}"/>
+              </a:ext>
+            </a:extLst>
+          </p:cNvPr>
+          <p:cNvSpPr>
+            <a:spLocks noGrp="1"/>
+          </p:cNvSpPr>
+          <p:nvPr>
+            <p:ph type="title"/>
+          </p:nvPr>
+        </p:nvSpPr>
+        <p:spPr/>
+        <p:txBody>
+          <a:bodyPr>
+            <a:normAutofit/>
+          </a:bodyPr>
+          <a:lstStyle/>
+          <a:p>
+            <a:r>
+              <a:rPr lang="en-US" dirty="0"/>
+              <a:t>Period Highlight - #</a:t>
+            </a:r>
+          </a:p>
+        </p:txBody>
+      </p:sp>
+      <p:sp>
+        <p:nvSpPr>
+          <p:cNvPr id="3" name="Content Placeholder 2">
+            <a:extLst>
+              <a:ext uri="{FF2B5EF4-FFF2-40B4-BE49-F238E27FC236}">
+                <a16:creationId xmlns:a16="http://schemas.microsoft.com/office/drawing/2014/main" id="{F4771035-D5C1-2F83-D3EE-6DA5A08633A3}"/>
+              </a:ext>
+            </a:extLst>
+          </p:cNvPr>
+          <p:cNvSpPr>
+            <a:spLocks noGrp="1"/>
+          </p:cNvSpPr>
+          <p:nvPr>
+            <p:ph idx="1"/>
+          </p:nvPr>
+        </p:nvSpPr>
+        <p:spPr/>
+        <p:txBody>
+          <a:bodyPr/>
+          <a:lstStyle/>
+          <a:p>
+            <a:endParaRPr lang="en-US"/>
+          </a:p>
+        </p:txBody>
+      </p:sp>
+      <p:sp>
+        <p:nvSpPr>
+          <p:cNvPr id="4" name="Date Placeholder 3">
+            <a:extLst>
+              <a:ext uri="{FF2B5EF4-FFF2-40B4-BE49-F238E27FC236}">
+                <a16:creationId xmlns:a16="http://schemas.microsoft.com/office/drawing/2014/main" id="{511CA94A-D74E-F4FB-E3C8-86963ACCA4F6}"/>
+              </a:ext>
+            </a:extLst>
+          </p:cNvPr>
+          <p:cNvSpPr>
+            <a:spLocks noGrp="1"/>
+          </p:cNvSpPr>
+          <p:nvPr>
+            <p:ph type="dt" sz="half" idx="10"/>
+          </p:nvPr>
+        </p:nvSpPr>
+        <p:spPr/>
+        <p:txBody>
+          <a:bodyPr/>
+          <a:lstStyle/>
+          <a:p>
+            <a:fld id="{0EFBEC3F-4208-4590-BA97-4119A385DFD9}" type="datetime1">
+              <a:rPr lang="en-US" smtClean="0"/>
+              <a:t>8/25/2025</a:t>
+            </a:fld>
+            <a:endParaRPr lang="en-US"/>
+          </a:p>
+        </p:txBody>
+      </p:sp>
+      <p:sp>
+        <p:nvSpPr>
+          <p:cNvPr id="5" name="Slide Number Placeholder 4">
+            <a:extLst>
+              <a:ext uri="{FF2B5EF4-FFF2-40B4-BE49-F238E27FC236}">
+                <a16:creationId xmlns:a16="http://schemas.microsoft.com/office/drawing/2014/main" id="{AD09FB45-B740-A0A6-5BA7-AC6C7249CC05}"/>
+              </a:ext>
+            </a:extLst>
+          </p:cNvPr>
+          <p:cNvSpPr>
+            <a:spLocks noGrp="1"/>
+          </p:cNvSpPr>
+          <p:nvPr>
+            <p:ph type="sldNum" sz="quarter" idx="12"/>
+          </p:nvPr>
+        </p:nvSpPr>
+        <p:spPr/>
+        <p:txBody>
+          <a:bodyPr/>
+          <a:lstStyle/>
+          <a:p>
+            <a:fld id="{C1FF6DA9-008F-8B48-92A6-B652298478BF}" type="slidenum">
+              <a:rPr lang="en-US" smtClean="0"/>
+              <a:t>31</a:t>
+            </a:fld>
+            <a:endParaRPr lang="en-US"/>
+          </a:p>
+        </p:txBody>
+      </p:sp>
+    </p:spTree>
+    <p:extLst>
+      <p:ext uri="{BB962C8B-B14F-4D97-AF65-F5344CB8AC3E}">
+        <p14:creationId xmlns:p14="http://schemas.microsoft.com/office/powerpoint/2010/main" val="3506300580"/>
       </p:ext>
     </p:extLst>
   </p:cSld>

--- a/06_PresentationUpdates/Radar_ResearchProject.pptx
+++ b/06_PresentationUpdates/Radar_ResearchProject.pptx
@@ -5,7 +5,7 @@
     <p:sldMasterId id="2147483648" r:id="rId1"/>
   </p:sldMasterIdLst>
   <p:notesMasterIdLst>
-    <p:notesMasterId r:id="rId33"/>
+    <p:notesMasterId r:id="rId34"/>
   </p:notesMasterIdLst>
   <p:sldIdLst>
     <p:sldId id="380" r:id="rId2"/>
@@ -37,8 +37,9 @@
     <p:sldId id="406" r:id="rId28"/>
     <p:sldId id="384" r:id="rId29"/>
     <p:sldId id="409" r:id="rId30"/>
-    <p:sldId id="410" r:id="rId31"/>
-    <p:sldId id="385" r:id="rId32"/>
+    <p:sldId id="411" r:id="rId31"/>
+    <p:sldId id="410" r:id="rId32"/>
+    <p:sldId id="385" r:id="rId33"/>
   </p:sldIdLst>
   <p:sldSz cx="9144000" cy="6858000" type="screen4x3"/>
   <p:notesSz cx="6858000" cy="9144000"/>
@@ -10167,6 +10168,173 @@
         <p:cNvPr id="1" name="">
           <a:extLst>
             <a:ext uri="{FF2B5EF4-FFF2-40B4-BE49-F238E27FC236}">
+              <a16:creationId xmlns:a16="http://schemas.microsoft.com/office/drawing/2014/main" id="{FF24E9B9-4751-0E76-AD11-7DC3656C5FB4}"/>
+            </a:ext>
+          </a:extLst>
+        </p:cNvPr>
+        <p:cNvGrpSpPr/>
+        <p:nvPr/>
+      </p:nvGrpSpPr>
+      <p:grpSpPr>
+        <a:xfrm>
+          <a:off x="0" y="0"/>
+          <a:ext cx="0" cy="0"/>
+          <a:chOff x="0" y="0"/>
+          <a:chExt cx="0" cy="0"/>
+        </a:xfrm>
+      </p:grpSpPr>
+      <p:sp>
+        <p:nvSpPr>
+          <p:cNvPr id="2" name="Title 1">
+            <a:extLst>
+              <a:ext uri="{FF2B5EF4-FFF2-40B4-BE49-F238E27FC236}">
+                <a16:creationId xmlns:a16="http://schemas.microsoft.com/office/drawing/2014/main" id="{FFCB1F6A-BE60-9CE3-1B89-77DAA7FD74E4}"/>
+              </a:ext>
+            </a:extLst>
+          </p:cNvPr>
+          <p:cNvSpPr>
+            <a:spLocks noGrp="1"/>
+          </p:cNvSpPr>
+          <p:nvPr>
+            <p:ph type="title"/>
+          </p:nvPr>
+        </p:nvSpPr>
+        <p:spPr/>
+        <p:txBody>
+          <a:bodyPr>
+            <a:normAutofit fontScale="90000"/>
+          </a:bodyPr>
+          <a:lstStyle/>
+          <a:p>
+            <a:r>
+              <a:rPr lang="en-US" dirty="0"/>
+              <a:t>Period Highlight – 11</a:t>
+            </a:r>
+            <a:br>
+              <a:rPr lang="en-US" dirty="0"/>
+            </a:br>
+            <a:r>
+              <a:rPr lang="en-US" sz="3200" dirty="0"/>
+              <a:t>Software Progress</a:t>
+            </a:r>
+            <a:endParaRPr lang="en-US" dirty="0"/>
+          </a:p>
+        </p:txBody>
+      </p:sp>
+      <p:sp>
+        <p:nvSpPr>
+          <p:cNvPr id="3" name="Content Placeholder 2">
+            <a:extLst>
+              <a:ext uri="{FF2B5EF4-FFF2-40B4-BE49-F238E27FC236}">
+                <a16:creationId xmlns:a16="http://schemas.microsoft.com/office/drawing/2014/main" id="{712E0224-EBCF-5274-8104-E61FDBBF917B}"/>
+              </a:ext>
+            </a:extLst>
+          </p:cNvPr>
+          <p:cNvSpPr>
+            <a:spLocks noGrp="1"/>
+          </p:cNvSpPr>
+          <p:nvPr>
+            <p:ph idx="1"/>
+          </p:nvPr>
+        </p:nvSpPr>
+        <p:spPr>
+          <a:xfrm>
+            <a:off x="457200" y="1417638"/>
+            <a:ext cx="5202936" cy="3054096"/>
+          </a:xfrm>
+        </p:spPr>
+        <p:txBody>
+          <a:bodyPr>
+            <a:normAutofit/>
+          </a:bodyPr>
+          <a:lstStyle/>
+          <a:p>
+            <a:r>
+              <a:rPr lang="en-US" sz="1800" dirty="0"/>
+              <a:t>Implementation with single sensor.</a:t>
+            </a:r>
+          </a:p>
+        </p:txBody>
+      </p:sp>
+      <p:sp>
+        <p:nvSpPr>
+          <p:cNvPr id="4" name="Date Placeholder 3">
+            <a:extLst>
+              <a:ext uri="{FF2B5EF4-FFF2-40B4-BE49-F238E27FC236}">
+                <a16:creationId xmlns:a16="http://schemas.microsoft.com/office/drawing/2014/main" id="{D0970F29-5651-901E-F5D5-CED095FBACF3}"/>
+              </a:ext>
+            </a:extLst>
+          </p:cNvPr>
+          <p:cNvSpPr>
+            <a:spLocks noGrp="1"/>
+          </p:cNvSpPr>
+          <p:nvPr>
+            <p:ph type="dt" sz="half" idx="10"/>
+          </p:nvPr>
+        </p:nvSpPr>
+        <p:spPr/>
+        <p:txBody>
+          <a:bodyPr/>
+          <a:lstStyle/>
+          <a:p>
+            <a:fld id="{0EFBEC3F-4208-4590-BA97-4119A385DFD9}" type="datetime1">
+              <a:rPr lang="en-US" smtClean="0"/>
+              <a:t>8/25/2025</a:t>
+            </a:fld>
+            <a:endParaRPr lang="en-US"/>
+          </a:p>
+        </p:txBody>
+      </p:sp>
+      <p:sp>
+        <p:nvSpPr>
+          <p:cNvPr id="5" name="Slide Number Placeholder 4">
+            <a:extLst>
+              <a:ext uri="{FF2B5EF4-FFF2-40B4-BE49-F238E27FC236}">
+                <a16:creationId xmlns:a16="http://schemas.microsoft.com/office/drawing/2014/main" id="{1B93056D-3405-AF6F-78BF-AFA38045C391}"/>
+              </a:ext>
+            </a:extLst>
+          </p:cNvPr>
+          <p:cNvSpPr>
+            <a:spLocks noGrp="1"/>
+          </p:cNvSpPr>
+          <p:nvPr>
+            <p:ph type="sldNum" sz="quarter" idx="12"/>
+          </p:nvPr>
+        </p:nvSpPr>
+        <p:spPr/>
+        <p:txBody>
+          <a:bodyPr/>
+          <a:lstStyle/>
+          <a:p>
+            <a:fld id="{C1FF6DA9-008F-8B48-92A6-B652298478BF}" type="slidenum">
+              <a:rPr lang="en-US" smtClean="0"/>
+              <a:t>30</a:t>
+            </a:fld>
+            <a:endParaRPr lang="en-US"/>
+          </a:p>
+        </p:txBody>
+      </p:sp>
+    </p:spTree>
+    <p:extLst>
+      <p:ext uri="{BB962C8B-B14F-4D97-AF65-F5344CB8AC3E}">
+        <p14:creationId xmlns:p14="http://schemas.microsoft.com/office/powerpoint/2010/main" val="3156544465"/>
+      </p:ext>
+    </p:extLst>
+  </p:cSld>
+  <p:clrMapOvr>
+    <a:masterClrMapping/>
+  </p:clrMapOvr>
+</p:sld>
+</file>
+
+<file path=ppt/slides/slide31.xml><?xml version="1.0" encoding="utf-8"?>
+<p:sld xmlns:a="http://schemas.openxmlformats.org/drawingml/2006/main" xmlns:r="http://schemas.openxmlformats.org/officeDocument/2006/relationships" xmlns:p="http://schemas.openxmlformats.org/presentationml/2006/main">
+  <p:cSld>
+    <p:spTree>
+      <p:nvGrpSpPr>
+        <p:cNvPr id="1" name="">
+          <a:extLst>
+            <a:ext uri="{FF2B5EF4-FFF2-40B4-BE49-F238E27FC236}">
               <a16:creationId xmlns:a16="http://schemas.microsoft.com/office/drawing/2014/main" id="{C7E76805-6940-E5D9-7F60-7B6767121A21}"/>
             </a:ext>
           </a:extLst>
@@ -10250,7 +10418,20 @@
           <a:p>
             <a:r>
               <a:rPr lang="en-US" sz="1800" dirty="0"/>
-              <a:t>Implementation with single sensor.</a:t>
+              <a:t>Implementation with dual sensor.</a:t>
+            </a:r>
+          </a:p>
+          <a:p>
+            <a:r>
+              <a:rPr lang="en-US" sz="1800" dirty="0"/>
+              <a:t>Improvements needed, at some point the recordings were working better than latest version.</a:t>
+            </a:r>
+          </a:p>
+          <a:p>
+            <a:pPr lvl="1"/>
+            <a:r>
+              <a:rPr lang="en-US" sz="1400" dirty="0"/>
+              <a:t>Next goal is to roll back to that point and start from there.</a:t>
             </a:r>
           </a:p>
         </p:txBody>
@@ -10307,12 +10488,42 @@
           <a:p>
             <a:fld id="{C1FF6DA9-008F-8B48-92A6-B652298478BF}" type="slidenum">
               <a:rPr lang="en-US" smtClean="0"/>
-              <a:t>30</a:t>
+              <a:t>31</a:t>
             </a:fld>
             <a:endParaRPr lang="en-US"/>
           </a:p>
         </p:txBody>
       </p:sp>
+      <p:pic>
+        <p:nvPicPr>
+          <p:cNvPr id="6" name="Picture 5">
+            <a:extLst>
+              <a:ext uri="{FF2B5EF4-FFF2-40B4-BE49-F238E27FC236}">
+                <a16:creationId xmlns:a16="http://schemas.microsoft.com/office/drawing/2014/main" id="{FFEA1CB0-4D8B-082E-52D2-93CB3678D796}"/>
+              </a:ext>
+            </a:extLst>
+          </p:cNvPr>
+          <p:cNvPicPr>
+            <a:picLocks noChangeAspect="1"/>
+          </p:cNvPicPr>
+          <p:nvPr/>
+        </p:nvPicPr>
+        <p:blipFill>
+          <a:blip r:embed="rId2"/>
+          <a:stretch>
+            <a:fillRect/>
+          </a:stretch>
+        </p:blipFill>
+        <p:spPr>
+          <a:xfrm>
+            <a:off x="2942360" y="3311588"/>
+            <a:ext cx="6201640" cy="3029373"/>
+          </a:xfrm>
+          <a:prstGeom prst="rect">
+            <a:avLst/>
+          </a:prstGeom>
+        </p:spPr>
+      </p:pic>
     </p:spTree>
     <p:extLst>
       <p:ext uri="{BB962C8B-B14F-4D97-AF65-F5344CB8AC3E}">
@@ -10326,7 +10537,7 @@
 </p:sld>
 </file>
 
-<file path=ppt/slides/slide31.xml><?xml version="1.0" encoding="utf-8"?>
+<file path=ppt/slides/slide32.xml><?xml version="1.0" encoding="utf-8"?>
 <p:sld xmlns:a="http://schemas.openxmlformats.org/drawingml/2006/main" xmlns:r="http://schemas.openxmlformats.org/officeDocument/2006/relationships" xmlns:p="http://schemas.openxmlformats.org/presentationml/2006/main">
   <p:cSld>
     <p:spTree>
@@ -10456,7 +10667,7 @@
           <a:p>
             <a:fld id="{C1FF6DA9-008F-8B48-92A6-B652298478BF}" type="slidenum">
               <a:rPr lang="en-US" smtClean="0"/>
-              <a:t>31</a:t>
+              <a:t>32</a:t>
             </a:fld>
             <a:endParaRPr lang="en-US"/>
           </a:p>

--- a/06_PresentationUpdates/Radar_ResearchProject.pptx
+++ b/06_PresentationUpdates/Radar_ResearchProject.pptx
@@ -5,7 +5,7 @@
     <p:sldMasterId id="2147483648" r:id="rId1"/>
   </p:sldMasterIdLst>
   <p:notesMasterIdLst>
-    <p:notesMasterId r:id="rId34"/>
+    <p:notesMasterId r:id="rId41"/>
   </p:notesMasterIdLst>
   <p:sldIdLst>
     <p:sldId id="380" r:id="rId2"/>
@@ -26,20 +26,27 @@
     <p:sldId id="397" r:id="rId17"/>
     <p:sldId id="398" r:id="rId18"/>
     <p:sldId id="399" r:id="rId19"/>
-    <p:sldId id="407" r:id="rId20"/>
-    <p:sldId id="408" r:id="rId21"/>
-    <p:sldId id="401" r:id="rId22"/>
-    <p:sldId id="402" r:id="rId23"/>
-    <p:sldId id="403" r:id="rId24"/>
-    <p:sldId id="400" r:id="rId25"/>
-    <p:sldId id="404" r:id="rId26"/>
-    <p:sldId id="405" r:id="rId27"/>
-    <p:sldId id="406" r:id="rId28"/>
-    <p:sldId id="384" r:id="rId29"/>
-    <p:sldId id="409" r:id="rId30"/>
-    <p:sldId id="411" r:id="rId31"/>
-    <p:sldId id="410" r:id="rId32"/>
-    <p:sldId id="385" r:id="rId33"/>
+    <p:sldId id="419" r:id="rId20"/>
+    <p:sldId id="407" r:id="rId21"/>
+    <p:sldId id="408" r:id="rId22"/>
+    <p:sldId id="401" r:id="rId23"/>
+    <p:sldId id="402" r:id="rId24"/>
+    <p:sldId id="403" r:id="rId25"/>
+    <p:sldId id="400" r:id="rId26"/>
+    <p:sldId id="404" r:id="rId27"/>
+    <p:sldId id="405" r:id="rId28"/>
+    <p:sldId id="406" r:id="rId29"/>
+    <p:sldId id="384" r:id="rId30"/>
+    <p:sldId id="409" r:id="rId31"/>
+    <p:sldId id="418" r:id="rId32"/>
+    <p:sldId id="412" r:id="rId33"/>
+    <p:sldId id="413" r:id="rId34"/>
+    <p:sldId id="414" r:id="rId35"/>
+    <p:sldId id="415" r:id="rId36"/>
+    <p:sldId id="417" r:id="rId37"/>
+    <p:sldId id="421" r:id="rId38"/>
+    <p:sldId id="422" r:id="rId39"/>
+    <p:sldId id="385" r:id="rId40"/>
   </p:sldIdLst>
   <p:sldSz cx="9144000" cy="6858000" type="screen4x3"/>
   <p:notesSz cx="6858000" cy="9144000"/>
@@ -1291,7 +1298,7 @@
           <a:p>
             <a:fld id="{914561EA-877F-40EB-BD03-9F9D93CF8F08}" type="datetimeFigureOut">
               <a:rPr lang="en-US" smtClean="0"/>
-              <a:t>8/25/2025</a:t>
+              <a:t>9/7/2025</a:t>
             </a:fld>
             <a:endParaRPr lang="en-US"/>
           </a:p>
@@ -1821,7 +1828,7 @@
           <a:p>
             <a:fld id="{AFA779F1-D9BB-4E74-86A2-2DC123167359}" type="datetime1">
               <a:rPr lang="en-US" smtClean="0"/>
-              <a:t>8/25/2025</a:t>
+              <a:t>9/7/2025</a:t>
             </a:fld>
             <a:endParaRPr lang="en-US" dirty="0"/>
           </a:p>
@@ -1997,7 +2004,7 @@
           <a:p>
             <a:fld id="{BD548D2B-CE3E-4EDD-9649-B6EE9E3C2340}" type="datetime1">
               <a:rPr lang="en-US" smtClean="0"/>
-              <a:t>8/25/2025</a:t>
+              <a:t>9/7/2025</a:t>
             </a:fld>
             <a:endParaRPr lang="en-US"/>
           </a:p>
@@ -2183,7 +2190,7 @@
           <a:p>
             <a:fld id="{ACEBBA4F-0F17-4FF1-AA6C-E0193917BC1E}" type="datetime1">
               <a:rPr lang="en-US" smtClean="0"/>
-              <a:t>8/25/2025</a:t>
+              <a:t>9/7/2025</a:t>
             </a:fld>
             <a:endParaRPr lang="en-US"/>
           </a:p>
@@ -2359,7 +2366,7 @@
           <a:p>
             <a:fld id="{0EFBEC3F-4208-4590-BA97-4119A385DFD9}" type="datetime1">
               <a:rPr lang="en-US" smtClean="0"/>
-              <a:t>8/25/2025</a:t>
+              <a:t>9/7/2025</a:t>
             </a:fld>
             <a:endParaRPr lang="en-US"/>
           </a:p>
@@ -2612,7 +2619,7 @@
           <a:p>
             <a:fld id="{B2D760EB-C9A5-467F-AA36-B176C44BCBF1}" type="datetime1">
               <a:rPr lang="en-US" smtClean="0"/>
-              <a:t>8/25/2025</a:t>
+              <a:t>9/7/2025</a:t>
             </a:fld>
             <a:endParaRPr lang="en-US"/>
           </a:p>
@@ -2905,7 +2912,7 @@
           <a:p>
             <a:fld id="{1C9B5E61-6324-405D-8AF5-05323E47D966}" type="datetime1">
               <a:rPr lang="en-US" smtClean="0"/>
-              <a:t>8/25/2025</a:t>
+              <a:t>9/7/2025</a:t>
             </a:fld>
             <a:endParaRPr lang="en-US"/>
           </a:p>
@@ -3332,7 +3339,7 @@
           <a:p>
             <a:fld id="{4A37807E-A869-4435-A051-311AEF96909D}" type="datetime1">
               <a:rPr lang="en-US" smtClean="0"/>
-              <a:t>8/25/2025</a:t>
+              <a:t>9/7/2025</a:t>
             </a:fld>
             <a:endParaRPr lang="en-US"/>
           </a:p>
@@ -3457,7 +3464,7 @@
           <a:p>
             <a:fld id="{1BC8686A-CD31-4B11-9B8F-A51012174BB0}" type="datetime1">
               <a:rPr lang="en-US" smtClean="0"/>
-              <a:t>8/25/2025</a:t>
+              <a:t>9/7/2025</a:t>
             </a:fld>
             <a:endParaRPr lang="en-US"/>
           </a:p>
@@ -3560,7 +3567,7 @@
           <a:p>
             <a:fld id="{4F4B4EA3-50E0-4631-85EF-BDA8608D293F}" type="datetime1">
               <a:rPr lang="en-US" smtClean="0"/>
-              <a:t>8/25/2025</a:t>
+              <a:t>9/7/2025</a:t>
             </a:fld>
             <a:endParaRPr lang="en-US"/>
           </a:p>
@@ -3843,7 +3850,7 @@
           <a:p>
             <a:fld id="{4BA8B4E6-89B0-4D9D-AC8C-3B8ECDAACC34}" type="datetime1">
               <a:rPr lang="en-US" smtClean="0"/>
-              <a:t>8/25/2025</a:t>
+              <a:t>9/7/2025</a:t>
             </a:fld>
             <a:endParaRPr lang="en-US"/>
           </a:p>
@@ -4103,7 +4110,7 @@
           <a:p>
             <a:fld id="{0A1BBC16-5931-43C3-BDFF-9B248A400D54}" type="datetime1">
               <a:rPr lang="en-US" smtClean="0"/>
-              <a:t>8/25/2025</a:t>
+              <a:t>9/7/2025</a:t>
             </a:fld>
             <a:endParaRPr lang="en-US"/>
           </a:p>
@@ -4414,7 +4421,7 @@
           <a:p>
             <a:fld id="{A7143E5B-78DF-476F-8A09-9FD612E00067}" type="datetime1">
               <a:rPr lang="en-US" smtClean="0"/>
-              <a:t>8/25/2025</a:t>
+              <a:t>9/7/2025</a:t>
             </a:fld>
             <a:endParaRPr lang="en-US" dirty="0"/>
           </a:p>
@@ -4949,7 +4956,7 @@
           <a:p>
             <a:fld id="{1FF5D759-AFA5-4CA4-8536-68E39A72291A}" type="datetime1">
               <a:rPr lang="en-US" smtClean="0"/>
-              <a:t>8/25/2025</a:t>
+              <a:t>9/7/2025</a:t>
             </a:fld>
             <a:endParaRPr lang="en-US" dirty="0"/>
           </a:p>
@@ -5051,7 +5058,7 @@
           <a:p>
             <a:fld id="{0EFBEC3F-4208-4590-BA97-4119A385DFD9}" type="datetime1">
               <a:rPr lang="en-US" smtClean="0"/>
-              <a:t>8/25/2025</a:t>
+              <a:t>9/7/2025</a:t>
             </a:fld>
             <a:endParaRPr lang="en-US"/>
           </a:p>
@@ -5206,7 +5213,7 @@
           <a:p>
             <a:fld id="{0EFBEC3F-4208-4590-BA97-4119A385DFD9}" type="datetime1">
               <a:rPr lang="en-US" smtClean="0"/>
-              <a:t>8/25/2025</a:t>
+              <a:t>9/7/2025</a:t>
             </a:fld>
             <a:endParaRPr lang="en-US"/>
           </a:p>
@@ -5391,7 +5398,7 @@
           <a:p>
             <a:fld id="{0EFBEC3F-4208-4590-BA97-4119A385DFD9}" type="datetime1">
               <a:rPr lang="en-US" smtClean="0"/>
-              <a:t>8/25/2025</a:t>
+              <a:t>9/7/2025</a:t>
             </a:fld>
             <a:endParaRPr lang="en-US"/>
           </a:p>
@@ -5688,7 +5695,7 @@
           <a:p>
             <a:fld id="{0EFBEC3F-4208-4590-BA97-4119A385DFD9}" type="datetime1">
               <a:rPr lang="en-US" smtClean="0"/>
-              <a:t>8/25/2025</a:t>
+              <a:t>9/7/2025</a:t>
             </a:fld>
             <a:endParaRPr lang="en-US"/>
           </a:p>
@@ -5866,7 +5873,7 @@
           <a:p>
             <a:fld id="{0EFBEC3F-4208-4590-BA97-4119A385DFD9}" type="datetime1">
               <a:rPr lang="en-US" smtClean="0"/>
-              <a:t>8/25/2025</a:t>
+              <a:t>9/7/2025</a:t>
             </a:fld>
             <a:endParaRPr lang="en-US"/>
           </a:p>
@@ -6105,7 +6112,7 @@
           <a:p>
             <a:fld id="{0EFBEC3F-4208-4590-BA97-4119A385DFD9}" type="datetime1">
               <a:rPr lang="en-US" smtClean="0"/>
-              <a:t>8/25/2025</a:t>
+              <a:t>9/7/2025</a:t>
             </a:fld>
             <a:endParaRPr lang="en-US"/>
           </a:p>
@@ -6374,7 +6381,7 @@
           <a:p>
             <a:fld id="{0EFBEC3F-4208-4590-BA97-4119A385DFD9}" type="datetime1">
               <a:rPr lang="en-US" smtClean="0"/>
-              <a:t>8/25/2025</a:t>
+              <a:t>9/7/2025</a:t>
             </a:fld>
             <a:endParaRPr lang="en-US"/>
           </a:p>
@@ -6629,7 +6636,7 @@
           <a:p>
             <a:fld id="{0EFBEC3F-4208-4590-BA97-4119A385DFD9}" type="datetime1">
               <a:rPr lang="en-US" smtClean="0"/>
-              <a:t>8/25/2025</a:t>
+              <a:t>9/7/2025</a:t>
             </a:fld>
             <a:endParaRPr lang="en-US"/>
           </a:p>
@@ -6895,7 +6902,7 @@
           <a:p>
             <a:fld id="{0EFBEC3F-4208-4590-BA97-4119A385DFD9}" type="datetime1">
               <a:rPr lang="en-US" smtClean="0"/>
-              <a:t>8/25/2025</a:t>
+              <a:t>9/7/2025</a:t>
             </a:fld>
             <a:endParaRPr lang="en-US"/>
           </a:p>
@@ -7026,7 +7033,7 @@
         <p:cNvPr id="1" name="">
           <a:extLst>
             <a:ext uri="{FF2B5EF4-FFF2-40B4-BE49-F238E27FC236}">
-              <a16:creationId xmlns:a16="http://schemas.microsoft.com/office/drawing/2014/main" id="{F01159C6-A844-0962-8335-8FBE1C2C5888}"/>
+              <a16:creationId xmlns:a16="http://schemas.microsoft.com/office/drawing/2014/main" id="{1ED6E358-3961-8502-3C9D-4F10CA4CB625}"/>
             </a:ext>
           </a:extLst>
         </p:cNvPr>
@@ -7046,7 +7053,7 @@
           <p:cNvPr id="2" name="Title 1">
             <a:extLst>
               <a:ext uri="{FF2B5EF4-FFF2-40B4-BE49-F238E27FC236}">
-                <a16:creationId xmlns:a16="http://schemas.microsoft.com/office/drawing/2014/main" id="{DA18550B-7BEF-7806-3281-FAF7C45D472D}"/>
+                <a16:creationId xmlns:a16="http://schemas.microsoft.com/office/drawing/2014/main" id="{E86A046B-D642-95AD-9DDC-7C97BCB292C0}"/>
               </a:ext>
             </a:extLst>
           </p:cNvPr>
@@ -7066,15 +7073,16 @@
           <a:p>
             <a:r>
               <a:rPr lang="en-US" dirty="0"/>
-              <a:t>Period Highlight – 10</a:t>
+              <a:t>Period Highlight – 9</a:t>
             </a:r>
             <a:br>
               <a:rPr lang="en-US" dirty="0"/>
             </a:br>
             <a:r>
               <a:rPr lang="en-US" sz="3200" dirty="0"/>
-              <a:t>Networking Preparations</a:t>
-            </a:r>
+              <a:t>Missed</a:t>
+            </a:r>
+            <a:endParaRPr lang="en-US" dirty="0"/>
           </a:p>
         </p:txBody>
       </p:sp>
@@ -7083,7 +7091,7 @@
           <p:cNvPr id="3" name="Content Placeholder 2">
             <a:extLst>
               <a:ext uri="{FF2B5EF4-FFF2-40B4-BE49-F238E27FC236}">
-                <a16:creationId xmlns:a16="http://schemas.microsoft.com/office/drawing/2014/main" id="{A873E215-2F00-163D-D15B-8990AAC91003}"/>
+                <a16:creationId xmlns:a16="http://schemas.microsoft.com/office/drawing/2014/main" id="{0B4079A5-28E8-1A19-D08A-94AED31D507D}"/>
               </a:ext>
             </a:extLst>
           </p:cNvPr>
@@ -7094,75 +7102,19 @@
             <p:ph idx="1"/>
           </p:nvPr>
         </p:nvSpPr>
-        <p:spPr/>
+        <p:spPr>
+          <a:xfrm>
+            <a:off x="457200" y="1417638"/>
+            <a:ext cx="5202936" cy="3054096"/>
+          </a:xfrm>
+        </p:spPr>
         <p:txBody>
           <a:bodyPr>
-            <a:normAutofit fontScale="85000" lnSpcReduction="20000"/>
+            <a:normAutofit/>
           </a:bodyPr>
           <a:lstStyle/>
           <a:p>
-            <a:r>
-              <a:rPr lang="en-US" dirty="0"/>
-              <a:t>Got in contact with Dr. Alexis Kostas from Norway.</a:t>
-            </a:r>
-          </a:p>
-          <a:p>
-            <a:pPr lvl="1"/>
-            <a:r>
-              <a:rPr lang="en-US" dirty="0">
-                <a:hlinkClick r:id="rId2"/>
-              </a:rPr>
-              <a:t>Radar-Inertial ICP-based Pose Graph SLAM</a:t>
-            </a:r>
-            <a:endParaRPr lang="en-US" dirty="0"/>
-          </a:p>
-          <a:p>
-            <a:pPr lvl="1"/>
-            <a:endParaRPr lang="en-US" dirty="0"/>
-          </a:p>
-          <a:p>
-            <a:r>
-              <a:rPr lang="en-US" dirty="0"/>
-              <a:t>Which later direct me to Morten Nissov, also from Norway.</a:t>
-            </a:r>
-          </a:p>
-          <a:p>
-            <a:pPr lvl="1"/>
-            <a:r>
-              <a:rPr lang="en-US" dirty="0"/>
-              <a:t>Explain about the project that was implemented before and current work.</a:t>
-            </a:r>
-          </a:p>
-          <a:p>
-            <a:r>
-              <a:rPr lang="en-US" dirty="0"/>
-              <a:t>New material provided by them:</a:t>
-            </a:r>
-          </a:p>
-          <a:p>
-            <a:pPr lvl="1"/>
-            <a:r>
-              <a:rPr lang="en-US" dirty="0"/>
-              <a:t>Instantaneous ego-motion estimation using Doppler radar</a:t>
-            </a:r>
-          </a:p>
-          <a:p>
-            <a:pPr lvl="2"/>
-            <a:r>
-              <a:rPr lang="en-US" dirty="0"/>
-              <a:t>According to the paper results, this was done in last semester project.</a:t>
-            </a:r>
-          </a:p>
-          <a:p>
-            <a:pPr lvl="2"/>
-            <a:r>
-              <a:rPr lang="en-US" dirty="0"/>
-              <a:t>Fusion of this work and current one is on the way.</a:t>
-            </a:r>
-          </a:p>
-          <a:p>
-            <a:pPr lvl="1"/>
-            <a:endParaRPr lang="en-US" dirty="0"/>
+            <a:endParaRPr lang="en-US" sz="1800" dirty="0"/>
           </a:p>
         </p:txBody>
       </p:sp>
@@ -7171,7 +7123,7 @@
           <p:cNvPr id="4" name="Date Placeholder 3">
             <a:extLst>
               <a:ext uri="{FF2B5EF4-FFF2-40B4-BE49-F238E27FC236}">
-                <a16:creationId xmlns:a16="http://schemas.microsoft.com/office/drawing/2014/main" id="{B6306280-94DF-A4B1-1837-D11D0EBC955E}"/>
+                <a16:creationId xmlns:a16="http://schemas.microsoft.com/office/drawing/2014/main" id="{9089B884-81BD-1779-2DBC-491490799F40}"/>
               </a:ext>
             </a:extLst>
           </p:cNvPr>
@@ -7189,7 +7141,7 @@
           <a:p>
             <a:fld id="{0EFBEC3F-4208-4590-BA97-4119A385DFD9}" type="datetime1">
               <a:rPr lang="en-US" smtClean="0"/>
-              <a:t>8/25/2025</a:t>
+              <a:t>9/7/2025</a:t>
             </a:fld>
             <a:endParaRPr lang="en-US"/>
           </a:p>
@@ -7200,7 +7152,7 @@
           <p:cNvPr id="5" name="Slide Number Placeholder 4">
             <a:extLst>
               <a:ext uri="{FF2B5EF4-FFF2-40B4-BE49-F238E27FC236}">
-                <a16:creationId xmlns:a16="http://schemas.microsoft.com/office/drawing/2014/main" id="{606CF556-F433-C4C6-FDF5-CCBF58BCFAAF}"/>
+                <a16:creationId xmlns:a16="http://schemas.microsoft.com/office/drawing/2014/main" id="{47721AB8-8A1D-8BA9-149F-A985DC0656E4}"/>
               </a:ext>
             </a:extLst>
           </p:cNvPr>
@@ -7224,55 +7176,10 @@
           </a:p>
         </p:txBody>
       </p:sp>
-      <p:sp>
-        <p:nvSpPr>
-          <p:cNvPr id="6" name="AutoShape 2">
-            <a:extLst>
-              <a:ext uri="{FF2B5EF4-FFF2-40B4-BE49-F238E27FC236}">
-                <a16:creationId xmlns:a16="http://schemas.microsoft.com/office/drawing/2014/main" id="{3C658808-0ABF-1700-BF70-62A78709EBFC}"/>
-              </a:ext>
-            </a:extLst>
-          </p:cNvPr>
-          <p:cNvSpPr>
-            <a:spLocks noChangeAspect="1" noChangeArrowheads="1"/>
-          </p:cNvSpPr>
-          <p:nvPr/>
-        </p:nvSpPr>
-        <p:spPr bwMode="auto">
-          <a:xfrm>
-            <a:off x="4419600" y="3276600"/>
-            <a:ext cx="304800" cy="304800"/>
-          </a:xfrm>
-          <a:prstGeom prst="rect">
-            <a:avLst/>
-          </a:prstGeom>
-          <a:noFill/>
-          <a:extLst>
-            <a:ext uri="{909E8E84-426E-40DD-AFC4-6F175D3DCCD1}">
-              <a14:hiddenFill xmlns:a14="http://schemas.microsoft.com/office/drawing/2010/main">
-                <a:solidFill>
-                  <a:srgbClr val="FFFFFF"/>
-                </a:solidFill>
-              </a14:hiddenFill>
-            </a:ext>
-          </a:extLst>
-        </p:spPr>
-        <p:txBody>
-          <a:bodyPr vert="horz" wrap="square" lIns="91440" tIns="45720" rIns="91440" bIns="45720" numCol="1" anchor="t" anchorCtr="0" compatLnSpc="1">
-            <a:prstTxWarp prst="textNoShape">
-              <a:avLst/>
-            </a:prstTxWarp>
-          </a:bodyPr>
-          <a:lstStyle/>
-          <a:p>
-            <a:endParaRPr lang="en-US"/>
-          </a:p>
-        </p:txBody>
-      </p:sp>
     </p:spTree>
     <p:extLst>
       <p:ext uri="{BB962C8B-B14F-4D97-AF65-F5344CB8AC3E}">
-        <p14:creationId xmlns:p14="http://schemas.microsoft.com/office/powerpoint/2010/main" val="3774724792"/>
+        <p14:creationId xmlns:p14="http://schemas.microsoft.com/office/powerpoint/2010/main" val="3417567800"/>
       </p:ext>
     </p:extLst>
   </p:cSld>
@@ -7379,7 +7286,7 @@
           <a:p>
             <a:fld id="{1AA46178-B97E-4817-9029-290586FA77E9}" type="datetime1">
               <a:rPr lang="en-US" smtClean="0"/>
-              <a:t>8/25/2025</a:t>
+              <a:t>9/7/2025</a:t>
             </a:fld>
             <a:endParaRPr lang="en-US"/>
           </a:p>
@@ -7429,6 +7336,270 @@
 </file>
 
 <file path=ppt/slides/slide20.xml><?xml version="1.0" encoding="utf-8"?>
+<p:sld xmlns:a="http://schemas.openxmlformats.org/drawingml/2006/main" xmlns:r="http://schemas.openxmlformats.org/officeDocument/2006/relationships" xmlns:p="http://schemas.openxmlformats.org/presentationml/2006/main">
+  <p:cSld>
+    <p:spTree>
+      <p:nvGrpSpPr>
+        <p:cNvPr id="1" name="">
+          <a:extLst>
+            <a:ext uri="{FF2B5EF4-FFF2-40B4-BE49-F238E27FC236}">
+              <a16:creationId xmlns:a16="http://schemas.microsoft.com/office/drawing/2014/main" id="{F01159C6-A844-0962-8335-8FBE1C2C5888}"/>
+            </a:ext>
+          </a:extLst>
+        </p:cNvPr>
+        <p:cNvGrpSpPr/>
+        <p:nvPr/>
+      </p:nvGrpSpPr>
+      <p:grpSpPr>
+        <a:xfrm>
+          <a:off x="0" y="0"/>
+          <a:ext cx="0" cy="0"/>
+          <a:chOff x="0" y="0"/>
+          <a:chExt cx="0" cy="0"/>
+        </a:xfrm>
+      </p:grpSpPr>
+      <p:sp>
+        <p:nvSpPr>
+          <p:cNvPr id="2" name="Title 1">
+            <a:extLst>
+              <a:ext uri="{FF2B5EF4-FFF2-40B4-BE49-F238E27FC236}">
+                <a16:creationId xmlns:a16="http://schemas.microsoft.com/office/drawing/2014/main" id="{DA18550B-7BEF-7806-3281-FAF7C45D472D}"/>
+              </a:ext>
+            </a:extLst>
+          </p:cNvPr>
+          <p:cNvSpPr>
+            <a:spLocks noGrp="1"/>
+          </p:cNvSpPr>
+          <p:nvPr>
+            <p:ph type="title"/>
+          </p:nvPr>
+        </p:nvSpPr>
+        <p:spPr/>
+        <p:txBody>
+          <a:bodyPr>
+            <a:normAutofit fontScale="90000"/>
+          </a:bodyPr>
+          <a:lstStyle/>
+          <a:p>
+            <a:r>
+              <a:rPr lang="en-US" dirty="0"/>
+              <a:t>Period Highlight – 10</a:t>
+            </a:r>
+            <a:br>
+              <a:rPr lang="en-US" dirty="0"/>
+            </a:br>
+            <a:r>
+              <a:rPr lang="en-US" sz="3200" dirty="0"/>
+              <a:t>Networking Preparations</a:t>
+            </a:r>
+          </a:p>
+        </p:txBody>
+      </p:sp>
+      <p:sp>
+        <p:nvSpPr>
+          <p:cNvPr id="3" name="Content Placeholder 2">
+            <a:extLst>
+              <a:ext uri="{FF2B5EF4-FFF2-40B4-BE49-F238E27FC236}">
+                <a16:creationId xmlns:a16="http://schemas.microsoft.com/office/drawing/2014/main" id="{A873E215-2F00-163D-D15B-8990AAC91003}"/>
+              </a:ext>
+            </a:extLst>
+          </p:cNvPr>
+          <p:cNvSpPr>
+            <a:spLocks noGrp="1"/>
+          </p:cNvSpPr>
+          <p:nvPr>
+            <p:ph idx="1"/>
+          </p:nvPr>
+        </p:nvSpPr>
+        <p:spPr/>
+        <p:txBody>
+          <a:bodyPr>
+            <a:normAutofit fontScale="85000" lnSpcReduction="20000"/>
+          </a:bodyPr>
+          <a:lstStyle/>
+          <a:p>
+            <a:r>
+              <a:rPr lang="en-US" dirty="0"/>
+              <a:t>Got in contact with Dr. Alexis Kostas from Norway.</a:t>
+            </a:r>
+          </a:p>
+          <a:p>
+            <a:pPr lvl="1"/>
+            <a:r>
+              <a:rPr lang="en-US" dirty="0">
+                <a:hlinkClick r:id="rId2"/>
+              </a:rPr>
+              <a:t>Radar-Inertial ICP-based Pose Graph SLAM</a:t>
+            </a:r>
+            <a:endParaRPr lang="en-US" dirty="0"/>
+          </a:p>
+          <a:p>
+            <a:pPr lvl="1"/>
+            <a:endParaRPr lang="en-US" dirty="0"/>
+          </a:p>
+          <a:p>
+            <a:r>
+              <a:rPr lang="en-US" dirty="0"/>
+              <a:t>Which later direct me to Morten Nissov, also from Norway.</a:t>
+            </a:r>
+          </a:p>
+          <a:p>
+            <a:pPr lvl="1"/>
+            <a:r>
+              <a:rPr lang="en-US" dirty="0"/>
+              <a:t>Explain about the project that was implemented before and current work.</a:t>
+            </a:r>
+          </a:p>
+          <a:p>
+            <a:r>
+              <a:rPr lang="en-US" dirty="0"/>
+              <a:t>New material provided by them:</a:t>
+            </a:r>
+          </a:p>
+          <a:p>
+            <a:pPr lvl="1"/>
+            <a:r>
+              <a:rPr lang="en-US" dirty="0"/>
+              <a:t>Instantaneous ego-motion estimation using Doppler radar</a:t>
+            </a:r>
+          </a:p>
+          <a:p>
+            <a:pPr lvl="2"/>
+            <a:r>
+              <a:rPr lang="en-US" dirty="0"/>
+              <a:t>According to the paper results, this was done in last semester project.</a:t>
+            </a:r>
+          </a:p>
+          <a:p>
+            <a:pPr lvl="2"/>
+            <a:r>
+              <a:rPr lang="en-US" dirty="0"/>
+              <a:t>Fusion of this work and current one is on the way.</a:t>
+            </a:r>
+          </a:p>
+          <a:p>
+            <a:pPr lvl="1"/>
+            <a:endParaRPr lang="en-US" dirty="0"/>
+          </a:p>
+        </p:txBody>
+      </p:sp>
+      <p:sp>
+        <p:nvSpPr>
+          <p:cNvPr id="4" name="Date Placeholder 3">
+            <a:extLst>
+              <a:ext uri="{FF2B5EF4-FFF2-40B4-BE49-F238E27FC236}">
+                <a16:creationId xmlns:a16="http://schemas.microsoft.com/office/drawing/2014/main" id="{B6306280-94DF-A4B1-1837-D11D0EBC955E}"/>
+              </a:ext>
+            </a:extLst>
+          </p:cNvPr>
+          <p:cNvSpPr>
+            <a:spLocks noGrp="1"/>
+          </p:cNvSpPr>
+          <p:nvPr>
+            <p:ph type="dt" sz="half" idx="10"/>
+          </p:nvPr>
+        </p:nvSpPr>
+        <p:spPr/>
+        <p:txBody>
+          <a:bodyPr/>
+          <a:lstStyle/>
+          <a:p>
+            <a:fld id="{0EFBEC3F-4208-4590-BA97-4119A385DFD9}" type="datetime1">
+              <a:rPr lang="en-US" smtClean="0"/>
+              <a:t>9/7/2025</a:t>
+            </a:fld>
+            <a:endParaRPr lang="en-US"/>
+          </a:p>
+        </p:txBody>
+      </p:sp>
+      <p:sp>
+        <p:nvSpPr>
+          <p:cNvPr id="5" name="Slide Number Placeholder 4">
+            <a:extLst>
+              <a:ext uri="{FF2B5EF4-FFF2-40B4-BE49-F238E27FC236}">
+                <a16:creationId xmlns:a16="http://schemas.microsoft.com/office/drawing/2014/main" id="{606CF556-F433-C4C6-FDF5-CCBF58BCFAAF}"/>
+              </a:ext>
+            </a:extLst>
+          </p:cNvPr>
+          <p:cNvSpPr>
+            <a:spLocks noGrp="1"/>
+          </p:cNvSpPr>
+          <p:nvPr>
+            <p:ph type="sldNum" sz="quarter" idx="12"/>
+          </p:nvPr>
+        </p:nvSpPr>
+        <p:spPr/>
+        <p:txBody>
+          <a:bodyPr/>
+          <a:lstStyle/>
+          <a:p>
+            <a:fld id="{C1FF6DA9-008F-8B48-92A6-B652298478BF}" type="slidenum">
+              <a:rPr lang="en-US" smtClean="0"/>
+              <a:t>20</a:t>
+            </a:fld>
+            <a:endParaRPr lang="en-US"/>
+          </a:p>
+        </p:txBody>
+      </p:sp>
+      <p:sp>
+        <p:nvSpPr>
+          <p:cNvPr id="6" name="AutoShape 2">
+            <a:extLst>
+              <a:ext uri="{FF2B5EF4-FFF2-40B4-BE49-F238E27FC236}">
+                <a16:creationId xmlns:a16="http://schemas.microsoft.com/office/drawing/2014/main" id="{3C658808-0ABF-1700-BF70-62A78709EBFC}"/>
+              </a:ext>
+            </a:extLst>
+          </p:cNvPr>
+          <p:cNvSpPr>
+            <a:spLocks noChangeAspect="1" noChangeArrowheads="1"/>
+          </p:cNvSpPr>
+          <p:nvPr/>
+        </p:nvSpPr>
+        <p:spPr bwMode="auto">
+          <a:xfrm>
+            <a:off x="4419600" y="3276600"/>
+            <a:ext cx="304800" cy="304800"/>
+          </a:xfrm>
+          <a:prstGeom prst="rect">
+            <a:avLst/>
+          </a:prstGeom>
+          <a:noFill/>
+          <a:extLst>
+            <a:ext uri="{909E8E84-426E-40DD-AFC4-6F175D3DCCD1}">
+              <a14:hiddenFill xmlns:a14="http://schemas.microsoft.com/office/drawing/2010/main">
+                <a:solidFill>
+                  <a:srgbClr val="FFFFFF"/>
+                </a:solidFill>
+              </a14:hiddenFill>
+            </a:ext>
+          </a:extLst>
+        </p:spPr>
+        <p:txBody>
+          <a:bodyPr vert="horz" wrap="square" lIns="91440" tIns="45720" rIns="91440" bIns="45720" numCol="1" anchor="t" anchorCtr="0" compatLnSpc="1">
+            <a:prstTxWarp prst="textNoShape">
+              <a:avLst/>
+            </a:prstTxWarp>
+          </a:bodyPr>
+          <a:lstStyle/>
+          <a:p>
+            <a:endParaRPr lang="en-US"/>
+          </a:p>
+        </p:txBody>
+      </p:sp>
+    </p:spTree>
+    <p:extLst>
+      <p:ext uri="{BB962C8B-B14F-4D97-AF65-F5344CB8AC3E}">
+        <p14:creationId xmlns:p14="http://schemas.microsoft.com/office/powerpoint/2010/main" val="3774724792"/>
+      </p:ext>
+    </p:extLst>
+  </p:cSld>
+  <p:clrMapOvr>
+    <a:masterClrMapping/>
+  </p:clrMapOvr>
+</p:sld>
+</file>
+
+<file path=ppt/slides/slide21.xml><?xml version="1.0" encoding="utf-8"?>
 <p:sld xmlns:a="http://schemas.openxmlformats.org/drawingml/2006/main" xmlns:r="http://schemas.openxmlformats.org/officeDocument/2006/relationships" xmlns:p="http://schemas.openxmlformats.org/presentationml/2006/main">
   <p:cSld>
     <p:spTree>
@@ -7546,7 +7717,7 @@
           <a:p>
             <a:fld id="{0EFBEC3F-4208-4590-BA97-4119A385DFD9}" type="datetime1">
               <a:rPr lang="en-US" smtClean="0"/>
-              <a:t>8/25/2025</a:t>
+              <a:t>9/7/2025</a:t>
             </a:fld>
             <a:endParaRPr lang="en-US"/>
           </a:p>
@@ -7575,7 +7746,7 @@
           <a:p>
             <a:fld id="{C1FF6DA9-008F-8B48-92A6-B652298478BF}" type="slidenum">
               <a:rPr lang="en-US" smtClean="0"/>
-              <a:t>20</a:t>
+              <a:t>21</a:t>
             </a:fld>
             <a:endParaRPr lang="en-US"/>
           </a:p>
@@ -7699,7 +7870,7 @@
 </p:sld>
 </file>
 
-<file path=ppt/slides/slide21.xml><?xml version="1.0" encoding="utf-8"?>
+<file path=ppt/slides/slide22.xml><?xml version="1.0" encoding="utf-8"?>
 <p:sld xmlns:a="http://schemas.openxmlformats.org/drawingml/2006/main" xmlns:r="http://schemas.openxmlformats.org/officeDocument/2006/relationships" xmlns:p="http://schemas.openxmlformats.org/presentationml/2006/main">
   <p:cSld>
     <p:spTree>
@@ -7817,7 +7988,7 @@
           <a:p>
             <a:fld id="{0EFBEC3F-4208-4590-BA97-4119A385DFD9}" type="datetime1">
               <a:rPr lang="en-US" smtClean="0"/>
-              <a:t>8/25/2025</a:t>
+              <a:t>9/7/2025</a:t>
             </a:fld>
             <a:endParaRPr lang="en-US"/>
           </a:p>
@@ -7846,7 +8017,7 @@
           <a:p>
             <a:fld id="{C1FF6DA9-008F-8B48-92A6-B652298478BF}" type="slidenum">
               <a:rPr lang="en-US" smtClean="0"/>
-              <a:t>21</a:t>
+              <a:t>22</a:t>
             </a:fld>
             <a:endParaRPr lang="en-US"/>
           </a:p>
@@ -7970,7 +8141,7 @@
 </p:sld>
 </file>
 
-<file path=ppt/slides/slide22.xml><?xml version="1.0" encoding="utf-8"?>
+<file path=ppt/slides/slide23.xml><?xml version="1.0" encoding="utf-8"?>
 <p:sld xmlns:a="http://schemas.openxmlformats.org/drawingml/2006/main" xmlns:r="http://schemas.openxmlformats.org/officeDocument/2006/relationships" xmlns:p="http://schemas.openxmlformats.org/presentationml/2006/main">
   <p:cSld>
     <p:spTree>
@@ -8088,7 +8259,7 @@
           <a:p>
             <a:fld id="{0EFBEC3F-4208-4590-BA97-4119A385DFD9}" type="datetime1">
               <a:rPr lang="en-US" smtClean="0"/>
-              <a:t>8/25/2025</a:t>
+              <a:t>9/7/2025</a:t>
             </a:fld>
             <a:endParaRPr lang="en-US"/>
           </a:p>
@@ -8117,7 +8288,7 @@
           <a:p>
             <a:fld id="{C1FF6DA9-008F-8B48-92A6-B652298478BF}" type="slidenum">
               <a:rPr lang="en-US" smtClean="0"/>
-              <a:t>22</a:t>
+              <a:t>23</a:t>
             </a:fld>
             <a:endParaRPr lang="en-US"/>
           </a:p>
@@ -8211,7 +8382,7 @@
 </p:sld>
 </file>
 
-<file path=ppt/slides/slide23.xml><?xml version="1.0" encoding="utf-8"?>
+<file path=ppt/slides/slide24.xml><?xml version="1.0" encoding="utf-8"?>
 <p:sld xmlns:a="http://schemas.openxmlformats.org/drawingml/2006/main" xmlns:r="http://schemas.openxmlformats.org/officeDocument/2006/relationships" xmlns:p="http://schemas.openxmlformats.org/presentationml/2006/main">
   <p:cSld>
     <p:spTree>
@@ -8329,7 +8500,7 @@
           <a:p>
             <a:fld id="{0EFBEC3F-4208-4590-BA97-4119A385DFD9}" type="datetime1">
               <a:rPr lang="en-US" smtClean="0"/>
-              <a:t>8/25/2025</a:t>
+              <a:t>9/7/2025</a:t>
             </a:fld>
             <a:endParaRPr lang="en-US"/>
           </a:p>
@@ -8358,7 +8529,7 @@
           <a:p>
             <a:fld id="{C1FF6DA9-008F-8B48-92A6-B652298478BF}" type="slidenum">
               <a:rPr lang="en-US" smtClean="0"/>
-              <a:t>23</a:t>
+              <a:t>24</a:t>
             </a:fld>
             <a:endParaRPr lang="en-US"/>
           </a:p>
@@ -8452,7 +8623,7 @@
 </p:sld>
 </file>
 
-<file path=ppt/slides/slide24.xml><?xml version="1.0" encoding="utf-8"?>
+<file path=ppt/slides/slide25.xml><?xml version="1.0" encoding="utf-8"?>
 <p:sld xmlns:a="http://schemas.openxmlformats.org/drawingml/2006/main" xmlns:r="http://schemas.openxmlformats.org/officeDocument/2006/relationships" xmlns:p="http://schemas.openxmlformats.org/presentationml/2006/main">
   <p:cSld>
     <p:spTree>
@@ -8570,7 +8741,7 @@
           <a:p>
             <a:fld id="{0EFBEC3F-4208-4590-BA97-4119A385DFD9}" type="datetime1">
               <a:rPr lang="en-US" smtClean="0"/>
-              <a:t>8/25/2025</a:t>
+              <a:t>9/7/2025</a:t>
             </a:fld>
             <a:endParaRPr lang="en-US"/>
           </a:p>
@@ -8599,7 +8770,7 @@
           <a:p>
             <a:fld id="{C1FF6DA9-008F-8B48-92A6-B652298478BF}" type="slidenum">
               <a:rPr lang="en-US" smtClean="0"/>
-              <a:t>24</a:t>
+              <a:t>25</a:t>
             </a:fld>
             <a:endParaRPr lang="en-US"/>
           </a:p>
@@ -8723,7 +8894,7 @@
 </p:sld>
 </file>
 
-<file path=ppt/slides/slide25.xml><?xml version="1.0" encoding="utf-8"?>
+<file path=ppt/slides/slide26.xml><?xml version="1.0" encoding="utf-8"?>
 <p:sld xmlns:a="http://schemas.openxmlformats.org/drawingml/2006/main" xmlns:r="http://schemas.openxmlformats.org/officeDocument/2006/relationships" xmlns:p="http://schemas.openxmlformats.org/presentationml/2006/main">
   <p:cSld>
     <p:spTree>
@@ -8853,7 +9024,7 @@
           <a:p>
             <a:fld id="{0EFBEC3F-4208-4590-BA97-4119A385DFD9}" type="datetime1">
               <a:rPr lang="en-US" smtClean="0"/>
-              <a:t>8/25/2025</a:t>
+              <a:t>9/7/2025</a:t>
             </a:fld>
             <a:endParaRPr lang="en-US"/>
           </a:p>
@@ -8882,7 +9053,7 @@
           <a:p>
             <a:fld id="{C1FF6DA9-008F-8B48-92A6-B652298478BF}" type="slidenum">
               <a:rPr lang="en-US" smtClean="0"/>
-              <a:t>25</a:t>
+              <a:t>26</a:t>
             </a:fld>
             <a:endParaRPr lang="en-US"/>
           </a:p>
@@ -9012,7 +9183,7 @@
 </p:sld>
 </file>
 
-<file path=ppt/slides/slide26.xml><?xml version="1.0" encoding="utf-8"?>
+<file path=ppt/slides/slide27.xml><?xml version="1.0" encoding="utf-8"?>
 <p:sld xmlns:a="http://schemas.openxmlformats.org/drawingml/2006/main" xmlns:r="http://schemas.openxmlformats.org/officeDocument/2006/relationships" xmlns:p="http://schemas.openxmlformats.org/presentationml/2006/main">
   <p:cSld>
     <p:spTree>
@@ -9127,7 +9298,7 @@
           <a:p>
             <a:fld id="{0EFBEC3F-4208-4590-BA97-4119A385DFD9}" type="datetime1">
               <a:rPr lang="en-US" smtClean="0"/>
-              <a:t>8/25/2025</a:t>
+              <a:t>9/7/2025</a:t>
             </a:fld>
             <a:endParaRPr lang="en-US"/>
           </a:p>
@@ -9156,7 +9327,7 @@
           <a:p>
             <a:fld id="{C1FF6DA9-008F-8B48-92A6-B652298478BF}" type="slidenum">
               <a:rPr lang="en-US" smtClean="0"/>
-              <a:t>26</a:t>
+              <a:t>27</a:t>
             </a:fld>
             <a:endParaRPr lang="en-US"/>
           </a:p>
@@ -9250,7 +9421,7 @@
 </p:sld>
 </file>
 
-<file path=ppt/slides/slide27.xml><?xml version="1.0" encoding="utf-8"?>
+<file path=ppt/slides/slide28.xml><?xml version="1.0" encoding="utf-8"?>
 <p:sld xmlns:a="http://schemas.openxmlformats.org/drawingml/2006/main" xmlns:r="http://schemas.openxmlformats.org/officeDocument/2006/relationships" xmlns:p="http://schemas.openxmlformats.org/presentationml/2006/main">
   <p:cSld>
     <p:spTree>
@@ -9365,7 +9536,7 @@
           <a:p>
             <a:fld id="{0EFBEC3F-4208-4590-BA97-4119A385DFD9}" type="datetime1">
               <a:rPr lang="en-US" smtClean="0"/>
-              <a:t>8/25/2025</a:t>
+              <a:t>9/7/2025</a:t>
             </a:fld>
             <a:endParaRPr lang="en-US"/>
           </a:p>
@@ -9394,7 +9565,7 @@
           <a:p>
             <a:fld id="{C1FF6DA9-008F-8B48-92A6-B652298478BF}" type="slidenum">
               <a:rPr lang="en-US" smtClean="0"/>
-              <a:t>27</a:t>
+              <a:t>28</a:t>
             </a:fld>
             <a:endParaRPr lang="en-US"/>
           </a:p>
@@ -9518,7 +9689,7 @@
 </p:sld>
 </file>
 
-<file path=ppt/slides/slide28.xml><?xml version="1.0" encoding="utf-8"?>
+<file path=ppt/slides/slide29.xml><?xml version="1.0" encoding="utf-8"?>
 <p:sld xmlns:a="http://schemas.openxmlformats.org/drawingml/2006/main" xmlns:r="http://schemas.openxmlformats.org/officeDocument/2006/relationships" xmlns:p="http://schemas.openxmlformats.org/presentationml/2006/main">
   <p:cSld>
     <p:spTree>
@@ -9669,7 +9840,7 @@
           <a:p>
             <a:fld id="{0EFBEC3F-4208-4590-BA97-4119A385DFD9}" type="datetime1">
               <a:rPr lang="en-US" smtClean="0"/>
-              <a:t>8/25/2025</a:t>
+              <a:t>9/7/2025</a:t>
             </a:fld>
             <a:endParaRPr lang="en-US"/>
           </a:p>
@@ -9698,7 +9869,7 @@
           <a:p>
             <a:fld id="{C1FF6DA9-008F-8B48-92A6-B652298478BF}" type="slidenum">
               <a:rPr lang="en-US" smtClean="0"/>
-              <a:t>28</a:t>
+              <a:t>29</a:t>
             </a:fld>
             <a:endParaRPr lang="en-US"/>
           </a:p>
@@ -9777,7 +9948,163 @@
 </p:sld>
 </file>
 
-<file path=ppt/slides/slide29.xml><?xml version="1.0" encoding="utf-8"?>
+<file path=ppt/slides/slide3.xml><?xml version="1.0" encoding="utf-8"?>
+<p:sld xmlns:a="http://schemas.openxmlformats.org/drawingml/2006/main" xmlns:r="http://schemas.openxmlformats.org/officeDocument/2006/relationships" xmlns:p="http://schemas.openxmlformats.org/presentationml/2006/main">
+  <p:cSld>
+    <p:spTree>
+      <p:nvGrpSpPr>
+        <p:cNvPr id="1" name=""/>
+        <p:cNvGrpSpPr/>
+        <p:nvPr/>
+      </p:nvGrpSpPr>
+      <p:grpSpPr>
+        <a:xfrm>
+          <a:off x="0" y="0"/>
+          <a:ext cx="0" cy="0"/>
+          <a:chOff x="0" y="0"/>
+          <a:chExt cx="0" cy="0"/>
+        </a:xfrm>
+      </p:grpSpPr>
+      <p:sp>
+        <p:nvSpPr>
+          <p:cNvPr id="2" name="Title 1">
+            <a:extLst>
+              <a:ext uri="{FF2B5EF4-FFF2-40B4-BE49-F238E27FC236}">
+                <a16:creationId xmlns:a16="http://schemas.microsoft.com/office/drawing/2014/main" id="{B9C0613F-E1A8-00E8-56D9-54D08CE43BF9}"/>
+              </a:ext>
+            </a:extLst>
+          </p:cNvPr>
+          <p:cNvSpPr>
+            <a:spLocks noGrp="1"/>
+          </p:cNvSpPr>
+          <p:nvPr>
+            <p:ph type="title"/>
+          </p:nvPr>
+        </p:nvSpPr>
+        <p:spPr/>
+        <p:txBody>
+          <a:bodyPr/>
+          <a:lstStyle/>
+          <a:p>
+            <a:r>
+              <a:rPr lang="en-US" dirty="0"/>
+              <a:t>Period Highlight - 4</a:t>
+            </a:r>
+          </a:p>
+        </p:txBody>
+      </p:sp>
+      <p:sp>
+        <p:nvSpPr>
+          <p:cNvPr id="3" name="Content Placeholder 2">
+            <a:extLst>
+              <a:ext uri="{FF2B5EF4-FFF2-40B4-BE49-F238E27FC236}">
+                <a16:creationId xmlns:a16="http://schemas.microsoft.com/office/drawing/2014/main" id="{08A4606F-6E0B-C26C-E39E-2025FA207242}"/>
+              </a:ext>
+            </a:extLst>
+          </p:cNvPr>
+          <p:cNvSpPr>
+            <a:spLocks noGrp="1"/>
+          </p:cNvSpPr>
+          <p:nvPr>
+            <p:ph idx="1"/>
+          </p:nvPr>
+        </p:nvSpPr>
+        <p:spPr/>
+        <p:txBody>
+          <a:bodyPr/>
+          <a:lstStyle/>
+          <a:p>
+            <a:r>
+              <a:rPr lang="en-US" dirty="0"/>
+              <a:t>Implementation of Vx and Vy</a:t>
+            </a:r>
+          </a:p>
+          <a:p>
+            <a:r>
+              <a:rPr lang="en-US" dirty="0"/>
+              <a:t>Validation of Vx and Vy</a:t>
+            </a:r>
+          </a:p>
+          <a:p>
+            <a:r>
+              <a:rPr lang="en-US" dirty="0"/>
+              <a:t>Obtain IMU</a:t>
+            </a:r>
+          </a:p>
+        </p:txBody>
+      </p:sp>
+      <p:sp>
+        <p:nvSpPr>
+          <p:cNvPr id="4" name="Date Placeholder 3">
+            <a:extLst>
+              <a:ext uri="{FF2B5EF4-FFF2-40B4-BE49-F238E27FC236}">
+                <a16:creationId xmlns:a16="http://schemas.microsoft.com/office/drawing/2014/main" id="{AF481221-112F-88F1-B090-32C47E3FB9AB}"/>
+              </a:ext>
+            </a:extLst>
+          </p:cNvPr>
+          <p:cNvSpPr>
+            <a:spLocks noGrp="1"/>
+          </p:cNvSpPr>
+          <p:nvPr>
+            <p:ph type="dt" sz="half" idx="10"/>
+          </p:nvPr>
+        </p:nvSpPr>
+        <p:spPr/>
+        <p:txBody>
+          <a:bodyPr/>
+          <a:lstStyle/>
+          <a:p>
+            <a:fld id="{0EFBEC3F-4208-4590-BA97-4119A385DFD9}" type="datetime1">
+              <a:rPr lang="en-US" smtClean="0"/>
+              <a:t>9/7/2025</a:t>
+            </a:fld>
+            <a:endParaRPr lang="en-US"/>
+          </a:p>
+        </p:txBody>
+      </p:sp>
+      <p:sp>
+        <p:nvSpPr>
+          <p:cNvPr id="5" name="Slide Number Placeholder 4">
+            <a:extLst>
+              <a:ext uri="{FF2B5EF4-FFF2-40B4-BE49-F238E27FC236}">
+                <a16:creationId xmlns:a16="http://schemas.microsoft.com/office/drawing/2014/main" id="{5708C3EC-3069-CF97-A1D8-B58BD7378B05}"/>
+              </a:ext>
+            </a:extLst>
+          </p:cNvPr>
+          <p:cNvSpPr>
+            <a:spLocks noGrp="1"/>
+          </p:cNvSpPr>
+          <p:nvPr>
+            <p:ph type="sldNum" sz="quarter" idx="12"/>
+          </p:nvPr>
+        </p:nvSpPr>
+        <p:spPr/>
+        <p:txBody>
+          <a:bodyPr/>
+          <a:lstStyle/>
+          <a:p>
+            <a:fld id="{C1FF6DA9-008F-8B48-92A6-B652298478BF}" type="slidenum">
+              <a:rPr lang="en-US" smtClean="0"/>
+              <a:t>3</a:t>
+            </a:fld>
+            <a:endParaRPr lang="en-US"/>
+          </a:p>
+        </p:txBody>
+      </p:sp>
+    </p:spTree>
+    <p:extLst>
+      <p:ext uri="{BB962C8B-B14F-4D97-AF65-F5344CB8AC3E}">
+        <p14:creationId xmlns:p14="http://schemas.microsoft.com/office/powerpoint/2010/main" val="4022417390"/>
+      </p:ext>
+    </p:extLst>
+  </p:cSld>
+  <p:clrMapOvr>
+    <a:masterClrMapping/>
+  </p:clrMapOvr>
+</p:sld>
+</file>
+
+<file path=ppt/slides/slide30.xml><?xml version="1.0" encoding="utf-8"?>
 <p:sld xmlns:a="http://schemas.openxmlformats.org/drawingml/2006/main" xmlns:r="http://schemas.openxmlformats.org/officeDocument/2006/relationships" xmlns:p="http://schemas.openxmlformats.org/presentationml/2006/main">
   <p:cSld>
     <p:spTree>
@@ -9896,7 +10223,7 @@
           <a:p>
             <a:fld id="{0EFBEC3F-4208-4590-BA97-4119A385DFD9}" type="datetime1">
               <a:rPr lang="en-US" smtClean="0"/>
-              <a:t>8/25/2025</a:t>
+              <a:t>9/7/2025</a:t>
             </a:fld>
             <a:endParaRPr lang="en-US"/>
           </a:p>
@@ -9925,7 +10252,7 @@
           <a:p>
             <a:fld id="{C1FF6DA9-008F-8B48-92A6-B652298478BF}" type="slidenum">
               <a:rPr lang="en-US" smtClean="0"/>
-              <a:t>29</a:t>
+              <a:t>30</a:t>
             </a:fld>
             <a:endParaRPr lang="en-US"/>
           </a:p>
@@ -10004,163 +10331,7 @@
 </p:sld>
 </file>
 
-<file path=ppt/slides/slide3.xml><?xml version="1.0" encoding="utf-8"?>
-<p:sld xmlns:a="http://schemas.openxmlformats.org/drawingml/2006/main" xmlns:r="http://schemas.openxmlformats.org/officeDocument/2006/relationships" xmlns:p="http://schemas.openxmlformats.org/presentationml/2006/main">
-  <p:cSld>
-    <p:spTree>
-      <p:nvGrpSpPr>
-        <p:cNvPr id="1" name=""/>
-        <p:cNvGrpSpPr/>
-        <p:nvPr/>
-      </p:nvGrpSpPr>
-      <p:grpSpPr>
-        <a:xfrm>
-          <a:off x="0" y="0"/>
-          <a:ext cx="0" cy="0"/>
-          <a:chOff x="0" y="0"/>
-          <a:chExt cx="0" cy="0"/>
-        </a:xfrm>
-      </p:grpSpPr>
-      <p:sp>
-        <p:nvSpPr>
-          <p:cNvPr id="2" name="Title 1">
-            <a:extLst>
-              <a:ext uri="{FF2B5EF4-FFF2-40B4-BE49-F238E27FC236}">
-                <a16:creationId xmlns:a16="http://schemas.microsoft.com/office/drawing/2014/main" id="{B9C0613F-E1A8-00E8-56D9-54D08CE43BF9}"/>
-              </a:ext>
-            </a:extLst>
-          </p:cNvPr>
-          <p:cNvSpPr>
-            <a:spLocks noGrp="1"/>
-          </p:cNvSpPr>
-          <p:nvPr>
-            <p:ph type="title"/>
-          </p:nvPr>
-        </p:nvSpPr>
-        <p:spPr/>
-        <p:txBody>
-          <a:bodyPr/>
-          <a:lstStyle/>
-          <a:p>
-            <a:r>
-              <a:rPr lang="en-US" dirty="0"/>
-              <a:t>Period Highlight - 4</a:t>
-            </a:r>
-          </a:p>
-        </p:txBody>
-      </p:sp>
-      <p:sp>
-        <p:nvSpPr>
-          <p:cNvPr id="3" name="Content Placeholder 2">
-            <a:extLst>
-              <a:ext uri="{FF2B5EF4-FFF2-40B4-BE49-F238E27FC236}">
-                <a16:creationId xmlns:a16="http://schemas.microsoft.com/office/drawing/2014/main" id="{08A4606F-6E0B-C26C-E39E-2025FA207242}"/>
-              </a:ext>
-            </a:extLst>
-          </p:cNvPr>
-          <p:cNvSpPr>
-            <a:spLocks noGrp="1"/>
-          </p:cNvSpPr>
-          <p:nvPr>
-            <p:ph idx="1"/>
-          </p:nvPr>
-        </p:nvSpPr>
-        <p:spPr/>
-        <p:txBody>
-          <a:bodyPr/>
-          <a:lstStyle/>
-          <a:p>
-            <a:r>
-              <a:rPr lang="en-US" dirty="0"/>
-              <a:t>Implementation of Vx and Vy</a:t>
-            </a:r>
-          </a:p>
-          <a:p>
-            <a:r>
-              <a:rPr lang="en-US" dirty="0"/>
-              <a:t>Validation of Vx and Vy</a:t>
-            </a:r>
-          </a:p>
-          <a:p>
-            <a:r>
-              <a:rPr lang="en-US" dirty="0"/>
-              <a:t>Obtain IMU</a:t>
-            </a:r>
-          </a:p>
-        </p:txBody>
-      </p:sp>
-      <p:sp>
-        <p:nvSpPr>
-          <p:cNvPr id="4" name="Date Placeholder 3">
-            <a:extLst>
-              <a:ext uri="{FF2B5EF4-FFF2-40B4-BE49-F238E27FC236}">
-                <a16:creationId xmlns:a16="http://schemas.microsoft.com/office/drawing/2014/main" id="{AF481221-112F-88F1-B090-32C47E3FB9AB}"/>
-              </a:ext>
-            </a:extLst>
-          </p:cNvPr>
-          <p:cNvSpPr>
-            <a:spLocks noGrp="1"/>
-          </p:cNvSpPr>
-          <p:nvPr>
-            <p:ph type="dt" sz="half" idx="10"/>
-          </p:nvPr>
-        </p:nvSpPr>
-        <p:spPr/>
-        <p:txBody>
-          <a:bodyPr/>
-          <a:lstStyle/>
-          <a:p>
-            <a:fld id="{0EFBEC3F-4208-4590-BA97-4119A385DFD9}" type="datetime1">
-              <a:rPr lang="en-US" smtClean="0"/>
-              <a:t>8/25/2025</a:t>
-            </a:fld>
-            <a:endParaRPr lang="en-US"/>
-          </a:p>
-        </p:txBody>
-      </p:sp>
-      <p:sp>
-        <p:nvSpPr>
-          <p:cNvPr id="5" name="Slide Number Placeholder 4">
-            <a:extLst>
-              <a:ext uri="{FF2B5EF4-FFF2-40B4-BE49-F238E27FC236}">
-                <a16:creationId xmlns:a16="http://schemas.microsoft.com/office/drawing/2014/main" id="{5708C3EC-3069-CF97-A1D8-B58BD7378B05}"/>
-              </a:ext>
-            </a:extLst>
-          </p:cNvPr>
-          <p:cNvSpPr>
-            <a:spLocks noGrp="1"/>
-          </p:cNvSpPr>
-          <p:nvPr>
-            <p:ph type="sldNum" sz="quarter" idx="12"/>
-          </p:nvPr>
-        </p:nvSpPr>
-        <p:spPr/>
-        <p:txBody>
-          <a:bodyPr/>
-          <a:lstStyle/>
-          <a:p>
-            <a:fld id="{C1FF6DA9-008F-8B48-92A6-B652298478BF}" type="slidenum">
-              <a:rPr lang="en-US" smtClean="0"/>
-              <a:t>3</a:t>
-            </a:fld>
-            <a:endParaRPr lang="en-US"/>
-          </a:p>
-        </p:txBody>
-      </p:sp>
-    </p:spTree>
-    <p:extLst>
-      <p:ext uri="{BB962C8B-B14F-4D97-AF65-F5344CB8AC3E}">
-        <p14:creationId xmlns:p14="http://schemas.microsoft.com/office/powerpoint/2010/main" val="4022417390"/>
-      </p:ext>
-    </p:extLst>
-  </p:cSld>
-  <p:clrMapOvr>
-    <a:masterClrMapping/>
-  </p:clrMapOvr>
-</p:sld>
-</file>
-
-<file path=ppt/slides/slide30.xml><?xml version="1.0" encoding="utf-8"?>
+<file path=ppt/slides/slide31.xml><?xml version="1.0" encoding="utf-8"?>
 <p:sld xmlns:a="http://schemas.openxmlformats.org/drawingml/2006/main" xmlns:r="http://schemas.openxmlformats.org/officeDocument/2006/relationships" xmlns:p="http://schemas.openxmlformats.org/presentationml/2006/main">
   <p:cSld>
     <p:spTree>
@@ -10168,7 +10339,7 @@
         <p:cNvPr id="1" name="">
           <a:extLst>
             <a:ext uri="{FF2B5EF4-FFF2-40B4-BE49-F238E27FC236}">
-              <a16:creationId xmlns:a16="http://schemas.microsoft.com/office/drawing/2014/main" id="{FF24E9B9-4751-0E76-AD11-7DC3656C5FB4}"/>
+              <a16:creationId xmlns:a16="http://schemas.microsoft.com/office/drawing/2014/main" id="{449713CB-B900-6BBD-32D3-0C165AF0D63D}"/>
             </a:ext>
           </a:extLst>
         </p:cNvPr>
@@ -10188,7 +10359,7 @@
           <p:cNvPr id="2" name="Title 1">
             <a:extLst>
               <a:ext uri="{FF2B5EF4-FFF2-40B4-BE49-F238E27FC236}">
-                <a16:creationId xmlns:a16="http://schemas.microsoft.com/office/drawing/2014/main" id="{FFCB1F6A-BE60-9CE3-1B89-77DAA7FD74E4}"/>
+                <a16:creationId xmlns:a16="http://schemas.microsoft.com/office/drawing/2014/main" id="{89A89B8D-A90B-D887-A9F6-9E23A7A5521B}"/>
               </a:ext>
             </a:extLst>
           </p:cNvPr>
@@ -10208,14 +10379,14 @@
           <a:p>
             <a:r>
               <a:rPr lang="en-US" dirty="0"/>
-              <a:t>Period Highlight – 11</a:t>
+              <a:t>Period Highlight – 12</a:t>
             </a:r>
             <a:br>
               <a:rPr lang="en-US" dirty="0"/>
             </a:br>
             <a:r>
               <a:rPr lang="en-US" sz="3200" dirty="0"/>
-              <a:t>Software Progress</a:t>
+              <a:t>Missed</a:t>
             </a:r>
             <a:endParaRPr lang="en-US" dirty="0"/>
           </a:p>
@@ -10226,7 +10397,7 @@
           <p:cNvPr id="3" name="Content Placeholder 2">
             <a:extLst>
               <a:ext uri="{FF2B5EF4-FFF2-40B4-BE49-F238E27FC236}">
-                <a16:creationId xmlns:a16="http://schemas.microsoft.com/office/drawing/2014/main" id="{712E0224-EBCF-5274-8104-E61FDBBF917B}"/>
+                <a16:creationId xmlns:a16="http://schemas.microsoft.com/office/drawing/2014/main" id="{5400EFD1-05BA-D32C-E771-68AA8A9B8C81}"/>
               </a:ext>
             </a:extLst>
           </p:cNvPr>
@@ -10249,10 +10420,7 @@
           </a:bodyPr>
           <a:lstStyle/>
           <a:p>
-            <a:r>
-              <a:rPr lang="en-US" sz="1800" dirty="0"/>
-              <a:t>Implementation with single sensor.</a:t>
-            </a:r>
+            <a:endParaRPr lang="en-US" sz="1800" dirty="0"/>
           </a:p>
         </p:txBody>
       </p:sp>
@@ -10261,7 +10429,7 @@
           <p:cNvPr id="4" name="Date Placeholder 3">
             <a:extLst>
               <a:ext uri="{FF2B5EF4-FFF2-40B4-BE49-F238E27FC236}">
-                <a16:creationId xmlns:a16="http://schemas.microsoft.com/office/drawing/2014/main" id="{D0970F29-5651-901E-F5D5-CED095FBACF3}"/>
+                <a16:creationId xmlns:a16="http://schemas.microsoft.com/office/drawing/2014/main" id="{A06125E1-E10A-5F21-00EB-F48E6AB9D0D0}"/>
               </a:ext>
             </a:extLst>
           </p:cNvPr>
@@ -10279,7 +10447,7 @@
           <a:p>
             <a:fld id="{0EFBEC3F-4208-4590-BA97-4119A385DFD9}" type="datetime1">
               <a:rPr lang="en-US" smtClean="0"/>
-              <a:t>8/25/2025</a:t>
+              <a:t>9/7/2025</a:t>
             </a:fld>
             <a:endParaRPr lang="en-US"/>
           </a:p>
@@ -10290,7 +10458,7 @@
           <p:cNvPr id="5" name="Slide Number Placeholder 4">
             <a:extLst>
               <a:ext uri="{FF2B5EF4-FFF2-40B4-BE49-F238E27FC236}">
-                <a16:creationId xmlns:a16="http://schemas.microsoft.com/office/drawing/2014/main" id="{1B93056D-3405-AF6F-78BF-AFA38045C391}"/>
+                <a16:creationId xmlns:a16="http://schemas.microsoft.com/office/drawing/2014/main" id="{D46A549D-70EC-45C3-843F-B448EABDB474}"/>
               </a:ext>
             </a:extLst>
           </p:cNvPr>
@@ -10308,7 +10476,7 @@
           <a:p>
             <a:fld id="{C1FF6DA9-008F-8B48-92A6-B652298478BF}" type="slidenum">
               <a:rPr lang="en-US" smtClean="0"/>
-              <a:t>30</a:t>
+              <a:t>31</a:t>
             </a:fld>
             <a:endParaRPr lang="en-US"/>
           </a:p>
@@ -10317,7 +10485,7 @@
     </p:spTree>
     <p:extLst>
       <p:ext uri="{BB962C8B-B14F-4D97-AF65-F5344CB8AC3E}">
-        <p14:creationId xmlns:p14="http://schemas.microsoft.com/office/powerpoint/2010/main" val="3156544465"/>
+        <p14:creationId xmlns:p14="http://schemas.microsoft.com/office/powerpoint/2010/main" val="1383330149"/>
       </p:ext>
     </p:extLst>
   </p:cSld>
@@ -10327,7 +10495,7 @@
 </p:sld>
 </file>
 
-<file path=ppt/slides/slide31.xml><?xml version="1.0" encoding="utf-8"?>
+<file path=ppt/slides/slide32.xml><?xml version="1.0" encoding="utf-8"?>
 <p:sld xmlns:a="http://schemas.openxmlformats.org/drawingml/2006/main" xmlns:r="http://schemas.openxmlformats.org/officeDocument/2006/relationships" xmlns:p="http://schemas.openxmlformats.org/presentationml/2006/main">
   <p:cSld>
     <p:spTree>
@@ -10335,7 +10503,7 @@
         <p:cNvPr id="1" name="">
           <a:extLst>
             <a:ext uri="{FF2B5EF4-FFF2-40B4-BE49-F238E27FC236}">
-              <a16:creationId xmlns:a16="http://schemas.microsoft.com/office/drawing/2014/main" id="{C7E76805-6940-E5D9-7F60-7B6767121A21}"/>
+              <a16:creationId xmlns:a16="http://schemas.microsoft.com/office/drawing/2014/main" id="{8224175E-9BCA-7358-2C52-0A8FE6866A47}"/>
             </a:ext>
           </a:extLst>
         </p:cNvPr>
@@ -10355,7 +10523,7 @@
           <p:cNvPr id="2" name="Title 1">
             <a:extLst>
               <a:ext uri="{FF2B5EF4-FFF2-40B4-BE49-F238E27FC236}">
-                <a16:creationId xmlns:a16="http://schemas.microsoft.com/office/drawing/2014/main" id="{7F4FD00F-4637-06A1-2B28-8BC9FF091AD1}"/>
+                <a16:creationId xmlns:a16="http://schemas.microsoft.com/office/drawing/2014/main" id="{5909DE93-AC33-B767-04A5-24ADEF0FA2F5}"/>
               </a:ext>
             </a:extLst>
           </p:cNvPr>
@@ -10375,14 +10543,14 @@
           <a:p>
             <a:r>
               <a:rPr lang="en-US" dirty="0"/>
-              <a:t>Period Highlight – 11</a:t>
+              <a:t>Period Highlight – 13</a:t>
             </a:r>
             <a:br>
               <a:rPr lang="en-US" dirty="0"/>
             </a:br>
             <a:r>
               <a:rPr lang="en-US" sz="3200" dirty="0"/>
-              <a:t>Software Progress</a:t>
+              <a:t>Hardware Preparations</a:t>
             </a:r>
             <a:endParaRPr lang="en-US" dirty="0"/>
           </a:p>
@@ -10393,7 +10561,7 @@
           <p:cNvPr id="3" name="Content Placeholder 2">
             <a:extLst>
               <a:ext uri="{FF2B5EF4-FFF2-40B4-BE49-F238E27FC236}">
-                <a16:creationId xmlns:a16="http://schemas.microsoft.com/office/drawing/2014/main" id="{31B5BF06-E570-A7EF-36AA-416CA639FC8C}"/>
+                <a16:creationId xmlns:a16="http://schemas.microsoft.com/office/drawing/2014/main" id="{0DC83C99-DB1D-741D-5BC7-23A22BE5320A}"/>
               </a:ext>
             </a:extLst>
           </p:cNvPr>
@@ -10406,7 +10574,7 @@
         </p:nvSpPr>
         <p:spPr>
           <a:xfrm>
-            <a:off x="457200" y="1417638"/>
+            <a:off x="457200" y="1600201"/>
             <a:ext cx="5202936" cy="3054096"/>
           </a:xfrm>
         </p:spPr>
@@ -10418,20 +10586,39 @@
           <a:p>
             <a:r>
               <a:rPr lang="en-US" sz="1800" dirty="0"/>
-              <a:t>Implementation with dual sensor.</a:t>
+              <a:t>Implementation of both sensors.</a:t>
             </a:r>
           </a:p>
           <a:p>
             <a:r>
               <a:rPr lang="en-US" sz="1800" dirty="0"/>
-              <a:t>Improvements needed, at some point the recordings were working better than latest version.</a:t>
+              <a:t>Frequency offset: 1,9GHz</a:t>
+            </a:r>
+          </a:p>
+          <a:p>
+            <a:r>
+              <a:rPr lang="en-US" sz="1800" dirty="0"/>
+              <a:t>Sensor A (Left)</a:t>
             </a:r>
           </a:p>
           <a:p>
             <a:pPr lvl="1"/>
             <a:r>
-              <a:rPr lang="en-US" sz="1400" dirty="0"/>
-              <a:t>Next goal is to roll back to that point and start from there.</a:t>
+              <a:rPr lang="en-US" sz="1800" dirty="0"/>
+              <a:t>60 GHz to 61,98GHz</a:t>
+            </a:r>
+          </a:p>
+          <a:p>
+            <a:r>
+              <a:rPr lang="en-US" sz="1800" dirty="0"/>
+              <a:t>Sensor B (right)</a:t>
+            </a:r>
+          </a:p>
+          <a:p>
+            <a:pPr lvl="1"/>
+            <a:r>
+              <a:rPr lang="en-US" sz="1800" dirty="0"/>
+              <a:t>62 GHz to 63,98 GHz</a:t>
             </a:r>
           </a:p>
         </p:txBody>
@@ -10441,7 +10628,7 @@
           <p:cNvPr id="4" name="Date Placeholder 3">
             <a:extLst>
               <a:ext uri="{FF2B5EF4-FFF2-40B4-BE49-F238E27FC236}">
-                <a16:creationId xmlns:a16="http://schemas.microsoft.com/office/drawing/2014/main" id="{11853BB6-0F5B-10FE-1B68-64E4B86239E7}"/>
+                <a16:creationId xmlns:a16="http://schemas.microsoft.com/office/drawing/2014/main" id="{E4BB1F48-8E26-824A-24CA-EBCA5FE788D5}"/>
               </a:ext>
             </a:extLst>
           </p:cNvPr>
@@ -10459,7 +10646,7 @@
           <a:p>
             <a:fld id="{0EFBEC3F-4208-4590-BA97-4119A385DFD9}" type="datetime1">
               <a:rPr lang="en-US" smtClean="0"/>
-              <a:t>8/25/2025</a:t>
+              <a:t>9/7/2025</a:t>
             </a:fld>
             <a:endParaRPr lang="en-US"/>
           </a:p>
@@ -10470,7 +10657,7 @@
           <p:cNvPr id="5" name="Slide Number Placeholder 4">
             <a:extLst>
               <a:ext uri="{FF2B5EF4-FFF2-40B4-BE49-F238E27FC236}">
-                <a16:creationId xmlns:a16="http://schemas.microsoft.com/office/drawing/2014/main" id="{C59461A5-100A-6288-55EC-78AAD7083E18}"/>
+                <a16:creationId xmlns:a16="http://schemas.microsoft.com/office/drawing/2014/main" id="{F7CE029E-CD7F-C479-0488-AF1BB934013F}"/>
               </a:ext>
             </a:extLst>
           </p:cNvPr>
@@ -10488,7 +10675,7 @@
           <a:p>
             <a:fld id="{C1FF6DA9-008F-8B48-92A6-B652298478BF}" type="slidenum">
               <a:rPr lang="en-US" smtClean="0"/>
-              <a:t>31</a:t>
+              <a:t>32</a:t>
             </a:fld>
             <a:endParaRPr lang="en-US"/>
           </a:p>
@@ -10496,10 +10683,10 @@
       </p:sp>
       <p:pic>
         <p:nvPicPr>
-          <p:cNvPr id="6" name="Picture 5">
-            <a:extLst>
-              <a:ext uri="{FF2B5EF4-FFF2-40B4-BE49-F238E27FC236}">
-                <a16:creationId xmlns:a16="http://schemas.microsoft.com/office/drawing/2014/main" id="{FFEA1CB0-4D8B-082E-52D2-93CB3678D796}"/>
+          <p:cNvPr id="6" name="Picture 5" descr="A graph of a car sensor&#10;&#10;AI-generated content may be incorrect.">
+            <a:extLst>
+              <a:ext uri="{FF2B5EF4-FFF2-40B4-BE49-F238E27FC236}">
+                <a16:creationId xmlns:a16="http://schemas.microsoft.com/office/drawing/2014/main" id="{EE1F35F8-C4F8-2046-29DC-A6730937D5E7}"/>
               </a:ext>
             </a:extLst>
           </p:cNvPr>
@@ -10516,8 +10703,38 @@
         </p:blipFill>
         <p:spPr>
           <a:xfrm>
-            <a:off x="2942360" y="3311588"/>
-            <a:ext cx="6201640" cy="3029373"/>
+            <a:off x="4376430" y="2614861"/>
+            <a:ext cx="4353540" cy="3511302"/>
+          </a:xfrm>
+          <a:prstGeom prst="rect">
+            <a:avLst/>
+          </a:prstGeom>
+        </p:spPr>
+      </p:pic>
+      <p:pic>
+        <p:nvPicPr>
+          <p:cNvPr id="7" name="Picture 6" descr="A graph of a graph showing a variety of colors&#10;&#10;AI-generated content may be incorrect.">
+            <a:extLst>
+              <a:ext uri="{FF2B5EF4-FFF2-40B4-BE49-F238E27FC236}">
+                <a16:creationId xmlns:a16="http://schemas.microsoft.com/office/drawing/2014/main" id="{032953F9-2752-3BEE-0216-4416E40A88A1}"/>
+              </a:ext>
+            </a:extLst>
+          </p:cNvPr>
+          <p:cNvPicPr>
+            <a:picLocks noChangeAspect="1"/>
+          </p:cNvPicPr>
+          <p:nvPr/>
+        </p:nvPicPr>
+        <p:blipFill>
+          <a:blip r:embed="rId3"/>
+          <a:stretch>
+            <a:fillRect/>
+          </a:stretch>
+        </p:blipFill>
+        <p:spPr>
+          <a:xfrm>
+            <a:off x="380389" y="4279070"/>
+            <a:ext cx="3952871" cy="1957460"/>
           </a:xfrm>
           <a:prstGeom prst="rect">
             <a:avLst/>
@@ -10527,7 +10744,7 @@
     </p:spTree>
     <p:extLst>
       <p:ext uri="{BB962C8B-B14F-4D97-AF65-F5344CB8AC3E}">
-        <p14:creationId xmlns:p14="http://schemas.microsoft.com/office/powerpoint/2010/main" val="1199941006"/>
+        <p14:creationId xmlns:p14="http://schemas.microsoft.com/office/powerpoint/2010/main" val="4032189293"/>
       </p:ext>
     </p:extLst>
   </p:cSld>
@@ -10537,7 +10754,2752 @@
 </p:sld>
 </file>
 
-<file path=ppt/slides/slide32.xml><?xml version="1.0" encoding="utf-8"?>
+<file path=ppt/slides/slide33.xml><?xml version="1.0" encoding="utf-8"?>
+<p:sld xmlns:a="http://schemas.openxmlformats.org/drawingml/2006/main" xmlns:r="http://schemas.openxmlformats.org/officeDocument/2006/relationships" xmlns:p="http://schemas.openxmlformats.org/presentationml/2006/main">
+  <p:cSld>
+    <p:spTree>
+      <p:nvGrpSpPr>
+        <p:cNvPr id="1" name="">
+          <a:extLst>
+            <a:ext uri="{FF2B5EF4-FFF2-40B4-BE49-F238E27FC236}">
+              <a16:creationId xmlns:a16="http://schemas.microsoft.com/office/drawing/2014/main" id="{B4142424-A2CA-2B4B-D296-8BEA4CCDEBE7}"/>
+            </a:ext>
+          </a:extLst>
+        </p:cNvPr>
+        <p:cNvGrpSpPr/>
+        <p:nvPr/>
+      </p:nvGrpSpPr>
+      <p:grpSpPr>
+        <a:xfrm>
+          <a:off x="0" y="0"/>
+          <a:ext cx="0" cy="0"/>
+          <a:chOff x="0" y="0"/>
+          <a:chExt cx="0" cy="0"/>
+        </a:xfrm>
+      </p:grpSpPr>
+      <p:sp>
+        <p:nvSpPr>
+          <p:cNvPr id="2" name="Title 1">
+            <a:extLst>
+              <a:ext uri="{FF2B5EF4-FFF2-40B4-BE49-F238E27FC236}">
+                <a16:creationId xmlns:a16="http://schemas.microsoft.com/office/drawing/2014/main" id="{3B1B33DD-A7DE-FE01-E5B5-29E583517FE0}"/>
+              </a:ext>
+            </a:extLst>
+          </p:cNvPr>
+          <p:cNvSpPr>
+            <a:spLocks noGrp="1"/>
+          </p:cNvSpPr>
+          <p:nvPr>
+            <p:ph type="title"/>
+          </p:nvPr>
+        </p:nvSpPr>
+        <p:spPr/>
+        <p:txBody>
+          <a:bodyPr>
+            <a:normAutofit fontScale="90000"/>
+          </a:bodyPr>
+          <a:lstStyle/>
+          <a:p>
+            <a:r>
+              <a:rPr lang="en-US" dirty="0"/>
+              <a:t>Period Highlight – 13</a:t>
+            </a:r>
+            <a:br>
+              <a:rPr lang="en-US" dirty="0"/>
+            </a:br>
+            <a:r>
+              <a:rPr lang="en-US" sz="3200" dirty="0"/>
+              <a:t>Software Progress</a:t>
+            </a:r>
+            <a:endParaRPr lang="en-US" dirty="0"/>
+          </a:p>
+        </p:txBody>
+      </p:sp>
+      <p:sp>
+        <p:nvSpPr>
+          <p:cNvPr id="3" name="Content Placeholder 2">
+            <a:extLst>
+              <a:ext uri="{FF2B5EF4-FFF2-40B4-BE49-F238E27FC236}">
+                <a16:creationId xmlns:a16="http://schemas.microsoft.com/office/drawing/2014/main" id="{4B190110-6E99-6ABF-FA5F-CFA1FD66BEF6}"/>
+              </a:ext>
+            </a:extLst>
+          </p:cNvPr>
+          <p:cNvSpPr>
+            <a:spLocks noGrp="1"/>
+          </p:cNvSpPr>
+          <p:nvPr>
+            <p:ph idx="1"/>
+          </p:nvPr>
+        </p:nvSpPr>
+        <p:spPr>
+          <a:xfrm>
+            <a:off x="457200" y="1417638"/>
+            <a:ext cx="3840480" cy="1307274"/>
+          </a:xfrm>
+        </p:spPr>
+        <p:txBody>
+          <a:bodyPr>
+            <a:normAutofit fontScale="85000" lnSpcReduction="10000"/>
+          </a:bodyPr>
+          <a:lstStyle/>
+          <a:p>
+            <a:r>
+              <a:rPr lang="en-US" sz="1800" dirty="0"/>
+              <a:t>Implementation with dual sensor.</a:t>
+            </a:r>
+          </a:p>
+          <a:p>
+            <a:r>
+              <a:rPr lang="en-US" sz="1800" dirty="0"/>
+              <a:t>Measurements taken outside.</a:t>
+            </a:r>
+          </a:p>
+          <a:p>
+            <a:r>
+              <a:rPr lang="en-US" sz="1800" dirty="0"/>
+              <a:t>Given priority from most tracked cluster.</a:t>
+            </a:r>
+          </a:p>
+          <a:p>
+            <a:r>
+              <a:rPr lang="en-US" sz="1800" dirty="0"/>
+              <a:t>Distance still needs to be validated.</a:t>
+            </a:r>
+          </a:p>
+          <a:p>
+            <a:r>
+              <a:rPr lang="en-US" sz="1800" dirty="0"/>
+              <a:t>Rotation obtained with IMU.</a:t>
+            </a:r>
+          </a:p>
+          <a:p>
+            <a:endParaRPr lang="en-US" sz="1800" dirty="0"/>
+          </a:p>
+        </p:txBody>
+      </p:sp>
+      <p:sp>
+        <p:nvSpPr>
+          <p:cNvPr id="4" name="Date Placeholder 3">
+            <a:extLst>
+              <a:ext uri="{FF2B5EF4-FFF2-40B4-BE49-F238E27FC236}">
+                <a16:creationId xmlns:a16="http://schemas.microsoft.com/office/drawing/2014/main" id="{089B5388-F971-E68F-2AE3-ABFEB3D81DB2}"/>
+              </a:ext>
+            </a:extLst>
+          </p:cNvPr>
+          <p:cNvSpPr>
+            <a:spLocks noGrp="1"/>
+          </p:cNvSpPr>
+          <p:nvPr>
+            <p:ph type="dt" sz="half" idx="10"/>
+          </p:nvPr>
+        </p:nvSpPr>
+        <p:spPr/>
+        <p:txBody>
+          <a:bodyPr/>
+          <a:lstStyle/>
+          <a:p>
+            <a:fld id="{0EFBEC3F-4208-4590-BA97-4119A385DFD9}" type="datetime1">
+              <a:rPr lang="en-US" smtClean="0"/>
+              <a:t>9/7/2025</a:t>
+            </a:fld>
+            <a:endParaRPr lang="en-US"/>
+          </a:p>
+        </p:txBody>
+      </p:sp>
+      <p:sp>
+        <p:nvSpPr>
+          <p:cNvPr id="5" name="Slide Number Placeholder 4">
+            <a:extLst>
+              <a:ext uri="{FF2B5EF4-FFF2-40B4-BE49-F238E27FC236}">
+                <a16:creationId xmlns:a16="http://schemas.microsoft.com/office/drawing/2014/main" id="{DBD3CF9C-08EE-EC21-018A-BB6388ADC6BC}"/>
+              </a:ext>
+            </a:extLst>
+          </p:cNvPr>
+          <p:cNvSpPr>
+            <a:spLocks noGrp="1"/>
+          </p:cNvSpPr>
+          <p:nvPr>
+            <p:ph type="sldNum" sz="quarter" idx="12"/>
+          </p:nvPr>
+        </p:nvSpPr>
+        <p:spPr/>
+        <p:txBody>
+          <a:bodyPr/>
+          <a:lstStyle/>
+          <a:p>
+            <a:fld id="{C1FF6DA9-008F-8B48-92A6-B652298478BF}" type="slidenum">
+              <a:rPr lang="en-US" smtClean="0"/>
+              <a:t>33</a:t>
+            </a:fld>
+            <a:endParaRPr lang="en-US"/>
+          </a:p>
+        </p:txBody>
+      </p:sp>
+      <p:pic>
+        <p:nvPicPr>
+          <p:cNvPr id="7" name="Picture 6">
+            <a:extLst>
+              <a:ext uri="{FF2B5EF4-FFF2-40B4-BE49-F238E27FC236}">
+                <a16:creationId xmlns:a16="http://schemas.microsoft.com/office/drawing/2014/main" id="{82B0DA36-EE99-B6C5-D1DF-07B573D282DF}"/>
+              </a:ext>
+            </a:extLst>
+          </p:cNvPr>
+          <p:cNvPicPr>
+            <a:picLocks noChangeAspect="1"/>
+          </p:cNvPicPr>
+          <p:nvPr/>
+        </p:nvPicPr>
+        <p:blipFill>
+          <a:blip r:embed="rId2"/>
+          <a:stretch>
+            <a:fillRect/>
+          </a:stretch>
+        </p:blipFill>
+        <p:spPr>
+          <a:xfrm>
+            <a:off x="1201623" y="3155047"/>
+            <a:ext cx="6192114" cy="2943636"/>
+          </a:xfrm>
+          <a:prstGeom prst="rect">
+            <a:avLst/>
+          </a:prstGeom>
+        </p:spPr>
+      </p:pic>
+      <p:sp>
+        <p:nvSpPr>
+          <p:cNvPr id="10" name="Content Placeholder 2">
+            <a:extLst>
+              <a:ext uri="{FF2B5EF4-FFF2-40B4-BE49-F238E27FC236}">
+                <a16:creationId xmlns:a16="http://schemas.microsoft.com/office/drawing/2014/main" id="{81ADA64C-B009-E98E-9E9C-8A851E5749BE}"/>
+              </a:ext>
+            </a:extLst>
+          </p:cNvPr>
+          <p:cNvSpPr txBox="1">
+            <a:spLocks/>
+          </p:cNvSpPr>
+          <p:nvPr/>
+        </p:nvSpPr>
+        <p:spPr>
+          <a:xfrm>
+            <a:off x="4297680" y="1417638"/>
+            <a:ext cx="3840480" cy="1307274"/>
+          </a:xfrm>
+          <a:prstGeom prst="rect">
+            <a:avLst/>
+          </a:prstGeom>
+        </p:spPr>
+        <p:txBody>
+          <a:bodyPr vert="horz" lIns="91440" tIns="45720" rIns="91440" bIns="45720" rtlCol="0">
+            <a:normAutofit fontScale="92500" lnSpcReduction="20000"/>
+          </a:bodyPr>
+          <a:lstStyle>
+            <a:lvl1pPr marL="342900" indent="-342900" algn="l" defTabSz="457200" rtl="0" eaLnBrk="1" latinLnBrk="0" hangingPunct="1">
+              <a:spcBef>
+                <a:spcPct val="20000"/>
+              </a:spcBef>
+              <a:buFont typeface="Arial"/>
+              <a:buChar char="•"/>
+              <a:defRPr sz="3200" kern="1200">
+                <a:solidFill>
+                  <a:schemeClr val="tx1"/>
+                </a:solidFill>
+                <a:latin typeface="+mn-lt"/>
+                <a:ea typeface="+mn-ea"/>
+                <a:cs typeface="+mn-cs"/>
+              </a:defRPr>
+            </a:lvl1pPr>
+            <a:lvl2pPr marL="742950" indent="-285750" algn="l" defTabSz="457200" rtl="0" eaLnBrk="1" latinLnBrk="0" hangingPunct="1">
+              <a:spcBef>
+                <a:spcPct val="20000"/>
+              </a:spcBef>
+              <a:buFont typeface="Arial"/>
+              <a:buChar char="–"/>
+              <a:defRPr sz="2800" kern="1200">
+                <a:solidFill>
+                  <a:schemeClr val="tx1"/>
+                </a:solidFill>
+                <a:latin typeface="+mn-lt"/>
+                <a:ea typeface="+mn-ea"/>
+                <a:cs typeface="+mn-cs"/>
+              </a:defRPr>
+            </a:lvl2pPr>
+            <a:lvl3pPr marL="1143000" indent="-228600" algn="l" defTabSz="457200" rtl="0" eaLnBrk="1" latinLnBrk="0" hangingPunct="1">
+              <a:spcBef>
+                <a:spcPct val="20000"/>
+              </a:spcBef>
+              <a:buFont typeface="Arial"/>
+              <a:buChar char="•"/>
+              <a:defRPr sz="2400" kern="1200">
+                <a:solidFill>
+                  <a:schemeClr val="tx1"/>
+                </a:solidFill>
+                <a:latin typeface="+mn-lt"/>
+                <a:ea typeface="+mn-ea"/>
+                <a:cs typeface="+mn-cs"/>
+              </a:defRPr>
+            </a:lvl3pPr>
+            <a:lvl4pPr marL="1600200" indent="-228600" algn="l" defTabSz="457200" rtl="0" eaLnBrk="1" latinLnBrk="0" hangingPunct="1">
+              <a:spcBef>
+                <a:spcPct val="20000"/>
+              </a:spcBef>
+              <a:buFont typeface="Arial"/>
+              <a:buChar char="–"/>
+              <a:defRPr sz="2000" kern="1200">
+                <a:solidFill>
+                  <a:schemeClr val="tx1"/>
+                </a:solidFill>
+                <a:latin typeface="+mn-lt"/>
+                <a:ea typeface="+mn-ea"/>
+                <a:cs typeface="+mn-cs"/>
+              </a:defRPr>
+            </a:lvl4pPr>
+            <a:lvl5pPr marL="2057400" indent="-228600" algn="l" defTabSz="457200" rtl="0" eaLnBrk="1" latinLnBrk="0" hangingPunct="1">
+              <a:spcBef>
+                <a:spcPct val="20000"/>
+              </a:spcBef>
+              <a:buFont typeface="Arial"/>
+              <a:buChar char="»"/>
+              <a:defRPr sz="2000" kern="1200">
+                <a:solidFill>
+                  <a:schemeClr val="tx1"/>
+                </a:solidFill>
+                <a:latin typeface="+mn-lt"/>
+                <a:ea typeface="+mn-ea"/>
+                <a:cs typeface="+mn-cs"/>
+              </a:defRPr>
+            </a:lvl5pPr>
+            <a:lvl6pPr marL="2514600" indent="-228600" algn="l" defTabSz="457200" rtl="0" eaLnBrk="1" latinLnBrk="0" hangingPunct="1">
+              <a:spcBef>
+                <a:spcPct val="20000"/>
+              </a:spcBef>
+              <a:buFont typeface="Arial"/>
+              <a:buChar char="•"/>
+              <a:defRPr sz="2000" kern="1200">
+                <a:solidFill>
+                  <a:schemeClr val="tx1"/>
+                </a:solidFill>
+                <a:latin typeface="+mn-lt"/>
+                <a:ea typeface="+mn-ea"/>
+                <a:cs typeface="+mn-cs"/>
+              </a:defRPr>
+            </a:lvl6pPr>
+            <a:lvl7pPr marL="2971800" indent="-228600" algn="l" defTabSz="457200" rtl="0" eaLnBrk="1" latinLnBrk="0" hangingPunct="1">
+              <a:spcBef>
+                <a:spcPct val="20000"/>
+              </a:spcBef>
+              <a:buFont typeface="Arial"/>
+              <a:buChar char="•"/>
+              <a:defRPr sz="2000" kern="1200">
+                <a:solidFill>
+                  <a:schemeClr val="tx1"/>
+                </a:solidFill>
+                <a:latin typeface="+mn-lt"/>
+                <a:ea typeface="+mn-ea"/>
+                <a:cs typeface="+mn-cs"/>
+              </a:defRPr>
+            </a:lvl7pPr>
+            <a:lvl8pPr marL="3429000" indent="-228600" algn="l" defTabSz="457200" rtl="0" eaLnBrk="1" latinLnBrk="0" hangingPunct="1">
+              <a:spcBef>
+                <a:spcPct val="20000"/>
+              </a:spcBef>
+              <a:buFont typeface="Arial"/>
+              <a:buChar char="•"/>
+              <a:defRPr sz="2000" kern="1200">
+                <a:solidFill>
+                  <a:schemeClr val="tx1"/>
+                </a:solidFill>
+                <a:latin typeface="+mn-lt"/>
+                <a:ea typeface="+mn-ea"/>
+                <a:cs typeface="+mn-cs"/>
+              </a:defRPr>
+            </a:lvl8pPr>
+            <a:lvl9pPr marL="3886200" indent="-228600" algn="l" defTabSz="457200" rtl="0" eaLnBrk="1" latinLnBrk="0" hangingPunct="1">
+              <a:spcBef>
+                <a:spcPct val="20000"/>
+              </a:spcBef>
+              <a:buFont typeface="Arial"/>
+              <a:buChar char="•"/>
+              <a:defRPr sz="2000" kern="1200">
+                <a:solidFill>
+                  <a:schemeClr val="tx1"/>
+                </a:solidFill>
+                <a:latin typeface="+mn-lt"/>
+                <a:ea typeface="+mn-ea"/>
+                <a:cs typeface="+mn-cs"/>
+              </a:defRPr>
+            </a:lvl9pPr>
+          </a:lstStyle>
+          <a:p>
+            <a:r>
+              <a:rPr lang="en-US" sz="1800" dirty="0"/>
+              <a:t>Total of 7 recording were taken.</a:t>
+            </a:r>
+          </a:p>
+          <a:p>
+            <a:r>
+              <a:rPr lang="en-US" sz="1800" dirty="0"/>
+              <a:t>Lots of ground noise, due to bumpy road in parking lot.</a:t>
+            </a:r>
+          </a:p>
+          <a:p>
+            <a:r>
+              <a:rPr lang="en-US" sz="1800" dirty="0"/>
+              <a:t>Fixed with physical filtering and increasing </a:t>
+            </a:r>
+            <a:r>
+              <a:rPr lang="en-US" sz="1800"/>
+              <a:t>the inclination of the radar.</a:t>
+            </a:r>
+            <a:endParaRPr lang="en-US" sz="1800" dirty="0"/>
+          </a:p>
+        </p:txBody>
+      </p:sp>
+    </p:spTree>
+    <p:extLst>
+      <p:ext uri="{BB962C8B-B14F-4D97-AF65-F5344CB8AC3E}">
+        <p14:creationId xmlns:p14="http://schemas.microsoft.com/office/powerpoint/2010/main" val="3154210527"/>
+      </p:ext>
+    </p:extLst>
+  </p:cSld>
+  <p:clrMapOvr>
+    <a:masterClrMapping/>
+  </p:clrMapOvr>
+</p:sld>
+</file>
+
+<file path=ppt/slides/slide34.xml><?xml version="1.0" encoding="utf-8"?>
+<p:sld xmlns:a="http://schemas.openxmlformats.org/drawingml/2006/main" xmlns:r="http://schemas.openxmlformats.org/officeDocument/2006/relationships" xmlns:p="http://schemas.openxmlformats.org/presentationml/2006/main">
+  <p:cSld>
+    <p:spTree>
+      <p:nvGrpSpPr>
+        <p:cNvPr id="1" name="">
+          <a:extLst>
+            <a:ext uri="{FF2B5EF4-FFF2-40B4-BE49-F238E27FC236}">
+              <a16:creationId xmlns:a16="http://schemas.microsoft.com/office/drawing/2014/main" id="{F34843AB-366F-6962-24C9-0B693F7FD0F9}"/>
+            </a:ext>
+          </a:extLst>
+        </p:cNvPr>
+        <p:cNvGrpSpPr/>
+        <p:nvPr/>
+      </p:nvGrpSpPr>
+      <p:grpSpPr>
+        <a:xfrm>
+          <a:off x="0" y="0"/>
+          <a:ext cx="0" cy="0"/>
+          <a:chOff x="0" y="0"/>
+          <a:chExt cx="0" cy="0"/>
+        </a:xfrm>
+      </p:grpSpPr>
+      <p:sp>
+        <p:nvSpPr>
+          <p:cNvPr id="2" name="Title 1">
+            <a:extLst>
+              <a:ext uri="{FF2B5EF4-FFF2-40B4-BE49-F238E27FC236}">
+                <a16:creationId xmlns:a16="http://schemas.microsoft.com/office/drawing/2014/main" id="{6F035A37-007B-CFE5-8B19-FEF40CD53366}"/>
+              </a:ext>
+            </a:extLst>
+          </p:cNvPr>
+          <p:cNvSpPr>
+            <a:spLocks noGrp="1"/>
+          </p:cNvSpPr>
+          <p:nvPr>
+            <p:ph type="title"/>
+          </p:nvPr>
+        </p:nvSpPr>
+        <p:spPr/>
+        <p:txBody>
+          <a:bodyPr>
+            <a:normAutofit fontScale="90000"/>
+          </a:bodyPr>
+          <a:lstStyle/>
+          <a:p>
+            <a:r>
+              <a:rPr lang="en-US" dirty="0"/>
+              <a:t>Period Highlight – 13</a:t>
+            </a:r>
+            <a:br>
+              <a:rPr lang="en-US" dirty="0"/>
+            </a:br>
+            <a:r>
+              <a:rPr lang="en-US" sz="3200" dirty="0"/>
+              <a:t>Software Progress</a:t>
+            </a:r>
+            <a:endParaRPr lang="en-US" dirty="0"/>
+          </a:p>
+        </p:txBody>
+      </p:sp>
+      <p:sp>
+        <p:nvSpPr>
+          <p:cNvPr id="3" name="Content Placeholder 2">
+            <a:extLst>
+              <a:ext uri="{FF2B5EF4-FFF2-40B4-BE49-F238E27FC236}">
+                <a16:creationId xmlns:a16="http://schemas.microsoft.com/office/drawing/2014/main" id="{7E5BF5CF-7854-1085-A1D1-2F0338D5DAC1}"/>
+              </a:ext>
+            </a:extLst>
+          </p:cNvPr>
+          <p:cNvSpPr>
+            <a:spLocks noGrp="1"/>
+          </p:cNvSpPr>
+          <p:nvPr>
+            <p:ph idx="1"/>
+          </p:nvPr>
+        </p:nvSpPr>
+        <p:spPr>
+          <a:xfrm>
+            <a:off x="457200" y="1417638"/>
+            <a:ext cx="3840480" cy="1307274"/>
+          </a:xfrm>
+        </p:spPr>
+        <p:txBody>
+          <a:bodyPr>
+            <a:normAutofit fontScale="85000" lnSpcReduction="20000"/>
+          </a:bodyPr>
+          <a:lstStyle/>
+          <a:p>
+            <a:r>
+              <a:rPr lang="en-US" sz="1800" dirty="0"/>
+              <a:t>Point cloud improved.</a:t>
+            </a:r>
+          </a:p>
+          <a:p>
+            <a:r>
+              <a:rPr lang="en-US" sz="1800" dirty="0"/>
+              <a:t>Target use Doppler heatmap to increase results of </a:t>
+            </a:r>
+            <a:r>
+              <a:rPr lang="en-US" sz="1800" dirty="0" err="1"/>
+              <a:t>pointcloud</a:t>
+            </a:r>
+            <a:r>
+              <a:rPr lang="en-US" sz="1800" dirty="0"/>
+              <a:t>.</a:t>
+            </a:r>
+          </a:p>
+          <a:p>
+            <a:r>
+              <a:rPr lang="en-US" sz="1800" dirty="0"/>
+              <a:t>2 Sensors.</a:t>
+            </a:r>
+          </a:p>
+          <a:p>
+            <a:pPr lvl="1"/>
+            <a:r>
+              <a:rPr lang="en-US" sz="1400" dirty="0"/>
+              <a:t>Green color left sensor</a:t>
+            </a:r>
+          </a:p>
+          <a:p>
+            <a:pPr lvl="1"/>
+            <a:r>
+              <a:rPr lang="en-US" sz="1400" dirty="0"/>
+              <a:t>Blue color right sensor.</a:t>
+            </a:r>
+          </a:p>
+          <a:p>
+            <a:endParaRPr lang="en-US" sz="1800" dirty="0"/>
+          </a:p>
+          <a:p>
+            <a:endParaRPr lang="en-US" sz="1800" dirty="0"/>
+          </a:p>
+          <a:p>
+            <a:endParaRPr lang="en-US" sz="1800" dirty="0"/>
+          </a:p>
+        </p:txBody>
+      </p:sp>
+      <p:sp>
+        <p:nvSpPr>
+          <p:cNvPr id="4" name="Date Placeholder 3">
+            <a:extLst>
+              <a:ext uri="{FF2B5EF4-FFF2-40B4-BE49-F238E27FC236}">
+                <a16:creationId xmlns:a16="http://schemas.microsoft.com/office/drawing/2014/main" id="{C667EFB2-605C-1C49-903E-22AFAF70D101}"/>
+              </a:ext>
+            </a:extLst>
+          </p:cNvPr>
+          <p:cNvSpPr>
+            <a:spLocks noGrp="1"/>
+          </p:cNvSpPr>
+          <p:nvPr>
+            <p:ph type="dt" sz="half" idx="10"/>
+          </p:nvPr>
+        </p:nvSpPr>
+        <p:spPr/>
+        <p:txBody>
+          <a:bodyPr/>
+          <a:lstStyle/>
+          <a:p>
+            <a:fld id="{0EFBEC3F-4208-4590-BA97-4119A385DFD9}" type="datetime1">
+              <a:rPr lang="en-US" smtClean="0"/>
+              <a:t>9/7/2025</a:t>
+            </a:fld>
+            <a:endParaRPr lang="en-US"/>
+          </a:p>
+        </p:txBody>
+      </p:sp>
+      <p:sp>
+        <p:nvSpPr>
+          <p:cNvPr id="5" name="Slide Number Placeholder 4">
+            <a:extLst>
+              <a:ext uri="{FF2B5EF4-FFF2-40B4-BE49-F238E27FC236}">
+                <a16:creationId xmlns:a16="http://schemas.microsoft.com/office/drawing/2014/main" id="{829872AC-4CB1-EF36-84BC-C694D78C2CAF}"/>
+              </a:ext>
+            </a:extLst>
+          </p:cNvPr>
+          <p:cNvSpPr>
+            <a:spLocks noGrp="1"/>
+          </p:cNvSpPr>
+          <p:nvPr>
+            <p:ph type="sldNum" sz="quarter" idx="12"/>
+          </p:nvPr>
+        </p:nvSpPr>
+        <p:spPr/>
+        <p:txBody>
+          <a:bodyPr/>
+          <a:lstStyle/>
+          <a:p>
+            <a:fld id="{C1FF6DA9-008F-8B48-92A6-B652298478BF}" type="slidenum">
+              <a:rPr lang="en-US" smtClean="0"/>
+              <a:t>34</a:t>
+            </a:fld>
+            <a:endParaRPr lang="en-US"/>
+          </a:p>
+        </p:txBody>
+      </p:sp>
+      <p:sp>
+        <p:nvSpPr>
+          <p:cNvPr id="10" name="Content Placeholder 2">
+            <a:extLst>
+              <a:ext uri="{FF2B5EF4-FFF2-40B4-BE49-F238E27FC236}">
+                <a16:creationId xmlns:a16="http://schemas.microsoft.com/office/drawing/2014/main" id="{2C5E4489-3114-0494-384D-707476DE4B41}"/>
+              </a:ext>
+            </a:extLst>
+          </p:cNvPr>
+          <p:cNvSpPr txBox="1">
+            <a:spLocks/>
+          </p:cNvSpPr>
+          <p:nvPr/>
+        </p:nvSpPr>
+        <p:spPr>
+          <a:xfrm>
+            <a:off x="4297680" y="1417638"/>
+            <a:ext cx="3840480" cy="1307274"/>
+          </a:xfrm>
+          <a:prstGeom prst="rect">
+            <a:avLst/>
+          </a:prstGeom>
+        </p:spPr>
+        <p:txBody>
+          <a:bodyPr vert="horz" lIns="91440" tIns="45720" rIns="91440" bIns="45720" rtlCol="0">
+            <a:normAutofit fontScale="85000" lnSpcReduction="20000"/>
+          </a:bodyPr>
+          <a:lstStyle>
+            <a:lvl1pPr marL="342900" indent="-342900" algn="l" defTabSz="457200" rtl="0" eaLnBrk="1" latinLnBrk="0" hangingPunct="1">
+              <a:spcBef>
+                <a:spcPct val="20000"/>
+              </a:spcBef>
+              <a:buFont typeface="Arial"/>
+              <a:buChar char="•"/>
+              <a:defRPr sz="3200" kern="1200">
+                <a:solidFill>
+                  <a:schemeClr val="tx1"/>
+                </a:solidFill>
+                <a:latin typeface="+mn-lt"/>
+                <a:ea typeface="+mn-ea"/>
+                <a:cs typeface="+mn-cs"/>
+              </a:defRPr>
+            </a:lvl1pPr>
+            <a:lvl2pPr marL="742950" indent="-285750" algn="l" defTabSz="457200" rtl="0" eaLnBrk="1" latinLnBrk="0" hangingPunct="1">
+              <a:spcBef>
+                <a:spcPct val="20000"/>
+              </a:spcBef>
+              <a:buFont typeface="Arial"/>
+              <a:buChar char="–"/>
+              <a:defRPr sz="2800" kern="1200">
+                <a:solidFill>
+                  <a:schemeClr val="tx1"/>
+                </a:solidFill>
+                <a:latin typeface="+mn-lt"/>
+                <a:ea typeface="+mn-ea"/>
+                <a:cs typeface="+mn-cs"/>
+              </a:defRPr>
+            </a:lvl2pPr>
+            <a:lvl3pPr marL="1143000" indent="-228600" algn="l" defTabSz="457200" rtl="0" eaLnBrk="1" latinLnBrk="0" hangingPunct="1">
+              <a:spcBef>
+                <a:spcPct val="20000"/>
+              </a:spcBef>
+              <a:buFont typeface="Arial"/>
+              <a:buChar char="•"/>
+              <a:defRPr sz="2400" kern="1200">
+                <a:solidFill>
+                  <a:schemeClr val="tx1"/>
+                </a:solidFill>
+                <a:latin typeface="+mn-lt"/>
+                <a:ea typeface="+mn-ea"/>
+                <a:cs typeface="+mn-cs"/>
+              </a:defRPr>
+            </a:lvl3pPr>
+            <a:lvl4pPr marL="1600200" indent="-228600" algn="l" defTabSz="457200" rtl="0" eaLnBrk="1" latinLnBrk="0" hangingPunct="1">
+              <a:spcBef>
+                <a:spcPct val="20000"/>
+              </a:spcBef>
+              <a:buFont typeface="Arial"/>
+              <a:buChar char="–"/>
+              <a:defRPr sz="2000" kern="1200">
+                <a:solidFill>
+                  <a:schemeClr val="tx1"/>
+                </a:solidFill>
+                <a:latin typeface="+mn-lt"/>
+                <a:ea typeface="+mn-ea"/>
+                <a:cs typeface="+mn-cs"/>
+              </a:defRPr>
+            </a:lvl4pPr>
+            <a:lvl5pPr marL="2057400" indent="-228600" algn="l" defTabSz="457200" rtl="0" eaLnBrk="1" latinLnBrk="0" hangingPunct="1">
+              <a:spcBef>
+                <a:spcPct val="20000"/>
+              </a:spcBef>
+              <a:buFont typeface="Arial"/>
+              <a:buChar char="»"/>
+              <a:defRPr sz="2000" kern="1200">
+                <a:solidFill>
+                  <a:schemeClr val="tx1"/>
+                </a:solidFill>
+                <a:latin typeface="+mn-lt"/>
+                <a:ea typeface="+mn-ea"/>
+                <a:cs typeface="+mn-cs"/>
+              </a:defRPr>
+            </a:lvl5pPr>
+            <a:lvl6pPr marL="2514600" indent="-228600" algn="l" defTabSz="457200" rtl="0" eaLnBrk="1" latinLnBrk="0" hangingPunct="1">
+              <a:spcBef>
+                <a:spcPct val="20000"/>
+              </a:spcBef>
+              <a:buFont typeface="Arial"/>
+              <a:buChar char="•"/>
+              <a:defRPr sz="2000" kern="1200">
+                <a:solidFill>
+                  <a:schemeClr val="tx1"/>
+                </a:solidFill>
+                <a:latin typeface="+mn-lt"/>
+                <a:ea typeface="+mn-ea"/>
+                <a:cs typeface="+mn-cs"/>
+              </a:defRPr>
+            </a:lvl6pPr>
+            <a:lvl7pPr marL="2971800" indent="-228600" algn="l" defTabSz="457200" rtl="0" eaLnBrk="1" latinLnBrk="0" hangingPunct="1">
+              <a:spcBef>
+                <a:spcPct val="20000"/>
+              </a:spcBef>
+              <a:buFont typeface="Arial"/>
+              <a:buChar char="•"/>
+              <a:defRPr sz="2000" kern="1200">
+                <a:solidFill>
+                  <a:schemeClr val="tx1"/>
+                </a:solidFill>
+                <a:latin typeface="+mn-lt"/>
+                <a:ea typeface="+mn-ea"/>
+                <a:cs typeface="+mn-cs"/>
+              </a:defRPr>
+            </a:lvl7pPr>
+            <a:lvl8pPr marL="3429000" indent="-228600" algn="l" defTabSz="457200" rtl="0" eaLnBrk="1" latinLnBrk="0" hangingPunct="1">
+              <a:spcBef>
+                <a:spcPct val="20000"/>
+              </a:spcBef>
+              <a:buFont typeface="Arial"/>
+              <a:buChar char="•"/>
+              <a:defRPr sz="2000" kern="1200">
+                <a:solidFill>
+                  <a:schemeClr val="tx1"/>
+                </a:solidFill>
+                <a:latin typeface="+mn-lt"/>
+                <a:ea typeface="+mn-ea"/>
+                <a:cs typeface="+mn-cs"/>
+              </a:defRPr>
+            </a:lvl8pPr>
+            <a:lvl9pPr marL="3886200" indent="-228600" algn="l" defTabSz="457200" rtl="0" eaLnBrk="1" latinLnBrk="0" hangingPunct="1">
+              <a:spcBef>
+                <a:spcPct val="20000"/>
+              </a:spcBef>
+              <a:buFont typeface="Arial"/>
+              <a:buChar char="•"/>
+              <a:defRPr sz="2000" kern="1200">
+                <a:solidFill>
+                  <a:schemeClr val="tx1"/>
+                </a:solidFill>
+                <a:latin typeface="+mn-lt"/>
+                <a:ea typeface="+mn-ea"/>
+                <a:cs typeface="+mn-cs"/>
+              </a:defRPr>
+            </a:lvl9pPr>
+          </a:lstStyle>
+          <a:p>
+            <a:r>
+              <a:rPr lang="en-US" sz="1800" dirty="0"/>
+              <a:t>Problems with interference.</a:t>
+            </a:r>
+          </a:p>
+          <a:p>
+            <a:r>
+              <a:rPr lang="en-US" sz="1800" dirty="0"/>
+              <a:t>Problems after the 6mts mark.</a:t>
+            </a:r>
+          </a:p>
+          <a:p>
+            <a:pPr lvl="1"/>
+            <a:r>
+              <a:rPr lang="en-US" sz="1400" dirty="0"/>
+              <a:t>Noise area as geometrical safe zone ends at 5 mts.</a:t>
+            </a:r>
+          </a:p>
+          <a:p>
+            <a:r>
+              <a:rPr lang="en-US" sz="1800" dirty="0"/>
+              <a:t>This due to the theoretical 90 degrees </a:t>
+            </a:r>
+            <a:r>
+              <a:rPr lang="en-US" sz="1800" dirty="0" err="1"/>
+              <a:t>AoA</a:t>
+            </a:r>
+            <a:r>
+              <a:rPr lang="en-US" sz="1800" dirty="0"/>
+              <a:t> (Angle of Arrival).</a:t>
+            </a:r>
+          </a:p>
+        </p:txBody>
+      </p:sp>
+      <p:pic>
+        <p:nvPicPr>
+          <p:cNvPr id="11" name="Picture 10">
+            <a:extLst>
+              <a:ext uri="{FF2B5EF4-FFF2-40B4-BE49-F238E27FC236}">
+                <a16:creationId xmlns:a16="http://schemas.microsoft.com/office/drawing/2014/main" id="{27A73D70-6746-F562-3A20-BC2343691845}"/>
+              </a:ext>
+            </a:extLst>
+          </p:cNvPr>
+          <p:cNvPicPr>
+            <a:picLocks noChangeAspect="1"/>
+          </p:cNvPicPr>
+          <p:nvPr/>
+        </p:nvPicPr>
+        <p:blipFill>
+          <a:blip r:embed="rId2"/>
+          <a:stretch>
+            <a:fillRect/>
+          </a:stretch>
+        </p:blipFill>
+        <p:spPr>
+          <a:xfrm>
+            <a:off x="183504" y="3111414"/>
+            <a:ext cx="4114176" cy="3019846"/>
+          </a:xfrm>
+          <a:prstGeom prst="rect">
+            <a:avLst/>
+          </a:prstGeom>
+        </p:spPr>
+      </p:pic>
+      <p:pic>
+        <p:nvPicPr>
+          <p:cNvPr id="15" name="Picture 14">
+            <a:extLst>
+              <a:ext uri="{FF2B5EF4-FFF2-40B4-BE49-F238E27FC236}">
+                <a16:creationId xmlns:a16="http://schemas.microsoft.com/office/drawing/2014/main" id="{6DC7562E-C831-2333-E8C3-FA3962F72AF0}"/>
+              </a:ext>
+            </a:extLst>
+          </p:cNvPr>
+          <p:cNvPicPr>
+            <a:picLocks noChangeAspect="1"/>
+          </p:cNvPicPr>
+          <p:nvPr/>
+        </p:nvPicPr>
+        <p:blipFill>
+          <a:blip r:embed="rId3"/>
+          <a:stretch>
+            <a:fillRect/>
+          </a:stretch>
+        </p:blipFill>
+        <p:spPr>
+          <a:xfrm>
+            <a:off x="4206241" y="3111413"/>
+            <a:ext cx="4937760" cy="3028295"/>
+          </a:xfrm>
+          <a:prstGeom prst="rect">
+            <a:avLst/>
+          </a:prstGeom>
+        </p:spPr>
+      </p:pic>
+    </p:spTree>
+    <p:extLst>
+      <p:ext uri="{BB962C8B-B14F-4D97-AF65-F5344CB8AC3E}">
+        <p14:creationId xmlns:p14="http://schemas.microsoft.com/office/powerpoint/2010/main" val="956642526"/>
+      </p:ext>
+    </p:extLst>
+  </p:cSld>
+  <p:clrMapOvr>
+    <a:masterClrMapping/>
+  </p:clrMapOvr>
+</p:sld>
+</file>
+
+<file path=ppt/slides/slide35.xml><?xml version="1.0" encoding="utf-8"?>
+<p:sld xmlns:a="http://schemas.openxmlformats.org/drawingml/2006/main" xmlns:r="http://schemas.openxmlformats.org/officeDocument/2006/relationships" xmlns:p="http://schemas.openxmlformats.org/presentationml/2006/main">
+  <p:cSld>
+    <p:spTree>
+      <p:nvGrpSpPr>
+        <p:cNvPr id="1" name="">
+          <a:extLst>
+            <a:ext uri="{FF2B5EF4-FFF2-40B4-BE49-F238E27FC236}">
+              <a16:creationId xmlns:a16="http://schemas.microsoft.com/office/drawing/2014/main" id="{2C575A40-9A21-09B4-FE0A-B88C8B2E05E5}"/>
+            </a:ext>
+          </a:extLst>
+        </p:cNvPr>
+        <p:cNvGrpSpPr/>
+        <p:nvPr/>
+      </p:nvGrpSpPr>
+      <p:grpSpPr>
+        <a:xfrm>
+          <a:off x="0" y="0"/>
+          <a:ext cx="0" cy="0"/>
+          <a:chOff x="0" y="0"/>
+          <a:chExt cx="0" cy="0"/>
+        </a:xfrm>
+      </p:grpSpPr>
+      <p:sp>
+        <p:nvSpPr>
+          <p:cNvPr id="2" name="Title 1">
+            <a:extLst>
+              <a:ext uri="{FF2B5EF4-FFF2-40B4-BE49-F238E27FC236}">
+                <a16:creationId xmlns:a16="http://schemas.microsoft.com/office/drawing/2014/main" id="{658070D3-0E21-330A-5880-6E6C7CE802DD}"/>
+              </a:ext>
+            </a:extLst>
+          </p:cNvPr>
+          <p:cNvSpPr>
+            <a:spLocks noGrp="1"/>
+          </p:cNvSpPr>
+          <p:nvPr>
+            <p:ph type="title"/>
+          </p:nvPr>
+        </p:nvSpPr>
+        <p:spPr/>
+        <p:txBody>
+          <a:bodyPr>
+            <a:normAutofit fontScale="90000"/>
+          </a:bodyPr>
+          <a:lstStyle/>
+          <a:p>
+            <a:r>
+              <a:rPr lang="en-US" dirty="0"/>
+              <a:t>Period Highlight – 13</a:t>
+            </a:r>
+            <a:br>
+              <a:rPr lang="en-US" dirty="0"/>
+            </a:br>
+            <a:r>
+              <a:rPr lang="en-US" sz="3200" dirty="0"/>
+              <a:t>Software Progress</a:t>
+            </a:r>
+            <a:endParaRPr lang="en-US" dirty="0"/>
+          </a:p>
+        </p:txBody>
+      </p:sp>
+      <p:sp>
+        <p:nvSpPr>
+          <p:cNvPr id="3" name="Content Placeholder 2">
+            <a:extLst>
+              <a:ext uri="{FF2B5EF4-FFF2-40B4-BE49-F238E27FC236}">
+                <a16:creationId xmlns:a16="http://schemas.microsoft.com/office/drawing/2014/main" id="{D26EB26B-A0FE-2F78-4DAC-4B7BDFD42611}"/>
+              </a:ext>
+            </a:extLst>
+          </p:cNvPr>
+          <p:cNvSpPr>
+            <a:spLocks noGrp="1"/>
+          </p:cNvSpPr>
+          <p:nvPr>
+            <p:ph idx="1"/>
+          </p:nvPr>
+        </p:nvSpPr>
+        <p:spPr>
+          <a:xfrm>
+            <a:off x="457200" y="1417638"/>
+            <a:ext cx="3840480" cy="1589468"/>
+          </a:xfrm>
+        </p:spPr>
+        <p:txBody>
+          <a:bodyPr>
+            <a:normAutofit fontScale="92500" lnSpcReduction="10000"/>
+          </a:bodyPr>
+          <a:lstStyle/>
+          <a:p>
+            <a:r>
+              <a:rPr lang="en-US" sz="1800" dirty="0"/>
+              <a:t>Problems when detecting moving targets.</a:t>
+            </a:r>
+          </a:p>
+          <a:p>
+            <a:pPr lvl="1"/>
+            <a:r>
+              <a:rPr lang="en-US" sz="1000" dirty="0"/>
+              <a:t>Either not moving fast enough or problem with RANSAC config.</a:t>
+            </a:r>
+          </a:p>
+          <a:p>
+            <a:r>
+              <a:rPr lang="en-US" sz="1800" dirty="0"/>
+              <a:t>If moving target is close to out own self speed estimation. It can be perceived as static object.</a:t>
+            </a:r>
+          </a:p>
+          <a:p>
+            <a:endParaRPr lang="en-US" sz="1800" dirty="0"/>
+          </a:p>
+          <a:p>
+            <a:endParaRPr lang="en-US" sz="1800" dirty="0"/>
+          </a:p>
+        </p:txBody>
+      </p:sp>
+      <p:sp>
+        <p:nvSpPr>
+          <p:cNvPr id="4" name="Date Placeholder 3">
+            <a:extLst>
+              <a:ext uri="{FF2B5EF4-FFF2-40B4-BE49-F238E27FC236}">
+                <a16:creationId xmlns:a16="http://schemas.microsoft.com/office/drawing/2014/main" id="{C99FBC2D-58D7-CDE0-013B-01FD3E352CC7}"/>
+              </a:ext>
+            </a:extLst>
+          </p:cNvPr>
+          <p:cNvSpPr>
+            <a:spLocks noGrp="1"/>
+          </p:cNvSpPr>
+          <p:nvPr>
+            <p:ph type="dt" sz="half" idx="10"/>
+          </p:nvPr>
+        </p:nvSpPr>
+        <p:spPr/>
+        <p:txBody>
+          <a:bodyPr/>
+          <a:lstStyle/>
+          <a:p>
+            <a:fld id="{0EFBEC3F-4208-4590-BA97-4119A385DFD9}" type="datetime1">
+              <a:rPr lang="en-US" smtClean="0"/>
+              <a:t>9/7/2025</a:t>
+            </a:fld>
+            <a:endParaRPr lang="en-US"/>
+          </a:p>
+        </p:txBody>
+      </p:sp>
+      <p:sp>
+        <p:nvSpPr>
+          <p:cNvPr id="5" name="Slide Number Placeholder 4">
+            <a:extLst>
+              <a:ext uri="{FF2B5EF4-FFF2-40B4-BE49-F238E27FC236}">
+                <a16:creationId xmlns:a16="http://schemas.microsoft.com/office/drawing/2014/main" id="{F221DA01-AB1F-4ED2-5E80-3183C71AEAE6}"/>
+              </a:ext>
+            </a:extLst>
+          </p:cNvPr>
+          <p:cNvSpPr>
+            <a:spLocks noGrp="1"/>
+          </p:cNvSpPr>
+          <p:nvPr>
+            <p:ph type="sldNum" sz="quarter" idx="12"/>
+          </p:nvPr>
+        </p:nvSpPr>
+        <p:spPr/>
+        <p:txBody>
+          <a:bodyPr/>
+          <a:lstStyle/>
+          <a:p>
+            <a:fld id="{C1FF6DA9-008F-8B48-92A6-B652298478BF}" type="slidenum">
+              <a:rPr lang="en-US" smtClean="0"/>
+              <a:t>35</a:t>
+            </a:fld>
+            <a:endParaRPr lang="en-US"/>
+          </a:p>
+        </p:txBody>
+      </p:sp>
+      <p:sp>
+        <p:nvSpPr>
+          <p:cNvPr id="10" name="Content Placeholder 2">
+            <a:extLst>
+              <a:ext uri="{FF2B5EF4-FFF2-40B4-BE49-F238E27FC236}">
+                <a16:creationId xmlns:a16="http://schemas.microsoft.com/office/drawing/2014/main" id="{2BEDDF98-D9C6-1524-54B3-1604E3D9296D}"/>
+              </a:ext>
+            </a:extLst>
+          </p:cNvPr>
+          <p:cNvSpPr txBox="1">
+            <a:spLocks/>
+          </p:cNvSpPr>
+          <p:nvPr/>
+        </p:nvSpPr>
+        <p:spPr>
+          <a:xfrm>
+            <a:off x="4297680" y="1417638"/>
+            <a:ext cx="3840480" cy="1307274"/>
+          </a:xfrm>
+          <a:prstGeom prst="rect">
+            <a:avLst/>
+          </a:prstGeom>
+        </p:spPr>
+        <p:txBody>
+          <a:bodyPr vert="horz" lIns="91440" tIns="45720" rIns="91440" bIns="45720" rtlCol="0">
+            <a:normAutofit/>
+          </a:bodyPr>
+          <a:lstStyle>
+            <a:lvl1pPr marL="342900" indent="-342900" algn="l" defTabSz="457200" rtl="0" eaLnBrk="1" latinLnBrk="0" hangingPunct="1">
+              <a:spcBef>
+                <a:spcPct val="20000"/>
+              </a:spcBef>
+              <a:buFont typeface="Arial"/>
+              <a:buChar char="•"/>
+              <a:defRPr sz="3200" kern="1200">
+                <a:solidFill>
+                  <a:schemeClr val="tx1"/>
+                </a:solidFill>
+                <a:latin typeface="+mn-lt"/>
+                <a:ea typeface="+mn-ea"/>
+                <a:cs typeface="+mn-cs"/>
+              </a:defRPr>
+            </a:lvl1pPr>
+            <a:lvl2pPr marL="742950" indent="-285750" algn="l" defTabSz="457200" rtl="0" eaLnBrk="1" latinLnBrk="0" hangingPunct="1">
+              <a:spcBef>
+                <a:spcPct val="20000"/>
+              </a:spcBef>
+              <a:buFont typeface="Arial"/>
+              <a:buChar char="–"/>
+              <a:defRPr sz="2800" kern="1200">
+                <a:solidFill>
+                  <a:schemeClr val="tx1"/>
+                </a:solidFill>
+                <a:latin typeface="+mn-lt"/>
+                <a:ea typeface="+mn-ea"/>
+                <a:cs typeface="+mn-cs"/>
+              </a:defRPr>
+            </a:lvl2pPr>
+            <a:lvl3pPr marL="1143000" indent="-228600" algn="l" defTabSz="457200" rtl="0" eaLnBrk="1" latinLnBrk="0" hangingPunct="1">
+              <a:spcBef>
+                <a:spcPct val="20000"/>
+              </a:spcBef>
+              <a:buFont typeface="Arial"/>
+              <a:buChar char="•"/>
+              <a:defRPr sz="2400" kern="1200">
+                <a:solidFill>
+                  <a:schemeClr val="tx1"/>
+                </a:solidFill>
+                <a:latin typeface="+mn-lt"/>
+                <a:ea typeface="+mn-ea"/>
+                <a:cs typeface="+mn-cs"/>
+              </a:defRPr>
+            </a:lvl3pPr>
+            <a:lvl4pPr marL="1600200" indent="-228600" algn="l" defTabSz="457200" rtl="0" eaLnBrk="1" latinLnBrk="0" hangingPunct="1">
+              <a:spcBef>
+                <a:spcPct val="20000"/>
+              </a:spcBef>
+              <a:buFont typeface="Arial"/>
+              <a:buChar char="–"/>
+              <a:defRPr sz="2000" kern="1200">
+                <a:solidFill>
+                  <a:schemeClr val="tx1"/>
+                </a:solidFill>
+                <a:latin typeface="+mn-lt"/>
+                <a:ea typeface="+mn-ea"/>
+                <a:cs typeface="+mn-cs"/>
+              </a:defRPr>
+            </a:lvl4pPr>
+            <a:lvl5pPr marL="2057400" indent="-228600" algn="l" defTabSz="457200" rtl="0" eaLnBrk="1" latinLnBrk="0" hangingPunct="1">
+              <a:spcBef>
+                <a:spcPct val="20000"/>
+              </a:spcBef>
+              <a:buFont typeface="Arial"/>
+              <a:buChar char="»"/>
+              <a:defRPr sz="2000" kern="1200">
+                <a:solidFill>
+                  <a:schemeClr val="tx1"/>
+                </a:solidFill>
+                <a:latin typeface="+mn-lt"/>
+                <a:ea typeface="+mn-ea"/>
+                <a:cs typeface="+mn-cs"/>
+              </a:defRPr>
+            </a:lvl5pPr>
+            <a:lvl6pPr marL="2514600" indent="-228600" algn="l" defTabSz="457200" rtl="0" eaLnBrk="1" latinLnBrk="0" hangingPunct="1">
+              <a:spcBef>
+                <a:spcPct val="20000"/>
+              </a:spcBef>
+              <a:buFont typeface="Arial"/>
+              <a:buChar char="•"/>
+              <a:defRPr sz="2000" kern="1200">
+                <a:solidFill>
+                  <a:schemeClr val="tx1"/>
+                </a:solidFill>
+                <a:latin typeface="+mn-lt"/>
+                <a:ea typeface="+mn-ea"/>
+                <a:cs typeface="+mn-cs"/>
+              </a:defRPr>
+            </a:lvl6pPr>
+            <a:lvl7pPr marL="2971800" indent="-228600" algn="l" defTabSz="457200" rtl="0" eaLnBrk="1" latinLnBrk="0" hangingPunct="1">
+              <a:spcBef>
+                <a:spcPct val="20000"/>
+              </a:spcBef>
+              <a:buFont typeface="Arial"/>
+              <a:buChar char="•"/>
+              <a:defRPr sz="2000" kern="1200">
+                <a:solidFill>
+                  <a:schemeClr val="tx1"/>
+                </a:solidFill>
+                <a:latin typeface="+mn-lt"/>
+                <a:ea typeface="+mn-ea"/>
+                <a:cs typeface="+mn-cs"/>
+              </a:defRPr>
+            </a:lvl7pPr>
+            <a:lvl8pPr marL="3429000" indent="-228600" algn="l" defTabSz="457200" rtl="0" eaLnBrk="1" latinLnBrk="0" hangingPunct="1">
+              <a:spcBef>
+                <a:spcPct val="20000"/>
+              </a:spcBef>
+              <a:buFont typeface="Arial"/>
+              <a:buChar char="•"/>
+              <a:defRPr sz="2000" kern="1200">
+                <a:solidFill>
+                  <a:schemeClr val="tx1"/>
+                </a:solidFill>
+                <a:latin typeface="+mn-lt"/>
+                <a:ea typeface="+mn-ea"/>
+                <a:cs typeface="+mn-cs"/>
+              </a:defRPr>
+            </a:lvl8pPr>
+            <a:lvl9pPr marL="3886200" indent="-228600" algn="l" defTabSz="457200" rtl="0" eaLnBrk="1" latinLnBrk="0" hangingPunct="1">
+              <a:spcBef>
+                <a:spcPct val="20000"/>
+              </a:spcBef>
+              <a:buFont typeface="Arial"/>
+              <a:buChar char="•"/>
+              <a:defRPr sz="2000" kern="1200">
+                <a:solidFill>
+                  <a:schemeClr val="tx1"/>
+                </a:solidFill>
+                <a:latin typeface="+mn-lt"/>
+                <a:ea typeface="+mn-ea"/>
+                <a:cs typeface="+mn-cs"/>
+              </a:defRPr>
+            </a:lvl9pPr>
+          </a:lstStyle>
+          <a:p>
+            <a:endParaRPr lang="en-US" sz="1800" dirty="0"/>
+          </a:p>
+        </p:txBody>
+      </p:sp>
+      <p:pic>
+        <p:nvPicPr>
+          <p:cNvPr id="7" name="Picture 6">
+            <a:extLst>
+              <a:ext uri="{FF2B5EF4-FFF2-40B4-BE49-F238E27FC236}">
+                <a16:creationId xmlns:a16="http://schemas.microsoft.com/office/drawing/2014/main" id="{C0CF72EE-074B-70B6-8663-BF9EA4E09CE6}"/>
+              </a:ext>
+            </a:extLst>
+          </p:cNvPr>
+          <p:cNvPicPr>
+            <a:picLocks noChangeAspect="1"/>
+          </p:cNvPicPr>
+          <p:nvPr/>
+        </p:nvPicPr>
+        <p:blipFill>
+          <a:blip r:embed="rId2">
+            <a:alphaModFix amt="35000"/>
+          </a:blip>
+          <a:stretch>
+            <a:fillRect/>
+          </a:stretch>
+        </p:blipFill>
+        <p:spPr>
+          <a:xfrm>
+            <a:off x="1680488" y="3176568"/>
+            <a:ext cx="6201640" cy="3010320"/>
+          </a:xfrm>
+          <a:prstGeom prst="rect">
+            <a:avLst/>
+          </a:prstGeom>
+          <a:solidFill>
+            <a:schemeClr val="tx1"/>
+          </a:solidFill>
+        </p:spPr>
+      </p:pic>
+      <p:pic>
+        <p:nvPicPr>
+          <p:cNvPr id="9" name="Picture 8">
+            <a:extLst>
+              <a:ext uri="{FF2B5EF4-FFF2-40B4-BE49-F238E27FC236}">
+                <a16:creationId xmlns:a16="http://schemas.microsoft.com/office/drawing/2014/main" id="{6B7F8732-824A-1CDE-26AF-9979BF4B54EE}"/>
+              </a:ext>
+            </a:extLst>
+          </p:cNvPr>
+          <p:cNvPicPr>
+            <a:picLocks noChangeAspect="1"/>
+          </p:cNvPicPr>
+          <p:nvPr/>
+        </p:nvPicPr>
+        <p:blipFill>
+          <a:blip r:embed="rId2"/>
+          <a:srcRect l="43529" t="19322" r="39220" b="47873"/>
+          <a:stretch>
+            <a:fillRect/>
+          </a:stretch>
+        </p:blipFill>
+        <p:spPr>
+          <a:xfrm>
+            <a:off x="4379976" y="3758184"/>
+            <a:ext cx="1069848" cy="987552"/>
+          </a:xfrm>
+          <a:prstGeom prst="ellipse">
+            <a:avLst/>
+          </a:prstGeom>
+        </p:spPr>
+      </p:pic>
+    </p:spTree>
+    <p:extLst>
+      <p:ext uri="{BB962C8B-B14F-4D97-AF65-F5344CB8AC3E}">
+        <p14:creationId xmlns:p14="http://schemas.microsoft.com/office/powerpoint/2010/main" val="973057944"/>
+      </p:ext>
+    </p:extLst>
+  </p:cSld>
+  <p:clrMapOvr>
+    <a:masterClrMapping/>
+  </p:clrMapOvr>
+</p:sld>
+</file>
+
+<file path=ppt/slides/slide36.xml><?xml version="1.0" encoding="utf-8"?>
+<p:sld xmlns:a="http://schemas.openxmlformats.org/drawingml/2006/main" xmlns:r="http://schemas.openxmlformats.org/officeDocument/2006/relationships" xmlns:p="http://schemas.openxmlformats.org/presentationml/2006/main">
+  <p:cSld>
+    <p:spTree>
+      <p:nvGrpSpPr>
+        <p:cNvPr id="1" name="">
+          <a:extLst>
+            <a:ext uri="{FF2B5EF4-FFF2-40B4-BE49-F238E27FC236}">
+              <a16:creationId xmlns:a16="http://schemas.microsoft.com/office/drawing/2014/main" id="{9BE617C5-9C9D-F693-6EF4-8C1ADD69BCE8}"/>
+            </a:ext>
+          </a:extLst>
+        </p:cNvPr>
+        <p:cNvGrpSpPr/>
+        <p:nvPr/>
+      </p:nvGrpSpPr>
+      <p:grpSpPr>
+        <a:xfrm>
+          <a:off x="0" y="0"/>
+          <a:ext cx="0" cy="0"/>
+          <a:chOff x="0" y="0"/>
+          <a:chExt cx="0" cy="0"/>
+        </a:xfrm>
+      </p:grpSpPr>
+      <p:sp>
+        <p:nvSpPr>
+          <p:cNvPr id="2" name="Title 1">
+            <a:extLst>
+              <a:ext uri="{FF2B5EF4-FFF2-40B4-BE49-F238E27FC236}">
+                <a16:creationId xmlns:a16="http://schemas.microsoft.com/office/drawing/2014/main" id="{BE094785-259A-7159-1AD2-7994A70A2A04}"/>
+              </a:ext>
+            </a:extLst>
+          </p:cNvPr>
+          <p:cNvSpPr>
+            <a:spLocks noGrp="1"/>
+          </p:cNvSpPr>
+          <p:nvPr>
+            <p:ph type="title"/>
+          </p:nvPr>
+        </p:nvSpPr>
+        <p:spPr/>
+        <p:txBody>
+          <a:bodyPr>
+            <a:normAutofit fontScale="90000"/>
+          </a:bodyPr>
+          <a:lstStyle/>
+          <a:p>
+            <a:r>
+              <a:rPr lang="en-US" dirty="0"/>
+              <a:t>Period Highlight – 13</a:t>
+            </a:r>
+            <a:br>
+              <a:rPr lang="en-US" dirty="0"/>
+            </a:br>
+            <a:r>
+              <a:rPr lang="en-US" sz="3200" dirty="0"/>
+              <a:t>Software Progress</a:t>
+            </a:r>
+            <a:endParaRPr lang="en-US" dirty="0"/>
+          </a:p>
+        </p:txBody>
+      </p:sp>
+      <p:sp>
+        <p:nvSpPr>
+          <p:cNvPr id="3" name="Content Placeholder 2">
+            <a:extLst>
+              <a:ext uri="{FF2B5EF4-FFF2-40B4-BE49-F238E27FC236}">
+                <a16:creationId xmlns:a16="http://schemas.microsoft.com/office/drawing/2014/main" id="{CDE84BA9-88A7-B0FC-A440-4ECD51F3103A}"/>
+              </a:ext>
+            </a:extLst>
+          </p:cNvPr>
+          <p:cNvSpPr>
+            <a:spLocks noGrp="1"/>
+          </p:cNvSpPr>
+          <p:nvPr>
+            <p:ph idx="1"/>
+          </p:nvPr>
+        </p:nvSpPr>
+        <p:spPr>
+          <a:xfrm>
+            <a:off x="2651760" y="1413747"/>
+            <a:ext cx="3840480" cy="1307274"/>
+          </a:xfrm>
+        </p:spPr>
+        <p:txBody>
+          <a:bodyPr>
+            <a:normAutofit/>
+          </a:bodyPr>
+          <a:lstStyle/>
+          <a:p>
+            <a:r>
+              <a:rPr lang="en-US" sz="1800" dirty="0"/>
+              <a:t>Static vs Moving Objects</a:t>
+            </a:r>
+          </a:p>
+          <a:p>
+            <a:r>
+              <a:rPr lang="en-US" sz="1800" dirty="0"/>
+              <a:t>Not in scope but it can be refined.</a:t>
+            </a:r>
+          </a:p>
+          <a:p>
+            <a:pPr lvl="1"/>
+            <a:r>
+              <a:rPr lang="en-US" sz="1000" dirty="0"/>
+              <a:t>Improve RANSAC logic now that 2 sensors are incorporated to filter out moving objects, even at low speed.</a:t>
+            </a:r>
+          </a:p>
+          <a:p>
+            <a:endParaRPr lang="en-US" sz="1800" dirty="0"/>
+          </a:p>
+          <a:p>
+            <a:endParaRPr lang="en-US" sz="1800" dirty="0"/>
+          </a:p>
+        </p:txBody>
+      </p:sp>
+      <p:sp>
+        <p:nvSpPr>
+          <p:cNvPr id="4" name="Date Placeholder 3">
+            <a:extLst>
+              <a:ext uri="{FF2B5EF4-FFF2-40B4-BE49-F238E27FC236}">
+                <a16:creationId xmlns:a16="http://schemas.microsoft.com/office/drawing/2014/main" id="{61399DF9-00FB-347E-A7F0-94B10DD7866D}"/>
+              </a:ext>
+            </a:extLst>
+          </p:cNvPr>
+          <p:cNvSpPr>
+            <a:spLocks noGrp="1"/>
+          </p:cNvSpPr>
+          <p:nvPr>
+            <p:ph type="dt" sz="half" idx="10"/>
+          </p:nvPr>
+        </p:nvSpPr>
+        <p:spPr/>
+        <p:txBody>
+          <a:bodyPr/>
+          <a:lstStyle/>
+          <a:p>
+            <a:fld id="{0EFBEC3F-4208-4590-BA97-4119A385DFD9}" type="datetime1">
+              <a:rPr lang="en-US" smtClean="0"/>
+              <a:t>9/7/2025</a:t>
+            </a:fld>
+            <a:endParaRPr lang="en-US"/>
+          </a:p>
+        </p:txBody>
+      </p:sp>
+      <p:sp>
+        <p:nvSpPr>
+          <p:cNvPr id="5" name="Slide Number Placeholder 4">
+            <a:extLst>
+              <a:ext uri="{FF2B5EF4-FFF2-40B4-BE49-F238E27FC236}">
+                <a16:creationId xmlns:a16="http://schemas.microsoft.com/office/drawing/2014/main" id="{428C0D8D-DD47-765E-B2A9-E3E92453CE6B}"/>
+              </a:ext>
+            </a:extLst>
+          </p:cNvPr>
+          <p:cNvSpPr>
+            <a:spLocks noGrp="1"/>
+          </p:cNvSpPr>
+          <p:nvPr>
+            <p:ph type="sldNum" sz="quarter" idx="12"/>
+          </p:nvPr>
+        </p:nvSpPr>
+        <p:spPr/>
+        <p:txBody>
+          <a:bodyPr/>
+          <a:lstStyle/>
+          <a:p>
+            <a:fld id="{C1FF6DA9-008F-8B48-92A6-B652298478BF}" type="slidenum">
+              <a:rPr lang="en-US" smtClean="0"/>
+              <a:t>36</a:t>
+            </a:fld>
+            <a:endParaRPr lang="en-US"/>
+          </a:p>
+        </p:txBody>
+      </p:sp>
+      <p:sp>
+        <p:nvSpPr>
+          <p:cNvPr id="10" name="Content Placeholder 2">
+            <a:extLst>
+              <a:ext uri="{FF2B5EF4-FFF2-40B4-BE49-F238E27FC236}">
+                <a16:creationId xmlns:a16="http://schemas.microsoft.com/office/drawing/2014/main" id="{C0FA9A61-220D-3095-39AF-4301F33C24A8}"/>
+              </a:ext>
+            </a:extLst>
+          </p:cNvPr>
+          <p:cNvSpPr txBox="1">
+            <a:spLocks/>
+          </p:cNvSpPr>
+          <p:nvPr/>
+        </p:nvSpPr>
+        <p:spPr>
+          <a:xfrm>
+            <a:off x="4297680" y="1417638"/>
+            <a:ext cx="3840480" cy="1307274"/>
+          </a:xfrm>
+          <a:prstGeom prst="rect">
+            <a:avLst/>
+          </a:prstGeom>
+        </p:spPr>
+        <p:txBody>
+          <a:bodyPr vert="horz" lIns="91440" tIns="45720" rIns="91440" bIns="45720" rtlCol="0">
+            <a:normAutofit/>
+          </a:bodyPr>
+          <a:lstStyle>
+            <a:lvl1pPr marL="342900" indent="-342900" algn="l" defTabSz="457200" rtl="0" eaLnBrk="1" latinLnBrk="0" hangingPunct="1">
+              <a:spcBef>
+                <a:spcPct val="20000"/>
+              </a:spcBef>
+              <a:buFont typeface="Arial"/>
+              <a:buChar char="•"/>
+              <a:defRPr sz="3200" kern="1200">
+                <a:solidFill>
+                  <a:schemeClr val="tx1"/>
+                </a:solidFill>
+                <a:latin typeface="+mn-lt"/>
+                <a:ea typeface="+mn-ea"/>
+                <a:cs typeface="+mn-cs"/>
+              </a:defRPr>
+            </a:lvl1pPr>
+            <a:lvl2pPr marL="742950" indent="-285750" algn="l" defTabSz="457200" rtl="0" eaLnBrk="1" latinLnBrk="0" hangingPunct="1">
+              <a:spcBef>
+                <a:spcPct val="20000"/>
+              </a:spcBef>
+              <a:buFont typeface="Arial"/>
+              <a:buChar char="–"/>
+              <a:defRPr sz="2800" kern="1200">
+                <a:solidFill>
+                  <a:schemeClr val="tx1"/>
+                </a:solidFill>
+                <a:latin typeface="+mn-lt"/>
+                <a:ea typeface="+mn-ea"/>
+                <a:cs typeface="+mn-cs"/>
+              </a:defRPr>
+            </a:lvl2pPr>
+            <a:lvl3pPr marL="1143000" indent="-228600" algn="l" defTabSz="457200" rtl="0" eaLnBrk="1" latinLnBrk="0" hangingPunct="1">
+              <a:spcBef>
+                <a:spcPct val="20000"/>
+              </a:spcBef>
+              <a:buFont typeface="Arial"/>
+              <a:buChar char="•"/>
+              <a:defRPr sz="2400" kern="1200">
+                <a:solidFill>
+                  <a:schemeClr val="tx1"/>
+                </a:solidFill>
+                <a:latin typeface="+mn-lt"/>
+                <a:ea typeface="+mn-ea"/>
+                <a:cs typeface="+mn-cs"/>
+              </a:defRPr>
+            </a:lvl3pPr>
+            <a:lvl4pPr marL="1600200" indent="-228600" algn="l" defTabSz="457200" rtl="0" eaLnBrk="1" latinLnBrk="0" hangingPunct="1">
+              <a:spcBef>
+                <a:spcPct val="20000"/>
+              </a:spcBef>
+              <a:buFont typeface="Arial"/>
+              <a:buChar char="–"/>
+              <a:defRPr sz="2000" kern="1200">
+                <a:solidFill>
+                  <a:schemeClr val="tx1"/>
+                </a:solidFill>
+                <a:latin typeface="+mn-lt"/>
+                <a:ea typeface="+mn-ea"/>
+                <a:cs typeface="+mn-cs"/>
+              </a:defRPr>
+            </a:lvl4pPr>
+            <a:lvl5pPr marL="2057400" indent="-228600" algn="l" defTabSz="457200" rtl="0" eaLnBrk="1" latinLnBrk="0" hangingPunct="1">
+              <a:spcBef>
+                <a:spcPct val="20000"/>
+              </a:spcBef>
+              <a:buFont typeface="Arial"/>
+              <a:buChar char="»"/>
+              <a:defRPr sz="2000" kern="1200">
+                <a:solidFill>
+                  <a:schemeClr val="tx1"/>
+                </a:solidFill>
+                <a:latin typeface="+mn-lt"/>
+                <a:ea typeface="+mn-ea"/>
+                <a:cs typeface="+mn-cs"/>
+              </a:defRPr>
+            </a:lvl5pPr>
+            <a:lvl6pPr marL="2514600" indent="-228600" algn="l" defTabSz="457200" rtl="0" eaLnBrk="1" latinLnBrk="0" hangingPunct="1">
+              <a:spcBef>
+                <a:spcPct val="20000"/>
+              </a:spcBef>
+              <a:buFont typeface="Arial"/>
+              <a:buChar char="•"/>
+              <a:defRPr sz="2000" kern="1200">
+                <a:solidFill>
+                  <a:schemeClr val="tx1"/>
+                </a:solidFill>
+                <a:latin typeface="+mn-lt"/>
+                <a:ea typeface="+mn-ea"/>
+                <a:cs typeface="+mn-cs"/>
+              </a:defRPr>
+            </a:lvl6pPr>
+            <a:lvl7pPr marL="2971800" indent="-228600" algn="l" defTabSz="457200" rtl="0" eaLnBrk="1" latinLnBrk="0" hangingPunct="1">
+              <a:spcBef>
+                <a:spcPct val="20000"/>
+              </a:spcBef>
+              <a:buFont typeface="Arial"/>
+              <a:buChar char="•"/>
+              <a:defRPr sz="2000" kern="1200">
+                <a:solidFill>
+                  <a:schemeClr val="tx1"/>
+                </a:solidFill>
+                <a:latin typeface="+mn-lt"/>
+                <a:ea typeface="+mn-ea"/>
+                <a:cs typeface="+mn-cs"/>
+              </a:defRPr>
+            </a:lvl7pPr>
+            <a:lvl8pPr marL="3429000" indent="-228600" algn="l" defTabSz="457200" rtl="0" eaLnBrk="1" latinLnBrk="0" hangingPunct="1">
+              <a:spcBef>
+                <a:spcPct val="20000"/>
+              </a:spcBef>
+              <a:buFont typeface="Arial"/>
+              <a:buChar char="•"/>
+              <a:defRPr sz="2000" kern="1200">
+                <a:solidFill>
+                  <a:schemeClr val="tx1"/>
+                </a:solidFill>
+                <a:latin typeface="+mn-lt"/>
+                <a:ea typeface="+mn-ea"/>
+                <a:cs typeface="+mn-cs"/>
+              </a:defRPr>
+            </a:lvl8pPr>
+            <a:lvl9pPr marL="3886200" indent="-228600" algn="l" defTabSz="457200" rtl="0" eaLnBrk="1" latinLnBrk="0" hangingPunct="1">
+              <a:spcBef>
+                <a:spcPct val="20000"/>
+              </a:spcBef>
+              <a:buFont typeface="Arial"/>
+              <a:buChar char="•"/>
+              <a:defRPr sz="2000" kern="1200">
+                <a:solidFill>
+                  <a:schemeClr val="tx1"/>
+                </a:solidFill>
+                <a:latin typeface="+mn-lt"/>
+                <a:ea typeface="+mn-ea"/>
+                <a:cs typeface="+mn-cs"/>
+              </a:defRPr>
+            </a:lvl9pPr>
+          </a:lstStyle>
+          <a:p>
+            <a:endParaRPr lang="en-US" sz="1800" dirty="0"/>
+          </a:p>
+        </p:txBody>
+      </p:sp>
+      <p:pic>
+        <p:nvPicPr>
+          <p:cNvPr id="8" name="Picture 7">
+            <a:extLst>
+              <a:ext uri="{FF2B5EF4-FFF2-40B4-BE49-F238E27FC236}">
+                <a16:creationId xmlns:a16="http://schemas.microsoft.com/office/drawing/2014/main" id="{C4A66AD1-CDBD-8D7E-D977-73E0D41F4C88}"/>
+              </a:ext>
+            </a:extLst>
+          </p:cNvPr>
+          <p:cNvPicPr>
+            <a:picLocks noChangeAspect="1"/>
+          </p:cNvPicPr>
+          <p:nvPr/>
+        </p:nvPicPr>
+        <p:blipFill>
+          <a:blip r:embed="rId2">
+            <a:alphaModFix amt="35000"/>
+          </a:blip>
+          <a:stretch>
+            <a:fillRect/>
+          </a:stretch>
+        </p:blipFill>
+        <p:spPr>
+          <a:xfrm>
+            <a:off x="450850" y="3096390"/>
+            <a:ext cx="3572374" cy="2676899"/>
+          </a:xfrm>
+          <a:prstGeom prst="rect">
+            <a:avLst/>
+          </a:prstGeom>
+          <a:solidFill>
+            <a:schemeClr val="tx1"/>
+          </a:solidFill>
+        </p:spPr>
+      </p:pic>
+      <p:pic>
+        <p:nvPicPr>
+          <p:cNvPr id="12" name="Picture 11">
+            <a:extLst>
+              <a:ext uri="{FF2B5EF4-FFF2-40B4-BE49-F238E27FC236}">
+                <a16:creationId xmlns:a16="http://schemas.microsoft.com/office/drawing/2014/main" id="{DEF9E92E-BBD8-2A92-EE4D-11BBFDAB0349}"/>
+              </a:ext>
+            </a:extLst>
+          </p:cNvPr>
+          <p:cNvPicPr>
+            <a:picLocks noChangeAspect="1"/>
+          </p:cNvPicPr>
+          <p:nvPr/>
+        </p:nvPicPr>
+        <p:blipFill>
+          <a:blip r:embed="rId3">
+            <a:alphaModFix amt="35000"/>
+          </a:blip>
+          <a:stretch>
+            <a:fillRect/>
+          </a:stretch>
+        </p:blipFill>
+        <p:spPr>
+          <a:xfrm>
+            <a:off x="4676502" y="3096390"/>
+            <a:ext cx="3905795" cy="2610214"/>
+          </a:xfrm>
+          <a:prstGeom prst="rect">
+            <a:avLst/>
+          </a:prstGeom>
+          <a:solidFill>
+            <a:schemeClr val="tx1"/>
+          </a:solidFill>
+        </p:spPr>
+      </p:pic>
+      <p:pic>
+        <p:nvPicPr>
+          <p:cNvPr id="13" name="Picture 12">
+            <a:extLst>
+              <a:ext uri="{FF2B5EF4-FFF2-40B4-BE49-F238E27FC236}">
+                <a16:creationId xmlns:a16="http://schemas.microsoft.com/office/drawing/2014/main" id="{BF787677-4A59-67CE-5396-49A1111E2697}"/>
+              </a:ext>
+            </a:extLst>
+          </p:cNvPr>
+          <p:cNvPicPr>
+            <a:picLocks noChangeAspect="1"/>
+          </p:cNvPicPr>
+          <p:nvPr/>
+        </p:nvPicPr>
+        <p:blipFill>
+          <a:blip r:embed="rId2"/>
+          <a:srcRect l="54697" t="37702" r="15098" b="23699"/>
+          <a:stretch>
+            <a:fillRect/>
+          </a:stretch>
+        </p:blipFill>
+        <p:spPr>
+          <a:xfrm>
+            <a:off x="2404872" y="4105655"/>
+            <a:ext cx="1078992" cy="1033273"/>
+          </a:xfrm>
+          <a:prstGeom prst="ellipse">
+            <a:avLst/>
+          </a:prstGeom>
+        </p:spPr>
+      </p:pic>
+      <p:pic>
+        <p:nvPicPr>
+          <p:cNvPr id="15" name="Picture 14">
+            <a:extLst>
+              <a:ext uri="{FF2B5EF4-FFF2-40B4-BE49-F238E27FC236}">
+                <a16:creationId xmlns:a16="http://schemas.microsoft.com/office/drawing/2014/main" id="{585435FB-32A9-30E5-08AF-F421B26ED451}"/>
+              </a:ext>
+            </a:extLst>
+          </p:cNvPr>
+          <p:cNvPicPr>
+            <a:picLocks noChangeAspect="1"/>
+          </p:cNvPicPr>
+          <p:nvPr/>
+        </p:nvPicPr>
+        <p:blipFill>
+          <a:blip r:embed="rId3"/>
+          <a:srcRect l="53980" t="46023" r="24013" b="28054"/>
+          <a:stretch>
+            <a:fillRect/>
+          </a:stretch>
+        </p:blipFill>
+        <p:spPr>
+          <a:xfrm>
+            <a:off x="6784848" y="4297680"/>
+            <a:ext cx="859536" cy="676656"/>
+          </a:xfrm>
+          <a:prstGeom prst="ellipse">
+            <a:avLst/>
+          </a:prstGeom>
+        </p:spPr>
+      </p:pic>
+    </p:spTree>
+    <p:extLst>
+      <p:ext uri="{BB962C8B-B14F-4D97-AF65-F5344CB8AC3E}">
+        <p14:creationId xmlns:p14="http://schemas.microsoft.com/office/powerpoint/2010/main" val="3208002025"/>
+      </p:ext>
+    </p:extLst>
+  </p:cSld>
+  <p:clrMapOvr>
+    <a:masterClrMapping/>
+  </p:clrMapOvr>
+</p:sld>
+</file>
+
+<file path=ppt/slides/slide37.xml><?xml version="1.0" encoding="utf-8"?>
+<p:sld xmlns:a="http://schemas.openxmlformats.org/drawingml/2006/main" xmlns:r="http://schemas.openxmlformats.org/officeDocument/2006/relationships" xmlns:p="http://schemas.openxmlformats.org/presentationml/2006/main">
+  <p:cSld>
+    <p:spTree>
+      <p:nvGrpSpPr>
+        <p:cNvPr id="1" name="">
+          <a:extLst>
+            <a:ext uri="{FF2B5EF4-FFF2-40B4-BE49-F238E27FC236}">
+              <a16:creationId xmlns:a16="http://schemas.microsoft.com/office/drawing/2014/main" id="{880DC97C-27E4-BF74-D516-296A7C6D2361}"/>
+            </a:ext>
+          </a:extLst>
+        </p:cNvPr>
+        <p:cNvGrpSpPr/>
+        <p:nvPr/>
+      </p:nvGrpSpPr>
+      <p:grpSpPr>
+        <a:xfrm>
+          <a:off x="0" y="0"/>
+          <a:ext cx="0" cy="0"/>
+          <a:chOff x="0" y="0"/>
+          <a:chExt cx="0" cy="0"/>
+        </a:xfrm>
+      </p:grpSpPr>
+      <p:sp>
+        <p:nvSpPr>
+          <p:cNvPr id="2" name="Title 1">
+            <a:extLst>
+              <a:ext uri="{FF2B5EF4-FFF2-40B4-BE49-F238E27FC236}">
+                <a16:creationId xmlns:a16="http://schemas.microsoft.com/office/drawing/2014/main" id="{1CC1629E-1B90-456E-8D93-FBCA027CEBAB}"/>
+              </a:ext>
+            </a:extLst>
+          </p:cNvPr>
+          <p:cNvSpPr>
+            <a:spLocks noGrp="1"/>
+          </p:cNvSpPr>
+          <p:nvPr>
+            <p:ph type="title"/>
+          </p:nvPr>
+        </p:nvSpPr>
+        <p:spPr/>
+        <p:txBody>
+          <a:bodyPr>
+            <a:normAutofit fontScale="90000"/>
+          </a:bodyPr>
+          <a:lstStyle/>
+          <a:p>
+            <a:r>
+              <a:rPr lang="en-US" dirty="0"/>
+              <a:t>Period Highlight – 13</a:t>
+            </a:r>
+            <a:br>
+              <a:rPr lang="en-US" dirty="0"/>
+            </a:br>
+            <a:r>
+              <a:rPr lang="en-US" sz="3200" dirty="0"/>
+              <a:t>First result analysis</a:t>
+            </a:r>
+            <a:endParaRPr lang="en-US" dirty="0"/>
+          </a:p>
+        </p:txBody>
+      </p:sp>
+      <p:sp>
+        <p:nvSpPr>
+          <p:cNvPr id="3" name="Content Placeholder 2">
+            <a:extLst>
+              <a:ext uri="{FF2B5EF4-FFF2-40B4-BE49-F238E27FC236}">
+                <a16:creationId xmlns:a16="http://schemas.microsoft.com/office/drawing/2014/main" id="{BC3B1AE7-2FFF-EC28-0F82-5BD881A0CE45}"/>
+              </a:ext>
+            </a:extLst>
+          </p:cNvPr>
+          <p:cNvSpPr>
+            <a:spLocks noGrp="1"/>
+          </p:cNvSpPr>
+          <p:nvPr>
+            <p:ph idx="1"/>
+          </p:nvPr>
+        </p:nvSpPr>
+        <p:spPr>
+          <a:xfrm>
+            <a:off x="457200" y="1417638"/>
+            <a:ext cx="3840480" cy="1307274"/>
+          </a:xfrm>
+        </p:spPr>
+        <p:txBody>
+          <a:bodyPr>
+            <a:normAutofit fontScale="85000" lnSpcReduction="20000"/>
+          </a:bodyPr>
+          <a:lstStyle/>
+          <a:p>
+            <a:r>
+              <a:rPr lang="en-US" sz="1800" dirty="0"/>
+              <a:t>The Odometry and traction of the displacement is smoother using the whole point cloud.</a:t>
+            </a:r>
+          </a:p>
+          <a:p>
+            <a:r>
+              <a:rPr lang="en-US" sz="1800" dirty="0"/>
+              <a:t>However this can end with a lot of noise, meaning false targets since no post processing has been done.</a:t>
+            </a:r>
+            <a:endParaRPr lang="en-US" sz="1000" dirty="0"/>
+          </a:p>
+          <a:p>
+            <a:endParaRPr lang="en-US" sz="1800" dirty="0"/>
+          </a:p>
+          <a:p>
+            <a:endParaRPr lang="en-US" sz="1800" dirty="0"/>
+          </a:p>
+        </p:txBody>
+      </p:sp>
+      <p:sp>
+        <p:nvSpPr>
+          <p:cNvPr id="4" name="Date Placeholder 3">
+            <a:extLst>
+              <a:ext uri="{FF2B5EF4-FFF2-40B4-BE49-F238E27FC236}">
+                <a16:creationId xmlns:a16="http://schemas.microsoft.com/office/drawing/2014/main" id="{6C907518-80CD-B3DC-D5BA-CF12BC69580D}"/>
+              </a:ext>
+            </a:extLst>
+          </p:cNvPr>
+          <p:cNvSpPr>
+            <a:spLocks noGrp="1"/>
+          </p:cNvSpPr>
+          <p:nvPr>
+            <p:ph type="dt" sz="half" idx="10"/>
+          </p:nvPr>
+        </p:nvSpPr>
+        <p:spPr/>
+        <p:txBody>
+          <a:bodyPr/>
+          <a:lstStyle/>
+          <a:p>
+            <a:fld id="{0EFBEC3F-4208-4590-BA97-4119A385DFD9}" type="datetime1">
+              <a:rPr lang="en-US" smtClean="0"/>
+              <a:t>9/7/2025</a:t>
+            </a:fld>
+            <a:endParaRPr lang="en-US"/>
+          </a:p>
+        </p:txBody>
+      </p:sp>
+      <p:sp>
+        <p:nvSpPr>
+          <p:cNvPr id="5" name="Slide Number Placeholder 4">
+            <a:extLst>
+              <a:ext uri="{FF2B5EF4-FFF2-40B4-BE49-F238E27FC236}">
+                <a16:creationId xmlns:a16="http://schemas.microsoft.com/office/drawing/2014/main" id="{3E77936D-AF0C-54DB-5C5A-61670E40A31F}"/>
+              </a:ext>
+            </a:extLst>
+          </p:cNvPr>
+          <p:cNvSpPr>
+            <a:spLocks noGrp="1"/>
+          </p:cNvSpPr>
+          <p:nvPr>
+            <p:ph type="sldNum" sz="quarter" idx="12"/>
+          </p:nvPr>
+        </p:nvSpPr>
+        <p:spPr/>
+        <p:txBody>
+          <a:bodyPr/>
+          <a:lstStyle/>
+          <a:p>
+            <a:fld id="{C1FF6DA9-008F-8B48-92A6-B652298478BF}" type="slidenum">
+              <a:rPr lang="en-US" smtClean="0"/>
+              <a:t>37</a:t>
+            </a:fld>
+            <a:endParaRPr lang="en-US"/>
+          </a:p>
+        </p:txBody>
+      </p:sp>
+      <p:sp>
+        <p:nvSpPr>
+          <p:cNvPr id="10" name="Content Placeholder 2">
+            <a:extLst>
+              <a:ext uri="{FF2B5EF4-FFF2-40B4-BE49-F238E27FC236}">
+                <a16:creationId xmlns:a16="http://schemas.microsoft.com/office/drawing/2014/main" id="{7B78ED62-848F-5B63-4FB9-9052C80380A4}"/>
+              </a:ext>
+            </a:extLst>
+          </p:cNvPr>
+          <p:cNvSpPr txBox="1">
+            <a:spLocks/>
+          </p:cNvSpPr>
+          <p:nvPr/>
+        </p:nvSpPr>
+        <p:spPr>
+          <a:xfrm>
+            <a:off x="4297680" y="1417638"/>
+            <a:ext cx="3840480" cy="1307274"/>
+          </a:xfrm>
+          <a:prstGeom prst="rect">
+            <a:avLst/>
+          </a:prstGeom>
+        </p:spPr>
+        <p:txBody>
+          <a:bodyPr vert="horz" lIns="91440" tIns="45720" rIns="91440" bIns="45720" rtlCol="0">
+            <a:normAutofit/>
+          </a:bodyPr>
+          <a:lstStyle>
+            <a:lvl1pPr marL="342900" indent="-342900" algn="l" defTabSz="457200" rtl="0" eaLnBrk="1" latinLnBrk="0" hangingPunct="1">
+              <a:spcBef>
+                <a:spcPct val="20000"/>
+              </a:spcBef>
+              <a:buFont typeface="Arial"/>
+              <a:buChar char="•"/>
+              <a:defRPr sz="3200" kern="1200">
+                <a:solidFill>
+                  <a:schemeClr val="tx1"/>
+                </a:solidFill>
+                <a:latin typeface="+mn-lt"/>
+                <a:ea typeface="+mn-ea"/>
+                <a:cs typeface="+mn-cs"/>
+              </a:defRPr>
+            </a:lvl1pPr>
+            <a:lvl2pPr marL="742950" indent="-285750" algn="l" defTabSz="457200" rtl="0" eaLnBrk="1" latinLnBrk="0" hangingPunct="1">
+              <a:spcBef>
+                <a:spcPct val="20000"/>
+              </a:spcBef>
+              <a:buFont typeface="Arial"/>
+              <a:buChar char="–"/>
+              <a:defRPr sz="2800" kern="1200">
+                <a:solidFill>
+                  <a:schemeClr val="tx1"/>
+                </a:solidFill>
+                <a:latin typeface="+mn-lt"/>
+                <a:ea typeface="+mn-ea"/>
+                <a:cs typeface="+mn-cs"/>
+              </a:defRPr>
+            </a:lvl2pPr>
+            <a:lvl3pPr marL="1143000" indent="-228600" algn="l" defTabSz="457200" rtl="0" eaLnBrk="1" latinLnBrk="0" hangingPunct="1">
+              <a:spcBef>
+                <a:spcPct val="20000"/>
+              </a:spcBef>
+              <a:buFont typeface="Arial"/>
+              <a:buChar char="•"/>
+              <a:defRPr sz="2400" kern="1200">
+                <a:solidFill>
+                  <a:schemeClr val="tx1"/>
+                </a:solidFill>
+                <a:latin typeface="+mn-lt"/>
+                <a:ea typeface="+mn-ea"/>
+                <a:cs typeface="+mn-cs"/>
+              </a:defRPr>
+            </a:lvl3pPr>
+            <a:lvl4pPr marL="1600200" indent="-228600" algn="l" defTabSz="457200" rtl="0" eaLnBrk="1" latinLnBrk="0" hangingPunct="1">
+              <a:spcBef>
+                <a:spcPct val="20000"/>
+              </a:spcBef>
+              <a:buFont typeface="Arial"/>
+              <a:buChar char="–"/>
+              <a:defRPr sz="2000" kern="1200">
+                <a:solidFill>
+                  <a:schemeClr val="tx1"/>
+                </a:solidFill>
+                <a:latin typeface="+mn-lt"/>
+                <a:ea typeface="+mn-ea"/>
+                <a:cs typeface="+mn-cs"/>
+              </a:defRPr>
+            </a:lvl4pPr>
+            <a:lvl5pPr marL="2057400" indent="-228600" algn="l" defTabSz="457200" rtl="0" eaLnBrk="1" latinLnBrk="0" hangingPunct="1">
+              <a:spcBef>
+                <a:spcPct val="20000"/>
+              </a:spcBef>
+              <a:buFont typeface="Arial"/>
+              <a:buChar char="»"/>
+              <a:defRPr sz="2000" kern="1200">
+                <a:solidFill>
+                  <a:schemeClr val="tx1"/>
+                </a:solidFill>
+                <a:latin typeface="+mn-lt"/>
+                <a:ea typeface="+mn-ea"/>
+                <a:cs typeface="+mn-cs"/>
+              </a:defRPr>
+            </a:lvl5pPr>
+            <a:lvl6pPr marL="2514600" indent="-228600" algn="l" defTabSz="457200" rtl="0" eaLnBrk="1" latinLnBrk="0" hangingPunct="1">
+              <a:spcBef>
+                <a:spcPct val="20000"/>
+              </a:spcBef>
+              <a:buFont typeface="Arial"/>
+              <a:buChar char="•"/>
+              <a:defRPr sz="2000" kern="1200">
+                <a:solidFill>
+                  <a:schemeClr val="tx1"/>
+                </a:solidFill>
+                <a:latin typeface="+mn-lt"/>
+                <a:ea typeface="+mn-ea"/>
+                <a:cs typeface="+mn-cs"/>
+              </a:defRPr>
+            </a:lvl6pPr>
+            <a:lvl7pPr marL="2971800" indent="-228600" algn="l" defTabSz="457200" rtl="0" eaLnBrk="1" latinLnBrk="0" hangingPunct="1">
+              <a:spcBef>
+                <a:spcPct val="20000"/>
+              </a:spcBef>
+              <a:buFont typeface="Arial"/>
+              <a:buChar char="•"/>
+              <a:defRPr sz="2000" kern="1200">
+                <a:solidFill>
+                  <a:schemeClr val="tx1"/>
+                </a:solidFill>
+                <a:latin typeface="+mn-lt"/>
+                <a:ea typeface="+mn-ea"/>
+                <a:cs typeface="+mn-cs"/>
+              </a:defRPr>
+            </a:lvl7pPr>
+            <a:lvl8pPr marL="3429000" indent="-228600" algn="l" defTabSz="457200" rtl="0" eaLnBrk="1" latinLnBrk="0" hangingPunct="1">
+              <a:spcBef>
+                <a:spcPct val="20000"/>
+              </a:spcBef>
+              <a:buFont typeface="Arial"/>
+              <a:buChar char="•"/>
+              <a:defRPr sz="2000" kern="1200">
+                <a:solidFill>
+                  <a:schemeClr val="tx1"/>
+                </a:solidFill>
+                <a:latin typeface="+mn-lt"/>
+                <a:ea typeface="+mn-ea"/>
+                <a:cs typeface="+mn-cs"/>
+              </a:defRPr>
+            </a:lvl8pPr>
+            <a:lvl9pPr marL="3886200" indent="-228600" algn="l" defTabSz="457200" rtl="0" eaLnBrk="1" latinLnBrk="0" hangingPunct="1">
+              <a:spcBef>
+                <a:spcPct val="20000"/>
+              </a:spcBef>
+              <a:buFont typeface="Arial"/>
+              <a:buChar char="•"/>
+              <a:defRPr sz="2000" kern="1200">
+                <a:solidFill>
+                  <a:schemeClr val="tx1"/>
+                </a:solidFill>
+                <a:latin typeface="+mn-lt"/>
+                <a:ea typeface="+mn-ea"/>
+                <a:cs typeface="+mn-cs"/>
+              </a:defRPr>
+            </a:lvl9pPr>
+          </a:lstStyle>
+          <a:p>
+            <a:endParaRPr lang="en-US" sz="1800" dirty="0"/>
+          </a:p>
+        </p:txBody>
+      </p:sp>
+      <p:pic>
+        <p:nvPicPr>
+          <p:cNvPr id="7" name="Picture 6">
+            <a:extLst>
+              <a:ext uri="{FF2B5EF4-FFF2-40B4-BE49-F238E27FC236}">
+                <a16:creationId xmlns:a16="http://schemas.microsoft.com/office/drawing/2014/main" id="{12C208DD-9A94-95D2-2215-C1B367822E21}"/>
+              </a:ext>
+            </a:extLst>
+          </p:cNvPr>
+          <p:cNvPicPr>
+            <a:picLocks noChangeAspect="1"/>
+          </p:cNvPicPr>
+          <p:nvPr/>
+        </p:nvPicPr>
+        <p:blipFill>
+          <a:blip r:embed="rId2"/>
+          <a:stretch>
+            <a:fillRect/>
+          </a:stretch>
+        </p:blipFill>
+        <p:spPr>
+          <a:xfrm>
+            <a:off x="1060097" y="3429000"/>
+            <a:ext cx="7078063" cy="2572109"/>
+          </a:xfrm>
+          <a:prstGeom prst="rect">
+            <a:avLst/>
+          </a:prstGeom>
+        </p:spPr>
+      </p:pic>
+      <p:sp>
+        <p:nvSpPr>
+          <p:cNvPr id="9" name="Content Placeholder 2">
+            <a:extLst>
+              <a:ext uri="{FF2B5EF4-FFF2-40B4-BE49-F238E27FC236}">
+                <a16:creationId xmlns:a16="http://schemas.microsoft.com/office/drawing/2014/main" id="{1256A9B1-4875-555D-E606-FBC79B91A3FF}"/>
+              </a:ext>
+            </a:extLst>
+          </p:cNvPr>
+          <p:cNvSpPr txBox="1">
+            <a:spLocks/>
+          </p:cNvSpPr>
+          <p:nvPr/>
+        </p:nvSpPr>
+        <p:spPr>
+          <a:xfrm>
+            <a:off x="4572000" y="1417638"/>
+            <a:ext cx="3840480" cy="1819338"/>
+          </a:xfrm>
+          <a:prstGeom prst="rect">
+            <a:avLst/>
+          </a:prstGeom>
+        </p:spPr>
+        <p:txBody>
+          <a:bodyPr vert="horz" lIns="91440" tIns="45720" rIns="91440" bIns="45720" rtlCol="0">
+            <a:normAutofit fontScale="77500" lnSpcReduction="20000"/>
+          </a:bodyPr>
+          <a:lstStyle>
+            <a:lvl1pPr marL="342900" indent="-342900" algn="l" defTabSz="457200" rtl="0" eaLnBrk="1" latinLnBrk="0" hangingPunct="1">
+              <a:spcBef>
+                <a:spcPct val="20000"/>
+              </a:spcBef>
+              <a:buFont typeface="Arial"/>
+              <a:buChar char="•"/>
+              <a:defRPr sz="3200" kern="1200">
+                <a:solidFill>
+                  <a:schemeClr val="tx1"/>
+                </a:solidFill>
+                <a:latin typeface="+mn-lt"/>
+                <a:ea typeface="+mn-ea"/>
+                <a:cs typeface="+mn-cs"/>
+              </a:defRPr>
+            </a:lvl1pPr>
+            <a:lvl2pPr marL="742950" indent="-285750" algn="l" defTabSz="457200" rtl="0" eaLnBrk="1" latinLnBrk="0" hangingPunct="1">
+              <a:spcBef>
+                <a:spcPct val="20000"/>
+              </a:spcBef>
+              <a:buFont typeface="Arial"/>
+              <a:buChar char="–"/>
+              <a:defRPr sz="2800" kern="1200">
+                <a:solidFill>
+                  <a:schemeClr val="tx1"/>
+                </a:solidFill>
+                <a:latin typeface="+mn-lt"/>
+                <a:ea typeface="+mn-ea"/>
+                <a:cs typeface="+mn-cs"/>
+              </a:defRPr>
+            </a:lvl2pPr>
+            <a:lvl3pPr marL="1143000" indent="-228600" algn="l" defTabSz="457200" rtl="0" eaLnBrk="1" latinLnBrk="0" hangingPunct="1">
+              <a:spcBef>
+                <a:spcPct val="20000"/>
+              </a:spcBef>
+              <a:buFont typeface="Arial"/>
+              <a:buChar char="•"/>
+              <a:defRPr sz="2400" kern="1200">
+                <a:solidFill>
+                  <a:schemeClr val="tx1"/>
+                </a:solidFill>
+                <a:latin typeface="+mn-lt"/>
+                <a:ea typeface="+mn-ea"/>
+                <a:cs typeface="+mn-cs"/>
+              </a:defRPr>
+            </a:lvl3pPr>
+            <a:lvl4pPr marL="1600200" indent="-228600" algn="l" defTabSz="457200" rtl="0" eaLnBrk="1" latinLnBrk="0" hangingPunct="1">
+              <a:spcBef>
+                <a:spcPct val="20000"/>
+              </a:spcBef>
+              <a:buFont typeface="Arial"/>
+              <a:buChar char="–"/>
+              <a:defRPr sz="2000" kern="1200">
+                <a:solidFill>
+                  <a:schemeClr val="tx1"/>
+                </a:solidFill>
+                <a:latin typeface="+mn-lt"/>
+                <a:ea typeface="+mn-ea"/>
+                <a:cs typeface="+mn-cs"/>
+              </a:defRPr>
+            </a:lvl4pPr>
+            <a:lvl5pPr marL="2057400" indent="-228600" algn="l" defTabSz="457200" rtl="0" eaLnBrk="1" latinLnBrk="0" hangingPunct="1">
+              <a:spcBef>
+                <a:spcPct val="20000"/>
+              </a:spcBef>
+              <a:buFont typeface="Arial"/>
+              <a:buChar char="»"/>
+              <a:defRPr sz="2000" kern="1200">
+                <a:solidFill>
+                  <a:schemeClr val="tx1"/>
+                </a:solidFill>
+                <a:latin typeface="+mn-lt"/>
+                <a:ea typeface="+mn-ea"/>
+                <a:cs typeface="+mn-cs"/>
+              </a:defRPr>
+            </a:lvl5pPr>
+            <a:lvl6pPr marL="2514600" indent="-228600" algn="l" defTabSz="457200" rtl="0" eaLnBrk="1" latinLnBrk="0" hangingPunct="1">
+              <a:spcBef>
+                <a:spcPct val="20000"/>
+              </a:spcBef>
+              <a:buFont typeface="Arial"/>
+              <a:buChar char="•"/>
+              <a:defRPr sz="2000" kern="1200">
+                <a:solidFill>
+                  <a:schemeClr val="tx1"/>
+                </a:solidFill>
+                <a:latin typeface="+mn-lt"/>
+                <a:ea typeface="+mn-ea"/>
+                <a:cs typeface="+mn-cs"/>
+              </a:defRPr>
+            </a:lvl6pPr>
+            <a:lvl7pPr marL="2971800" indent="-228600" algn="l" defTabSz="457200" rtl="0" eaLnBrk="1" latinLnBrk="0" hangingPunct="1">
+              <a:spcBef>
+                <a:spcPct val="20000"/>
+              </a:spcBef>
+              <a:buFont typeface="Arial"/>
+              <a:buChar char="•"/>
+              <a:defRPr sz="2000" kern="1200">
+                <a:solidFill>
+                  <a:schemeClr val="tx1"/>
+                </a:solidFill>
+                <a:latin typeface="+mn-lt"/>
+                <a:ea typeface="+mn-ea"/>
+                <a:cs typeface="+mn-cs"/>
+              </a:defRPr>
+            </a:lvl7pPr>
+            <a:lvl8pPr marL="3429000" indent="-228600" algn="l" defTabSz="457200" rtl="0" eaLnBrk="1" latinLnBrk="0" hangingPunct="1">
+              <a:spcBef>
+                <a:spcPct val="20000"/>
+              </a:spcBef>
+              <a:buFont typeface="Arial"/>
+              <a:buChar char="•"/>
+              <a:defRPr sz="2000" kern="1200">
+                <a:solidFill>
+                  <a:schemeClr val="tx1"/>
+                </a:solidFill>
+                <a:latin typeface="+mn-lt"/>
+                <a:ea typeface="+mn-ea"/>
+                <a:cs typeface="+mn-cs"/>
+              </a:defRPr>
+            </a:lvl8pPr>
+            <a:lvl9pPr marL="3886200" indent="-228600" algn="l" defTabSz="457200" rtl="0" eaLnBrk="1" latinLnBrk="0" hangingPunct="1">
+              <a:spcBef>
+                <a:spcPct val="20000"/>
+              </a:spcBef>
+              <a:buFont typeface="Arial"/>
+              <a:buChar char="•"/>
+              <a:defRPr sz="2000" kern="1200">
+                <a:solidFill>
+                  <a:schemeClr val="tx1"/>
+                </a:solidFill>
+                <a:latin typeface="+mn-lt"/>
+                <a:ea typeface="+mn-ea"/>
+                <a:cs typeface="+mn-cs"/>
+              </a:defRPr>
+            </a:lvl9pPr>
+          </a:lstStyle>
+          <a:p>
+            <a:r>
+              <a:rPr lang="en-US" sz="1800" dirty="0"/>
+              <a:t>By tracking the most successful tracked cluster we can improve the actual displacement on the vehicle.</a:t>
+            </a:r>
+          </a:p>
+          <a:p>
+            <a:r>
+              <a:rPr lang="en-US" sz="1800" dirty="0"/>
+              <a:t>In case this cluster is lost, we simply move to the following most successful tracked cluster.</a:t>
+            </a:r>
+          </a:p>
+          <a:p>
+            <a:r>
+              <a:rPr lang="en-US" sz="1800" dirty="0"/>
+              <a:t>Negative side, if no information is being sensed from the vehicle, no cluster is registered. Meaning no motion to be tracked.</a:t>
+            </a:r>
+            <a:endParaRPr lang="en-US" sz="1000" dirty="0"/>
+          </a:p>
+          <a:p>
+            <a:endParaRPr lang="en-US" sz="1800" dirty="0"/>
+          </a:p>
+          <a:p>
+            <a:endParaRPr lang="en-US" sz="1800" dirty="0"/>
+          </a:p>
+        </p:txBody>
+      </p:sp>
+    </p:spTree>
+    <p:extLst>
+      <p:ext uri="{BB962C8B-B14F-4D97-AF65-F5344CB8AC3E}">
+        <p14:creationId xmlns:p14="http://schemas.microsoft.com/office/powerpoint/2010/main" val="1069782417"/>
+      </p:ext>
+    </p:extLst>
+  </p:cSld>
+  <p:clrMapOvr>
+    <a:masterClrMapping/>
+  </p:clrMapOvr>
+</p:sld>
+</file>
+
+<file path=ppt/slides/slide38.xml><?xml version="1.0" encoding="utf-8"?>
+<p:sld xmlns:a="http://schemas.openxmlformats.org/drawingml/2006/main" xmlns:r="http://schemas.openxmlformats.org/officeDocument/2006/relationships" xmlns:p="http://schemas.openxmlformats.org/presentationml/2006/main">
+  <p:cSld>
+    <p:spTree>
+      <p:nvGrpSpPr>
+        <p:cNvPr id="1" name="">
+          <a:extLst>
+            <a:ext uri="{FF2B5EF4-FFF2-40B4-BE49-F238E27FC236}">
+              <a16:creationId xmlns:a16="http://schemas.microsoft.com/office/drawing/2014/main" id="{76E198E6-0E03-110B-01F8-29A36DDF09DC}"/>
+            </a:ext>
+          </a:extLst>
+        </p:cNvPr>
+        <p:cNvGrpSpPr/>
+        <p:nvPr/>
+      </p:nvGrpSpPr>
+      <p:grpSpPr>
+        <a:xfrm>
+          <a:off x="0" y="0"/>
+          <a:ext cx="0" cy="0"/>
+          <a:chOff x="0" y="0"/>
+          <a:chExt cx="0" cy="0"/>
+        </a:xfrm>
+      </p:grpSpPr>
+      <p:sp>
+        <p:nvSpPr>
+          <p:cNvPr id="2" name="Title 1">
+            <a:extLst>
+              <a:ext uri="{FF2B5EF4-FFF2-40B4-BE49-F238E27FC236}">
+                <a16:creationId xmlns:a16="http://schemas.microsoft.com/office/drawing/2014/main" id="{35108556-2267-26BC-8822-389DB319B93E}"/>
+              </a:ext>
+            </a:extLst>
+          </p:cNvPr>
+          <p:cNvSpPr>
+            <a:spLocks noGrp="1"/>
+          </p:cNvSpPr>
+          <p:nvPr>
+            <p:ph type="title"/>
+          </p:nvPr>
+        </p:nvSpPr>
+        <p:spPr/>
+        <p:txBody>
+          <a:bodyPr>
+            <a:normAutofit fontScale="90000"/>
+          </a:bodyPr>
+          <a:lstStyle/>
+          <a:p>
+            <a:r>
+              <a:rPr lang="en-US" dirty="0"/>
+              <a:t>Period Highlight – 13</a:t>
+            </a:r>
+            <a:br>
+              <a:rPr lang="en-US" dirty="0"/>
+            </a:br>
+            <a:r>
+              <a:rPr lang="en-US" sz="3200" dirty="0"/>
+              <a:t>First result analysis</a:t>
+            </a:r>
+            <a:endParaRPr lang="en-US" dirty="0"/>
+          </a:p>
+        </p:txBody>
+      </p:sp>
+      <p:sp>
+        <p:nvSpPr>
+          <p:cNvPr id="3" name="Content Placeholder 2">
+            <a:extLst>
+              <a:ext uri="{FF2B5EF4-FFF2-40B4-BE49-F238E27FC236}">
+                <a16:creationId xmlns:a16="http://schemas.microsoft.com/office/drawing/2014/main" id="{2BEC3EB4-611B-B065-03DA-E0FF14FC832B}"/>
+              </a:ext>
+            </a:extLst>
+          </p:cNvPr>
+          <p:cNvSpPr>
+            <a:spLocks noGrp="1"/>
+          </p:cNvSpPr>
+          <p:nvPr>
+            <p:ph idx="1"/>
+          </p:nvPr>
+        </p:nvSpPr>
+        <p:spPr>
+          <a:xfrm>
+            <a:off x="457200" y="1417638"/>
+            <a:ext cx="8165592" cy="4352226"/>
+          </a:xfrm>
+        </p:spPr>
+        <p:txBody>
+          <a:bodyPr>
+            <a:normAutofit/>
+          </a:bodyPr>
+          <a:lstStyle/>
+          <a:p>
+            <a:r>
+              <a:rPr lang="en-US" sz="2000" dirty="0"/>
+              <a:t>Plan for the next 2 weeks:</a:t>
+            </a:r>
+          </a:p>
+          <a:p>
+            <a:pPr lvl="1"/>
+            <a:r>
+              <a:rPr lang="en-US" sz="2000" dirty="0"/>
+              <a:t>Fix rotation algorithm obtained from the point cloud.</a:t>
+            </a:r>
+          </a:p>
+          <a:p>
+            <a:pPr lvl="1"/>
+            <a:r>
+              <a:rPr lang="en-US" sz="2000" dirty="0"/>
+              <a:t>Work on the paper (currently working in it).</a:t>
+            </a:r>
+          </a:p>
+          <a:p>
+            <a:pPr lvl="1"/>
+            <a:r>
+              <a:rPr lang="en-US" sz="2000" dirty="0"/>
+              <a:t>Improve (if time allowed) filtering logic to avoid tracking moving targets.</a:t>
+            </a:r>
+          </a:p>
+          <a:p>
+            <a:pPr lvl="2"/>
+            <a:r>
+              <a:rPr lang="en-US" sz="2000" dirty="0"/>
+              <a:t>Differentiation between static vs moving targets.</a:t>
+            </a:r>
+          </a:p>
+          <a:p>
+            <a:pPr lvl="1"/>
+            <a:r>
+              <a:rPr lang="en-US" sz="2000" dirty="0"/>
+              <a:t>Possible live visualization.</a:t>
+            </a:r>
+          </a:p>
+          <a:p>
+            <a:pPr lvl="2"/>
+            <a:r>
+              <a:rPr lang="en-US" sz="2000" dirty="0"/>
+              <a:t>Currently simple implementation using TCP connection to laptop from RPi.</a:t>
+            </a:r>
+          </a:p>
+          <a:p>
+            <a:pPr lvl="2"/>
+            <a:r>
+              <a:rPr lang="en-US" sz="2000" dirty="0"/>
+              <a:t>Visualization implemented with QT frameworks.</a:t>
+            </a:r>
+          </a:p>
+        </p:txBody>
+      </p:sp>
+      <p:sp>
+        <p:nvSpPr>
+          <p:cNvPr id="4" name="Date Placeholder 3">
+            <a:extLst>
+              <a:ext uri="{FF2B5EF4-FFF2-40B4-BE49-F238E27FC236}">
+                <a16:creationId xmlns:a16="http://schemas.microsoft.com/office/drawing/2014/main" id="{2A893382-3837-98BF-E625-8282D3F00DE8}"/>
+              </a:ext>
+            </a:extLst>
+          </p:cNvPr>
+          <p:cNvSpPr>
+            <a:spLocks noGrp="1"/>
+          </p:cNvSpPr>
+          <p:nvPr>
+            <p:ph type="dt" sz="half" idx="10"/>
+          </p:nvPr>
+        </p:nvSpPr>
+        <p:spPr/>
+        <p:txBody>
+          <a:bodyPr/>
+          <a:lstStyle/>
+          <a:p>
+            <a:fld id="{0EFBEC3F-4208-4590-BA97-4119A385DFD9}" type="datetime1">
+              <a:rPr lang="en-US" smtClean="0"/>
+              <a:t>9/7/2025</a:t>
+            </a:fld>
+            <a:endParaRPr lang="en-US"/>
+          </a:p>
+        </p:txBody>
+      </p:sp>
+      <p:sp>
+        <p:nvSpPr>
+          <p:cNvPr id="5" name="Slide Number Placeholder 4">
+            <a:extLst>
+              <a:ext uri="{FF2B5EF4-FFF2-40B4-BE49-F238E27FC236}">
+                <a16:creationId xmlns:a16="http://schemas.microsoft.com/office/drawing/2014/main" id="{6C5FAE15-4954-E3D1-D712-0FB7E6F76E6D}"/>
+              </a:ext>
+            </a:extLst>
+          </p:cNvPr>
+          <p:cNvSpPr>
+            <a:spLocks noGrp="1"/>
+          </p:cNvSpPr>
+          <p:nvPr>
+            <p:ph type="sldNum" sz="quarter" idx="12"/>
+          </p:nvPr>
+        </p:nvSpPr>
+        <p:spPr/>
+        <p:txBody>
+          <a:bodyPr/>
+          <a:lstStyle/>
+          <a:p>
+            <a:fld id="{C1FF6DA9-008F-8B48-92A6-B652298478BF}" type="slidenum">
+              <a:rPr lang="en-US" smtClean="0"/>
+              <a:t>38</a:t>
+            </a:fld>
+            <a:endParaRPr lang="en-US"/>
+          </a:p>
+        </p:txBody>
+      </p:sp>
+      <p:sp>
+        <p:nvSpPr>
+          <p:cNvPr id="10" name="Content Placeholder 2">
+            <a:extLst>
+              <a:ext uri="{FF2B5EF4-FFF2-40B4-BE49-F238E27FC236}">
+                <a16:creationId xmlns:a16="http://schemas.microsoft.com/office/drawing/2014/main" id="{311CECC3-2414-E16A-0CE8-547BA5652599}"/>
+              </a:ext>
+            </a:extLst>
+          </p:cNvPr>
+          <p:cNvSpPr txBox="1">
+            <a:spLocks/>
+          </p:cNvSpPr>
+          <p:nvPr/>
+        </p:nvSpPr>
+        <p:spPr>
+          <a:xfrm>
+            <a:off x="4297680" y="1417638"/>
+            <a:ext cx="3840480" cy="1307274"/>
+          </a:xfrm>
+          <a:prstGeom prst="rect">
+            <a:avLst/>
+          </a:prstGeom>
+        </p:spPr>
+        <p:txBody>
+          <a:bodyPr vert="horz" lIns="91440" tIns="45720" rIns="91440" bIns="45720" rtlCol="0">
+            <a:normAutofit/>
+          </a:bodyPr>
+          <a:lstStyle>
+            <a:lvl1pPr marL="342900" indent="-342900" algn="l" defTabSz="457200" rtl="0" eaLnBrk="1" latinLnBrk="0" hangingPunct="1">
+              <a:spcBef>
+                <a:spcPct val="20000"/>
+              </a:spcBef>
+              <a:buFont typeface="Arial"/>
+              <a:buChar char="•"/>
+              <a:defRPr sz="3200" kern="1200">
+                <a:solidFill>
+                  <a:schemeClr val="tx1"/>
+                </a:solidFill>
+                <a:latin typeface="+mn-lt"/>
+                <a:ea typeface="+mn-ea"/>
+                <a:cs typeface="+mn-cs"/>
+              </a:defRPr>
+            </a:lvl1pPr>
+            <a:lvl2pPr marL="742950" indent="-285750" algn="l" defTabSz="457200" rtl="0" eaLnBrk="1" latinLnBrk="0" hangingPunct="1">
+              <a:spcBef>
+                <a:spcPct val="20000"/>
+              </a:spcBef>
+              <a:buFont typeface="Arial"/>
+              <a:buChar char="–"/>
+              <a:defRPr sz="2800" kern="1200">
+                <a:solidFill>
+                  <a:schemeClr val="tx1"/>
+                </a:solidFill>
+                <a:latin typeface="+mn-lt"/>
+                <a:ea typeface="+mn-ea"/>
+                <a:cs typeface="+mn-cs"/>
+              </a:defRPr>
+            </a:lvl2pPr>
+            <a:lvl3pPr marL="1143000" indent="-228600" algn="l" defTabSz="457200" rtl="0" eaLnBrk="1" latinLnBrk="0" hangingPunct="1">
+              <a:spcBef>
+                <a:spcPct val="20000"/>
+              </a:spcBef>
+              <a:buFont typeface="Arial"/>
+              <a:buChar char="•"/>
+              <a:defRPr sz="2400" kern="1200">
+                <a:solidFill>
+                  <a:schemeClr val="tx1"/>
+                </a:solidFill>
+                <a:latin typeface="+mn-lt"/>
+                <a:ea typeface="+mn-ea"/>
+                <a:cs typeface="+mn-cs"/>
+              </a:defRPr>
+            </a:lvl3pPr>
+            <a:lvl4pPr marL="1600200" indent="-228600" algn="l" defTabSz="457200" rtl="0" eaLnBrk="1" latinLnBrk="0" hangingPunct="1">
+              <a:spcBef>
+                <a:spcPct val="20000"/>
+              </a:spcBef>
+              <a:buFont typeface="Arial"/>
+              <a:buChar char="–"/>
+              <a:defRPr sz="2000" kern="1200">
+                <a:solidFill>
+                  <a:schemeClr val="tx1"/>
+                </a:solidFill>
+                <a:latin typeface="+mn-lt"/>
+                <a:ea typeface="+mn-ea"/>
+                <a:cs typeface="+mn-cs"/>
+              </a:defRPr>
+            </a:lvl4pPr>
+            <a:lvl5pPr marL="2057400" indent="-228600" algn="l" defTabSz="457200" rtl="0" eaLnBrk="1" latinLnBrk="0" hangingPunct="1">
+              <a:spcBef>
+                <a:spcPct val="20000"/>
+              </a:spcBef>
+              <a:buFont typeface="Arial"/>
+              <a:buChar char="»"/>
+              <a:defRPr sz="2000" kern="1200">
+                <a:solidFill>
+                  <a:schemeClr val="tx1"/>
+                </a:solidFill>
+                <a:latin typeface="+mn-lt"/>
+                <a:ea typeface="+mn-ea"/>
+                <a:cs typeface="+mn-cs"/>
+              </a:defRPr>
+            </a:lvl5pPr>
+            <a:lvl6pPr marL="2514600" indent="-228600" algn="l" defTabSz="457200" rtl="0" eaLnBrk="1" latinLnBrk="0" hangingPunct="1">
+              <a:spcBef>
+                <a:spcPct val="20000"/>
+              </a:spcBef>
+              <a:buFont typeface="Arial"/>
+              <a:buChar char="•"/>
+              <a:defRPr sz="2000" kern="1200">
+                <a:solidFill>
+                  <a:schemeClr val="tx1"/>
+                </a:solidFill>
+                <a:latin typeface="+mn-lt"/>
+                <a:ea typeface="+mn-ea"/>
+                <a:cs typeface="+mn-cs"/>
+              </a:defRPr>
+            </a:lvl6pPr>
+            <a:lvl7pPr marL="2971800" indent="-228600" algn="l" defTabSz="457200" rtl="0" eaLnBrk="1" latinLnBrk="0" hangingPunct="1">
+              <a:spcBef>
+                <a:spcPct val="20000"/>
+              </a:spcBef>
+              <a:buFont typeface="Arial"/>
+              <a:buChar char="•"/>
+              <a:defRPr sz="2000" kern="1200">
+                <a:solidFill>
+                  <a:schemeClr val="tx1"/>
+                </a:solidFill>
+                <a:latin typeface="+mn-lt"/>
+                <a:ea typeface="+mn-ea"/>
+                <a:cs typeface="+mn-cs"/>
+              </a:defRPr>
+            </a:lvl7pPr>
+            <a:lvl8pPr marL="3429000" indent="-228600" algn="l" defTabSz="457200" rtl="0" eaLnBrk="1" latinLnBrk="0" hangingPunct="1">
+              <a:spcBef>
+                <a:spcPct val="20000"/>
+              </a:spcBef>
+              <a:buFont typeface="Arial"/>
+              <a:buChar char="•"/>
+              <a:defRPr sz="2000" kern="1200">
+                <a:solidFill>
+                  <a:schemeClr val="tx1"/>
+                </a:solidFill>
+                <a:latin typeface="+mn-lt"/>
+                <a:ea typeface="+mn-ea"/>
+                <a:cs typeface="+mn-cs"/>
+              </a:defRPr>
+            </a:lvl8pPr>
+            <a:lvl9pPr marL="3886200" indent="-228600" algn="l" defTabSz="457200" rtl="0" eaLnBrk="1" latinLnBrk="0" hangingPunct="1">
+              <a:spcBef>
+                <a:spcPct val="20000"/>
+              </a:spcBef>
+              <a:buFont typeface="Arial"/>
+              <a:buChar char="•"/>
+              <a:defRPr sz="2000" kern="1200">
+                <a:solidFill>
+                  <a:schemeClr val="tx1"/>
+                </a:solidFill>
+                <a:latin typeface="+mn-lt"/>
+                <a:ea typeface="+mn-ea"/>
+                <a:cs typeface="+mn-cs"/>
+              </a:defRPr>
+            </a:lvl9pPr>
+          </a:lstStyle>
+          <a:p>
+            <a:endParaRPr lang="en-US" sz="1800" dirty="0"/>
+          </a:p>
+        </p:txBody>
+      </p:sp>
+    </p:spTree>
+    <p:extLst>
+      <p:ext uri="{BB962C8B-B14F-4D97-AF65-F5344CB8AC3E}">
+        <p14:creationId xmlns:p14="http://schemas.microsoft.com/office/powerpoint/2010/main" val="3851482068"/>
+      </p:ext>
+    </p:extLst>
+  </p:cSld>
+  <p:clrMapOvr>
+    <a:masterClrMapping/>
+  </p:clrMapOvr>
+</p:sld>
+</file>
+
+<file path=ppt/slides/slide39.xml><?xml version="1.0" encoding="utf-8"?>
 <p:sld xmlns:a="http://schemas.openxmlformats.org/drawingml/2006/main" xmlns:r="http://schemas.openxmlformats.org/officeDocument/2006/relationships" xmlns:p="http://schemas.openxmlformats.org/presentationml/2006/main">
   <p:cSld>
     <p:spTree>
@@ -10638,7 +13600,7 @@
           <a:p>
             <a:fld id="{0EFBEC3F-4208-4590-BA97-4119A385DFD9}" type="datetime1">
               <a:rPr lang="en-US" smtClean="0"/>
-              <a:t>8/25/2025</a:t>
+              <a:t>9/7/2025</a:t>
             </a:fld>
             <a:endParaRPr lang="en-US"/>
           </a:p>
@@ -10667,7 +13629,7 @@
           <a:p>
             <a:fld id="{C1FF6DA9-008F-8B48-92A6-B652298478BF}" type="slidenum">
               <a:rPr lang="en-US" smtClean="0"/>
-              <a:t>32</a:t>
+              <a:t>39</a:t>
             </a:fld>
             <a:endParaRPr lang="en-US"/>
           </a:p>
@@ -10839,7 +13801,7 @@
           <a:p>
             <a:fld id="{0EFBEC3F-4208-4590-BA97-4119A385DFD9}" type="datetime1">
               <a:rPr lang="en-US" smtClean="0"/>
-              <a:t>8/25/2025</a:t>
+              <a:t>9/7/2025</a:t>
             </a:fld>
             <a:endParaRPr lang="en-US"/>
           </a:p>
@@ -11181,7 +14143,7 @@
           <a:p>
             <a:fld id="{0EFBEC3F-4208-4590-BA97-4119A385DFD9}" type="datetime1">
               <a:rPr lang="en-US" smtClean="0"/>
-              <a:t>8/25/2025</a:t>
+              <a:t>9/7/2025</a:t>
             </a:fld>
             <a:endParaRPr lang="en-US"/>
           </a:p>
@@ -11432,7 +14394,7 @@
           <a:p>
             <a:fld id="{0EFBEC3F-4208-4590-BA97-4119A385DFD9}" type="datetime1">
               <a:rPr lang="en-US" smtClean="0"/>
-              <a:t>8/25/2025</a:t>
+              <a:t>9/7/2025</a:t>
             </a:fld>
             <a:endParaRPr lang="en-US"/>
           </a:p>
@@ -11588,7 +14550,7 @@
           <a:p>
             <a:fld id="{0EFBEC3F-4208-4590-BA97-4119A385DFD9}" type="datetime1">
               <a:rPr lang="en-US" smtClean="0"/>
-              <a:t>8/25/2025</a:t>
+              <a:t>9/7/2025</a:t>
             </a:fld>
             <a:endParaRPr lang="en-US"/>
           </a:p>
@@ -11907,7 +14869,7 @@
           <a:p>
             <a:fld id="{0EFBEC3F-4208-4590-BA97-4119A385DFD9}" type="datetime1">
               <a:rPr lang="en-US" smtClean="0"/>
-              <a:t>8/25/2025</a:t>
+              <a:t>9/7/2025</a:t>
             </a:fld>
             <a:endParaRPr lang="en-US"/>
           </a:p>
@@ -12220,7 +15182,7 @@
           <a:p>
             <a:fld id="{0EFBEC3F-4208-4590-BA97-4119A385DFD9}" type="datetime1">
               <a:rPr lang="en-US" smtClean="0"/>
-              <a:t>8/25/2025</a:t>
+              <a:t>9/7/2025</a:t>
             </a:fld>
             <a:endParaRPr lang="en-US"/>
           </a:p>

--- a/06_PresentationUpdates/Radar_ResearchProject.pptx
+++ b/06_PresentationUpdates/Radar_ResearchProject.pptx
@@ -5,7 +5,7 @@
     <p:sldMasterId id="2147483648" r:id="rId1"/>
   </p:sldMasterIdLst>
   <p:notesMasterIdLst>
-    <p:notesMasterId r:id="rId34"/>
+    <p:notesMasterId r:id="rId33"/>
   </p:notesMasterIdLst>
   <p:sldIdLst>
     <p:sldId id="380" r:id="rId2"/>
@@ -24,22 +24,21 @@
     <p:sldId id="395" r:id="rId15"/>
     <p:sldId id="396" r:id="rId16"/>
     <p:sldId id="397" r:id="rId17"/>
-    <p:sldId id="398" r:id="rId18"/>
-    <p:sldId id="399" r:id="rId19"/>
-    <p:sldId id="407" r:id="rId20"/>
-    <p:sldId id="408" r:id="rId21"/>
-    <p:sldId id="401" r:id="rId22"/>
-    <p:sldId id="402" r:id="rId23"/>
-    <p:sldId id="403" r:id="rId24"/>
-    <p:sldId id="400" r:id="rId25"/>
-    <p:sldId id="404" r:id="rId26"/>
-    <p:sldId id="405" r:id="rId27"/>
-    <p:sldId id="406" r:id="rId28"/>
-    <p:sldId id="384" r:id="rId29"/>
-    <p:sldId id="409" r:id="rId30"/>
-    <p:sldId id="411" r:id="rId31"/>
-    <p:sldId id="410" r:id="rId32"/>
-    <p:sldId id="385" r:id="rId33"/>
+    <p:sldId id="399" r:id="rId18"/>
+    <p:sldId id="407" r:id="rId19"/>
+    <p:sldId id="408" r:id="rId20"/>
+    <p:sldId id="401" r:id="rId21"/>
+    <p:sldId id="402" r:id="rId22"/>
+    <p:sldId id="403" r:id="rId23"/>
+    <p:sldId id="400" r:id="rId24"/>
+    <p:sldId id="404" r:id="rId25"/>
+    <p:sldId id="405" r:id="rId26"/>
+    <p:sldId id="406" r:id="rId27"/>
+    <p:sldId id="384" r:id="rId28"/>
+    <p:sldId id="409" r:id="rId29"/>
+    <p:sldId id="411" r:id="rId30"/>
+    <p:sldId id="410" r:id="rId31"/>
+    <p:sldId id="385" r:id="rId32"/>
   </p:sldIdLst>
   <p:sldSz cx="9144000" cy="6858000" type="screen4x3"/>
   <p:notesSz cx="6858000" cy="9144000"/>
@@ -1291,7 +1290,7 @@
           <a:p>
             <a:fld id="{914561EA-877F-40EB-BD03-9F9D93CF8F08}" type="datetimeFigureOut">
               <a:rPr lang="en-US" smtClean="0"/>
-              <a:t>8/25/2025</a:t>
+              <a:t>9/15/2025</a:t>
             </a:fld>
             <a:endParaRPr lang="en-US"/>
           </a:p>
@@ -1821,7 +1820,7 @@
           <a:p>
             <a:fld id="{AFA779F1-D9BB-4E74-86A2-2DC123167359}" type="datetime1">
               <a:rPr lang="en-US" smtClean="0"/>
-              <a:t>8/25/2025</a:t>
+              <a:t>9/15/2025</a:t>
             </a:fld>
             <a:endParaRPr lang="en-US" dirty="0"/>
           </a:p>
@@ -1997,7 +1996,7 @@
           <a:p>
             <a:fld id="{BD548D2B-CE3E-4EDD-9649-B6EE9E3C2340}" type="datetime1">
               <a:rPr lang="en-US" smtClean="0"/>
-              <a:t>8/25/2025</a:t>
+              <a:t>9/15/2025</a:t>
             </a:fld>
             <a:endParaRPr lang="en-US"/>
           </a:p>
@@ -2183,7 +2182,7 @@
           <a:p>
             <a:fld id="{ACEBBA4F-0F17-4FF1-AA6C-E0193917BC1E}" type="datetime1">
               <a:rPr lang="en-US" smtClean="0"/>
-              <a:t>8/25/2025</a:t>
+              <a:t>9/15/2025</a:t>
             </a:fld>
             <a:endParaRPr lang="en-US"/>
           </a:p>
@@ -2359,7 +2358,7 @@
           <a:p>
             <a:fld id="{0EFBEC3F-4208-4590-BA97-4119A385DFD9}" type="datetime1">
               <a:rPr lang="en-US" smtClean="0"/>
-              <a:t>8/25/2025</a:t>
+              <a:t>9/15/2025</a:t>
             </a:fld>
             <a:endParaRPr lang="en-US"/>
           </a:p>
@@ -2612,7 +2611,7 @@
           <a:p>
             <a:fld id="{B2D760EB-C9A5-467F-AA36-B176C44BCBF1}" type="datetime1">
               <a:rPr lang="en-US" smtClean="0"/>
-              <a:t>8/25/2025</a:t>
+              <a:t>9/15/2025</a:t>
             </a:fld>
             <a:endParaRPr lang="en-US"/>
           </a:p>
@@ -2905,7 +2904,7 @@
           <a:p>
             <a:fld id="{1C9B5E61-6324-405D-8AF5-05323E47D966}" type="datetime1">
               <a:rPr lang="en-US" smtClean="0"/>
-              <a:t>8/25/2025</a:t>
+              <a:t>9/15/2025</a:t>
             </a:fld>
             <a:endParaRPr lang="en-US"/>
           </a:p>
@@ -3332,7 +3331,7 @@
           <a:p>
             <a:fld id="{4A37807E-A869-4435-A051-311AEF96909D}" type="datetime1">
               <a:rPr lang="en-US" smtClean="0"/>
-              <a:t>8/25/2025</a:t>
+              <a:t>9/15/2025</a:t>
             </a:fld>
             <a:endParaRPr lang="en-US"/>
           </a:p>
@@ -3457,7 +3456,7 @@
           <a:p>
             <a:fld id="{1BC8686A-CD31-4B11-9B8F-A51012174BB0}" type="datetime1">
               <a:rPr lang="en-US" smtClean="0"/>
-              <a:t>8/25/2025</a:t>
+              <a:t>9/15/2025</a:t>
             </a:fld>
             <a:endParaRPr lang="en-US"/>
           </a:p>
@@ -3560,7 +3559,7 @@
           <a:p>
             <a:fld id="{4F4B4EA3-50E0-4631-85EF-BDA8608D293F}" type="datetime1">
               <a:rPr lang="en-US" smtClean="0"/>
-              <a:t>8/25/2025</a:t>
+              <a:t>9/15/2025</a:t>
             </a:fld>
             <a:endParaRPr lang="en-US"/>
           </a:p>
@@ -3843,7 +3842,7 @@
           <a:p>
             <a:fld id="{4BA8B4E6-89B0-4D9D-AC8C-3B8ECDAACC34}" type="datetime1">
               <a:rPr lang="en-US" smtClean="0"/>
-              <a:t>8/25/2025</a:t>
+              <a:t>9/15/2025</a:t>
             </a:fld>
             <a:endParaRPr lang="en-US"/>
           </a:p>
@@ -4103,7 +4102,7 @@
           <a:p>
             <a:fld id="{0A1BBC16-5931-43C3-BDFF-9B248A400D54}" type="datetime1">
               <a:rPr lang="en-US" smtClean="0"/>
-              <a:t>8/25/2025</a:t>
+              <a:t>9/15/2025</a:t>
             </a:fld>
             <a:endParaRPr lang="en-US"/>
           </a:p>
@@ -4414,7 +4413,7 @@
           <a:p>
             <a:fld id="{A7143E5B-78DF-476F-8A09-9FD612E00067}" type="datetime1">
               <a:rPr lang="en-US" smtClean="0"/>
-              <a:t>8/25/2025</a:t>
+              <a:t>9/15/2025</a:t>
             </a:fld>
             <a:endParaRPr lang="en-US" dirty="0"/>
           </a:p>
@@ -4949,7 +4948,7 @@
           <a:p>
             <a:fld id="{1FF5D759-AFA5-4CA4-8536-68E39A72291A}" type="datetime1">
               <a:rPr lang="en-US" smtClean="0"/>
-              <a:t>8/25/2025</a:t>
+              <a:t>9/15/2025</a:t>
             </a:fld>
             <a:endParaRPr lang="en-US" dirty="0"/>
           </a:p>
@@ -5051,7 +5050,7 @@
           <a:p>
             <a:fld id="{0EFBEC3F-4208-4590-BA97-4119A385DFD9}" type="datetime1">
               <a:rPr lang="en-US" smtClean="0"/>
-              <a:t>8/25/2025</a:t>
+              <a:t>9/15/2025</a:t>
             </a:fld>
             <a:endParaRPr lang="en-US"/>
           </a:p>
@@ -5206,7 +5205,7 @@
           <a:p>
             <a:fld id="{0EFBEC3F-4208-4590-BA97-4119A385DFD9}" type="datetime1">
               <a:rPr lang="en-US" smtClean="0"/>
-              <a:t>8/25/2025</a:t>
+              <a:t>9/15/2025</a:t>
             </a:fld>
             <a:endParaRPr lang="en-US"/>
           </a:p>
@@ -5391,7 +5390,7 @@
           <a:p>
             <a:fld id="{0EFBEC3F-4208-4590-BA97-4119A385DFD9}" type="datetime1">
               <a:rPr lang="en-US" smtClean="0"/>
-              <a:t>8/25/2025</a:t>
+              <a:t>9/15/2025</a:t>
             </a:fld>
             <a:endParaRPr lang="en-US"/>
           </a:p>
@@ -5688,7 +5687,7 @@
           <a:p>
             <a:fld id="{0EFBEC3F-4208-4590-BA97-4119A385DFD9}" type="datetime1">
               <a:rPr lang="en-US" smtClean="0"/>
-              <a:t>8/25/2025</a:t>
+              <a:t>9/15/2025</a:t>
             </a:fld>
             <a:endParaRPr lang="en-US"/>
           </a:p>
@@ -5866,7 +5865,7 @@
           <a:p>
             <a:fld id="{0EFBEC3F-4208-4590-BA97-4119A385DFD9}" type="datetime1">
               <a:rPr lang="en-US" smtClean="0"/>
-              <a:t>8/25/2025</a:t>
+              <a:t>9/15/2025</a:t>
             </a:fld>
             <a:endParaRPr lang="en-US"/>
           </a:p>
@@ -6105,7 +6104,7 @@
           <a:p>
             <a:fld id="{0EFBEC3F-4208-4590-BA97-4119A385DFD9}" type="datetime1">
               <a:rPr lang="en-US" smtClean="0"/>
-              <a:t>8/25/2025</a:t>
+              <a:t>9/15/2025</a:t>
             </a:fld>
             <a:endParaRPr lang="en-US"/>
           </a:p>
@@ -6374,7 +6373,7 @@
           <a:p>
             <a:fld id="{0EFBEC3F-4208-4590-BA97-4119A385DFD9}" type="datetime1">
               <a:rPr lang="en-US" smtClean="0"/>
-              <a:t>8/25/2025</a:t>
+              <a:t>9/15/2025</a:t>
             </a:fld>
             <a:endParaRPr lang="en-US"/>
           </a:p>
@@ -6522,261 +6521,6 @@
         <p:cNvPr id="1" name="">
           <a:extLst>
             <a:ext uri="{FF2B5EF4-FFF2-40B4-BE49-F238E27FC236}">
-              <a16:creationId xmlns:a16="http://schemas.microsoft.com/office/drawing/2014/main" id="{D58F2EF4-B822-3B58-1463-B38A92BCAC5C}"/>
-            </a:ext>
-          </a:extLst>
-        </p:cNvPr>
-        <p:cNvGrpSpPr/>
-        <p:nvPr/>
-      </p:nvGrpSpPr>
-      <p:grpSpPr>
-        <a:xfrm>
-          <a:off x="0" y="0"/>
-          <a:ext cx="0" cy="0"/>
-          <a:chOff x="0" y="0"/>
-          <a:chExt cx="0" cy="0"/>
-        </a:xfrm>
-      </p:grpSpPr>
-      <p:sp>
-        <p:nvSpPr>
-          <p:cNvPr id="2" name="Title 1">
-            <a:extLst>
-              <a:ext uri="{FF2B5EF4-FFF2-40B4-BE49-F238E27FC236}">
-                <a16:creationId xmlns:a16="http://schemas.microsoft.com/office/drawing/2014/main" id="{72B6D791-1351-9CB3-491E-FC8322A0B399}"/>
-              </a:ext>
-            </a:extLst>
-          </p:cNvPr>
-          <p:cNvSpPr>
-            <a:spLocks noGrp="1"/>
-          </p:cNvSpPr>
-          <p:nvPr>
-            <p:ph type="title"/>
-          </p:nvPr>
-        </p:nvSpPr>
-        <p:spPr/>
-        <p:txBody>
-          <a:bodyPr>
-            <a:normAutofit fontScale="90000"/>
-          </a:bodyPr>
-          <a:lstStyle/>
-          <a:p>
-            <a:r>
-              <a:rPr lang="en-US" dirty="0"/>
-              <a:t>Period Highlight – 8</a:t>
-            </a:r>
-            <a:br>
-              <a:rPr lang="en-US" dirty="0"/>
-            </a:br>
-            <a:r>
-              <a:rPr lang="en-US" sz="3200" dirty="0"/>
-              <a:t>Software Implementations</a:t>
-            </a:r>
-          </a:p>
-        </p:txBody>
-      </p:sp>
-      <p:sp>
-        <p:nvSpPr>
-          <p:cNvPr id="3" name="Content Placeholder 2">
-            <a:extLst>
-              <a:ext uri="{FF2B5EF4-FFF2-40B4-BE49-F238E27FC236}">
-                <a16:creationId xmlns:a16="http://schemas.microsoft.com/office/drawing/2014/main" id="{AAA5B113-DB6D-9981-08E1-359B4A31033D}"/>
-              </a:ext>
-            </a:extLst>
-          </p:cNvPr>
-          <p:cNvSpPr>
-            <a:spLocks noGrp="1"/>
-          </p:cNvSpPr>
-          <p:nvPr>
-            <p:ph idx="1"/>
-          </p:nvPr>
-        </p:nvSpPr>
-        <p:spPr/>
-        <p:txBody>
-          <a:bodyPr/>
-          <a:lstStyle/>
-          <a:p>
-            <a:r>
-              <a:rPr lang="en-US" dirty="0"/>
-              <a:t>Demonstration of the previous analysis.</a:t>
-            </a:r>
-          </a:p>
-          <a:p>
-            <a:pPr lvl="1"/>
-            <a:endParaRPr lang="en-US" dirty="0"/>
-          </a:p>
-        </p:txBody>
-      </p:sp>
-      <p:sp>
-        <p:nvSpPr>
-          <p:cNvPr id="4" name="Date Placeholder 3">
-            <a:extLst>
-              <a:ext uri="{FF2B5EF4-FFF2-40B4-BE49-F238E27FC236}">
-                <a16:creationId xmlns:a16="http://schemas.microsoft.com/office/drawing/2014/main" id="{AA86BCFF-C510-F986-B4B9-C8956246E715}"/>
-              </a:ext>
-            </a:extLst>
-          </p:cNvPr>
-          <p:cNvSpPr>
-            <a:spLocks noGrp="1"/>
-          </p:cNvSpPr>
-          <p:nvPr>
-            <p:ph type="dt" sz="half" idx="10"/>
-          </p:nvPr>
-        </p:nvSpPr>
-        <p:spPr/>
-        <p:txBody>
-          <a:bodyPr/>
-          <a:lstStyle/>
-          <a:p>
-            <a:fld id="{0EFBEC3F-4208-4590-BA97-4119A385DFD9}" type="datetime1">
-              <a:rPr lang="en-US" smtClean="0"/>
-              <a:t>8/25/2025</a:t>
-            </a:fld>
-            <a:endParaRPr lang="en-US"/>
-          </a:p>
-        </p:txBody>
-      </p:sp>
-      <p:sp>
-        <p:nvSpPr>
-          <p:cNvPr id="5" name="Slide Number Placeholder 4">
-            <a:extLst>
-              <a:ext uri="{FF2B5EF4-FFF2-40B4-BE49-F238E27FC236}">
-                <a16:creationId xmlns:a16="http://schemas.microsoft.com/office/drawing/2014/main" id="{EAF81237-0BA8-4790-B81C-13F8A266CEED}"/>
-              </a:ext>
-            </a:extLst>
-          </p:cNvPr>
-          <p:cNvSpPr>
-            <a:spLocks noGrp="1"/>
-          </p:cNvSpPr>
-          <p:nvPr>
-            <p:ph type="sldNum" sz="quarter" idx="12"/>
-          </p:nvPr>
-        </p:nvSpPr>
-        <p:spPr/>
-        <p:txBody>
-          <a:bodyPr/>
-          <a:lstStyle/>
-          <a:p>
-            <a:fld id="{C1FF6DA9-008F-8B48-92A6-B652298478BF}" type="slidenum">
-              <a:rPr lang="en-US" smtClean="0"/>
-              <a:t>17</a:t>
-            </a:fld>
-            <a:endParaRPr lang="en-US"/>
-          </a:p>
-        </p:txBody>
-      </p:sp>
-      <p:sp>
-        <p:nvSpPr>
-          <p:cNvPr id="6" name="AutoShape 2">
-            <a:extLst>
-              <a:ext uri="{FF2B5EF4-FFF2-40B4-BE49-F238E27FC236}">
-                <a16:creationId xmlns:a16="http://schemas.microsoft.com/office/drawing/2014/main" id="{2A17A4EE-6890-0577-252E-7E2942491D34}"/>
-              </a:ext>
-            </a:extLst>
-          </p:cNvPr>
-          <p:cNvSpPr>
-            <a:spLocks noChangeAspect="1" noChangeArrowheads="1"/>
-          </p:cNvSpPr>
-          <p:nvPr/>
-        </p:nvSpPr>
-        <p:spPr bwMode="auto">
-          <a:xfrm>
-            <a:off x="4419600" y="3276600"/>
-            <a:ext cx="304800" cy="304800"/>
-          </a:xfrm>
-          <a:prstGeom prst="rect">
-            <a:avLst/>
-          </a:prstGeom>
-          <a:noFill/>
-          <a:extLst>
-            <a:ext uri="{909E8E84-426E-40DD-AFC4-6F175D3DCCD1}">
-              <a14:hiddenFill xmlns:a14="http://schemas.microsoft.com/office/drawing/2010/main">
-                <a:solidFill>
-                  <a:srgbClr val="FFFFFF"/>
-                </a:solidFill>
-              </a14:hiddenFill>
-            </a:ext>
-          </a:extLst>
-        </p:spPr>
-        <p:txBody>
-          <a:bodyPr vert="horz" wrap="square" lIns="91440" tIns="45720" rIns="91440" bIns="45720" numCol="1" anchor="t" anchorCtr="0" compatLnSpc="1">
-            <a:prstTxWarp prst="textNoShape">
-              <a:avLst/>
-            </a:prstTxWarp>
-          </a:bodyPr>
-          <a:lstStyle/>
-          <a:p>
-            <a:endParaRPr lang="en-US"/>
-          </a:p>
-        </p:txBody>
-      </p:sp>
-      <p:pic>
-        <p:nvPicPr>
-          <p:cNvPr id="3074" name="Picture 2" descr="Output image">
-            <a:extLst>
-              <a:ext uri="{FF2B5EF4-FFF2-40B4-BE49-F238E27FC236}">
-                <a16:creationId xmlns:a16="http://schemas.microsoft.com/office/drawing/2014/main" id="{0867B836-5264-44C5-BB10-61F0B5C2849B}"/>
-              </a:ext>
-            </a:extLst>
-          </p:cNvPr>
-          <p:cNvPicPr>
-            <a:picLocks noChangeAspect="1" noChangeArrowheads="1"/>
-          </p:cNvPicPr>
-          <p:nvPr/>
-        </p:nvPicPr>
-        <p:blipFill>
-          <a:blip r:embed="rId2">
-            <a:extLst>
-              <a:ext uri="{28A0092B-C50C-407E-A947-70E740481C1C}">
-                <a14:useLocalDpi xmlns:a14="http://schemas.microsoft.com/office/drawing/2010/main" val="0"/>
-              </a:ext>
-            </a:extLst>
-          </a:blip>
-          <a:srcRect/>
-          <a:stretch>
-            <a:fillRect/>
-          </a:stretch>
-        </p:blipFill>
-        <p:spPr bwMode="auto">
-          <a:xfrm>
-            <a:off x="2359819" y="2231923"/>
-            <a:ext cx="4213216" cy="4124427"/>
-          </a:xfrm>
-          <a:prstGeom prst="rect">
-            <a:avLst/>
-          </a:prstGeom>
-          <a:noFill/>
-          <a:extLst>
-            <a:ext uri="{909E8E84-426E-40DD-AFC4-6F175D3DCCD1}">
-              <a14:hiddenFill xmlns:a14="http://schemas.microsoft.com/office/drawing/2010/main">
-                <a:solidFill>
-                  <a:srgbClr val="FFFFFF"/>
-                </a:solidFill>
-              </a14:hiddenFill>
-            </a:ext>
-          </a:extLst>
-        </p:spPr>
-      </p:pic>
-    </p:spTree>
-    <p:extLst>
-      <p:ext uri="{BB962C8B-B14F-4D97-AF65-F5344CB8AC3E}">
-        <p14:creationId xmlns:p14="http://schemas.microsoft.com/office/powerpoint/2010/main" val="1725387343"/>
-      </p:ext>
-    </p:extLst>
-  </p:cSld>
-  <p:clrMapOvr>
-    <a:masterClrMapping/>
-  </p:clrMapOvr>
-</p:sld>
-</file>
-
-<file path=ppt/slides/slide18.xml><?xml version="1.0" encoding="utf-8"?>
-<p:sld xmlns:a="http://schemas.openxmlformats.org/drawingml/2006/main" xmlns:r="http://schemas.openxmlformats.org/officeDocument/2006/relationships" xmlns:p="http://schemas.openxmlformats.org/presentationml/2006/main">
-  <p:cSld>
-    <p:spTree>
-      <p:nvGrpSpPr>
-        <p:cNvPr id="1" name="">
-          <a:extLst>
-            <a:ext uri="{FF2B5EF4-FFF2-40B4-BE49-F238E27FC236}">
               <a16:creationId xmlns:a16="http://schemas.microsoft.com/office/drawing/2014/main" id="{028AE6DE-3D8A-A0A9-726F-6ABA21EDA589}"/>
             </a:ext>
           </a:extLst>
@@ -6895,7 +6639,7 @@
           <a:p>
             <a:fld id="{0EFBEC3F-4208-4590-BA97-4119A385DFD9}" type="datetime1">
               <a:rPr lang="en-US" smtClean="0"/>
-              <a:t>8/25/2025</a:t>
+              <a:t>9/15/2025</a:t>
             </a:fld>
             <a:endParaRPr lang="en-US"/>
           </a:p>
@@ -6924,7 +6668,7 @@
           <a:p>
             <a:fld id="{C1FF6DA9-008F-8B48-92A6-B652298478BF}" type="slidenum">
               <a:rPr lang="en-US" smtClean="0"/>
-              <a:t>18</a:t>
+              <a:t>17</a:t>
             </a:fld>
             <a:endParaRPr lang="en-US"/>
           </a:p>
@@ -7018,7 +6762,7 @@
 </p:sld>
 </file>
 
-<file path=ppt/slides/slide19.xml><?xml version="1.0" encoding="utf-8"?>
+<file path=ppt/slides/slide18.xml><?xml version="1.0" encoding="utf-8"?>
 <p:sld xmlns:a="http://schemas.openxmlformats.org/drawingml/2006/main" xmlns:r="http://schemas.openxmlformats.org/officeDocument/2006/relationships" xmlns:p="http://schemas.openxmlformats.org/presentationml/2006/main">
   <p:cSld>
     <p:spTree>
@@ -7189,7 +6933,7 @@
           <a:p>
             <a:fld id="{0EFBEC3F-4208-4590-BA97-4119A385DFD9}" type="datetime1">
               <a:rPr lang="en-US" smtClean="0"/>
-              <a:t>8/25/2025</a:t>
+              <a:t>9/15/2025</a:t>
             </a:fld>
             <a:endParaRPr lang="en-US"/>
           </a:p>
@@ -7218,7 +6962,7 @@
           <a:p>
             <a:fld id="{C1FF6DA9-008F-8B48-92A6-B652298478BF}" type="slidenum">
               <a:rPr lang="en-US" smtClean="0"/>
-              <a:t>19</a:t>
+              <a:t>18</a:t>
             </a:fld>
             <a:endParaRPr lang="en-US"/>
           </a:p>
@@ -7282,153 +7026,7 @@
 </p:sld>
 </file>
 
-<file path=ppt/slides/slide2.xml><?xml version="1.0" encoding="utf-8"?>
-<p:sld xmlns:a="http://schemas.openxmlformats.org/drawingml/2006/main" xmlns:r="http://schemas.openxmlformats.org/officeDocument/2006/relationships" xmlns:p="http://schemas.openxmlformats.org/presentationml/2006/main">
-  <p:cSld>
-    <p:spTree>
-      <p:nvGrpSpPr>
-        <p:cNvPr id="1" name=""/>
-        <p:cNvGrpSpPr/>
-        <p:nvPr/>
-      </p:nvGrpSpPr>
-      <p:grpSpPr>
-        <a:xfrm>
-          <a:off x="0" y="0"/>
-          <a:ext cx="0" cy="0"/>
-          <a:chOff x="0" y="0"/>
-          <a:chExt cx="0" cy="0"/>
-        </a:xfrm>
-      </p:grpSpPr>
-      <p:sp>
-        <p:nvSpPr>
-          <p:cNvPr id="2" name="Title 1">
-            <a:extLst>
-              <a:ext uri="{FF2B5EF4-FFF2-40B4-BE49-F238E27FC236}">
-                <a16:creationId xmlns:a16="http://schemas.microsoft.com/office/drawing/2014/main" id="{832DDC73-E864-3DF3-D847-0CF6487CE45A}"/>
-              </a:ext>
-            </a:extLst>
-          </p:cNvPr>
-          <p:cNvSpPr>
-            <a:spLocks noGrp="1"/>
-          </p:cNvSpPr>
-          <p:nvPr>
-            <p:ph type="title"/>
-          </p:nvPr>
-        </p:nvSpPr>
-        <p:spPr/>
-        <p:txBody>
-          <a:bodyPr/>
-          <a:lstStyle/>
-          <a:p>
-            <a:r>
-              <a:rPr lang="en-US" dirty="0"/>
-              <a:t>Table of Content</a:t>
-            </a:r>
-          </a:p>
-        </p:txBody>
-      </p:sp>
-      <p:sp>
-        <p:nvSpPr>
-          <p:cNvPr id="4" name="Slide Number Placeholder 3">
-            <a:extLst>
-              <a:ext uri="{FF2B5EF4-FFF2-40B4-BE49-F238E27FC236}">
-                <a16:creationId xmlns:a16="http://schemas.microsoft.com/office/drawing/2014/main" id="{854448E4-E877-3E71-587E-B044E8B2DB27}"/>
-              </a:ext>
-            </a:extLst>
-          </p:cNvPr>
-          <p:cNvSpPr>
-            <a:spLocks noGrp="1"/>
-          </p:cNvSpPr>
-          <p:nvPr>
-            <p:ph type="sldNum" sz="quarter" idx="12"/>
-          </p:nvPr>
-        </p:nvSpPr>
-        <p:spPr/>
-        <p:txBody>
-          <a:bodyPr/>
-          <a:lstStyle/>
-          <a:p>
-            <a:fld id="{C1FF6DA9-008F-8B48-92A6-B652298478BF}" type="slidenum">
-              <a:rPr lang="en-US" smtClean="0"/>
-              <a:t>2</a:t>
-            </a:fld>
-            <a:endParaRPr lang="en-US"/>
-          </a:p>
-        </p:txBody>
-      </p:sp>
-      <p:sp>
-        <p:nvSpPr>
-          <p:cNvPr id="3" name="Datumsplatzhalter 2">
-            <a:extLst>
-              <a:ext uri="{FF2B5EF4-FFF2-40B4-BE49-F238E27FC236}">
-                <a16:creationId xmlns:a16="http://schemas.microsoft.com/office/drawing/2014/main" id="{AAB11697-97BF-A7D8-079E-49FB8B0F44D9}"/>
-              </a:ext>
-            </a:extLst>
-          </p:cNvPr>
-          <p:cNvSpPr>
-            <a:spLocks noGrp="1"/>
-          </p:cNvSpPr>
-          <p:nvPr>
-            <p:ph type="dt" sz="half" idx="10"/>
-          </p:nvPr>
-        </p:nvSpPr>
-        <p:spPr/>
-        <p:txBody>
-          <a:bodyPr/>
-          <a:lstStyle/>
-          <a:p>
-            <a:fld id="{1AA46178-B97E-4817-9029-290586FA77E9}" type="datetime1">
-              <a:rPr lang="en-US" smtClean="0"/>
-              <a:t>8/25/2025</a:t>
-            </a:fld>
-            <a:endParaRPr lang="en-US"/>
-          </a:p>
-        </p:txBody>
-      </p:sp>
-      <p:sp>
-        <p:nvSpPr>
-          <p:cNvPr id="5" name="Content Placeholder 4">
-            <a:extLst>
-              <a:ext uri="{FF2B5EF4-FFF2-40B4-BE49-F238E27FC236}">
-                <a16:creationId xmlns:a16="http://schemas.microsoft.com/office/drawing/2014/main" id="{91B83917-42CB-6C06-A4F1-CD68DB8BD4AB}"/>
-              </a:ext>
-            </a:extLst>
-          </p:cNvPr>
-          <p:cNvSpPr>
-            <a:spLocks noGrp="1"/>
-          </p:cNvSpPr>
-          <p:nvPr>
-            <p:ph idx="1"/>
-          </p:nvPr>
-        </p:nvSpPr>
-        <p:spPr>
-          <a:xfrm>
-            <a:off x="457200" y="1600200"/>
-            <a:ext cx="8229600" cy="4525963"/>
-          </a:xfrm>
-        </p:spPr>
-        <p:txBody>
-          <a:bodyPr/>
-          <a:lstStyle/>
-          <a:p>
-            <a:endParaRPr lang="en-US" dirty="0"/>
-          </a:p>
-        </p:txBody>
-      </p:sp>
-    </p:spTree>
-    <p:extLst>
-      <p:ext uri="{BB962C8B-B14F-4D97-AF65-F5344CB8AC3E}">
-        <p14:creationId xmlns:p14="http://schemas.microsoft.com/office/powerpoint/2010/main" val="1742724825"/>
-      </p:ext>
-    </p:extLst>
-  </p:cSld>
-  <p:clrMapOvr>
-    <a:masterClrMapping/>
-  </p:clrMapOvr>
-</p:sld>
-</file>
-
-<file path=ppt/slides/slide20.xml><?xml version="1.0" encoding="utf-8"?>
+<file path=ppt/slides/slide19.xml><?xml version="1.0" encoding="utf-8"?>
 <p:sld xmlns:a="http://schemas.openxmlformats.org/drawingml/2006/main" xmlns:r="http://schemas.openxmlformats.org/officeDocument/2006/relationships" xmlns:p="http://schemas.openxmlformats.org/presentationml/2006/main">
   <p:cSld>
     <p:spTree>
@@ -7546,7 +7144,7 @@
           <a:p>
             <a:fld id="{0EFBEC3F-4208-4590-BA97-4119A385DFD9}" type="datetime1">
               <a:rPr lang="en-US" smtClean="0"/>
-              <a:t>8/25/2025</a:t>
+              <a:t>9/15/2025</a:t>
             </a:fld>
             <a:endParaRPr lang="en-US"/>
           </a:p>
@@ -7575,7 +7173,7 @@
           <a:p>
             <a:fld id="{C1FF6DA9-008F-8B48-92A6-B652298478BF}" type="slidenum">
               <a:rPr lang="en-US" smtClean="0"/>
-              <a:t>20</a:t>
+              <a:t>19</a:t>
             </a:fld>
             <a:endParaRPr lang="en-US"/>
           </a:p>
@@ -7699,7 +7297,153 @@
 </p:sld>
 </file>
 
-<file path=ppt/slides/slide21.xml><?xml version="1.0" encoding="utf-8"?>
+<file path=ppt/slides/slide2.xml><?xml version="1.0" encoding="utf-8"?>
+<p:sld xmlns:a="http://schemas.openxmlformats.org/drawingml/2006/main" xmlns:r="http://schemas.openxmlformats.org/officeDocument/2006/relationships" xmlns:p="http://schemas.openxmlformats.org/presentationml/2006/main">
+  <p:cSld>
+    <p:spTree>
+      <p:nvGrpSpPr>
+        <p:cNvPr id="1" name=""/>
+        <p:cNvGrpSpPr/>
+        <p:nvPr/>
+      </p:nvGrpSpPr>
+      <p:grpSpPr>
+        <a:xfrm>
+          <a:off x="0" y="0"/>
+          <a:ext cx="0" cy="0"/>
+          <a:chOff x="0" y="0"/>
+          <a:chExt cx="0" cy="0"/>
+        </a:xfrm>
+      </p:grpSpPr>
+      <p:sp>
+        <p:nvSpPr>
+          <p:cNvPr id="2" name="Title 1">
+            <a:extLst>
+              <a:ext uri="{FF2B5EF4-FFF2-40B4-BE49-F238E27FC236}">
+                <a16:creationId xmlns:a16="http://schemas.microsoft.com/office/drawing/2014/main" id="{832DDC73-E864-3DF3-D847-0CF6487CE45A}"/>
+              </a:ext>
+            </a:extLst>
+          </p:cNvPr>
+          <p:cNvSpPr>
+            <a:spLocks noGrp="1"/>
+          </p:cNvSpPr>
+          <p:nvPr>
+            <p:ph type="title"/>
+          </p:nvPr>
+        </p:nvSpPr>
+        <p:spPr/>
+        <p:txBody>
+          <a:bodyPr/>
+          <a:lstStyle/>
+          <a:p>
+            <a:r>
+              <a:rPr lang="en-US" dirty="0"/>
+              <a:t>Table of Content</a:t>
+            </a:r>
+          </a:p>
+        </p:txBody>
+      </p:sp>
+      <p:sp>
+        <p:nvSpPr>
+          <p:cNvPr id="4" name="Slide Number Placeholder 3">
+            <a:extLst>
+              <a:ext uri="{FF2B5EF4-FFF2-40B4-BE49-F238E27FC236}">
+                <a16:creationId xmlns:a16="http://schemas.microsoft.com/office/drawing/2014/main" id="{854448E4-E877-3E71-587E-B044E8B2DB27}"/>
+              </a:ext>
+            </a:extLst>
+          </p:cNvPr>
+          <p:cNvSpPr>
+            <a:spLocks noGrp="1"/>
+          </p:cNvSpPr>
+          <p:nvPr>
+            <p:ph type="sldNum" sz="quarter" idx="12"/>
+          </p:nvPr>
+        </p:nvSpPr>
+        <p:spPr/>
+        <p:txBody>
+          <a:bodyPr/>
+          <a:lstStyle/>
+          <a:p>
+            <a:fld id="{C1FF6DA9-008F-8B48-92A6-B652298478BF}" type="slidenum">
+              <a:rPr lang="en-US" smtClean="0"/>
+              <a:t>2</a:t>
+            </a:fld>
+            <a:endParaRPr lang="en-US"/>
+          </a:p>
+        </p:txBody>
+      </p:sp>
+      <p:sp>
+        <p:nvSpPr>
+          <p:cNvPr id="3" name="Datumsplatzhalter 2">
+            <a:extLst>
+              <a:ext uri="{FF2B5EF4-FFF2-40B4-BE49-F238E27FC236}">
+                <a16:creationId xmlns:a16="http://schemas.microsoft.com/office/drawing/2014/main" id="{AAB11697-97BF-A7D8-079E-49FB8B0F44D9}"/>
+              </a:ext>
+            </a:extLst>
+          </p:cNvPr>
+          <p:cNvSpPr>
+            <a:spLocks noGrp="1"/>
+          </p:cNvSpPr>
+          <p:nvPr>
+            <p:ph type="dt" sz="half" idx="10"/>
+          </p:nvPr>
+        </p:nvSpPr>
+        <p:spPr/>
+        <p:txBody>
+          <a:bodyPr/>
+          <a:lstStyle/>
+          <a:p>
+            <a:fld id="{1AA46178-B97E-4817-9029-290586FA77E9}" type="datetime1">
+              <a:rPr lang="en-US" smtClean="0"/>
+              <a:t>9/15/2025</a:t>
+            </a:fld>
+            <a:endParaRPr lang="en-US"/>
+          </a:p>
+        </p:txBody>
+      </p:sp>
+      <p:sp>
+        <p:nvSpPr>
+          <p:cNvPr id="5" name="Content Placeholder 4">
+            <a:extLst>
+              <a:ext uri="{FF2B5EF4-FFF2-40B4-BE49-F238E27FC236}">
+                <a16:creationId xmlns:a16="http://schemas.microsoft.com/office/drawing/2014/main" id="{91B83917-42CB-6C06-A4F1-CD68DB8BD4AB}"/>
+              </a:ext>
+            </a:extLst>
+          </p:cNvPr>
+          <p:cNvSpPr>
+            <a:spLocks noGrp="1"/>
+          </p:cNvSpPr>
+          <p:nvPr>
+            <p:ph idx="1"/>
+          </p:nvPr>
+        </p:nvSpPr>
+        <p:spPr>
+          <a:xfrm>
+            <a:off x="457200" y="1600200"/>
+            <a:ext cx="8229600" cy="4525963"/>
+          </a:xfrm>
+        </p:spPr>
+        <p:txBody>
+          <a:bodyPr/>
+          <a:lstStyle/>
+          <a:p>
+            <a:endParaRPr lang="en-US" dirty="0"/>
+          </a:p>
+        </p:txBody>
+      </p:sp>
+    </p:spTree>
+    <p:extLst>
+      <p:ext uri="{BB962C8B-B14F-4D97-AF65-F5344CB8AC3E}">
+        <p14:creationId xmlns:p14="http://schemas.microsoft.com/office/powerpoint/2010/main" val="1742724825"/>
+      </p:ext>
+    </p:extLst>
+  </p:cSld>
+  <p:clrMapOvr>
+    <a:masterClrMapping/>
+  </p:clrMapOvr>
+</p:sld>
+</file>
+
+<file path=ppt/slides/slide20.xml><?xml version="1.0" encoding="utf-8"?>
 <p:sld xmlns:a="http://schemas.openxmlformats.org/drawingml/2006/main" xmlns:r="http://schemas.openxmlformats.org/officeDocument/2006/relationships" xmlns:p="http://schemas.openxmlformats.org/presentationml/2006/main">
   <p:cSld>
     <p:spTree>
@@ -7817,7 +7561,7 @@
           <a:p>
             <a:fld id="{0EFBEC3F-4208-4590-BA97-4119A385DFD9}" type="datetime1">
               <a:rPr lang="en-US" smtClean="0"/>
-              <a:t>8/25/2025</a:t>
+              <a:t>9/15/2025</a:t>
             </a:fld>
             <a:endParaRPr lang="en-US"/>
           </a:p>
@@ -7846,7 +7590,7 @@
           <a:p>
             <a:fld id="{C1FF6DA9-008F-8B48-92A6-B652298478BF}" type="slidenum">
               <a:rPr lang="en-US" smtClean="0"/>
-              <a:t>21</a:t>
+              <a:t>20</a:t>
             </a:fld>
             <a:endParaRPr lang="en-US"/>
           </a:p>
@@ -7970,7 +7714,7 @@
 </p:sld>
 </file>
 
-<file path=ppt/slides/slide22.xml><?xml version="1.0" encoding="utf-8"?>
+<file path=ppt/slides/slide21.xml><?xml version="1.0" encoding="utf-8"?>
 <p:sld xmlns:a="http://schemas.openxmlformats.org/drawingml/2006/main" xmlns:r="http://schemas.openxmlformats.org/officeDocument/2006/relationships" xmlns:p="http://schemas.openxmlformats.org/presentationml/2006/main">
   <p:cSld>
     <p:spTree>
@@ -8088,7 +7832,7 @@
           <a:p>
             <a:fld id="{0EFBEC3F-4208-4590-BA97-4119A385DFD9}" type="datetime1">
               <a:rPr lang="en-US" smtClean="0"/>
-              <a:t>8/25/2025</a:t>
+              <a:t>9/15/2025</a:t>
             </a:fld>
             <a:endParaRPr lang="en-US"/>
           </a:p>
@@ -8117,7 +7861,7 @@
           <a:p>
             <a:fld id="{C1FF6DA9-008F-8B48-92A6-B652298478BF}" type="slidenum">
               <a:rPr lang="en-US" smtClean="0"/>
-              <a:t>22</a:t>
+              <a:t>21</a:t>
             </a:fld>
             <a:endParaRPr lang="en-US"/>
           </a:p>
@@ -8211,7 +7955,7 @@
 </p:sld>
 </file>
 
-<file path=ppt/slides/slide23.xml><?xml version="1.0" encoding="utf-8"?>
+<file path=ppt/slides/slide22.xml><?xml version="1.0" encoding="utf-8"?>
 <p:sld xmlns:a="http://schemas.openxmlformats.org/drawingml/2006/main" xmlns:r="http://schemas.openxmlformats.org/officeDocument/2006/relationships" xmlns:p="http://schemas.openxmlformats.org/presentationml/2006/main">
   <p:cSld>
     <p:spTree>
@@ -8329,7 +8073,7 @@
           <a:p>
             <a:fld id="{0EFBEC3F-4208-4590-BA97-4119A385DFD9}" type="datetime1">
               <a:rPr lang="en-US" smtClean="0"/>
-              <a:t>8/25/2025</a:t>
+              <a:t>9/15/2025</a:t>
             </a:fld>
             <a:endParaRPr lang="en-US"/>
           </a:p>
@@ -8358,7 +8102,7 @@
           <a:p>
             <a:fld id="{C1FF6DA9-008F-8B48-92A6-B652298478BF}" type="slidenum">
               <a:rPr lang="en-US" smtClean="0"/>
-              <a:t>23</a:t>
+              <a:t>22</a:t>
             </a:fld>
             <a:endParaRPr lang="en-US"/>
           </a:p>
@@ -8452,7 +8196,7 @@
 </p:sld>
 </file>
 
-<file path=ppt/slides/slide24.xml><?xml version="1.0" encoding="utf-8"?>
+<file path=ppt/slides/slide23.xml><?xml version="1.0" encoding="utf-8"?>
 <p:sld xmlns:a="http://schemas.openxmlformats.org/drawingml/2006/main" xmlns:r="http://schemas.openxmlformats.org/officeDocument/2006/relationships" xmlns:p="http://schemas.openxmlformats.org/presentationml/2006/main">
   <p:cSld>
     <p:spTree>
@@ -8570,7 +8314,7 @@
           <a:p>
             <a:fld id="{0EFBEC3F-4208-4590-BA97-4119A385DFD9}" type="datetime1">
               <a:rPr lang="en-US" smtClean="0"/>
-              <a:t>8/25/2025</a:t>
+              <a:t>9/15/2025</a:t>
             </a:fld>
             <a:endParaRPr lang="en-US"/>
           </a:p>
@@ -8599,7 +8343,7 @@
           <a:p>
             <a:fld id="{C1FF6DA9-008F-8B48-92A6-B652298478BF}" type="slidenum">
               <a:rPr lang="en-US" smtClean="0"/>
-              <a:t>24</a:t>
+              <a:t>23</a:t>
             </a:fld>
             <a:endParaRPr lang="en-US"/>
           </a:p>
@@ -8723,7 +8467,7 @@
 </p:sld>
 </file>
 
-<file path=ppt/slides/slide25.xml><?xml version="1.0" encoding="utf-8"?>
+<file path=ppt/slides/slide24.xml><?xml version="1.0" encoding="utf-8"?>
 <p:sld xmlns:a="http://schemas.openxmlformats.org/drawingml/2006/main" xmlns:r="http://schemas.openxmlformats.org/officeDocument/2006/relationships" xmlns:p="http://schemas.openxmlformats.org/presentationml/2006/main">
   <p:cSld>
     <p:spTree>
@@ -8853,7 +8597,7 @@
           <a:p>
             <a:fld id="{0EFBEC3F-4208-4590-BA97-4119A385DFD9}" type="datetime1">
               <a:rPr lang="en-US" smtClean="0"/>
-              <a:t>8/25/2025</a:t>
+              <a:t>9/15/2025</a:t>
             </a:fld>
             <a:endParaRPr lang="en-US"/>
           </a:p>
@@ -8882,7 +8626,7 @@
           <a:p>
             <a:fld id="{C1FF6DA9-008F-8B48-92A6-B652298478BF}" type="slidenum">
               <a:rPr lang="en-US" smtClean="0"/>
-              <a:t>25</a:t>
+              <a:t>24</a:t>
             </a:fld>
             <a:endParaRPr lang="en-US"/>
           </a:p>
@@ -9012,7 +8756,7 @@
 </p:sld>
 </file>
 
-<file path=ppt/slides/slide26.xml><?xml version="1.0" encoding="utf-8"?>
+<file path=ppt/slides/slide25.xml><?xml version="1.0" encoding="utf-8"?>
 <p:sld xmlns:a="http://schemas.openxmlformats.org/drawingml/2006/main" xmlns:r="http://schemas.openxmlformats.org/officeDocument/2006/relationships" xmlns:p="http://schemas.openxmlformats.org/presentationml/2006/main">
   <p:cSld>
     <p:spTree>
@@ -9127,7 +8871,7 @@
           <a:p>
             <a:fld id="{0EFBEC3F-4208-4590-BA97-4119A385DFD9}" type="datetime1">
               <a:rPr lang="en-US" smtClean="0"/>
-              <a:t>8/25/2025</a:t>
+              <a:t>9/15/2025</a:t>
             </a:fld>
             <a:endParaRPr lang="en-US"/>
           </a:p>
@@ -9156,7 +8900,7 @@
           <a:p>
             <a:fld id="{C1FF6DA9-008F-8B48-92A6-B652298478BF}" type="slidenum">
               <a:rPr lang="en-US" smtClean="0"/>
-              <a:t>26</a:t>
+              <a:t>25</a:t>
             </a:fld>
             <a:endParaRPr lang="en-US"/>
           </a:p>
@@ -9250,7 +8994,7 @@
 </p:sld>
 </file>
 
-<file path=ppt/slides/slide27.xml><?xml version="1.0" encoding="utf-8"?>
+<file path=ppt/slides/slide26.xml><?xml version="1.0" encoding="utf-8"?>
 <p:sld xmlns:a="http://schemas.openxmlformats.org/drawingml/2006/main" xmlns:r="http://schemas.openxmlformats.org/officeDocument/2006/relationships" xmlns:p="http://schemas.openxmlformats.org/presentationml/2006/main">
   <p:cSld>
     <p:spTree>
@@ -9365,7 +9109,7 @@
           <a:p>
             <a:fld id="{0EFBEC3F-4208-4590-BA97-4119A385DFD9}" type="datetime1">
               <a:rPr lang="en-US" smtClean="0"/>
-              <a:t>8/25/2025</a:t>
+              <a:t>9/15/2025</a:t>
             </a:fld>
             <a:endParaRPr lang="en-US"/>
           </a:p>
@@ -9394,7 +9138,7 @@
           <a:p>
             <a:fld id="{C1FF6DA9-008F-8B48-92A6-B652298478BF}" type="slidenum">
               <a:rPr lang="en-US" smtClean="0"/>
-              <a:t>27</a:t>
+              <a:t>26</a:t>
             </a:fld>
             <a:endParaRPr lang="en-US"/>
           </a:p>
@@ -9518,7 +9262,7 @@
 </p:sld>
 </file>
 
-<file path=ppt/slides/slide28.xml><?xml version="1.0" encoding="utf-8"?>
+<file path=ppt/slides/slide27.xml><?xml version="1.0" encoding="utf-8"?>
 <p:sld xmlns:a="http://schemas.openxmlformats.org/drawingml/2006/main" xmlns:r="http://schemas.openxmlformats.org/officeDocument/2006/relationships" xmlns:p="http://schemas.openxmlformats.org/presentationml/2006/main">
   <p:cSld>
     <p:spTree>
@@ -9669,7 +9413,7 @@
           <a:p>
             <a:fld id="{0EFBEC3F-4208-4590-BA97-4119A385DFD9}" type="datetime1">
               <a:rPr lang="en-US" smtClean="0"/>
-              <a:t>8/25/2025</a:t>
+              <a:t>9/15/2025</a:t>
             </a:fld>
             <a:endParaRPr lang="en-US"/>
           </a:p>
@@ -9698,7 +9442,7 @@
           <a:p>
             <a:fld id="{C1FF6DA9-008F-8B48-92A6-B652298478BF}" type="slidenum">
               <a:rPr lang="en-US" smtClean="0"/>
-              <a:t>28</a:t>
+              <a:t>27</a:t>
             </a:fld>
             <a:endParaRPr lang="en-US"/>
           </a:p>
@@ -9777,7 +9521,7 @@
 </p:sld>
 </file>
 
-<file path=ppt/slides/slide29.xml><?xml version="1.0" encoding="utf-8"?>
+<file path=ppt/slides/slide28.xml><?xml version="1.0" encoding="utf-8"?>
 <p:sld xmlns:a="http://schemas.openxmlformats.org/drawingml/2006/main" xmlns:r="http://schemas.openxmlformats.org/officeDocument/2006/relationships" xmlns:p="http://schemas.openxmlformats.org/presentationml/2006/main">
   <p:cSld>
     <p:spTree>
@@ -9896,7 +9640,7 @@
           <a:p>
             <a:fld id="{0EFBEC3F-4208-4590-BA97-4119A385DFD9}" type="datetime1">
               <a:rPr lang="en-US" smtClean="0"/>
-              <a:t>8/25/2025</a:t>
+              <a:t>9/15/2025</a:t>
             </a:fld>
             <a:endParaRPr lang="en-US"/>
           </a:p>
@@ -9925,7 +9669,7 @@
           <a:p>
             <a:fld id="{C1FF6DA9-008F-8B48-92A6-B652298478BF}" type="slidenum">
               <a:rPr lang="en-US" smtClean="0"/>
-              <a:t>29</a:t>
+              <a:t>28</a:t>
             </a:fld>
             <a:endParaRPr lang="en-US"/>
           </a:p>
@@ -10004,163 +9748,7 @@
 </p:sld>
 </file>
 
-<file path=ppt/slides/slide3.xml><?xml version="1.0" encoding="utf-8"?>
-<p:sld xmlns:a="http://schemas.openxmlformats.org/drawingml/2006/main" xmlns:r="http://schemas.openxmlformats.org/officeDocument/2006/relationships" xmlns:p="http://schemas.openxmlformats.org/presentationml/2006/main">
-  <p:cSld>
-    <p:spTree>
-      <p:nvGrpSpPr>
-        <p:cNvPr id="1" name=""/>
-        <p:cNvGrpSpPr/>
-        <p:nvPr/>
-      </p:nvGrpSpPr>
-      <p:grpSpPr>
-        <a:xfrm>
-          <a:off x="0" y="0"/>
-          <a:ext cx="0" cy="0"/>
-          <a:chOff x="0" y="0"/>
-          <a:chExt cx="0" cy="0"/>
-        </a:xfrm>
-      </p:grpSpPr>
-      <p:sp>
-        <p:nvSpPr>
-          <p:cNvPr id="2" name="Title 1">
-            <a:extLst>
-              <a:ext uri="{FF2B5EF4-FFF2-40B4-BE49-F238E27FC236}">
-                <a16:creationId xmlns:a16="http://schemas.microsoft.com/office/drawing/2014/main" id="{B9C0613F-E1A8-00E8-56D9-54D08CE43BF9}"/>
-              </a:ext>
-            </a:extLst>
-          </p:cNvPr>
-          <p:cNvSpPr>
-            <a:spLocks noGrp="1"/>
-          </p:cNvSpPr>
-          <p:nvPr>
-            <p:ph type="title"/>
-          </p:nvPr>
-        </p:nvSpPr>
-        <p:spPr/>
-        <p:txBody>
-          <a:bodyPr/>
-          <a:lstStyle/>
-          <a:p>
-            <a:r>
-              <a:rPr lang="en-US" dirty="0"/>
-              <a:t>Period Highlight - 4</a:t>
-            </a:r>
-          </a:p>
-        </p:txBody>
-      </p:sp>
-      <p:sp>
-        <p:nvSpPr>
-          <p:cNvPr id="3" name="Content Placeholder 2">
-            <a:extLst>
-              <a:ext uri="{FF2B5EF4-FFF2-40B4-BE49-F238E27FC236}">
-                <a16:creationId xmlns:a16="http://schemas.microsoft.com/office/drawing/2014/main" id="{08A4606F-6E0B-C26C-E39E-2025FA207242}"/>
-              </a:ext>
-            </a:extLst>
-          </p:cNvPr>
-          <p:cNvSpPr>
-            <a:spLocks noGrp="1"/>
-          </p:cNvSpPr>
-          <p:nvPr>
-            <p:ph idx="1"/>
-          </p:nvPr>
-        </p:nvSpPr>
-        <p:spPr/>
-        <p:txBody>
-          <a:bodyPr/>
-          <a:lstStyle/>
-          <a:p>
-            <a:r>
-              <a:rPr lang="en-US" dirty="0"/>
-              <a:t>Implementation of Vx and Vy</a:t>
-            </a:r>
-          </a:p>
-          <a:p>
-            <a:r>
-              <a:rPr lang="en-US" dirty="0"/>
-              <a:t>Validation of Vx and Vy</a:t>
-            </a:r>
-          </a:p>
-          <a:p>
-            <a:r>
-              <a:rPr lang="en-US" dirty="0"/>
-              <a:t>Obtain IMU</a:t>
-            </a:r>
-          </a:p>
-        </p:txBody>
-      </p:sp>
-      <p:sp>
-        <p:nvSpPr>
-          <p:cNvPr id="4" name="Date Placeholder 3">
-            <a:extLst>
-              <a:ext uri="{FF2B5EF4-FFF2-40B4-BE49-F238E27FC236}">
-                <a16:creationId xmlns:a16="http://schemas.microsoft.com/office/drawing/2014/main" id="{AF481221-112F-88F1-B090-32C47E3FB9AB}"/>
-              </a:ext>
-            </a:extLst>
-          </p:cNvPr>
-          <p:cNvSpPr>
-            <a:spLocks noGrp="1"/>
-          </p:cNvSpPr>
-          <p:nvPr>
-            <p:ph type="dt" sz="half" idx="10"/>
-          </p:nvPr>
-        </p:nvSpPr>
-        <p:spPr/>
-        <p:txBody>
-          <a:bodyPr/>
-          <a:lstStyle/>
-          <a:p>
-            <a:fld id="{0EFBEC3F-4208-4590-BA97-4119A385DFD9}" type="datetime1">
-              <a:rPr lang="en-US" smtClean="0"/>
-              <a:t>8/25/2025</a:t>
-            </a:fld>
-            <a:endParaRPr lang="en-US"/>
-          </a:p>
-        </p:txBody>
-      </p:sp>
-      <p:sp>
-        <p:nvSpPr>
-          <p:cNvPr id="5" name="Slide Number Placeholder 4">
-            <a:extLst>
-              <a:ext uri="{FF2B5EF4-FFF2-40B4-BE49-F238E27FC236}">
-                <a16:creationId xmlns:a16="http://schemas.microsoft.com/office/drawing/2014/main" id="{5708C3EC-3069-CF97-A1D8-B58BD7378B05}"/>
-              </a:ext>
-            </a:extLst>
-          </p:cNvPr>
-          <p:cNvSpPr>
-            <a:spLocks noGrp="1"/>
-          </p:cNvSpPr>
-          <p:nvPr>
-            <p:ph type="sldNum" sz="quarter" idx="12"/>
-          </p:nvPr>
-        </p:nvSpPr>
-        <p:spPr/>
-        <p:txBody>
-          <a:bodyPr/>
-          <a:lstStyle/>
-          <a:p>
-            <a:fld id="{C1FF6DA9-008F-8B48-92A6-B652298478BF}" type="slidenum">
-              <a:rPr lang="en-US" smtClean="0"/>
-              <a:t>3</a:t>
-            </a:fld>
-            <a:endParaRPr lang="en-US"/>
-          </a:p>
-        </p:txBody>
-      </p:sp>
-    </p:spTree>
-    <p:extLst>
-      <p:ext uri="{BB962C8B-B14F-4D97-AF65-F5344CB8AC3E}">
-        <p14:creationId xmlns:p14="http://schemas.microsoft.com/office/powerpoint/2010/main" val="4022417390"/>
-      </p:ext>
-    </p:extLst>
-  </p:cSld>
-  <p:clrMapOvr>
-    <a:masterClrMapping/>
-  </p:clrMapOvr>
-</p:sld>
-</file>
-
-<file path=ppt/slides/slide30.xml><?xml version="1.0" encoding="utf-8"?>
+<file path=ppt/slides/slide29.xml><?xml version="1.0" encoding="utf-8"?>
 <p:sld xmlns:a="http://schemas.openxmlformats.org/drawingml/2006/main" xmlns:r="http://schemas.openxmlformats.org/officeDocument/2006/relationships" xmlns:p="http://schemas.openxmlformats.org/presentationml/2006/main">
   <p:cSld>
     <p:spTree>
@@ -10279,7 +9867,7 @@
           <a:p>
             <a:fld id="{0EFBEC3F-4208-4590-BA97-4119A385DFD9}" type="datetime1">
               <a:rPr lang="en-US" smtClean="0"/>
-              <a:t>8/25/2025</a:t>
+              <a:t>9/15/2025</a:t>
             </a:fld>
             <a:endParaRPr lang="en-US"/>
           </a:p>
@@ -10308,7 +9896,7 @@
           <a:p>
             <a:fld id="{C1FF6DA9-008F-8B48-92A6-B652298478BF}" type="slidenum">
               <a:rPr lang="en-US" smtClean="0"/>
-              <a:t>30</a:t>
+              <a:t>29</a:t>
             </a:fld>
             <a:endParaRPr lang="en-US"/>
           </a:p>
@@ -10327,7 +9915,163 @@
 </p:sld>
 </file>
 
-<file path=ppt/slides/slide31.xml><?xml version="1.0" encoding="utf-8"?>
+<file path=ppt/slides/slide3.xml><?xml version="1.0" encoding="utf-8"?>
+<p:sld xmlns:a="http://schemas.openxmlformats.org/drawingml/2006/main" xmlns:r="http://schemas.openxmlformats.org/officeDocument/2006/relationships" xmlns:p="http://schemas.openxmlformats.org/presentationml/2006/main">
+  <p:cSld>
+    <p:spTree>
+      <p:nvGrpSpPr>
+        <p:cNvPr id="1" name=""/>
+        <p:cNvGrpSpPr/>
+        <p:nvPr/>
+      </p:nvGrpSpPr>
+      <p:grpSpPr>
+        <a:xfrm>
+          <a:off x="0" y="0"/>
+          <a:ext cx="0" cy="0"/>
+          <a:chOff x="0" y="0"/>
+          <a:chExt cx="0" cy="0"/>
+        </a:xfrm>
+      </p:grpSpPr>
+      <p:sp>
+        <p:nvSpPr>
+          <p:cNvPr id="2" name="Title 1">
+            <a:extLst>
+              <a:ext uri="{FF2B5EF4-FFF2-40B4-BE49-F238E27FC236}">
+                <a16:creationId xmlns:a16="http://schemas.microsoft.com/office/drawing/2014/main" id="{B9C0613F-E1A8-00E8-56D9-54D08CE43BF9}"/>
+              </a:ext>
+            </a:extLst>
+          </p:cNvPr>
+          <p:cNvSpPr>
+            <a:spLocks noGrp="1"/>
+          </p:cNvSpPr>
+          <p:nvPr>
+            <p:ph type="title"/>
+          </p:nvPr>
+        </p:nvSpPr>
+        <p:spPr/>
+        <p:txBody>
+          <a:bodyPr/>
+          <a:lstStyle/>
+          <a:p>
+            <a:r>
+              <a:rPr lang="en-US" dirty="0"/>
+              <a:t>Period Highlight - 4</a:t>
+            </a:r>
+          </a:p>
+        </p:txBody>
+      </p:sp>
+      <p:sp>
+        <p:nvSpPr>
+          <p:cNvPr id="3" name="Content Placeholder 2">
+            <a:extLst>
+              <a:ext uri="{FF2B5EF4-FFF2-40B4-BE49-F238E27FC236}">
+                <a16:creationId xmlns:a16="http://schemas.microsoft.com/office/drawing/2014/main" id="{08A4606F-6E0B-C26C-E39E-2025FA207242}"/>
+              </a:ext>
+            </a:extLst>
+          </p:cNvPr>
+          <p:cNvSpPr>
+            <a:spLocks noGrp="1"/>
+          </p:cNvSpPr>
+          <p:nvPr>
+            <p:ph idx="1"/>
+          </p:nvPr>
+        </p:nvSpPr>
+        <p:spPr/>
+        <p:txBody>
+          <a:bodyPr/>
+          <a:lstStyle/>
+          <a:p>
+            <a:r>
+              <a:rPr lang="en-US" dirty="0"/>
+              <a:t>Implementation of Vx and Vy</a:t>
+            </a:r>
+          </a:p>
+          <a:p>
+            <a:r>
+              <a:rPr lang="en-US" dirty="0"/>
+              <a:t>Validation of Vx and Vy</a:t>
+            </a:r>
+          </a:p>
+          <a:p>
+            <a:r>
+              <a:rPr lang="en-US" dirty="0"/>
+              <a:t>Obtain IMU</a:t>
+            </a:r>
+          </a:p>
+        </p:txBody>
+      </p:sp>
+      <p:sp>
+        <p:nvSpPr>
+          <p:cNvPr id="4" name="Date Placeholder 3">
+            <a:extLst>
+              <a:ext uri="{FF2B5EF4-FFF2-40B4-BE49-F238E27FC236}">
+                <a16:creationId xmlns:a16="http://schemas.microsoft.com/office/drawing/2014/main" id="{AF481221-112F-88F1-B090-32C47E3FB9AB}"/>
+              </a:ext>
+            </a:extLst>
+          </p:cNvPr>
+          <p:cNvSpPr>
+            <a:spLocks noGrp="1"/>
+          </p:cNvSpPr>
+          <p:nvPr>
+            <p:ph type="dt" sz="half" idx="10"/>
+          </p:nvPr>
+        </p:nvSpPr>
+        <p:spPr/>
+        <p:txBody>
+          <a:bodyPr/>
+          <a:lstStyle/>
+          <a:p>
+            <a:fld id="{0EFBEC3F-4208-4590-BA97-4119A385DFD9}" type="datetime1">
+              <a:rPr lang="en-US" smtClean="0"/>
+              <a:t>9/15/2025</a:t>
+            </a:fld>
+            <a:endParaRPr lang="en-US"/>
+          </a:p>
+        </p:txBody>
+      </p:sp>
+      <p:sp>
+        <p:nvSpPr>
+          <p:cNvPr id="5" name="Slide Number Placeholder 4">
+            <a:extLst>
+              <a:ext uri="{FF2B5EF4-FFF2-40B4-BE49-F238E27FC236}">
+                <a16:creationId xmlns:a16="http://schemas.microsoft.com/office/drawing/2014/main" id="{5708C3EC-3069-CF97-A1D8-B58BD7378B05}"/>
+              </a:ext>
+            </a:extLst>
+          </p:cNvPr>
+          <p:cNvSpPr>
+            <a:spLocks noGrp="1"/>
+          </p:cNvSpPr>
+          <p:nvPr>
+            <p:ph type="sldNum" sz="quarter" idx="12"/>
+          </p:nvPr>
+        </p:nvSpPr>
+        <p:spPr/>
+        <p:txBody>
+          <a:bodyPr/>
+          <a:lstStyle/>
+          <a:p>
+            <a:fld id="{C1FF6DA9-008F-8B48-92A6-B652298478BF}" type="slidenum">
+              <a:rPr lang="en-US" smtClean="0"/>
+              <a:t>3</a:t>
+            </a:fld>
+            <a:endParaRPr lang="en-US"/>
+          </a:p>
+        </p:txBody>
+      </p:sp>
+    </p:spTree>
+    <p:extLst>
+      <p:ext uri="{BB962C8B-B14F-4D97-AF65-F5344CB8AC3E}">
+        <p14:creationId xmlns:p14="http://schemas.microsoft.com/office/powerpoint/2010/main" val="4022417390"/>
+      </p:ext>
+    </p:extLst>
+  </p:cSld>
+  <p:clrMapOvr>
+    <a:masterClrMapping/>
+  </p:clrMapOvr>
+</p:sld>
+</file>
+
+<file path=ppt/slides/slide30.xml><?xml version="1.0" encoding="utf-8"?>
 <p:sld xmlns:a="http://schemas.openxmlformats.org/drawingml/2006/main" xmlns:r="http://schemas.openxmlformats.org/officeDocument/2006/relationships" xmlns:p="http://schemas.openxmlformats.org/presentationml/2006/main">
   <p:cSld>
     <p:spTree>
@@ -10459,7 +10203,7 @@
           <a:p>
             <a:fld id="{0EFBEC3F-4208-4590-BA97-4119A385DFD9}" type="datetime1">
               <a:rPr lang="en-US" smtClean="0"/>
-              <a:t>8/25/2025</a:t>
+              <a:t>9/15/2025</a:t>
             </a:fld>
             <a:endParaRPr lang="en-US"/>
           </a:p>
@@ -10488,7 +10232,7 @@
           <a:p>
             <a:fld id="{C1FF6DA9-008F-8B48-92A6-B652298478BF}" type="slidenum">
               <a:rPr lang="en-US" smtClean="0"/>
-              <a:t>31</a:t>
+              <a:t>30</a:t>
             </a:fld>
             <a:endParaRPr lang="en-US"/>
           </a:p>
@@ -10537,7 +10281,7 @@
 </p:sld>
 </file>
 
-<file path=ppt/slides/slide32.xml><?xml version="1.0" encoding="utf-8"?>
+<file path=ppt/slides/slide31.xml><?xml version="1.0" encoding="utf-8"?>
 <p:sld xmlns:a="http://schemas.openxmlformats.org/drawingml/2006/main" xmlns:r="http://schemas.openxmlformats.org/officeDocument/2006/relationships" xmlns:p="http://schemas.openxmlformats.org/presentationml/2006/main">
   <p:cSld>
     <p:spTree>
@@ -10638,7 +10382,7 @@
           <a:p>
             <a:fld id="{0EFBEC3F-4208-4590-BA97-4119A385DFD9}" type="datetime1">
               <a:rPr lang="en-US" smtClean="0"/>
-              <a:t>8/25/2025</a:t>
+              <a:t>9/15/2025</a:t>
             </a:fld>
             <a:endParaRPr lang="en-US"/>
           </a:p>
@@ -10667,7 +10411,7 @@
           <a:p>
             <a:fld id="{C1FF6DA9-008F-8B48-92A6-B652298478BF}" type="slidenum">
               <a:rPr lang="en-US" smtClean="0"/>
-              <a:t>32</a:t>
+              <a:t>31</a:t>
             </a:fld>
             <a:endParaRPr lang="en-US"/>
           </a:p>
@@ -10839,7 +10583,7 @@
           <a:p>
             <a:fld id="{0EFBEC3F-4208-4590-BA97-4119A385DFD9}" type="datetime1">
               <a:rPr lang="en-US" smtClean="0"/>
-              <a:t>8/25/2025</a:t>
+              <a:t>9/15/2025</a:t>
             </a:fld>
             <a:endParaRPr lang="en-US"/>
           </a:p>
@@ -11181,7 +10925,7 @@
           <a:p>
             <a:fld id="{0EFBEC3F-4208-4590-BA97-4119A385DFD9}" type="datetime1">
               <a:rPr lang="en-US" smtClean="0"/>
-              <a:t>8/25/2025</a:t>
+              <a:t>9/15/2025</a:t>
             </a:fld>
             <a:endParaRPr lang="en-US"/>
           </a:p>
@@ -11432,7 +11176,7 @@
           <a:p>
             <a:fld id="{0EFBEC3F-4208-4590-BA97-4119A385DFD9}" type="datetime1">
               <a:rPr lang="en-US" smtClean="0"/>
-              <a:t>8/25/2025</a:t>
+              <a:t>9/15/2025</a:t>
             </a:fld>
             <a:endParaRPr lang="en-US"/>
           </a:p>
@@ -11588,7 +11332,7 @@
           <a:p>
             <a:fld id="{0EFBEC3F-4208-4590-BA97-4119A385DFD9}" type="datetime1">
               <a:rPr lang="en-US" smtClean="0"/>
-              <a:t>8/25/2025</a:t>
+              <a:t>9/15/2025</a:t>
             </a:fld>
             <a:endParaRPr lang="en-US"/>
           </a:p>
@@ -11907,7 +11651,7 @@
           <a:p>
             <a:fld id="{0EFBEC3F-4208-4590-BA97-4119A385DFD9}" type="datetime1">
               <a:rPr lang="en-US" smtClean="0"/>
-              <a:t>8/25/2025</a:t>
+              <a:t>9/15/2025</a:t>
             </a:fld>
             <a:endParaRPr lang="en-US"/>
           </a:p>
@@ -12220,7 +11964,7 @@
           <a:p>
             <a:fld id="{0EFBEC3F-4208-4590-BA97-4119A385DFD9}" type="datetime1">
               <a:rPr lang="en-US" smtClean="0"/>
-              <a:t>8/25/2025</a:t>
+              <a:t>9/15/2025</a:t>
             </a:fld>
             <a:endParaRPr lang="en-US"/>
           </a:p>

--- a/06_PresentationUpdates/Radar_ResearchProject.pptx
+++ b/06_PresentationUpdates/Radar_ResearchProject.pptx
@@ -1298,7 +1298,7 @@
           <a:p>
             <a:fld id="{914561EA-877F-40EB-BD03-9F9D93CF8F08}" type="datetimeFigureOut">
               <a:rPr lang="en-US" smtClean="0"/>
-              <a:t>9/7/2025</a:t>
+              <a:t>10/17/2025</a:t>
             </a:fld>
             <a:endParaRPr lang="en-US"/>
           </a:p>
@@ -1828,7 +1828,7 @@
           <a:p>
             <a:fld id="{AFA779F1-D9BB-4E74-86A2-2DC123167359}" type="datetime1">
               <a:rPr lang="en-US" smtClean="0"/>
-              <a:t>9/7/2025</a:t>
+              <a:t>10/17/2025</a:t>
             </a:fld>
             <a:endParaRPr lang="en-US" dirty="0"/>
           </a:p>
@@ -1846,7 +1846,7 @@
         </p:nvSpPr>
         <p:spPr>
           <a:xfrm>
-            <a:off x="3124200" y="6356350"/>
+            <a:off x="3063815" y="5559425"/>
             <a:ext cx="2895600" cy="365125"/>
           </a:xfrm>
           <a:prstGeom prst="rect">
@@ -2004,7 +2004,7 @@
           <a:p>
             <a:fld id="{BD548D2B-CE3E-4EDD-9649-B6EE9E3C2340}" type="datetime1">
               <a:rPr lang="en-US" smtClean="0"/>
-              <a:t>9/7/2025</a:t>
+              <a:t>10/17/2025</a:t>
             </a:fld>
             <a:endParaRPr lang="en-US"/>
           </a:p>
@@ -2190,7 +2190,7 @@
           <a:p>
             <a:fld id="{ACEBBA4F-0F17-4FF1-AA6C-E0193917BC1E}" type="datetime1">
               <a:rPr lang="en-US" smtClean="0"/>
-              <a:t>9/7/2025</a:t>
+              <a:t>10/17/2025</a:t>
             </a:fld>
             <a:endParaRPr lang="en-US"/>
           </a:p>
@@ -2366,7 +2366,7 @@
           <a:p>
             <a:fld id="{0EFBEC3F-4208-4590-BA97-4119A385DFD9}" type="datetime1">
               <a:rPr lang="en-US" smtClean="0"/>
-              <a:t>9/7/2025</a:t>
+              <a:t>10/17/2025</a:t>
             </a:fld>
             <a:endParaRPr lang="en-US"/>
           </a:p>
@@ -2619,7 +2619,7 @@
           <a:p>
             <a:fld id="{B2D760EB-C9A5-467F-AA36-B176C44BCBF1}" type="datetime1">
               <a:rPr lang="en-US" smtClean="0"/>
-              <a:t>9/7/2025</a:t>
+              <a:t>10/17/2025</a:t>
             </a:fld>
             <a:endParaRPr lang="en-US"/>
           </a:p>
@@ -2912,7 +2912,7 @@
           <a:p>
             <a:fld id="{1C9B5E61-6324-405D-8AF5-05323E47D966}" type="datetime1">
               <a:rPr lang="en-US" smtClean="0"/>
-              <a:t>9/7/2025</a:t>
+              <a:t>10/17/2025</a:t>
             </a:fld>
             <a:endParaRPr lang="en-US"/>
           </a:p>
@@ -3339,7 +3339,7 @@
           <a:p>
             <a:fld id="{4A37807E-A869-4435-A051-311AEF96909D}" type="datetime1">
               <a:rPr lang="en-US" smtClean="0"/>
-              <a:t>9/7/2025</a:t>
+              <a:t>10/17/2025</a:t>
             </a:fld>
             <a:endParaRPr lang="en-US"/>
           </a:p>
@@ -3464,7 +3464,7 @@
           <a:p>
             <a:fld id="{1BC8686A-CD31-4B11-9B8F-A51012174BB0}" type="datetime1">
               <a:rPr lang="en-US" smtClean="0"/>
-              <a:t>9/7/2025</a:t>
+              <a:t>10/17/2025</a:t>
             </a:fld>
             <a:endParaRPr lang="en-US"/>
           </a:p>
@@ -3567,7 +3567,7 @@
           <a:p>
             <a:fld id="{4F4B4EA3-50E0-4631-85EF-BDA8608D293F}" type="datetime1">
               <a:rPr lang="en-US" smtClean="0"/>
-              <a:t>9/7/2025</a:t>
+              <a:t>10/17/2025</a:t>
             </a:fld>
             <a:endParaRPr lang="en-US"/>
           </a:p>
@@ -3850,7 +3850,7 @@
           <a:p>
             <a:fld id="{4BA8B4E6-89B0-4D9D-AC8C-3B8ECDAACC34}" type="datetime1">
               <a:rPr lang="en-US" smtClean="0"/>
-              <a:t>9/7/2025</a:t>
+              <a:t>10/17/2025</a:t>
             </a:fld>
             <a:endParaRPr lang="en-US"/>
           </a:p>
@@ -4110,7 +4110,7 @@
           <a:p>
             <a:fld id="{0A1BBC16-5931-43C3-BDFF-9B248A400D54}" type="datetime1">
               <a:rPr lang="en-US" smtClean="0"/>
-              <a:t>9/7/2025</a:t>
+              <a:t>10/17/2025</a:t>
             </a:fld>
             <a:endParaRPr lang="en-US"/>
           </a:p>
@@ -4421,7 +4421,7 @@
           <a:p>
             <a:fld id="{A7143E5B-78DF-476F-8A09-9FD612E00067}" type="datetime1">
               <a:rPr lang="en-US" smtClean="0"/>
-              <a:t>9/7/2025</a:t>
+              <a:t>10/17/2025</a:t>
             </a:fld>
             <a:endParaRPr lang="en-US" dirty="0"/>
           </a:p>
@@ -4513,23 +4513,7 @@
                   <a:schemeClr val="bg1"/>
                 </a:solidFill>
               </a:rPr>
-              <a:t>FH Dortmund, </a:t>
-            </a:r>
-            <a:r>
-              <a:rPr lang="en-US" sz="800">
-                <a:solidFill>
-                  <a:schemeClr val="bg1"/>
-                </a:solidFill>
-              </a:rPr>
-              <a:t>Se 2025</a:t>
-            </a:r>
-            <a:r>
-              <a:rPr lang="en-US" sz="800" dirty="0">
-                <a:solidFill>
-                  <a:schemeClr val="bg1"/>
-                </a:solidFill>
-              </a:rPr>
-              <a:t>, Master ESE</a:t>
+              <a:t>FH Dortmund, 2025, Master ESE</a:t>
             </a:r>
           </a:p>
         </p:txBody>
@@ -4956,7 +4940,7 @@
           <a:p>
             <a:fld id="{1FF5D759-AFA5-4CA4-8536-68E39A72291A}" type="datetime1">
               <a:rPr lang="en-US" smtClean="0"/>
-              <a:t>9/7/2025</a:t>
+              <a:t>10/17/2025</a:t>
             </a:fld>
             <a:endParaRPr lang="en-US" dirty="0"/>
           </a:p>
@@ -5058,7 +5042,7 @@
           <a:p>
             <a:fld id="{0EFBEC3F-4208-4590-BA97-4119A385DFD9}" type="datetime1">
               <a:rPr lang="en-US" smtClean="0"/>
-              <a:t>9/7/2025</a:t>
+              <a:t>10/17/2025</a:t>
             </a:fld>
             <a:endParaRPr lang="en-US"/>
           </a:p>
@@ -5213,7 +5197,7 @@
           <a:p>
             <a:fld id="{0EFBEC3F-4208-4590-BA97-4119A385DFD9}" type="datetime1">
               <a:rPr lang="en-US" smtClean="0"/>
-              <a:t>9/7/2025</a:t>
+              <a:t>10/17/2025</a:t>
             </a:fld>
             <a:endParaRPr lang="en-US"/>
           </a:p>
@@ -5398,7 +5382,7 @@
           <a:p>
             <a:fld id="{0EFBEC3F-4208-4590-BA97-4119A385DFD9}" type="datetime1">
               <a:rPr lang="en-US" smtClean="0"/>
-              <a:t>9/7/2025</a:t>
+              <a:t>10/17/2025</a:t>
             </a:fld>
             <a:endParaRPr lang="en-US"/>
           </a:p>
@@ -5695,7 +5679,7 @@
           <a:p>
             <a:fld id="{0EFBEC3F-4208-4590-BA97-4119A385DFD9}" type="datetime1">
               <a:rPr lang="en-US" smtClean="0"/>
-              <a:t>9/7/2025</a:t>
+              <a:t>10/17/2025</a:t>
             </a:fld>
             <a:endParaRPr lang="en-US"/>
           </a:p>
@@ -5873,7 +5857,7 @@
           <a:p>
             <a:fld id="{0EFBEC3F-4208-4590-BA97-4119A385DFD9}" type="datetime1">
               <a:rPr lang="en-US" smtClean="0"/>
-              <a:t>9/7/2025</a:t>
+              <a:t>10/17/2025</a:t>
             </a:fld>
             <a:endParaRPr lang="en-US"/>
           </a:p>
@@ -6112,7 +6096,7 @@
           <a:p>
             <a:fld id="{0EFBEC3F-4208-4590-BA97-4119A385DFD9}" type="datetime1">
               <a:rPr lang="en-US" smtClean="0"/>
-              <a:t>9/7/2025</a:t>
+              <a:t>10/17/2025</a:t>
             </a:fld>
             <a:endParaRPr lang="en-US"/>
           </a:p>
@@ -6381,7 +6365,7 @@
           <a:p>
             <a:fld id="{0EFBEC3F-4208-4590-BA97-4119A385DFD9}" type="datetime1">
               <a:rPr lang="en-US" smtClean="0"/>
-              <a:t>9/7/2025</a:t>
+              <a:t>10/17/2025</a:t>
             </a:fld>
             <a:endParaRPr lang="en-US"/>
           </a:p>
@@ -6636,7 +6620,7 @@
           <a:p>
             <a:fld id="{0EFBEC3F-4208-4590-BA97-4119A385DFD9}" type="datetime1">
               <a:rPr lang="en-US" smtClean="0"/>
-              <a:t>9/7/2025</a:t>
+              <a:t>10/17/2025</a:t>
             </a:fld>
             <a:endParaRPr lang="en-US"/>
           </a:p>
@@ -6902,7 +6886,7 @@
           <a:p>
             <a:fld id="{0EFBEC3F-4208-4590-BA97-4119A385DFD9}" type="datetime1">
               <a:rPr lang="en-US" smtClean="0"/>
-              <a:t>9/7/2025</a:t>
+              <a:t>10/17/2025</a:t>
             </a:fld>
             <a:endParaRPr lang="en-US"/>
           </a:p>
@@ -7141,7 +7125,7 @@
           <a:p>
             <a:fld id="{0EFBEC3F-4208-4590-BA97-4119A385DFD9}" type="datetime1">
               <a:rPr lang="en-US" smtClean="0"/>
-              <a:t>9/7/2025</a:t>
+              <a:t>10/17/2025</a:t>
             </a:fld>
             <a:endParaRPr lang="en-US"/>
           </a:p>
@@ -7286,7 +7270,7 @@
           <a:p>
             <a:fld id="{1AA46178-B97E-4817-9029-290586FA77E9}" type="datetime1">
               <a:rPr lang="en-US" smtClean="0"/>
-              <a:t>9/7/2025</a:t>
+              <a:t>10/17/2025</a:t>
             </a:fld>
             <a:endParaRPr lang="en-US"/>
           </a:p>
@@ -7506,7 +7490,7 @@
           <a:p>
             <a:fld id="{0EFBEC3F-4208-4590-BA97-4119A385DFD9}" type="datetime1">
               <a:rPr lang="en-US" smtClean="0"/>
-              <a:t>9/7/2025</a:t>
+              <a:t>10/17/2025</a:t>
             </a:fld>
             <a:endParaRPr lang="en-US"/>
           </a:p>
@@ -7717,7 +7701,7 @@
           <a:p>
             <a:fld id="{0EFBEC3F-4208-4590-BA97-4119A385DFD9}" type="datetime1">
               <a:rPr lang="en-US" smtClean="0"/>
-              <a:t>9/7/2025</a:t>
+              <a:t>10/17/2025</a:t>
             </a:fld>
             <a:endParaRPr lang="en-US"/>
           </a:p>
@@ -7988,7 +7972,7 @@
           <a:p>
             <a:fld id="{0EFBEC3F-4208-4590-BA97-4119A385DFD9}" type="datetime1">
               <a:rPr lang="en-US" smtClean="0"/>
-              <a:t>9/7/2025</a:t>
+              <a:t>10/17/2025</a:t>
             </a:fld>
             <a:endParaRPr lang="en-US"/>
           </a:p>
@@ -8259,7 +8243,7 @@
           <a:p>
             <a:fld id="{0EFBEC3F-4208-4590-BA97-4119A385DFD9}" type="datetime1">
               <a:rPr lang="en-US" smtClean="0"/>
-              <a:t>9/7/2025</a:t>
+              <a:t>10/17/2025</a:t>
             </a:fld>
             <a:endParaRPr lang="en-US"/>
           </a:p>
@@ -8500,7 +8484,7 @@
           <a:p>
             <a:fld id="{0EFBEC3F-4208-4590-BA97-4119A385DFD9}" type="datetime1">
               <a:rPr lang="en-US" smtClean="0"/>
-              <a:t>9/7/2025</a:t>
+              <a:t>10/17/2025</a:t>
             </a:fld>
             <a:endParaRPr lang="en-US"/>
           </a:p>
@@ -8741,7 +8725,7 @@
           <a:p>
             <a:fld id="{0EFBEC3F-4208-4590-BA97-4119A385DFD9}" type="datetime1">
               <a:rPr lang="en-US" smtClean="0"/>
-              <a:t>9/7/2025</a:t>
+              <a:t>10/17/2025</a:t>
             </a:fld>
             <a:endParaRPr lang="en-US"/>
           </a:p>
@@ -9024,7 +9008,7 @@
           <a:p>
             <a:fld id="{0EFBEC3F-4208-4590-BA97-4119A385DFD9}" type="datetime1">
               <a:rPr lang="en-US" smtClean="0"/>
-              <a:t>9/7/2025</a:t>
+              <a:t>10/17/2025</a:t>
             </a:fld>
             <a:endParaRPr lang="en-US"/>
           </a:p>
@@ -9298,7 +9282,7 @@
           <a:p>
             <a:fld id="{0EFBEC3F-4208-4590-BA97-4119A385DFD9}" type="datetime1">
               <a:rPr lang="en-US" smtClean="0"/>
-              <a:t>9/7/2025</a:t>
+              <a:t>10/17/2025</a:t>
             </a:fld>
             <a:endParaRPr lang="en-US"/>
           </a:p>
@@ -9536,7 +9520,7 @@
           <a:p>
             <a:fld id="{0EFBEC3F-4208-4590-BA97-4119A385DFD9}" type="datetime1">
               <a:rPr lang="en-US" smtClean="0"/>
-              <a:t>9/7/2025</a:t>
+              <a:t>10/17/2025</a:t>
             </a:fld>
             <a:endParaRPr lang="en-US"/>
           </a:p>
@@ -9840,7 +9824,7 @@
           <a:p>
             <a:fld id="{0EFBEC3F-4208-4590-BA97-4119A385DFD9}" type="datetime1">
               <a:rPr lang="en-US" smtClean="0"/>
-              <a:t>9/7/2025</a:t>
+              <a:t>10/17/2025</a:t>
             </a:fld>
             <a:endParaRPr lang="en-US"/>
           </a:p>
@@ -10056,7 +10040,7 @@
           <a:p>
             <a:fld id="{0EFBEC3F-4208-4590-BA97-4119A385DFD9}" type="datetime1">
               <a:rPr lang="en-US" smtClean="0"/>
-              <a:t>9/7/2025</a:t>
+              <a:t>10/17/2025</a:t>
             </a:fld>
             <a:endParaRPr lang="en-US"/>
           </a:p>
@@ -10223,7 +10207,7 @@
           <a:p>
             <a:fld id="{0EFBEC3F-4208-4590-BA97-4119A385DFD9}" type="datetime1">
               <a:rPr lang="en-US" smtClean="0"/>
-              <a:t>9/7/2025</a:t>
+              <a:t>10/17/2025</a:t>
             </a:fld>
             <a:endParaRPr lang="en-US"/>
           </a:p>
@@ -10447,7 +10431,7 @@
           <a:p>
             <a:fld id="{0EFBEC3F-4208-4590-BA97-4119A385DFD9}" type="datetime1">
               <a:rPr lang="en-US" smtClean="0"/>
-              <a:t>9/7/2025</a:t>
+              <a:t>10/17/2025</a:t>
             </a:fld>
             <a:endParaRPr lang="en-US"/>
           </a:p>
@@ -10646,7 +10630,7 @@
           <a:p>
             <a:fld id="{0EFBEC3F-4208-4590-BA97-4119A385DFD9}" type="datetime1">
               <a:rPr lang="en-US" smtClean="0"/>
-              <a:t>9/7/2025</a:t>
+              <a:t>10/17/2025</a:t>
             </a:fld>
             <a:endParaRPr lang="en-US"/>
           </a:p>
@@ -10900,7 +10884,7 @@
           <a:p>
             <a:fld id="{0EFBEC3F-4208-4590-BA97-4119A385DFD9}" type="datetime1">
               <a:rPr lang="en-US" smtClean="0"/>
-              <a:t>9/7/2025</a:t>
+              <a:t>10/17/2025</a:t>
             </a:fld>
             <a:endParaRPr lang="en-US"/>
           </a:p>
@@ -11329,7 +11313,7 @@
           <a:p>
             <a:fld id="{0EFBEC3F-4208-4590-BA97-4119A385DFD9}" type="datetime1">
               <a:rPr lang="en-US" smtClean="0"/>
-              <a:t>9/7/2025</a:t>
+              <a:t>10/17/2025</a:t>
             </a:fld>
             <a:endParaRPr lang="en-US"/>
           </a:p>
@@ -11774,7 +11758,7 @@
           <a:p>
             <a:fld id="{0EFBEC3F-4208-4590-BA97-4119A385DFD9}" type="datetime1">
               <a:rPr lang="en-US" smtClean="0"/>
-              <a:t>9/7/2025</a:t>
+              <a:t>10/17/2025</a:t>
             </a:fld>
             <a:endParaRPr lang="en-US"/>
           </a:p>
@@ -12195,7 +12179,7 @@
           <a:p>
             <a:fld id="{0EFBEC3F-4208-4590-BA97-4119A385DFD9}" type="datetime1">
               <a:rPr lang="en-US" smtClean="0"/>
-              <a:t>9/7/2025</a:t>
+              <a:t>10/17/2025</a:t>
             </a:fld>
             <a:endParaRPr lang="en-US"/>
           </a:p>
@@ -12676,7 +12660,7 @@
           <a:p>
             <a:fld id="{0EFBEC3F-4208-4590-BA97-4119A385DFD9}" type="datetime1">
               <a:rPr lang="en-US" smtClean="0"/>
-              <a:t>9/7/2025</a:t>
+              <a:t>10/17/2025</a:t>
             </a:fld>
             <a:endParaRPr lang="en-US"/>
           </a:p>
@@ -13282,7 +13266,7 @@
           <a:p>
             <a:fld id="{0EFBEC3F-4208-4590-BA97-4119A385DFD9}" type="datetime1">
               <a:rPr lang="en-US" smtClean="0"/>
-              <a:t>9/7/2025</a:t>
+              <a:t>10/17/2025</a:t>
             </a:fld>
             <a:endParaRPr lang="en-US"/>
           </a:p>
@@ -13600,7 +13584,7 @@
           <a:p>
             <a:fld id="{0EFBEC3F-4208-4590-BA97-4119A385DFD9}" type="datetime1">
               <a:rPr lang="en-US" smtClean="0"/>
-              <a:t>9/7/2025</a:t>
+              <a:t>10/17/2025</a:t>
             </a:fld>
             <a:endParaRPr lang="en-US"/>
           </a:p>
@@ -13801,7 +13785,7 @@
           <a:p>
             <a:fld id="{0EFBEC3F-4208-4590-BA97-4119A385DFD9}" type="datetime1">
               <a:rPr lang="en-US" smtClean="0"/>
-              <a:t>9/7/2025</a:t>
+              <a:t>10/17/2025</a:t>
             </a:fld>
             <a:endParaRPr lang="en-US"/>
           </a:p>
@@ -14143,7 +14127,7 @@
           <a:p>
             <a:fld id="{0EFBEC3F-4208-4590-BA97-4119A385DFD9}" type="datetime1">
               <a:rPr lang="en-US" smtClean="0"/>
-              <a:t>9/7/2025</a:t>
+              <a:t>10/17/2025</a:t>
             </a:fld>
             <a:endParaRPr lang="en-US"/>
           </a:p>
@@ -14394,7 +14378,7 @@
           <a:p>
             <a:fld id="{0EFBEC3F-4208-4590-BA97-4119A385DFD9}" type="datetime1">
               <a:rPr lang="en-US" smtClean="0"/>
-              <a:t>9/7/2025</a:t>
+              <a:t>10/17/2025</a:t>
             </a:fld>
             <a:endParaRPr lang="en-US"/>
           </a:p>
@@ -14550,7 +14534,7 @@
           <a:p>
             <a:fld id="{0EFBEC3F-4208-4590-BA97-4119A385DFD9}" type="datetime1">
               <a:rPr lang="en-US" smtClean="0"/>
-              <a:t>9/7/2025</a:t>
+              <a:t>10/17/2025</a:t>
             </a:fld>
             <a:endParaRPr lang="en-US"/>
           </a:p>
@@ -14869,7 +14853,7 @@
           <a:p>
             <a:fld id="{0EFBEC3F-4208-4590-BA97-4119A385DFD9}" type="datetime1">
               <a:rPr lang="en-US" smtClean="0"/>
-              <a:t>9/7/2025</a:t>
+              <a:t>10/17/2025</a:t>
             </a:fld>
             <a:endParaRPr lang="en-US"/>
           </a:p>
@@ -15182,7 +15166,7 @@
           <a:p>
             <a:fld id="{0EFBEC3F-4208-4590-BA97-4119A385DFD9}" type="datetime1">
               <a:rPr lang="en-US" smtClean="0"/>
-              <a:t>9/7/2025</a:t>
+              <a:t>10/17/2025</a:t>
             </a:fld>
             <a:endParaRPr lang="en-US"/>
           </a:p>
